--- a/OpenPBS/Resources/illustrations/DescriptionsPerPBS_ToTool.pptx
+++ b/OpenPBS/Resources/illustrations/DescriptionsPerPBS_ToTool.pptx
@@ -5,7 +5,7 @@
     <p:sldMasterId id="2147483648" r:id="rId1"/>
   </p:sldMasterIdLst>
   <p:notesMasterIdLst>
-    <p:notesMasterId r:id="rId8"/>
+    <p:notesMasterId r:id="rId9"/>
   </p:notesMasterIdLst>
   <p:sldIdLst>
     <p:sldId id="258" r:id="rId2"/>
@@ -14,6 +14,7 @@
     <p:sldId id="259" r:id="rId5"/>
     <p:sldId id="260" r:id="rId6"/>
     <p:sldId id="257" r:id="rId7"/>
+    <p:sldId id="262" r:id="rId8"/>
   </p:sldIdLst>
   <p:sldSz cx="12192000" cy="6858000"/>
   <p:notesSz cx="6858000" cy="9144000"/>
@@ -202,7 +203,7 @@
           <a:p>
             <a:fld id="{C4323B45-13B1-45B0-9F8E-94CB6922880E}" type="datetimeFigureOut">
               <a:rPr lang="en-GB" smtClean="0"/>
-              <a:t>20/11/2016</a:t>
+              <a:t>24/11/2016</a:t>
             </a:fld>
             <a:endParaRPr lang="en-GB"/>
           </a:p>
@@ -1048,8 +1049,8 @@
           </a:p>
         </p:txBody>
       </p:sp>
-      <mc:AlternateContent xmlns:mc="http://schemas.openxmlformats.org/markup-compatibility/2006">
-        <mc:Choice xmlns:a14="http://schemas.microsoft.com/office/drawing/2010/main" Requires="a14">
+      <mc:AlternateContent xmlns:mc="http://schemas.openxmlformats.org/markup-compatibility/2006" xmlns:a14="http://schemas.microsoft.com/office/drawing/2010/main">
+        <mc:Choice Requires="a14">
           <p:graphicFrame>
             <p:nvGraphicFramePr>
               <p:cNvPr id="6" name="Table 5"/>
@@ -2509,7 +2510,7 @@
                             </a:spcAft>
                           </a:pPr>
                           <a:r>
-                            <a:rPr lang="en-US" sz="1600">
+                            <a:rPr lang="en-US" sz="1600" dirty="0">
                               <a:effectLst/>
                               <a:latin typeface="Cambria" panose="02040503050406030204" pitchFamily="18" charset="0"/>
                               <a:ea typeface="Calibri" panose="020F0502020204030204" pitchFamily="34" charset="0"/>
@@ -2517,7 +2518,7 @@
                             </a:rPr>
                             <a:t>Low Speed Swept Path</a:t>
                           </a:r>
-                          <a:endParaRPr lang="sv-SE" sz="1800">
+                          <a:endParaRPr lang="sv-SE" sz="1800" dirty="0">
                             <a:effectLst/>
                             <a:latin typeface="Cambria" panose="02040503050406030204" pitchFamily="18" charset="0"/>
                             <a:ea typeface="Calibri" panose="020F0502020204030204" pitchFamily="34" charset="0"/>
@@ -2578,7 +2579,7 @@
                             </a:spcAft>
                           </a:pPr>
                           <a:r>
-                            <a:rPr lang="en-US" sz="1600">
+                            <a:rPr lang="en-US" sz="1600" dirty="0">
                               <a:effectLst/>
                               <a:latin typeface="Cambria" panose="02040503050406030204" pitchFamily="18" charset="0"/>
                               <a:ea typeface="Calibri" panose="020F0502020204030204" pitchFamily="34" charset="0"/>
@@ -2586,7 +2587,7 @@
                             </a:rPr>
                             <a:t>LSSP</a:t>
                           </a:r>
-                          <a:endParaRPr lang="sv-SE" sz="1800">
+                          <a:endParaRPr lang="sv-SE" sz="1800" dirty="0">
                             <a:effectLst/>
                             <a:latin typeface="Cambria" panose="02040503050406030204" pitchFamily="18" charset="0"/>
                             <a:ea typeface="Calibri" panose="020F0502020204030204" pitchFamily="34" charset="0"/>
@@ -3339,7 +3340,7 @@
             </a:graphic>
           </p:graphicFrame>
         </mc:Choice>
-        <mc:Fallback>
+        <mc:Fallback xmlns="">
           <p:graphicFrame>
             <p:nvGraphicFramePr>
               <p:cNvPr id="6" name="Table 5"/>
@@ -5610,15 +5611,7 @@
           <a:p>
             <a:r>
               <a:rPr lang="en-GB" dirty="0" smtClean="0"/>
-              <a:t>Generate a bitmap file for each of slide 3 to last slide. </a:t>
-            </a:r>
-            <a:r>
-              <a:rPr lang="en-GB" dirty="0" smtClean="0"/>
-              <a:t>Link </a:t>
-            </a:r>
-            <a:r>
-              <a:rPr lang="en-GB" dirty="0" smtClean="0"/>
-              <a:t>each such bitmap to Info layer in </a:t>
+              <a:t>Generate a bitmap file for each of slide 3 to last slide. Link each such bitmap to Info layer in </a:t>
             </a:r>
             <a:r>
               <a:rPr lang="en-GB" dirty="0"/>
@@ -5634,7 +5627,6 @@
               <a:rPr lang="en-GB" dirty="0" smtClean="0"/>
               <a:t>Description of definition of each PBS (independent of the vehicle model).</a:t>
             </a:r>
-            <a:endParaRPr lang="en-GB" dirty="0" smtClean="0"/>
           </a:p>
           <a:p>
             <a:endParaRPr lang="en-GB" dirty="0"/>
@@ -5943,517 +5935,8 @@
           </a:p>
         </p:txBody>
       </p:sp>
-      <p:grpSp>
-        <p:nvGrpSpPr>
-          <p:cNvPr id="5" name="Group 4"/>
-          <p:cNvGrpSpPr/>
-          <p:nvPr/>
-        </p:nvGrpSpPr>
-        <p:grpSpPr>
-          <a:xfrm>
-            <a:off x="3425710" y="1599113"/>
-            <a:ext cx="1929912" cy="811822"/>
-            <a:chOff x="5251938" y="2417885"/>
-            <a:chExt cx="1929912" cy="811822"/>
-          </a:xfrm>
-        </p:grpSpPr>
-        <p:sp>
-          <p:nvSpPr>
-            <p:cNvPr id="6" name="Rectangle 5"/>
-            <p:cNvSpPr/>
-            <p:nvPr/>
-          </p:nvSpPr>
-          <p:spPr>
-            <a:xfrm>
-              <a:off x="5251938" y="2420815"/>
-              <a:ext cx="1929912" cy="808892"/>
-            </a:xfrm>
-            <a:prstGeom prst="rect">
-              <a:avLst/>
-            </a:prstGeom>
-            <a:solidFill>
-              <a:schemeClr val="accent1">
-                <a:alpha val="50000"/>
-              </a:schemeClr>
-            </a:solidFill>
-            <a:ln>
-              <a:solidFill>
-                <a:schemeClr val="tx1"/>
-              </a:solidFill>
-            </a:ln>
-          </p:spPr>
-          <p:style>
-            <a:lnRef idx="2">
-              <a:schemeClr val="accent1">
-                <a:shade val="50000"/>
-              </a:schemeClr>
-            </a:lnRef>
-            <a:fillRef idx="1">
-              <a:schemeClr val="accent1"/>
-            </a:fillRef>
-            <a:effectRef idx="0">
-              <a:schemeClr val="accent1"/>
-            </a:effectRef>
-            <a:fontRef idx="minor">
-              <a:schemeClr val="lt1"/>
-            </a:fontRef>
-          </p:style>
-          <p:txBody>
-            <a:bodyPr rtlCol="0" anchor="ctr"/>
-            <a:lstStyle/>
-            <a:p>
-              <a:pPr algn="ctr"/>
-              <a:endParaRPr lang="en-GB"/>
-            </a:p>
-          </p:txBody>
-        </p:sp>
-        <p:sp>
-          <p:nvSpPr>
-            <p:cNvPr id="7" name="Isosceles Triangle 6"/>
-            <p:cNvSpPr/>
-            <p:nvPr/>
-          </p:nvSpPr>
-          <p:spPr>
-            <a:xfrm rot="5400000">
-              <a:off x="6018334" y="2598127"/>
-              <a:ext cx="800100" cy="439616"/>
-            </a:xfrm>
-            <a:prstGeom prst="triangle">
-              <a:avLst/>
-            </a:prstGeom>
-            <a:noFill/>
-          </p:spPr>
-          <p:style>
-            <a:lnRef idx="2">
-              <a:schemeClr val="accent1">
-                <a:shade val="50000"/>
-              </a:schemeClr>
-            </a:lnRef>
-            <a:fillRef idx="1">
-              <a:schemeClr val="accent1"/>
-            </a:fillRef>
-            <a:effectRef idx="0">
-              <a:schemeClr val="accent1"/>
-            </a:effectRef>
-            <a:fontRef idx="minor">
-              <a:schemeClr val="lt1"/>
-            </a:fontRef>
-          </p:style>
-          <p:txBody>
-            <a:bodyPr rtlCol="0" anchor="ctr"/>
-            <a:lstStyle/>
-            <a:p>
-              <a:pPr algn="ctr"/>
-              <a:endParaRPr lang="en-GB"/>
-            </a:p>
-          </p:txBody>
-        </p:sp>
-        <p:sp>
-          <p:nvSpPr>
-            <p:cNvPr id="8" name="Rectangle 7"/>
-            <p:cNvSpPr/>
-            <p:nvPr/>
-          </p:nvSpPr>
-          <p:spPr>
-            <a:xfrm>
-              <a:off x="6542118" y="2426677"/>
-              <a:ext cx="334108" cy="123093"/>
-            </a:xfrm>
-            <a:prstGeom prst="rect">
-              <a:avLst/>
-            </a:prstGeom>
-            <a:solidFill>
-              <a:schemeClr val="tx1"/>
-            </a:solidFill>
-          </p:spPr>
-          <p:style>
-            <a:lnRef idx="2">
-              <a:schemeClr val="accent1">
-                <a:shade val="50000"/>
-              </a:schemeClr>
-            </a:lnRef>
-            <a:fillRef idx="1">
-              <a:schemeClr val="accent1"/>
-            </a:fillRef>
-            <a:effectRef idx="0">
-              <a:schemeClr val="accent1"/>
-            </a:effectRef>
-            <a:fontRef idx="minor">
-              <a:schemeClr val="lt1"/>
-            </a:fontRef>
-          </p:style>
-          <p:txBody>
-            <a:bodyPr rtlCol="0" anchor="ctr"/>
-            <a:lstStyle/>
-            <a:p>
-              <a:pPr algn="ctr"/>
-              <a:endParaRPr lang="en-GB"/>
-            </a:p>
-          </p:txBody>
-        </p:sp>
-        <p:sp>
-          <p:nvSpPr>
-            <p:cNvPr id="9" name="Rectangle 8"/>
-            <p:cNvSpPr/>
-            <p:nvPr/>
-          </p:nvSpPr>
-          <p:spPr>
-            <a:xfrm>
-              <a:off x="6542118" y="3099837"/>
-              <a:ext cx="334108" cy="123093"/>
-            </a:xfrm>
-            <a:prstGeom prst="rect">
-              <a:avLst/>
-            </a:prstGeom>
-            <a:solidFill>
-              <a:schemeClr val="tx1"/>
-            </a:solidFill>
-          </p:spPr>
-          <p:style>
-            <a:lnRef idx="2">
-              <a:schemeClr val="accent1">
-                <a:shade val="50000"/>
-              </a:schemeClr>
-            </a:lnRef>
-            <a:fillRef idx="1">
-              <a:schemeClr val="accent1"/>
-            </a:fillRef>
-            <a:effectRef idx="0">
-              <a:schemeClr val="accent1"/>
-            </a:effectRef>
-            <a:fontRef idx="minor">
-              <a:schemeClr val="lt1"/>
-            </a:fontRef>
-          </p:style>
-          <p:txBody>
-            <a:bodyPr rtlCol="0" anchor="ctr"/>
-            <a:lstStyle/>
-            <a:p>
-              <a:pPr algn="ctr"/>
-              <a:endParaRPr lang="en-GB"/>
-            </a:p>
-          </p:txBody>
-        </p:sp>
-        <p:sp>
-          <p:nvSpPr>
-            <p:cNvPr id="10" name="Rectangle 9"/>
-            <p:cNvSpPr/>
-            <p:nvPr/>
-          </p:nvSpPr>
-          <p:spPr>
-            <a:xfrm>
-              <a:off x="5515799" y="2426677"/>
-              <a:ext cx="334108" cy="123093"/>
-            </a:xfrm>
-            <a:prstGeom prst="rect">
-              <a:avLst/>
-            </a:prstGeom>
-            <a:solidFill>
-              <a:schemeClr val="tx1"/>
-            </a:solidFill>
-          </p:spPr>
-          <p:style>
-            <a:lnRef idx="2">
-              <a:schemeClr val="accent1">
-                <a:shade val="50000"/>
-              </a:schemeClr>
-            </a:lnRef>
-            <a:fillRef idx="1">
-              <a:schemeClr val="accent1"/>
-            </a:fillRef>
-            <a:effectRef idx="0">
-              <a:schemeClr val="accent1"/>
-            </a:effectRef>
-            <a:fontRef idx="minor">
-              <a:schemeClr val="lt1"/>
-            </a:fontRef>
-          </p:style>
-          <p:txBody>
-            <a:bodyPr rtlCol="0" anchor="ctr"/>
-            <a:lstStyle/>
-            <a:p>
-              <a:pPr algn="ctr"/>
-              <a:endParaRPr lang="en-GB"/>
-            </a:p>
-          </p:txBody>
-        </p:sp>
-        <p:sp>
-          <p:nvSpPr>
-            <p:cNvPr id="11" name="Rectangle 10"/>
-            <p:cNvSpPr/>
-            <p:nvPr/>
-          </p:nvSpPr>
-          <p:spPr>
-            <a:xfrm>
-              <a:off x="5515799" y="3099837"/>
-              <a:ext cx="334108" cy="123093"/>
-            </a:xfrm>
-            <a:prstGeom prst="rect">
-              <a:avLst/>
-            </a:prstGeom>
-            <a:solidFill>
-              <a:schemeClr val="tx1"/>
-            </a:solidFill>
-          </p:spPr>
-          <p:style>
-            <a:lnRef idx="2">
-              <a:schemeClr val="accent1">
-                <a:shade val="50000"/>
-              </a:schemeClr>
-            </a:lnRef>
-            <a:fillRef idx="1">
-              <a:schemeClr val="accent1"/>
-            </a:fillRef>
-            <a:effectRef idx="0">
-              <a:schemeClr val="accent1"/>
-            </a:effectRef>
-            <a:fontRef idx="minor">
-              <a:schemeClr val="lt1"/>
-            </a:fontRef>
-          </p:style>
-          <p:txBody>
-            <a:bodyPr rtlCol="0" anchor="ctr"/>
-            <a:lstStyle/>
-            <a:p>
-              <a:pPr algn="ctr"/>
-              <a:endParaRPr lang="en-GB"/>
-            </a:p>
-          </p:txBody>
-        </p:sp>
-        <p:sp>
-          <p:nvSpPr>
-            <p:cNvPr id="12" name="Oval 11"/>
-            <p:cNvSpPr/>
-            <p:nvPr/>
-          </p:nvSpPr>
-          <p:spPr>
-            <a:xfrm>
-              <a:off x="5276850" y="2776538"/>
-              <a:ext cx="109538" cy="109537"/>
-            </a:xfrm>
-            <a:prstGeom prst="ellipse">
-              <a:avLst/>
-            </a:prstGeom>
-          </p:spPr>
-          <p:style>
-            <a:lnRef idx="2">
-              <a:schemeClr val="accent1">
-                <a:shade val="50000"/>
-              </a:schemeClr>
-            </a:lnRef>
-            <a:fillRef idx="1">
-              <a:schemeClr val="accent1"/>
-            </a:fillRef>
-            <a:effectRef idx="0">
-              <a:schemeClr val="accent1"/>
-            </a:effectRef>
-            <a:fontRef idx="minor">
-              <a:schemeClr val="lt1"/>
-            </a:fontRef>
-          </p:style>
-          <p:txBody>
-            <a:bodyPr rtlCol="0" anchor="ctr"/>
-            <a:lstStyle/>
-            <a:p>
-              <a:pPr algn="ctr"/>
-              <a:endParaRPr lang="en-GB"/>
-            </a:p>
-          </p:txBody>
-        </p:sp>
-      </p:grpSp>
-      <p:grpSp>
-        <p:nvGrpSpPr>
-          <p:cNvPr id="13" name="Group 12"/>
-          <p:cNvGrpSpPr/>
-          <p:nvPr/>
-        </p:nvGrpSpPr>
-        <p:grpSpPr>
-          <a:xfrm>
-            <a:off x="1593735" y="1601555"/>
-            <a:ext cx="2039816" cy="808892"/>
-            <a:chOff x="2813538" y="2426677"/>
-            <a:chExt cx="2039816" cy="808892"/>
-          </a:xfrm>
-        </p:grpSpPr>
-        <p:sp>
-          <p:nvSpPr>
-            <p:cNvPr id="14" name="Rectangle 13"/>
-            <p:cNvSpPr/>
-            <p:nvPr/>
-          </p:nvSpPr>
-          <p:spPr>
-            <a:xfrm>
-              <a:off x="2813538" y="2426677"/>
-              <a:ext cx="2039816" cy="808892"/>
-            </a:xfrm>
-            <a:prstGeom prst="rect">
-              <a:avLst/>
-            </a:prstGeom>
-            <a:solidFill>
-              <a:schemeClr val="accent1">
-                <a:alpha val="50000"/>
-              </a:schemeClr>
-            </a:solidFill>
-            <a:ln>
-              <a:solidFill>
-                <a:schemeClr val="tx1"/>
-              </a:solidFill>
-            </a:ln>
-          </p:spPr>
-          <p:style>
-            <a:lnRef idx="2">
-              <a:schemeClr val="accent1">
-                <a:shade val="50000"/>
-              </a:schemeClr>
-            </a:lnRef>
-            <a:fillRef idx="1">
-              <a:schemeClr val="accent1"/>
-            </a:fillRef>
-            <a:effectRef idx="0">
-              <a:schemeClr val="accent1"/>
-            </a:effectRef>
-            <a:fontRef idx="minor">
-              <a:schemeClr val="lt1"/>
-            </a:fontRef>
-          </p:style>
-          <p:txBody>
-            <a:bodyPr rtlCol="0" anchor="ctr"/>
-            <a:lstStyle/>
-            <a:p>
-              <a:pPr algn="ctr"/>
-              <a:endParaRPr lang="en-GB"/>
-            </a:p>
-          </p:txBody>
-        </p:sp>
-        <p:sp>
-          <p:nvSpPr>
-            <p:cNvPr id="15" name="Rectangle 14"/>
-            <p:cNvSpPr/>
-            <p:nvPr/>
-          </p:nvSpPr>
-          <p:spPr>
-            <a:xfrm>
-              <a:off x="3094068" y="2431440"/>
-              <a:ext cx="334108" cy="123093"/>
-            </a:xfrm>
-            <a:prstGeom prst="rect">
-              <a:avLst/>
-            </a:prstGeom>
-            <a:solidFill>
-              <a:schemeClr val="tx1"/>
-            </a:solidFill>
-          </p:spPr>
-          <p:style>
-            <a:lnRef idx="2">
-              <a:schemeClr val="accent1">
-                <a:shade val="50000"/>
-              </a:schemeClr>
-            </a:lnRef>
-            <a:fillRef idx="1">
-              <a:schemeClr val="accent1"/>
-            </a:fillRef>
-            <a:effectRef idx="0">
-              <a:schemeClr val="accent1"/>
-            </a:effectRef>
-            <a:fontRef idx="minor">
-              <a:schemeClr val="lt1"/>
-            </a:fontRef>
-          </p:style>
-          <p:txBody>
-            <a:bodyPr rtlCol="0" anchor="ctr"/>
-            <a:lstStyle/>
-            <a:p>
-              <a:pPr algn="ctr"/>
-              <a:endParaRPr lang="en-GB"/>
-            </a:p>
-          </p:txBody>
-        </p:sp>
-        <p:sp>
-          <p:nvSpPr>
-            <p:cNvPr id="16" name="Rectangle 15"/>
-            <p:cNvSpPr/>
-            <p:nvPr/>
-          </p:nvSpPr>
-          <p:spPr>
-            <a:xfrm>
-              <a:off x="3094068" y="3104600"/>
-              <a:ext cx="334108" cy="123093"/>
-            </a:xfrm>
-            <a:prstGeom prst="rect">
-              <a:avLst/>
-            </a:prstGeom>
-            <a:solidFill>
-              <a:schemeClr val="tx1"/>
-            </a:solidFill>
-          </p:spPr>
-          <p:style>
-            <a:lnRef idx="2">
-              <a:schemeClr val="accent1">
-                <a:shade val="50000"/>
-              </a:schemeClr>
-            </a:lnRef>
-            <a:fillRef idx="1">
-              <a:schemeClr val="accent1"/>
-            </a:fillRef>
-            <a:effectRef idx="0">
-              <a:schemeClr val="accent1"/>
-            </a:effectRef>
-            <a:fontRef idx="minor">
-              <a:schemeClr val="lt1"/>
-            </a:fontRef>
-          </p:style>
-          <p:txBody>
-            <a:bodyPr rtlCol="0" anchor="ctr"/>
-            <a:lstStyle/>
-            <a:p>
-              <a:pPr algn="ctr"/>
-              <a:endParaRPr lang="en-GB"/>
-            </a:p>
-          </p:txBody>
-        </p:sp>
-        <p:sp>
-          <p:nvSpPr>
-            <p:cNvPr id="17" name="Oval 16"/>
-            <p:cNvSpPr/>
-            <p:nvPr/>
-          </p:nvSpPr>
-          <p:spPr>
-            <a:xfrm>
-              <a:off x="4676775" y="2776538"/>
-              <a:ext cx="109538" cy="109537"/>
-            </a:xfrm>
-            <a:prstGeom prst="ellipse">
-              <a:avLst/>
-            </a:prstGeom>
-          </p:spPr>
-          <p:style>
-            <a:lnRef idx="2">
-              <a:schemeClr val="accent1">
-                <a:shade val="50000"/>
-              </a:schemeClr>
-            </a:lnRef>
-            <a:fillRef idx="1">
-              <a:schemeClr val="accent1"/>
-            </a:fillRef>
-            <a:effectRef idx="0">
-              <a:schemeClr val="accent1"/>
-            </a:effectRef>
-            <a:fontRef idx="minor">
-              <a:schemeClr val="lt1"/>
-            </a:fontRef>
-          </p:style>
-          <p:txBody>
-            <a:bodyPr rtlCol="0" anchor="ctr"/>
-            <a:lstStyle/>
-            <a:p>
-              <a:pPr algn="ctr"/>
-              <a:endParaRPr lang="en-GB"/>
-            </a:p>
-          </p:txBody>
-        </p:sp>
-      </p:grpSp>
-      <mc:AlternateContent xmlns:mc="http://schemas.openxmlformats.org/markup-compatibility/2006">
-        <mc:Choice xmlns:a14="http://schemas.microsoft.com/office/drawing/2010/main" Requires="a14">
+      <mc:AlternateContent xmlns:mc="http://schemas.openxmlformats.org/markup-compatibility/2006" xmlns:a14="http://schemas.microsoft.com/office/drawing/2010/main">
+        <mc:Choice Requires="a14">
           <p:sp>
             <p:nvSpPr>
               <p:cNvPr id="18" name="TextBox 17"/>
@@ -6548,13 +6031,7 @@
                       <a:rPr lang="sv-SE" b="0" i="1" dirty="0" smtClean="0">
                         <a:latin typeface="Cambria Math" panose="02040503050406030204" pitchFamily="18" charset="0"/>
                       </a:rPr>
-                      <m:t>#</m:t>
-                    </m:r>
-                    <m:r>
-                      <a:rPr lang="sv-SE" b="0" i="1" dirty="0" smtClean="0">
-                        <a:latin typeface="Cambria Math" panose="02040503050406030204" pitchFamily="18" charset="0"/>
-                      </a:rPr>
-                      <m:t>##</m:t>
+                      <m:t>###</m:t>
                     </m:r>
                   </m:oMath>
                 </a14:m>
@@ -6569,7 +6046,6 @@
                   <a:rPr lang="sv-SE" dirty="0" smtClean="0"/>
                   <a:t>###</a:t>
                 </a:r>
-                <a:endParaRPr lang="sv-SE" dirty="0" smtClean="0"/>
               </a:p>
               <a:p>
                 <a:r>
@@ -6596,11 +6072,7 @@
                 </a:r>
                 <a:r>
                   <a:rPr lang="en-GB" b="1" dirty="0" smtClean="0"/>
-                  <a:t>Alternatives</a:t>
-                </a:r>
-                <a:r>
-                  <a:rPr lang="en-GB" b="1" dirty="0" smtClean="0"/>
-                  <a:t>:</a:t>
+                  <a:t>Alternatives:</a:t>
                 </a:r>
               </a:p>
               <a:p>
@@ -6636,7 +6108,7 @@
             </p:txBody>
           </p:sp>
         </mc:Choice>
-        <mc:Fallback>
+        <mc:Fallback xmlns="">
           <p:sp>
             <p:nvSpPr>
               <p:cNvPr id="18" name="TextBox 17"/>
@@ -6796,140 +6268,6 @@
                 <a:schemeClr val="tx1"/>
               </a:solidFill>
             </a:endParaRPr>
-          </a:p>
-        </p:txBody>
-      </p:sp>
-      <p:sp>
-        <p:nvSpPr>
-          <p:cNvPr id="20" name="Rectangle 19"/>
-          <p:cNvSpPr/>
-          <p:nvPr/>
-        </p:nvSpPr>
-        <p:spPr>
-          <a:xfrm>
-            <a:off x="408878" y="1578141"/>
-            <a:ext cx="579863" cy="808892"/>
-          </a:xfrm>
-          <a:prstGeom prst="rect">
-            <a:avLst/>
-          </a:prstGeom>
-          <a:solidFill>
-            <a:schemeClr val="accent1">
-              <a:alpha val="50000"/>
-            </a:schemeClr>
-          </a:solidFill>
-          <a:ln>
-            <a:noFill/>
-          </a:ln>
-        </p:spPr>
-        <p:style>
-          <a:lnRef idx="2">
-            <a:schemeClr val="accent1">
-              <a:shade val="50000"/>
-            </a:schemeClr>
-          </a:lnRef>
-          <a:fillRef idx="1">
-            <a:schemeClr val="accent1"/>
-          </a:fillRef>
-          <a:effectRef idx="0">
-            <a:schemeClr val="accent1"/>
-          </a:effectRef>
-          <a:fontRef idx="minor">
-            <a:schemeClr val="lt1"/>
-          </a:fontRef>
-        </p:style>
-        <p:txBody>
-          <a:bodyPr rtlCol="0" anchor="ctr"/>
-          <a:lstStyle/>
-          <a:p>
-            <a:pPr algn="ctr"/>
-            <a:endParaRPr lang="en-GB"/>
-          </a:p>
-        </p:txBody>
-      </p:sp>
-      <p:sp>
-        <p:nvSpPr>
-          <p:cNvPr id="21" name="Rectangle 20"/>
-          <p:cNvSpPr/>
-          <p:nvPr/>
-        </p:nvSpPr>
-        <p:spPr>
-          <a:xfrm>
-            <a:off x="534962" y="1582904"/>
-            <a:ext cx="334108" cy="123093"/>
-          </a:xfrm>
-          <a:prstGeom prst="rect">
-            <a:avLst/>
-          </a:prstGeom>
-          <a:solidFill>
-            <a:schemeClr val="tx1"/>
-          </a:solidFill>
-        </p:spPr>
-        <p:style>
-          <a:lnRef idx="2">
-            <a:schemeClr val="accent1">
-              <a:shade val="50000"/>
-            </a:schemeClr>
-          </a:lnRef>
-          <a:fillRef idx="1">
-            <a:schemeClr val="accent1"/>
-          </a:fillRef>
-          <a:effectRef idx="0">
-            <a:schemeClr val="accent1"/>
-          </a:effectRef>
-          <a:fontRef idx="minor">
-            <a:schemeClr val="lt1"/>
-          </a:fontRef>
-        </p:style>
-        <p:txBody>
-          <a:bodyPr rtlCol="0" anchor="ctr"/>
-          <a:lstStyle/>
-          <a:p>
-            <a:pPr algn="ctr"/>
-            <a:endParaRPr lang="en-GB"/>
-          </a:p>
-        </p:txBody>
-      </p:sp>
-      <p:sp>
-        <p:nvSpPr>
-          <p:cNvPr id="22" name="Rectangle 21"/>
-          <p:cNvSpPr/>
-          <p:nvPr/>
-        </p:nvSpPr>
-        <p:spPr>
-          <a:xfrm>
-            <a:off x="534962" y="2256064"/>
-            <a:ext cx="334108" cy="123093"/>
-          </a:xfrm>
-          <a:prstGeom prst="rect">
-            <a:avLst/>
-          </a:prstGeom>
-          <a:solidFill>
-            <a:schemeClr val="tx1"/>
-          </a:solidFill>
-        </p:spPr>
-        <p:style>
-          <a:lnRef idx="2">
-            <a:schemeClr val="accent1">
-              <a:shade val="50000"/>
-            </a:schemeClr>
-          </a:lnRef>
-          <a:fillRef idx="1">
-            <a:schemeClr val="accent1"/>
-          </a:fillRef>
-          <a:effectRef idx="0">
-            <a:schemeClr val="accent1"/>
-          </a:effectRef>
-          <a:fontRef idx="minor">
-            <a:schemeClr val="lt1"/>
-          </a:fontRef>
-        </p:style>
-        <p:txBody>
-          <a:bodyPr rtlCol="0" anchor="ctr"/>
-          <a:lstStyle/>
-          <a:p>
-            <a:pPr algn="ctr"/>
-            <a:endParaRPr lang="en-GB"/>
           </a:p>
         </p:txBody>
       </p:sp>
@@ -7411,8 +6749,8 @@
           </a:fontRef>
         </p:style>
       </p:cxnSp>
-      <mc:AlternateContent xmlns:mc="http://schemas.openxmlformats.org/markup-compatibility/2006">
-        <mc:Choice xmlns:a14="http://schemas.microsoft.com/office/drawing/2010/main" Requires="a14">
+      <mc:AlternateContent xmlns:mc="http://schemas.openxmlformats.org/markup-compatibility/2006" xmlns:a14="http://schemas.microsoft.com/office/drawing/2010/main">
+        <mc:Choice Requires="a14">
           <p:sp>
             <p:nvSpPr>
               <p:cNvPr id="41" name="TextBox 40"/>
@@ -7435,6 +6773,7 @@
               </a:bodyPr>
               <a:lstStyle/>
               <a:p>
+                <a:pPr/>
                 <a14:m>
                   <m:oMathPara xmlns:m="http://schemas.openxmlformats.org/officeDocument/2006/math">
                     <m:oMathParaPr>
@@ -7474,7 +6813,7 @@
             </p:txBody>
           </p:sp>
         </mc:Choice>
-        <mc:Fallback>
+        <mc:Fallback xmlns="">
           <p:sp>
             <p:nvSpPr>
               <p:cNvPr id="41" name="TextBox 40"/>
@@ -7549,6 +6888,1842 @@
           </a:effectRef>
           <a:fontRef idx="minor">
             <a:schemeClr val="tx1"/>
+          </a:fontRef>
+        </p:style>
+        <p:txBody>
+          <a:bodyPr rtlCol="0" anchor="ctr"/>
+          <a:lstStyle/>
+          <a:p>
+            <a:pPr algn="ctr"/>
+            <a:endParaRPr lang="en-GB"/>
+          </a:p>
+        </p:txBody>
+      </p:sp>
+      <p:grpSp>
+        <p:nvGrpSpPr>
+          <p:cNvPr id="46" name="Group 45"/>
+          <p:cNvGrpSpPr/>
+          <p:nvPr/>
+        </p:nvGrpSpPr>
+        <p:grpSpPr>
+          <a:xfrm>
+            <a:off x="3762808" y="1757073"/>
+            <a:ext cx="1929912" cy="811822"/>
+            <a:chOff x="5251938" y="2417885"/>
+            <a:chExt cx="1929912" cy="811822"/>
+          </a:xfrm>
+        </p:grpSpPr>
+        <p:sp>
+          <p:nvSpPr>
+            <p:cNvPr id="47" name="Rectangle 46"/>
+            <p:cNvSpPr/>
+            <p:nvPr/>
+          </p:nvSpPr>
+          <p:spPr>
+            <a:xfrm>
+              <a:off x="5251938" y="2420815"/>
+              <a:ext cx="1929912" cy="808892"/>
+            </a:xfrm>
+            <a:prstGeom prst="rect">
+              <a:avLst/>
+            </a:prstGeom>
+            <a:solidFill>
+              <a:schemeClr val="accent1">
+                <a:alpha val="50000"/>
+              </a:schemeClr>
+            </a:solidFill>
+            <a:ln>
+              <a:solidFill>
+                <a:schemeClr val="tx1"/>
+              </a:solidFill>
+            </a:ln>
+          </p:spPr>
+          <p:style>
+            <a:lnRef idx="2">
+              <a:schemeClr val="accent1">
+                <a:shade val="50000"/>
+              </a:schemeClr>
+            </a:lnRef>
+            <a:fillRef idx="1">
+              <a:schemeClr val="accent1"/>
+            </a:fillRef>
+            <a:effectRef idx="0">
+              <a:schemeClr val="accent1"/>
+            </a:effectRef>
+            <a:fontRef idx="minor">
+              <a:schemeClr val="lt1"/>
+            </a:fontRef>
+          </p:style>
+          <p:txBody>
+            <a:bodyPr rtlCol="0" anchor="ctr"/>
+            <a:lstStyle/>
+            <a:p>
+              <a:pPr algn="ctr"/>
+              <a:endParaRPr lang="en-GB"/>
+            </a:p>
+          </p:txBody>
+        </p:sp>
+        <p:sp>
+          <p:nvSpPr>
+            <p:cNvPr id="48" name="Isosceles Triangle 47"/>
+            <p:cNvSpPr/>
+            <p:nvPr/>
+          </p:nvSpPr>
+          <p:spPr>
+            <a:xfrm rot="5400000">
+              <a:off x="6018334" y="2598127"/>
+              <a:ext cx="800100" cy="439616"/>
+            </a:xfrm>
+            <a:prstGeom prst="triangle">
+              <a:avLst/>
+            </a:prstGeom>
+            <a:noFill/>
+          </p:spPr>
+          <p:style>
+            <a:lnRef idx="2">
+              <a:schemeClr val="accent1">
+                <a:shade val="50000"/>
+              </a:schemeClr>
+            </a:lnRef>
+            <a:fillRef idx="1">
+              <a:schemeClr val="accent1"/>
+            </a:fillRef>
+            <a:effectRef idx="0">
+              <a:schemeClr val="accent1"/>
+            </a:effectRef>
+            <a:fontRef idx="minor">
+              <a:schemeClr val="lt1"/>
+            </a:fontRef>
+          </p:style>
+          <p:txBody>
+            <a:bodyPr rtlCol="0" anchor="ctr"/>
+            <a:lstStyle/>
+            <a:p>
+              <a:pPr algn="ctr"/>
+              <a:endParaRPr lang="en-GB"/>
+            </a:p>
+          </p:txBody>
+        </p:sp>
+        <p:sp>
+          <p:nvSpPr>
+            <p:cNvPr id="49" name="Rectangle 48"/>
+            <p:cNvSpPr/>
+            <p:nvPr/>
+          </p:nvSpPr>
+          <p:spPr>
+            <a:xfrm>
+              <a:off x="6542118" y="2426677"/>
+              <a:ext cx="334108" cy="123093"/>
+            </a:xfrm>
+            <a:prstGeom prst="rect">
+              <a:avLst/>
+            </a:prstGeom>
+            <a:solidFill>
+              <a:schemeClr val="tx1"/>
+            </a:solidFill>
+          </p:spPr>
+          <p:style>
+            <a:lnRef idx="2">
+              <a:schemeClr val="accent1">
+                <a:shade val="50000"/>
+              </a:schemeClr>
+            </a:lnRef>
+            <a:fillRef idx="1">
+              <a:schemeClr val="accent1"/>
+            </a:fillRef>
+            <a:effectRef idx="0">
+              <a:schemeClr val="accent1"/>
+            </a:effectRef>
+            <a:fontRef idx="minor">
+              <a:schemeClr val="lt1"/>
+            </a:fontRef>
+          </p:style>
+          <p:txBody>
+            <a:bodyPr rtlCol="0" anchor="ctr"/>
+            <a:lstStyle/>
+            <a:p>
+              <a:pPr algn="ctr"/>
+              <a:endParaRPr lang="en-GB"/>
+            </a:p>
+          </p:txBody>
+        </p:sp>
+        <p:sp>
+          <p:nvSpPr>
+            <p:cNvPr id="50" name="Rectangle 49"/>
+            <p:cNvSpPr/>
+            <p:nvPr/>
+          </p:nvSpPr>
+          <p:spPr>
+            <a:xfrm>
+              <a:off x="6542118" y="3099837"/>
+              <a:ext cx="334108" cy="123093"/>
+            </a:xfrm>
+            <a:prstGeom prst="rect">
+              <a:avLst/>
+            </a:prstGeom>
+            <a:solidFill>
+              <a:schemeClr val="tx1"/>
+            </a:solidFill>
+          </p:spPr>
+          <p:style>
+            <a:lnRef idx="2">
+              <a:schemeClr val="accent1">
+                <a:shade val="50000"/>
+              </a:schemeClr>
+            </a:lnRef>
+            <a:fillRef idx="1">
+              <a:schemeClr val="accent1"/>
+            </a:fillRef>
+            <a:effectRef idx="0">
+              <a:schemeClr val="accent1"/>
+            </a:effectRef>
+            <a:fontRef idx="minor">
+              <a:schemeClr val="lt1"/>
+            </a:fontRef>
+          </p:style>
+          <p:txBody>
+            <a:bodyPr rtlCol="0" anchor="ctr"/>
+            <a:lstStyle/>
+            <a:p>
+              <a:pPr algn="ctr"/>
+              <a:endParaRPr lang="en-GB"/>
+            </a:p>
+          </p:txBody>
+        </p:sp>
+        <p:sp>
+          <p:nvSpPr>
+            <p:cNvPr id="51" name="Rectangle 50"/>
+            <p:cNvSpPr/>
+            <p:nvPr/>
+          </p:nvSpPr>
+          <p:spPr>
+            <a:xfrm>
+              <a:off x="5515799" y="2426677"/>
+              <a:ext cx="334108" cy="123093"/>
+            </a:xfrm>
+            <a:prstGeom prst="rect">
+              <a:avLst/>
+            </a:prstGeom>
+            <a:solidFill>
+              <a:schemeClr val="tx1"/>
+            </a:solidFill>
+          </p:spPr>
+          <p:style>
+            <a:lnRef idx="2">
+              <a:schemeClr val="accent1">
+                <a:shade val="50000"/>
+              </a:schemeClr>
+            </a:lnRef>
+            <a:fillRef idx="1">
+              <a:schemeClr val="accent1"/>
+            </a:fillRef>
+            <a:effectRef idx="0">
+              <a:schemeClr val="accent1"/>
+            </a:effectRef>
+            <a:fontRef idx="minor">
+              <a:schemeClr val="lt1"/>
+            </a:fontRef>
+          </p:style>
+          <p:txBody>
+            <a:bodyPr rtlCol="0" anchor="ctr"/>
+            <a:lstStyle/>
+            <a:p>
+              <a:pPr algn="ctr"/>
+              <a:endParaRPr lang="en-GB"/>
+            </a:p>
+          </p:txBody>
+        </p:sp>
+        <p:sp>
+          <p:nvSpPr>
+            <p:cNvPr id="52" name="Rectangle 51"/>
+            <p:cNvSpPr/>
+            <p:nvPr/>
+          </p:nvSpPr>
+          <p:spPr>
+            <a:xfrm>
+              <a:off x="5515799" y="3099837"/>
+              <a:ext cx="334108" cy="123093"/>
+            </a:xfrm>
+            <a:prstGeom prst="rect">
+              <a:avLst/>
+            </a:prstGeom>
+            <a:solidFill>
+              <a:schemeClr val="tx1"/>
+            </a:solidFill>
+          </p:spPr>
+          <p:style>
+            <a:lnRef idx="2">
+              <a:schemeClr val="accent1">
+                <a:shade val="50000"/>
+              </a:schemeClr>
+            </a:lnRef>
+            <a:fillRef idx="1">
+              <a:schemeClr val="accent1"/>
+            </a:fillRef>
+            <a:effectRef idx="0">
+              <a:schemeClr val="accent1"/>
+            </a:effectRef>
+            <a:fontRef idx="minor">
+              <a:schemeClr val="lt1"/>
+            </a:fontRef>
+          </p:style>
+          <p:txBody>
+            <a:bodyPr rtlCol="0" anchor="ctr"/>
+            <a:lstStyle/>
+            <a:p>
+              <a:pPr algn="ctr"/>
+              <a:endParaRPr lang="en-GB"/>
+            </a:p>
+          </p:txBody>
+        </p:sp>
+        <p:sp>
+          <p:nvSpPr>
+            <p:cNvPr id="53" name="Oval 52"/>
+            <p:cNvSpPr/>
+            <p:nvPr/>
+          </p:nvSpPr>
+          <p:spPr>
+            <a:xfrm>
+              <a:off x="5276850" y="2776538"/>
+              <a:ext cx="109538" cy="109537"/>
+            </a:xfrm>
+            <a:prstGeom prst="ellipse">
+              <a:avLst/>
+            </a:prstGeom>
+          </p:spPr>
+          <p:style>
+            <a:lnRef idx="2">
+              <a:schemeClr val="accent1">
+                <a:shade val="50000"/>
+              </a:schemeClr>
+            </a:lnRef>
+            <a:fillRef idx="1">
+              <a:schemeClr val="accent1"/>
+            </a:fillRef>
+            <a:effectRef idx="0">
+              <a:schemeClr val="accent1"/>
+            </a:effectRef>
+            <a:fontRef idx="minor">
+              <a:schemeClr val="lt1"/>
+            </a:fontRef>
+          </p:style>
+          <p:txBody>
+            <a:bodyPr rtlCol="0" anchor="ctr"/>
+            <a:lstStyle/>
+            <a:p>
+              <a:pPr algn="ctr"/>
+              <a:endParaRPr lang="en-GB"/>
+            </a:p>
+          </p:txBody>
+        </p:sp>
+      </p:grpSp>
+      <p:grpSp>
+        <p:nvGrpSpPr>
+          <p:cNvPr id="54" name="Group 53"/>
+          <p:cNvGrpSpPr/>
+          <p:nvPr/>
+        </p:nvGrpSpPr>
+        <p:grpSpPr>
+          <a:xfrm>
+            <a:off x="1930833" y="1759515"/>
+            <a:ext cx="2039816" cy="808892"/>
+            <a:chOff x="2813538" y="2426677"/>
+            <a:chExt cx="2039816" cy="808892"/>
+          </a:xfrm>
+        </p:grpSpPr>
+        <p:sp>
+          <p:nvSpPr>
+            <p:cNvPr id="55" name="Rectangle 54"/>
+            <p:cNvSpPr/>
+            <p:nvPr/>
+          </p:nvSpPr>
+          <p:spPr>
+            <a:xfrm>
+              <a:off x="2813538" y="2426677"/>
+              <a:ext cx="2039816" cy="808892"/>
+            </a:xfrm>
+            <a:prstGeom prst="rect">
+              <a:avLst/>
+            </a:prstGeom>
+            <a:solidFill>
+              <a:schemeClr val="accent1">
+                <a:alpha val="50000"/>
+              </a:schemeClr>
+            </a:solidFill>
+            <a:ln>
+              <a:solidFill>
+                <a:schemeClr val="tx1"/>
+              </a:solidFill>
+            </a:ln>
+          </p:spPr>
+          <p:style>
+            <a:lnRef idx="2">
+              <a:schemeClr val="accent1">
+                <a:shade val="50000"/>
+              </a:schemeClr>
+            </a:lnRef>
+            <a:fillRef idx="1">
+              <a:schemeClr val="accent1"/>
+            </a:fillRef>
+            <a:effectRef idx="0">
+              <a:schemeClr val="accent1"/>
+            </a:effectRef>
+            <a:fontRef idx="minor">
+              <a:schemeClr val="lt1"/>
+            </a:fontRef>
+          </p:style>
+          <p:txBody>
+            <a:bodyPr rtlCol="0" anchor="ctr"/>
+            <a:lstStyle/>
+            <a:p>
+              <a:pPr algn="ctr"/>
+              <a:endParaRPr lang="en-GB"/>
+            </a:p>
+          </p:txBody>
+        </p:sp>
+        <p:sp>
+          <p:nvSpPr>
+            <p:cNvPr id="56" name="Rectangle 55"/>
+            <p:cNvSpPr/>
+            <p:nvPr/>
+          </p:nvSpPr>
+          <p:spPr>
+            <a:xfrm>
+              <a:off x="3094068" y="2431440"/>
+              <a:ext cx="334108" cy="123093"/>
+            </a:xfrm>
+            <a:prstGeom prst="rect">
+              <a:avLst/>
+            </a:prstGeom>
+            <a:solidFill>
+              <a:schemeClr val="tx1"/>
+            </a:solidFill>
+          </p:spPr>
+          <p:style>
+            <a:lnRef idx="2">
+              <a:schemeClr val="accent1">
+                <a:shade val="50000"/>
+              </a:schemeClr>
+            </a:lnRef>
+            <a:fillRef idx="1">
+              <a:schemeClr val="accent1"/>
+            </a:fillRef>
+            <a:effectRef idx="0">
+              <a:schemeClr val="accent1"/>
+            </a:effectRef>
+            <a:fontRef idx="minor">
+              <a:schemeClr val="lt1"/>
+            </a:fontRef>
+          </p:style>
+          <p:txBody>
+            <a:bodyPr rtlCol="0" anchor="ctr"/>
+            <a:lstStyle/>
+            <a:p>
+              <a:pPr algn="ctr"/>
+              <a:endParaRPr lang="en-GB"/>
+            </a:p>
+          </p:txBody>
+        </p:sp>
+        <p:sp>
+          <p:nvSpPr>
+            <p:cNvPr id="57" name="Rectangle 56"/>
+            <p:cNvSpPr/>
+            <p:nvPr/>
+          </p:nvSpPr>
+          <p:spPr>
+            <a:xfrm>
+              <a:off x="3094068" y="3104600"/>
+              <a:ext cx="334108" cy="123093"/>
+            </a:xfrm>
+            <a:prstGeom prst="rect">
+              <a:avLst/>
+            </a:prstGeom>
+            <a:solidFill>
+              <a:schemeClr val="tx1"/>
+            </a:solidFill>
+          </p:spPr>
+          <p:style>
+            <a:lnRef idx="2">
+              <a:schemeClr val="accent1">
+                <a:shade val="50000"/>
+              </a:schemeClr>
+            </a:lnRef>
+            <a:fillRef idx="1">
+              <a:schemeClr val="accent1"/>
+            </a:fillRef>
+            <a:effectRef idx="0">
+              <a:schemeClr val="accent1"/>
+            </a:effectRef>
+            <a:fontRef idx="minor">
+              <a:schemeClr val="lt1"/>
+            </a:fontRef>
+          </p:style>
+          <p:txBody>
+            <a:bodyPr rtlCol="0" anchor="ctr"/>
+            <a:lstStyle/>
+            <a:p>
+              <a:pPr algn="ctr"/>
+              <a:endParaRPr lang="en-GB"/>
+            </a:p>
+          </p:txBody>
+        </p:sp>
+        <p:sp>
+          <p:nvSpPr>
+            <p:cNvPr id="58" name="Oval 57"/>
+            <p:cNvSpPr/>
+            <p:nvPr/>
+          </p:nvSpPr>
+          <p:spPr>
+            <a:xfrm>
+              <a:off x="4676775" y="2776538"/>
+              <a:ext cx="109538" cy="109537"/>
+            </a:xfrm>
+            <a:prstGeom prst="ellipse">
+              <a:avLst/>
+            </a:prstGeom>
+          </p:spPr>
+          <p:style>
+            <a:lnRef idx="2">
+              <a:schemeClr val="accent1">
+                <a:shade val="50000"/>
+              </a:schemeClr>
+            </a:lnRef>
+            <a:fillRef idx="1">
+              <a:schemeClr val="accent1"/>
+            </a:fillRef>
+            <a:effectRef idx="0">
+              <a:schemeClr val="accent1"/>
+            </a:effectRef>
+            <a:fontRef idx="minor">
+              <a:schemeClr val="lt1"/>
+            </a:fontRef>
+          </p:style>
+          <p:txBody>
+            <a:bodyPr rtlCol="0" anchor="ctr"/>
+            <a:lstStyle/>
+            <a:p>
+              <a:pPr algn="ctr"/>
+              <a:endParaRPr lang="en-GB"/>
+            </a:p>
+          </p:txBody>
+        </p:sp>
+      </p:grpSp>
+      <p:sp>
+        <p:nvSpPr>
+          <p:cNvPr id="59" name="Oval 58"/>
+          <p:cNvSpPr/>
+          <p:nvPr/>
+        </p:nvSpPr>
+        <p:spPr>
+          <a:xfrm>
+            <a:off x="5178370" y="2514188"/>
+            <a:ext cx="101600" cy="101600"/>
+          </a:xfrm>
+          <a:prstGeom prst="ellipse">
+            <a:avLst/>
+          </a:prstGeom>
+          <a:solidFill>
+            <a:srgbClr val="FF0000"/>
+          </a:solidFill>
+          <a:ln w="38100">
+            <a:solidFill>
+              <a:srgbClr val="FFFF00"/>
+            </a:solidFill>
+          </a:ln>
+        </p:spPr>
+        <p:style>
+          <a:lnRef idx="2">
+            <a:schemeClr val="accent1">
+              <a:shade val="50000"/>
+            </a:schemeClr>
+          </a:lnRef>
+          <a:fillRef idx="1">
+            <a:schemeClr val="accent1"/>
+          </a:fillRef>
+          <a:effectRef idx="0">
+            <a:schemeClr val="accent1"/>
+          </a:effectRef>
+          <a:fontRef idx="minor">
+            <a:schemeClr val="lt1"/>
+          </a:fontRef>
+        </p:style>
+        <p:txBody>
+          <a:bodyPr rtlCol="0" anchor="ctr"/>
+          <a:lstStyle/>
+          <a:p>
+            <a:pPr algn="ctr"/>
+            <a:endParaRPr lang="en-GB"/>
+          </a:p>
+        </p:txBody>
+      </p:sp>
+      <p:sp>
+        <p:nvSpPr>
+          <p:cNvPr id="60" name="Oval 59"/>
+          <p:cNvSpPr/>
+          <p:nvPr/>
+        </p:nvSpPr>
+        <p:spPr>
+          <a:xfrm>
+            <a:off x="5622870" y="2514188"/>
+            <a:ext cx="101600" cy="101600"/>
+          </a:xfrm>
+          <a:prstGeom prst="ellipse">
+            <a:avLst/>
+          </a:prstGeom>
+          <a:solidFill>
+            <a:srgbClr val="FF0000"/>
+          </a:solidFill>
+          <a:ln w="38100">
+            <a:solidFill>
+              <a:srgbClr val="FFFF00"/>
+            </a:solidFill>
+          </a:ln>
+        </p:spPr>
+        <p:style>
+          <a:lnRef idx="2">
+            <a:schemeClr val="accent1">
+              <a:shade val="50000"/>
+            </a:schemeClr>
+          </a:lnRef>
+          <a:fillRef idx="1">
+            <a:schemeClr val="accent1"/>
+          </a:fillRef>
+          <a:effectRef idx="0">
+            <a:schemeClr val="accent1"/>
+          </a:effectRef>
+          <a:fontRef idx="minor">
+            <a:schemeClr val="lt1"/>
+          </a:fontRef>
+        </p:style>
+        <p:txBody>
+          <a:bodyPr rtlCol="0" anchor="ctr"/>
+          <a:lstStyle/>
+          <a:p>
+            <a:pPr algn="ctr"/>
+            <a:endParaRPr lang="en-GB"/>
+          </a:p>
+        </p:txBody>
+      </p:sp>
+      <p:sp>
+        <p:nvSpPr>
+          <p:cNvPr id="61" name="Oval 60"/>
+          <p:cNvSpPr/>
+          <p:nvPr/>
+        </p:nvSpPr>
+        <p:spPr>
+          <a:xfrm>
+            <a:off x="5178370" y="2095088"/>
+            <a:ext cx="101600" cy="101600"/>
+          </a:xfrm>
+          <a:prstGeom prst="ellipse">
+            <a:avLst/>
+          </a:prstGeom>
+          <a:solidFill>
+            <a:srgbClr val="FF0000"/>
+          </a:solidFill>
+          <a:ln>
+            <a:solidFill>
+              <a:srgbClr val="FF0000"/>
+            </a:solidFill>
+          </a:ln>
+        </p:spPr>
+        <p:style>
+          <a:lnRef idx="2">
+            <a:schemeClr val="accent1">
+              <a:shade val="50000"/>
+            </a:schemeClr>
+          </a:lnRef>
+          <a:fillRef idx="1">
+            <a:schemeClr val="accent1"/>
+          </a:fillRef>
+          <a:effectRef idx="0">
+            <a:schemeClr val="accent1"/>
+          </a:effectRef>
+          <a:fontRef idx="minor">
+            <a:schemeClr val="lt1"/>
+          </a:fontRef>
+        </p:style>
+        <p:txBody>
+          <a:bodyPr rtlCol="0" anchor="ctr"/>
+          <a:lstStyle/>
+          <a:p>
+            <a:pPr algn="ctr"/>
+            <a:endParaRPr lang="en-GB"/>
+          </a:p>
+        </p:txBody>
+      </p:sp>
+      <p:sp>
+        <p:nvSpPr>
+          <p:cNvPr id="62" name="Oval 61"/>
+          <p:cNvSpPr/>
+          <p:nvPr/>
+        </p:nvSpPr>
+        <p:spPr>
+          <a:xfrm>
+            <a:off x="5622870" y="2095088"/>
+            <a:ext cx="101600" cy="101600"/>
+          </a:xfrm>
+          <a:prstGeom prst="ellipse">
+            <a:avLst/>
+          </a:prstGeom>
+          <a:solidFill>
+            <a:srgbClr val="FF0000"/>
+          </a:solidFill>
+          <a:ln>
+            <a:solidFill>
+              <a:srgbClr val="FF0000"/>
+            </a:solidFill>
+          </a:ln>
+        </p:spPr>
+        <p:style>
+          <a:lnRef idx="2">
+            <a:schemeClr val="accent1">
+              <a:shade val="50000"/>
+            </a:schemeClr>
+          </a:lnRef>
+          <a:fillRef idx="1">
+            <a:schemeClr val="accent1"/>
+          </a:fillRef>
+          <a:effectRef idx="0">
+            <a:schemeClr val="accent1"/>
+          </a:effectRef>
+          <a:fontRef idx="minor">
+            <a:schemeClr val="lt1"/>
+          </a:fontRef>
+        </p:style>
+        <p:txBody>
+          <a:bodyPr rtlCol="0" anchor="ctr"/>
+          <a:lstStyle/>
+          <a:p>
+            <a:pPr algn="ctr"/>
+            <a:endParaRPr lang="en-GB"/>
+          </a:p>
+        </p:txBody>
+      </p:sp>
+      <p:sp>
+        <p:nvSpPr>
+          <p:cNvPr id="63" name="Oval 62"/>
+          <p:cNvSpPr/>
+          <p:nvPr/>
+        </p:nvSpPr>
+        <p:spPr>
+          <a:xfrm>
+            <a:off x="5191070" y="1726788"/>
+            <a:ext cx="101600" cy="101600"/>
+          </a:xfrm>
+          <a:prstGeom prst="ellipse">
+            <a:avLst/>
+          </a:prstGeom>
+          <a:solidFill>
+            <a:srgbClr val="FF0000"/>
+          </a:solidFill>
+          <a:ln>
+            <a:solidFill>
+              <a:srgbClr val="FF0000"/>
+            </a:solidFill>
+          </a:ln>
+        </p:spPr>
+        <p:style>
+          <a:lnRef idx="2">
+            <a:schemeClr val="accent1">
+              <a:shade val="50000"/>
+            </a:schemeClr>
+          </a:lnRef>
+          <a:fillRef idx="1">
+            <a:schemeClr val="accent1"/>
+          </a:fillRef>
+          <a:effectRef idx="0">
+            <a:schemeClr val="accent1"/>
+          </a:effectRef>
+          <a:fontRef idx="minor">
+            <a:schemeClr val="lt1"/>
+          </a:fontRef>
+        </p:style>
+        <p:txBody>
+          <a:bodyPr rtlCol="0" anchor="ctr"/>
+          <a:lstStyle/>
+          <a:p>
+            <a:pPr algn="ctr"/>
+            <a:endParaRPr lang="en-GB"/>
+          </a:p>
+        </p:txBody>
+      </p:sp>
+      <p:sp>
+        <p:nvSpPr>
+          <p:cNvPr id="64" name="Oval 63"/>
+          <p:cNvSpPr/>
+          <p:nvPr/>
+        </p:nvSpPr>
+        <p:spPr>
+          <a:xfrm>
+            <a:off x="5635570" y="1726788"/>
+            <a:ext cx="101600" cy="101600"/>
+          </a:xfrm>
+          <a:prstGeom prst="ellipse">
+            <a:avLst/>
+          </a:prstGeom>
+          <a:solidFill>
+            <a:srgbClr val="FF0000"/>
+          </a:solidFill>
+          <a:ln>
+            <a:solidFill>
+              <a:srgbClr val="FF0000"/>
+            </a:solidFill>
+          </a:ln>
+        </p:spPr>
+        <p:style>
+          <a:lnRef idx="2">
+            <a:schemeClr val="accent1">
+              <a:shade val="50000"/>
+            </a:schemeClr>
+          </a:lnRef>
+          <a:fillRef idx="1">
+            <a:schemeClr val="accent1"/>
+          </a:fillRef>
+          <a:effectRef idx="0">
+            <a:schemeClr val="accent1"/>
+          </a:effectRef>
+          <a:fontRef idx="minor">
+            <a:schemeClr val="lt1"/>
+          </a:fontRef>
+        </p:style>
+        <p:txBody>
+          <a:bodyPr rtlCol="0" anchor="ctr"/>
+          <a:lstStyle/>
+          <a:p>
+            <a:pPr algn="ctr"/>
+            <a:endParaRPr lang="en-GB"/>
+          </a:p>
+        </p:txBody>
+      </p:sp>
+      <p:sp>
+        <p:nvSpPr>
+          <p:cNvPr id="65" name="Oval 64"/>
+          <p:cNvSpPr/>
+          <p:nvPr/>
+        </p:nvSpPr>
+        <p:spPr>
+          <a:xfrm>
+            <a:off x="1863670" y="2514188"/>
+            <a:ext cx="101600" cy="101600"/>
+          </a:xfrm>
+          <a:prstGeom prst="ellipse">
+            <a:avLst/>
+          </a:prstGeom>
+          <a:solidFill>
+            <a:srgbClr val="FF0000"/>
+          </a:solidFill>
+          <a:ln>
+            <a:solidFill>
+              <a:srgbClr val="FF0000"/>
+            </a:solidFill>
+          </a:ln>
+        </p:spPr>
+        <p:style>
+          <a:lnRef idx="2">
+            <a:schemeClr val="accent1">
+              <a:shade val="50000"/>
+            </a:schemeClr>
+          </a:lnRef>
+          <a:fillRef idx="1">
+            <a:schemeClr val="accent1"/>
+          </a:fillRef>
+          <a:effectRef idx="0">
+            <a:schemeClr val="accent1"/>
+          </a:effectRef>
+          <a:fontRef idx="minor">
+            <a:schemeClr val="lt1"/>
+          </a:fontRef>
+        </p:style>
+        <p:txBody>
+          <a:bodyPr rtlCol="0" anchor="ctr"/>
+          <a:lstStyle/>
+          <a:p>
+            <a:pPr algn="ctr"/>
+            <a:endParaRPr lang="en-GB"/>
+          </a:p>
+        </p:txBody>
+      </p:sp>
+      <p:sp>
+        <p:nvSpPr>
+          <p:cNvPr id="66" name="Oval 65"/>
+          <p:cNvSpPr/>
+          <p:nvPr/>
+        </p:nvSpPr>
+        <p:spPr>
+          <a:xfrm>
+            <a:off x="2308170" y="2514188"/>
+            <a:ext cx="101600" cy="101600"/>
+          </a:xfrm>
+          <a:prstGeom prst="ellipse">
+            <a:avLst/>
+          </a:prstGeom>
+          <a:solidFill>
+            <a:srgbClr val="FF0000"/>
+          </a:solidFill>
+          <a:ln>
+            <a:solidFill>
+              <a:srgbClr val="FF0000"/>
+            </a:solidFill>
+          </a:ln>
+        </p:spPr>
+        <p:style>
+          <a:lnRef idx="2">
+            <a:schemeClr val="accent1">
+              <a:shade val="50000"/>
+            </a:schemeClr>
+          </a:lnRef>
+          <a:fillRef idx="1">
+            <a:schemeClr val="accent1"/>
+          </a:fillRef>
+          <a:effectRef idx="0">
+            <a:schemeClr val="accent1"/>
+          </a:effectRef>
+          <a:fontRef idx="minor">
+            <a:schemeClr val="lt1"/>
+          </a:fontRef>
+        </p:style>
+        <p:txBody>
+          <a:bodyPr rtlCol="0" anchor="ctr"/>
+          <a:lstStyle/>
+          <a:p>
+            <a:pPr algn="ctr"/>
+            <a:endParaRPr lang="en-GB"/>
+          </a:p>
+        </p:txBody>
+      </p:sp>
+      <p:sp>
+        <p:nvSpPr>
+          <p:cNvPr id="67" name="Oval 66"/>
+          <p:cNvSpPr/>
+          <p:nvPr/>
+        </p:nvSpPr>
+        <p:spPr>
+          <a:xfrm>
+            <a:off x="1863670" y="2095088"/>
+            <a:ext cx="101600" cy="101600"/>
+          </a:xfrm>
+          <a:prstGeom prst="ellipse">
+            <a:avLst/>
+          </a:prstGeom>
+          <a:solidFill>
+            <a:srgbClr val="FF0000"/>
+          </a:solidFill>
+          <a:ln>
+            <a:solidFill>
+              <a:srgbClr val="FF0000"/>
+            </a:solidFill>
+          </a:ln>
+        </p:spPr>
+        <p:style>
+          <a:lnRef idx="2">
+            <a:schemeClr val="accent1">
+              <a:shade val="50000"/>
+            </a:schemeClr>
+          </a:lnRef>
+          <a:fillRef idx="1">
+            <a:schemeClr val="accent1"/>
+          </a:fillRef>
+          <a:effectRef idx="0">
+            <a:schemeClr val="accent1"/>
+          </a:effectRef>
+          <a:fontRef idx="minor">
+            <a:schemeClr val="lt1"/>
+          </a:fontRef>
+        </p:style>
+        <p:txBody>
+          <a:bodyPr rtlCol="0" anchor="ctr"/>
+          <a:lstStyle/>
+          <a:p>
+            <a:pPr algn="ctr"/>
+            <a:endParaRPr lang="en-GB"/>
+          </a:p>
+        </p:txBody>
+      </p:sp>
+      <p:sp>
+        <p:nvSpPr>
+          <p:cNvPr id="68" name="Oval 67"/>
+          <p:cNvSpPr/>
+          <p:nvPr/>
+        </p:nvSpPr>
+        <p:spPr>
+          <a:xfrm>
+            <a:off x="2308170" y="2095088"/>
+            <a:ext cx="101600" cy="101600"/>
+          </a:xfrm>
+          <a:prstGeom prst="ellipse">
+            <a:avLst/>
+          </a:prstGeom>
+          <a:solidFill>
+            <a:srgbClr val="FF0000"/>
+          </a:solidFill>
+          <a:ln>
+            <a:solidFill>
+              <a:srgbClr val="FF0000"/>
+            </a:solidFill>
+          </a:ln>
+        </p:spPr>
+        <p:style>
+          <a:lnRef idx="2">
+            <a:schemeClr val="accent1">
+              <a:shade val="50000"/>
+            </a:schemeClr>
+          </a:lnRef>
+          <a:fillRef idx="1">
+            <a:schemeClr val="accent1"/>
+          </a:fillRef>
+          <a:effectRef idx="0">
+            <a:schemeClr val="accent1"/>
+          </a:effectRef>
+          <a:fontRef idx="minor">
+            <a:schemeClr val="lt1"/>
+          </a:fontRef>
+        </p:style>
+        <p:txBody>
+          <a:bodyPr rtlCol="0" anchor="ctr"/>
+          <a:lstStyle/>
+          <a:p>
+            <a:pPr algn="ctr"/>
+            <a:endParaRPr lang="en-GB"/>
+          </a:p>
+        </p:txBody>
+      </p:sp>
+      <p:sp>
+        <p:nvSpPr>
+          <p:cNvPr id="69" name="Oval 68"/>
+          <p:cNvSpPr/>
+          <p:nvPr/>
+        </p:nvSpPr>
+        <p:spPr>
+          <a:xfrm>
+            <a:off x="1876370" y="1726788"/>
+            <a:ext cx="101600" cy="101600"/>
+          </a:xfrm>
+          <a:prstGeom prst="ellipse">
+            <a:avLst/>
+          </a:prstGeom>
+          <a:solidFill>
+            <a:srgbClr val="FF0000"/>
+          </a:solidFill>
+          <a:ln w="38100">
+            <a:noFill/>
+          </a:ln>
+        </p:spPr>
+        <p:style>
+          <a:lnRef idx="2">
+            <a:schemeClr val="accent1">
+              <a:shade val="50000"/>
+            </a:schemeClr>
+          </a:lnRef>
+          <a:fillRef idx="1">
+            <a:schemeClr val="accent1"/>
+          </a:fillRef>
+          <a:effectRef idx="0">
+            <a:schemeClr val="accent1"/>
+          </a:effectRef>
+          <a:fontRef idx="minor">
+            <a:schemeClr val="lt1"/>
+          </a:fontRef>
+        </p:style>
+        <p:txBody>
+          <a:bodyPr rtlCol="0" anchor="ctr"/>
+          <a:lstStyle/>
+          <a:p>
+            <a:pPr algn="ctr"/>
+            <a:endParaRPr lang="en-GB"/>
+          </a:p>
+        </p:txBody>
+      </p:sp>
+      <p:sp>
+        <p:nvSpPr>
+          <p:cNvPr id="70" name="Oval 69"/>
+          <p:cNvSpPr/>
+          <p:nvPr/>
+        </p:nvSpPr>
+        <p:spPr>
+          <a:xfrm>
+            <a:off x="2320870" y="1726788"/>
+            <a:ext cx="101600" cy="101600"/>
+          </a:xfrm>
+          <a:prstGeom prst="ellipse">
+            <a:avLst/>
+          </a:prstGeom>
+          <a:solidFill>
+            <a:srgbClr val="FF0000"/>
+          </a:solidFill>
+          <a:ln w="38100">
+            <a:noFill/>
+          </a:ln>
+        </p:spPr>
+        <p:style>
+          <a:lnRef idx="2">
+            <a:schemeClr val="accent1">
+              <a:shade val="50000"/>
+            </a:schemeClr>
+          </a:lnRef>
+          <a:fillRef idx="1">
+            <a:schemeClr val="accent1"/>
+          </a:fillRef>
+          <a:effectRef idx="0">
+            <a:schemeClr val="accent1"/>
+          </a:effectRef>
+          <a:fontRef idx="minor">
+            <a:schemeClr val="lt1"/>
+          </a:fontRef>
+        </p:style>
+        <p:txBody>
+          <a:bodyPr rtlCol="0" anchor="ctr"/>
+          <a:lstStyle/>
+          <a:p>
+            <a:pPr algn="ctr"/>
+            <a:endParaRPr lang="en-GB"/>
+          </a:p>
+        </p:txBody>
+      </p:sp>
+      <p:sp>
+        <p:nvSpPr>
+          <p:cNvPr id="71" name="TextBox 70"/>
+          <p:cNvSpPr txBox="1"/>
+          <p:nvPr/>
+        </p:nvSpPr>
+        <p:spPr>
+          <a:xfrm>
+            <a:off x="5508570" y="1371188"/>
+            <a:ext cx="1316386" cy="369332"/>
+          </a:xfrm>
+          <a:prstGeom prst="rect">
+            <a:avLst/>
+          </a:prstGeom>
+          <a:noFill/>
+        </p:spPr>
+        <p:txBody>
+          <a:bodyPr wrap="none" rtlCol="0">
+            <a:spAutoFit/>
+          </a:bodyPr>
+          <a:lstStyle/>
+          <a:p>
+            <a:r>
+              <a:rPr lang="en-GB" dirty="0" smtClean="0"/>
+              <a:t>FBI=</a:t>
+            </a:r>
+            <a:r>
+              <a:rPr lang="en-GB" dirty="0" err="1" smtClean="0"/>
+              <a:t>FBInner</a:t>
+            </a:r>
+            <a:endParaRPr lang="en-GB" dirty="0"/>
+          </a:p>
+        </p:txBody>
+      </p:sp>
+      <p:sp>
+        <p:nvSpPr>
+          <p:cNvPr id="72" name="Rectangle 71"/>
+          <p:cNvSpPr/>
+          <p:nvPr/>
+        </p:nvSpPr>
+        <p:spPr>
+          <a:xfrm>
+            <a:off x="5513267" y="2596222"/>
+            <a:ext cx="2476640" cy="369332"/>
+          </a:xfrm>
+          <a:prstGeom prst="rect">
+            <a:avLst/>
+          </a:prstGeom>
+        </p:spPr>
+        <p:txBody>
+          <a:bodyPr wrap="none">
+            <a:spAutoFit/>
+          </a:bodyPr>
+          <a:lstStyle/>
+          <a:p>
+            <a:r>
+              <a:rPr lang="en-GB" dirty="0" smtClean="0"/>
+              <a:t>FBO=</a:t>
+            </a:r>
+            <a:r>
+              <a:rPr lang="en-GB" dirty="0" err="1" smtClean="0"/>
+              <a:t>FrontBumperOuter</a:t>
+            </a:r>
+            <a:endParaRPr lang="en-GB" dirty="0"/>
+          </a:p>
+        </p:txBody>
+      </p:sp>
+      <p:sp>
+        <p:nvSpPr>
+          <p:cNvPr id="73" name="Rectangle 72"/>
+          <p:cNvSpPr/>
+          <p:nvPr/>
+        </p:nvSpPr>
+        <p:spPr>
+          <a:xfrm>
+            <a:off x="5716467" y="1973922"/>
+            <a:ext cx="1077539" cy="369332"/>
+          </a:xfrm>
+          <a:prstGeom prst="rect">
+            <a:avLst/>
+          </a:prstGeom>
+        </p:spPr>
+        <p:txBody>
+          <a:bodyPr wrap="none">
+            <a:spAutoFit/>
+          </a:bodyPr>
+          <a:lstStyle/>
+          <a:p>
+            <a:r>
+              <a:rPr lang="en-GB" dirty="0" err="1" smtClean="0"/>
+              <a:t>FBMiddle</a:t>
+            </a:r>
+            <a:endParaRPr lang="en-GB" dirty="0"/>
+          </a:p>
+        </p:txBody>
+      </p:sp>
+      <p:sp>
+        <p:nvSpPr>
+          <p:cNvPr id="74" name="Rectangle 73"/>
+          <p:cNvSpPr/>
+          <p:nvPr/>
+        </p:nvSpPr>
+        <p:spPr>
+          <a:xfrm>
+            <a:off x="4941767" y="1364322"/>
+            <a:ext cx="468270" cy="369332"/>
+          </a:xfrm>
+          <a:prstGeom prst="rect">
+            <a:avLst/>
+          </a:prstGeom>
+        </p:spPr>
+        <p:txBody>
+          <a:bodyPr wrap="none">
+            <a:spAutoFit/>
+          </a:bodyPr>
+          <a:lstStyle/>
+          <a:p>
+            <a:r>
+              <a:rPr lang="en-GB" dirty="0" smtClean="0"/>
+              <a:t>FAI</a:t>
+            </a:r>
+            <a:endParaRPr lang="en-GB" dirty="0"/>
+          </a:p>
+        </p:txBody>
+      </p:sp>
+      <p:sp>
+        <p:nvSpPr>
+          <p:cNvPr id="75" name="Rectangle 74"/>
+          <p:cNvSpPr/>
+          <p:nvPr/>
+        </p:nvSpPr>
+        <p:spPr>
+          <a:xfrm>
+            <a:off x="2160467" y="1326222"/>
+            <a:ext cx="1940724" cy="369332"/>
+          </a:xfrm>
+          <a:prstGeom prst="rect">
+            <a:avLst/>
+          </a:prstGeom>
+        </p:spPr>
+        <p:txBody>
+          <a:bodyPr wrap="none">
+            <a:spAutoFit/>
+          </a:bodyPr>
+          <a:lstStyle/>
+          <a:p>
+            <a:r>
+              <a:rPr lang="en-GB" dirty="0" smtClean="0"/>
+              <a:t>RAI=</a:t>
+            </a:r>
+            <a:r>
+              <a:rPr lang="en-GB" dirty="0" err="1" smtClean="0"/>
+              <a:t>RearAxleInner</a:t>
+            </a:r>
+            <a:endParaRPr lang="en-GB" dirty="0"/>
+          </a:p>
+        </p:txBody>
+      </p:sp>
+      <p:sp>
+        <p:nvSpPr>
+          <p:cNvPr id="76" name="Rectangle 75"/>
+          <p:cNvSpPr/>
+          <p:nvPr/>
+        </p:nvSpPr>
+        <p:spPr>
+          <a:xfrm>
+            <a:off x="1268318" y="1961222"/>
+            <a:ext cx="631904" cy="369332"/>
+          </a:xfrm>
+          <a:prstGeom prst="rect">
+            <a:avLst/>
+          </a:prstGeom>
+        </p:spPr>
+        <p:txBody>
+          <a:bodyPr wrap="none">
+            <a:spAutoFit/>
+          </a:bodyPr>
+          <a:lstStyle/>
+          <a:p>
+            <a:r>
+              <a:rPr lang="en-GB" dirty="0" smtClean="0"/>
+              <a:t>RBM</a:t>
+            </a:r>
+            <a:endParaRPr lang="en-GB" dirty="0"/>
+          </a:p>
+        </p:txBody>
+      </p:sp>
+      <p:sp>
+        <p:nvSpPr>
+          <p:cNvPr id="77" name="Rectangle 76"/>
+          <p:cNvSpPr/>
+          <p:nvPr/>
+        </p:nvSpPr>
+        <p:spPr>
+          <a:xfrm>
+            <a:off x="4636966" y="1952151"/>
+            <a:ext cx="607730" cy="369332"/>
+          </a:xfrm>
+          <a:prstGeom prst="rect">
+            <a:avLst/>
+          </a:prstGeom>
+        </p:spPr>
+        <p:txBody>
+          <a:bodyPr wrap="none">
+            <a:spAutoFit/>
+          </a:bodyPr>
+          <a:lstStyle/>
+          <a:p>
+            <a:r>
+              <a:rPr lang="en-GB" dirty="0" smtClean="0"/>
+              <a:t>FAM</a:t>
+            </a:r>
+            <a:endParaRPr lang="en-GB" dirty="0"/>
+          </a:p>
+        </p:txBody>
+      </p:sp>
+      <p:sp>
+        <p:nvSpPr>
+          <p:cNvPr id="78" name="Rectangle 77"/>
+          <p:cNvSpPr/>
+          <p:nvPr/>
+        </p:nvSpPr>
+        <p:spPr>
+          <a:xfrm>
+            <a:off x="116876" y="1405344"/>
+            <a:ext cx="1299074" cy="338554"/>
+          </a:xfrm>
+          <a:prstGeom prst="rect">
+            <a:avLst/>
+          </a:prstGeom>
+        </p:spPr>
+        <p:txBody>
+          <a:bodyPr wrap="none">
+            <a:spAutoFit/>
+          </a:bodyPr>
+          <a:lstStyle/>
+          <a:p>
+            <a:r>
+              <a:rPr lang="en-GB" sz="1600" dirty="0" smtClean="0"/>
+              <a:t>WAI=</a:t>
+            </a:r>
+            <a:r>
+              <a:rPr lang="en-GB" sz="1600" dirty="0" err="1" smtClean="0"/>
+              <a:t>WorstAI</a:t>
+            </a:r>
+            <a:endParaRPr lang="en-GB" sz="1600" dirty="0" smtClean="0"/>
+          </a:p>
+        </p:txBody>
+      </p:sp>
+      <p:sp>
+        <p:nvSpPr>
+          <p:cNvPr id="79" name="Rectangle 78"/>
+          <p:cNvSpPr/>
+          <p:nvPr/>
+        </p:nvSpPr>
+        <p:spPr>
+          <a:xfrm>
+            <a:off x="408878" y="1755798"/>
+            <a:ext cx="579863" cy="808892"/>
+          </a:xfrm>
+          <a:prstGeom prst="rect">
+            <a:avLst/>
+          </a:prstGeom>
+          <a:solidFill>
+            <a:schemeClr val="accent1">
+              <a:alpha val="50000"/>
+            </a:schemeClr>
+          </a:solidFill>
+          <a:ln>
+            <a:noFill/>
+          </a:ln>
+        </p:spPr>
+        <p:style>
+          <a:lnRef idx="2">
+            <a:schemeClr val="accent1">
+              <a:shade val="50000"/>
+            </a:schemeClr>
+          </a:lnRef>
+          <a:fillRef idx="1">
+            <a:schemeClr val="accent1"/>
+          </a:fillRef>
+          <a:effectRef idx="0">
+            <a:schemeClr val="accent1"/>
+          </a:effectRef>
+          <a:fontRef idx="minor">
+            <a:schemeClr val="lt1"/>
+          </a:fontRef>
+        </p:style>
+        <p:txBody>
+          <a:bodyPr rtlCol="0" anchor="ctr"/>
+          <a:lstStyle/>
+          <a:p>
+            <a:pPr algn="ctr"/>
+            <a:endParaRPr lang="en-GB"/>
+          </a:p>
+        </p:txBody>
+      </p:sp>
+      <p:sp>
+        <p:nvSpPr>
+          <p:cNvPr id="80" name="Rectangle 79"/>
+          <p:cNvSpPr/>
+          <p:nvPr/>
+        </p:nvSpPr>
+        <p:spPr>
+          <a:xfrm>
+            <a:off x="534962" y="1760561"/>
+            <a:ext cx="334108" cy="123093"/>
+          </a:xfrm>
+          <a:prstGeom prst="rect">
+            <a:avLst/>
+          </a:prstGeom>
+          <a:solidFill>
+            <a:schemeClr val="tx1"/>
+          </a:solidFill>
+        </p:spPr>
+        <p:style>
+          <a:lnRef idx="2">
+            <a:schemeClr val="accent1">
+              <a:shade val="50000"/>
+            </a:schemeClr>
+          </a:lnRef>
+          <a:fillRef idx="1">
+            <a:schemeClr val="accent1"/>
+          </a:fillRef>
+          <a:effectRef idx="0">
+            <a:schemeClr val="accent1"/>
+          </a:effectRef>
+          <a:fontRef idx="minor">
+            <a:schemeClr val="lt1"/>
+          </a:fontRef>
+        </p:style>
+        <p:txBody>
+          <a:bodyPr rtlCol="0" anchor="ctr"/>
+          <a:lstStyle/>
+          <a:p>
+            <a:pPr algn="ctr"/>
+            <a:endParaRPr lang="en-GB"/>
+          </a:p>
+        </p:txBody>
+      </p:sp>
+      <p:sp>
+        <p:nvSpPr>
+          <p:cNvPr id="81" name="Rectangle 80"/>
+          <p:cNvSpPr/>
+          <p:nvPr/>
+        </p:nvSpPr>
+        <p:spPr>
+          <a:xfrm>
+            <a:off x="534962" y="2433721"/>
+            <a:ext cx="334108" cy="123093"/>
+          </a:xfrm>
+          <a:prstGeom prst="rect">
+            <a:avLst/>
+          </a:prstGeom>
+          <a:solidFill>
+            <a:schemeClr val="tx1"/>
+          </a:solidFill>
+        </p:spPr>
+        <p:style>
+          <a:lnRef idx="2">
+            <a:schemeClr val="accent1">
+              <a:shade val="50000"/>
+            </a:schemeClr>
+          </a:lnRef>
+          <a:fillRef idx="1">
+            <a:schemeClr val="accent1"/>
+          </a:fillRef>
+          <a:effectRef idx="0">
+            <a:schemeClr val="accent1"/>
+          </a:effectRef>
+          <a:fontRef idx="minor">
+            <a:schemeClr val="lt1"/>
+          </a:fontRef>
+        </p:style>
+        <p:txBody>
+          <a:bodyPr rtlCol="0" anchor="ctr"/>
+          <a:lstStyle/>
+          <a:p>
+            <a:pPr algn="ctr"/>
+            <a:endParaRPr lang="en-GB"/>
+          </a:p>
+        </p:txBody>
+      </p:sp>
+      <p:sp>
+        <p:nvSpPr>
+          <p:cNvPr id="82" name="Oval 81"/>
+          <p:cNvSpPr/>
+          <p:nvPr/>
+        </p:nvSpPr>
+        <p:spPr>
+          <a:xfrm>
+            <a:off x="631769" y="2510471"/>
+            <a:ext cx="101600" cy="101600"/>
+          </a:xfrm>
+          <a:prstGeom prst="ellipse">
+            <a:avLst/>
+          </a:prstGeom>
+          <a:solidFill>
+            <a:srgbClr val="FF0000"/>
+          </a:solidFill>
+          <a:ln>
+            <a:solidFill>
+              <a:srgbClr val="FF0000"/>
+            </a:solidFill>
+          </a:ln>
+        </p:spPr>
+        <p:style>
+          <a:lnRef idx="2">
+            <a:schemeClr val="accent1">
+              <a:shade val="50000"/>
+            </a:schemeClr>
+          </a:lnRef>
+          <a:fillRef idx="1">
+            <a:schemeClr val="accent1"/>
+          </a:fillRef>
+          <a:effectRef idx="0">
+            <a:schemeClr val="accent1"/>
+          </a:effectRef>
+          <a:fontRef idx="minor">
+            <a:schemeClr val="lt1"/>
+          </a:fontRef>
+        </p:style>
+        <p:txBody>
+          <a:bodyPr rtlCol="0" anchor="ctr"/>
+          <a:lstStyle/>
+          <a:p>
+            <a:pPr algn="ctr"/>
+            <a:endParaRPr lang="en-GB"/>
+          </a:p>
+        </p:txBody>
+      </p:sp>
+      <p:sp>
+        <p:nvSpPr>
+          <p:cNvPr id="83" name="Oval 82"/>
+          <p:cNvSpPr/>
+          <p:nvPr/>
+        </p:nvSpPr>
+        <p:spPr>
+          <a:xfrm>
+            <a:off x="631769" y="2091371"/>
+            <a:ext cx="101600" cy="101600"/>
+          </a:xfrm>
+          <a:prstGeom prst="ellipse">
+            <a:avLst/>
+          </a:prstGeom>
+          <a:solidFill>
+            <a:srgbClr val="FF0000"/>
+          </a:solidFill>
+          <a:ln>
+            <a:solidFill>
+              <a:srgbClr val="FF0000"/>
+            </a:solidFill>
+          </a:ln>
+        </p:spPr>
+        <p:style>
+          <a:lnRef idx="2">
+            <a:schemeClr val="accent1">
+              <a:shade val="50000"/>
+            </a:schemeClr>
+          </a:lnRef>
+          <a:fillRef idx="1">
+            <a:schemeClr val="accent1"/>
+          </a:fillRef>
+          <a:effectRef idx="0">
+            <a:schemeClr val="accent1"/>
+          </a:effectRef>
+          <a:fontRef idx="minor">
+            <a:schemeClr val="lt1"/>
+          </a:fontRef>
+        </p:style>
+        <p:txBody>
+          <a:bodyPr rtlCol="0" anchor="ctr"/>
+          <a:lstStyle/>
+          <a:p>
+            <a:pPr algn="ctr"/>
+            <a:endParaRPr lang="en-GB"/>
+          </a:p>
+        </p:txBody>
+      </p:sp>
+      <p:sp>
+        <p:nvSpPr>
+          <p:cNvPr id="84" name="Oval 83"/>
+          <p:cNvSpPr/>
+          <p:nvPr/>
+        </p:nvSpPr>
+        <p:spPr>
+          <a:xfrm>
+            <a:off x="644469" y="1723071"/>
+            <a:ext cx="101600" cy="101600"/>
+          </a:xfrm>
+          <a:prstGeom prst="ellipse">
+            <a:avLst/>
+          </a:prstGeom>
+          <a:solidFill>
+            <a:srgbClr val="FF0000"/>
+          </a:solidFill>
+          <a:ln w="38100">
+            <a:noFill/>
+          </a:ln>
+        </p:spPr>
+        <p:style>
+          <a:lnRef idx="2">
+            <a:schemeClr val="accent1">
+              <a:shade val="50000"/>
+            </a:schemeClr>
+          </a:lnRef>
+          <a:fillRef idx="1">
+            <a:schemeClr val="accent1"/>
+          </a:fillRef>
+          <a:effectRef idx="0">
+            <a:schemeClr val="accent1"/>
+          </a:effectRef>
+          <a:fontRef idx="minor">
+            <a:schemeClr val="lt1"/>
+          </a:fontRef>
+        </p:style>
+        <p:txBody>
+          <a:bodyPr rtlCol="0" anchor="ctr"/>
+          <a:lstStyle/>
+          <a:p>
+            <a:pPr algn="ctr"/>
+            <a:endParaRPr lang="en-GB"/>
+          </a:p>
+        </p:txBody>
+      </p:sp>
+      <p:sp>
+        <p:nvSpPr>
+          <p:cNvPr id="85" name="Rectangle 84"/>
+          <p:cNvSpPr/>
+          <p:nvPr/>
+        </p:nvSpPr>
+        <p:spPr>
+          <a:xfrm>
+            <a:off x="0" y="1931008"/>
+            <a:ext cx="743415" cy="338554"/>
+          </a:xfrm>
+          <a:prstGeom prst="rect">
+            <a:avLst/>
+          </a:prstGeom>
+        </p:spPr>
+        <p:txBody>
+          <a:bodyPr wrap="square">
+            <a:spAutoFit/>
+          </a:bodyPr>
+          <a:lstStyle/>
+          <a:p>
+            <a:r>
+              <a:rPr lang="en-GB" sz="1600" dirty="0" smtClean="0"/>
+              <a:t>WAM</a:t>
+            </a:r>
+            <a:endParaRPr lang="en-GB" sz="1600" dirty="0"/>
+          </a:p>
+        </p:txBody>
+      </p:sp>
+      <p:sp>
+        <p:nvSpPr>
+          <p:cNvPr id="86" name="Rectangle 85"/>
+          <p:cNvSpPr/>
+          <p:nvPr/>
+        </p:nvSpPr>
+        <p:spPr>
+          <a:xfrm>
+            <a:off x="140983" y="2537858"/>
+            <a:ext cx="610680" cy="338554"/>
+          </a:xfrm>
+          <a:prstGeom prst="rect">
+            <a:avLst/>
+          </a:prstGeom>
+        </p:spPr>
+        <p:txBody>
+          <a:bodyPr wrap="none">
+            <a:spAutoFit/>
+          </a:bodyPr>
+          <a:lstStyle/>
+          <a:p>
+            <a:r>
+              <a:rPr lang="en-GB" sz="1600" dirty="0"/>
+              <a:t>WAO</a:t>
+            </a:r>
+          </a:p>
+        </p:txBody>
+      </p:sp>
+      <p:sp>
+        <p:nvSpPr>
+          <p:cNvPr id="87" name="Rectangle 86"/>
+          <p:cNvSpPr/>
+          <p:nvPr/>
+        </p:nvSpPr>
+        <p:spPr>
+          <a:xfrm>
+            <a:off x="4916159" y="2613711"/>
+            <a:ext cx="560282" cy="369332"/>
+          </a:xfrm>
+          <a:prstGeom prst="rect">
+            <a:avLst/>
+          </a:prstGeom>
+        </p:spPr>
+        <p:txBody>
+          <a:bodyPr wrap="none">
+            <a:spAutoFit/>
+          </a:bodyPr>
+          <a:lstStyle/>
+          <a:p>
+            <a:r>
+              <a:rPr lang="en-GB" dirty="0" smtClean="0"/>
+              <a:t>FAO</a:t>
+            </a:r>
+            <a:endParaRPr lang="en-GB" dirty="0"/>
+          </a:p>
+        </p:txBody>
+      </p:sp>
+      <p:sp>
+        <p:nvSpPr>
+          <p:cNvPr id="88" name="Oval 87"/>
+          <p:cNvSpPr/>
+          <p:nvPr/>
+        </p:nvSpPr>
+        <p:spPr>
+          <a:xfrm>
+            <a:off x="4141342" y="2516687"/>
+            <a:ext cx="101600" cy="101600"/>
+          </a:xfrm>
+          <a:prstGeom prst="ellipse">
+            <a:avLst/>
+          </a:prstGeom>
+          <a:solidFill>
+            <a:srgbClr val="FF0000"/>
+          </a:solidFill>
+          <a:ln>
+            <a:solidFill>
+              <a:srgbClr val="FF0000"/>
+            </a:solidFill>
+          </a:ln>
+        </p:spPr>
+        <p:style>
+          <a:lnRef idx="2">
+            <a:schemeClr val="accent1">
+              <a:shade val="50000"/>
+            </a:schemeClr>
+          </a:lnRef>
+          <a:fillRef idx="1">
+            <a:schemeClr val="accent1"/>
+          </a:fillRef>
+          <a:effectRef idx="0">
+            <a:schemeClr val="accent1"/>
+          </a:effectRef>
+          <a:fontRef idx="minor">
+            <a:schemeClr val="lt1"/>
+          </a:fontRef>
+        </p:style>
+        <p:txBody>
+          <a:bodyPr rtlCol="0" anchor="ctr"/>
+          <a:lstStyle/>
+          <a:p>
+            <a:pPr algn="ctr"/>
+            <a:endParaRPr lang="en-GB"/>
+          </a:p>
+        </p:txBody>
+      </p:sp>
+      <p:sp>
+        <p:nvSpPr>
+          <p:cNvPr id="89" name="Oval 88"/>
+          <p:cNvSpPr/>
+          <p:nvPr/>
+        </p:nvSpPr>
+        <p:spPr>
+          <a:xfrm>
+            <a:off x="4141342" y="2097587"/>
+            <a:ext cx="101600" cy="101600"/>
+          </a:xfrm>
+          <a:prstGeom prst="ellipse">
+            <a:avLst/>
+          </a:prstGeom>
+          <a:solidFill>
+            <a:srgbClr val="FF0000"/>
+          </a:solidFill>
+          <a:ln>
+            <a:solidFill>
+              <a:srgbClr val="FF0000"/>
+            </a:solidFill>
+          </a:ln>
+        </p:spPr>
+        <p:style>
+          <a:lnRef idx="2">
+            <a:schemeClr val="accent1">
+              <a:shade val="50000"/>
+            </a:schemeClr>
+          </a:lnRef>
+          <a:fillRef idx="1">
+            <a:schemeClr val="accent1"/>
+          </a:fillRef>
+          <a:effectRef idx="0">
+            <a:schemeClr val="accent1"/>
+          </a:effectRef>
+          <a:fontRef idx="minor">
+            <a:schemeClr val="lt1"/>
+          </a:fontRef>
+        </p:style>
+        <p:txBody>
+          <a:bodyPr rtlCol="0" anchor="ctr"/>
+          <a:lstStyle/>
+          <a:p>
+            <a:pPr algn="ctr"/>
+            <a:endParaRPr lang="en-GB"/>
+          </a:p>
+        </p:txBody>
+      </p:sp>
+      <p:sp>
+        <p:nvSpPr>
+          <p:cNvPr id="90" name="Oval 89"/>
+          <p:cNvSpPr/>
+          <p:nvPr/>
+        </p:nvSpPr>
+        <p:spPr>
+          <a:xfrm>
+            <a:off x="4154042" y="1729287"/>
+            <a:ext cx="101600" cy="101600"/>
+          </a:xfrm>
+          <a:prstGeom prst="ellipse">
+            <a:avLst/>
+          </a:prstGeom>
+          <a:solidFill>
+            <a:srgbClr val="FF0000"/>
+          </a:solidFill>
+          <a:ln>
+            <a:solidFill>
+              <a:srgbClr val="FF0000"/>
+            </a:solidFill>
+          </a:ln>
+        </p:spPr>
+        <p:style>
+          <a:lnRef idx="2">
+            <a:schemeClr val="accent1">
+              <a:shade val="50000"/>
+            </a:schemeClr>
+          </a:lnRef>
+          <a:fillRef idx="1">
+            <a:schemeClr val="accent1"/>
+          </a:fillRef>
+          <a:effectRef idx="0">
+            <a:schemeClr val="accent1"/>
+          </a:effectRef>
+          <a:fontRef idx="minor">
+            <a:schemeClr val="lt1"/>
           </a:fontRef>
         </p:style>
         <p:txBody>
@@ -7709,8 +8884,8 @@
           </a:p>
         </p:txBody>
       </p:sp>
-      <mc:AlternateContent xmlns:mc="http://schemas.openxmlformats.org/markup-compatibility/2006">
-        <mc:Choice xmlns:a14="http://schemas.microsoft.com/office/drawing/2010/main" Requires="a14">
+      <mc:AlternateContent xmlns:mc="http://schemas.openxmlformats.org/markup-compatibility/2006" xmlns:a14="http://schemas.microsoft.com/office/drawing/2010/main">
+        <mc:Choice Requires="a14">
           <p:sp>
             <p:nvSpPr>
               <p:cNvPr id="18" name="TextBox 17"/>
@@ -7925,7 +9100,6 @@
                   <a:rPr lang="sv-SE" dirty="0" smtClean="0"/>
                   <a:t>###</a:t>
                 </a:r>
-                <a:endParaRPr lang="sv-SE" dirty="0" smtClean="0"/>
               </a:p>
               <a:p>
                 <a:r>
@@ -8008,7 +9182,7 @@
             </p:txBody>
           </p:sp>
         </mc:Choice>
-        <mc:Fallback>
+        <mc:Fallback xmlns="">
           <p:sp>
             <p:nvSpPr>
               <p:cNvPr id="18" name="TextBox 17"/>
@@ -8682,8 +9856,8 @@
           </a:p>
         </p:txBody>
       </p:sp>
-      <mc:AlternateContent xmlns:mc="http://schemas.openxmlformats.org/markup-compatibility/2006">
-        <mc:Choice xmlns:a14="http://schemas.microsoft.com/office/drawing/2010/main" Requires="a14">
+      <mc:AlternateContent xmlns:mc="http://schemas.openxmlformats.org/markup-compatibility/2006" xmlns:a14="http://schemas.microsoft.com/office/drawing/2010/main">
+        <mc:Choice Requires="a14">
           <p:sp>
             <p:nvSpPr>
               <p:cNvPr id="38" name="TextBox 37"/>
@@ -8706,6 +9880,7 @@
               </a:bodyPr>
               <a:lstStyle/>
               <a:p>
+                <a:pPr/>
                 <a14:m>
                   <m:oMathPara xmlns:m="http://schemas.openxmlformats.org/officeDocument/2006/math">
                     <m:oMathParaPr>
@@ -8745,7 +9920,7 @@
             </p:txBody>
           </p:sp>
         </mc:Choice>
-        <mc:Fallback>
+        <mc:Fallback xmlns="">
           <p:sp>
             <p:nvSpPr>
               <p:cNvPr id="38" name="TextBox 37"/>
@@ -12958,8 +14133,8 @@
           </a:p>
         </p:txBody>
       </p:sp>
-      <mc:AlternateContent xmlns:mc="http://schemas.openxmlformats.org/markup-compatibility/2006">
-        <mc:Choice xmlns:a14="http://schemas.microsoft.com/office/drawing/2010/main" Requires="a14">
+      <mc:AlternateContent xmlns:mc="http://schemas.openxmlformats.org/markup-compatibility/2006" xmlns:a14="http://schemas.microsoft.com/office/drawing/2010/main">
+        <mc:Choice Requires="a14">
           <p:sp>
             <p:nvSpPr>
               <p:cNvPr id="35" name="TextBox 34"/>
@@ -12984,11 +14159,7 @@
               <a:p>
                 <a:r>
                   <a:rPr lang="en-GB" b="1" dirty="0" smtClean="0"/>
-                  <a:t>PBS manoeuvre: Lane change on straight road. </a:t>
-                </a:r>
-                <a:r>
-                  <a:rPr lang="en-GB" b="1" dirty="0" smtClean="0"/>
-                  <a:t>Speed=</a:t>
+                  <a:t>PBS manoeuvre: Lane change on straight road. Speed=</a:t>
                 </a:r>
                 <a:r>
                   <a:rPr lang="en-GB" b="1" dirty="0" smtClean="0">
@@ -13012,11 +14183,7 @@
                 </a:r>
                 <a:r>
                   <a:rPr lang="en-GB" b="1" dirty="0" smtClean="0"/>
-                  <a:t>. </a:t>
-                </a:r>
-                <a:r>
-                  <a:rPr lang="en-GB" b="1" dirty="0" smtClean="0"/>
-                  <a:t>Unit loading</a:t>
+                  <a:t>. Unit loading</a:t>
                 </a:r>
                 <a:r>
                   <a:rPr lang="en-GB" b="1" dirty="0" smtClean="0">
@@ -13028,11 +14195,7 @@
                 </a:r>
                 <a:r>
                   <a:rPr lang="en-GB" b="1" dirty="0" smtClean="0"/>
-                  <a:t>. </a:t>
-                </a:r>
-                <a:r>
-                  <a:rPr lang="en-GB" b="1" dirty="0" smtClean="0"/>
-                  <a:t>Alternatives to define path:</a:t>
+                  <a:t>. Alternatives to define path:</a:t>
                 </a:r>
                 <a:endParaRPr lang="en-GB" b="1" dirty="0" smtClean="0">
                   <a:solidFill>
@@ -13169,13 +14332,7 @@
                           <a:rPr lang="sv-SE" b="0" i="1" smtClean="0">
                             <a:latin typeface="Cambria Math" panose="02040503050406030204" pitchFamily="18" charset="0"/>
                           </a:rPr>
-                          <m:t>2</m:t>
-                        </m:r>
-                        <m:r>
-                          <a:rPr lang="sv-SE" b="0" i="1" smtClean="0">
-                            <a:latin typeface="Cambria Math" panose="02040503050406030204" pitchFamily="18" charset="0"/>
-                          </a:rPr>
-                          <m:t>⋅</m:t>
+                          <m:t>2⋅</m:t>
                         </m:r>
                         <m:r>
                           <a:rPr lang="sv-SE" b="0" i="1" smtClean="0">
@@ -13693,11 +14850,7 @@
                 </a14:m>
                 <a:r>
                   <a:rPr lang="en-GB" dirty="0"/>
-                  <a:t> </a:t>
-                </a:r>
-                <a:r>
-                  <a:rPr lang="en-GB" dirty="0"/>
-                  <a:t>where </a:t>
+                  <a:t> where </a:t>
                 </a:r>
                 <a14:m>
                   <m:oMath xmlns:m="http://schemas.openxmlformats.org/officeDocument/2006/math">
@@ -13779,11 +14932,7 @@
               <a:p>
                 <a:r>
                   <a:rPr lang="en-GB" b="1" dirty="0" smtClean="0"/>
-                  <a:t>PBS </a:t>
-                </a:r>
-                <a:r>
-                  <a:rPr lang="en-GB" b="1" dirty="0" smtClean="0"/>
-                  <a:t>measure</a:t>
+                  <a:t>PBS measure</a:t>
                 </a:r>
                 <a:r>
                   <a:rPr lang="en-GB" dirty="0" smtClean="0"/>
@@ -13957,11 +15106,7 @@
                 </a14:m>
                 <a:r>
                   <a:rPr lang="sv-SE" dirty="0" smtClean="0"/>
-                  <a:t> </a:t>
-                </a:r>
-                <a:r>
-                  <a:rPr lang="sv-SE" dirty="0" smtClean="0"/>
-                  <a:t> </a:t>
+                  <a:t>  </a:t>
                 </a:r>
                 <a:r>
                   <a:rPr lang="en-GB" b="1" dirty="0" smtClean="0"/>
@@ -13983,11 +15128,7 @@
                 </a:pPr>
                 <a:r>
                   <a:rPr lang="en-GB" dirty="0" smtClean="0"/>
-                  <a:t>FAM, </a:t>
-                </a:r>
-                <a:r>
-                  <a:rPr lang="en-GB" dirty="0" smtClean="0"/>
-                  <a:t>RAM</a:t>
+                  <a:t>FAM, RAM</a:t>
                 </a:r>
               </a:p>
               <a:p>
@@ -14019,7 +15160,6 @@
                   <a:rPr lang="en-GB" dirty="0" smtClean="0"/>
                   <a:t>”]</a:t>
                 </a:r>
-                <a:endParaRPr lang="en-GB" dirty="0" smtClean="0"/>
               </a:p>
               <a:p>
                 <a:pPr marL="285750" indent="-285750">
@@ -14042,7 +15182,6 @@
                   <a:rPr lang="en-GB" dirty="0" smtClean="0"/>
                   <a:t>]</a:t>
                 </a:r>
-                <a:endParaRPr lang="en-GB" dirty="0" smtClean="0"/>
               </a:p>
               <a:p>
                 <a:pPr marL="285750" indent="-285750">
@@ -14051,11 +15190,7 @@
                 </a:pPr>
                 <a:r>
                   <a:rPr lang="en-GB" dirty="0" smtClean="0"/>
-                  <a:t>FBO</a:t>
-                </a:r>
-                <a:r>
-                  <a:rPr lang="en-GB" dirty="0" smtClean="0"/>
-                  <a:t>, RBI [approx., with intention to capture body corners]</a:t>
+                  <a:t>FBO, RBI [approx., with intention to capture body corners]</a:t>
                 </a:r>
               </a:p>
               <a:p>
@@ -14065,15 +15200,7 @@
                 </a:pPr>
                 <a:r>
                   <a:rPr lang="en-GB" dirty="0" smtClean="0"/>
-                  <a:t>&lt;probably around </a:t>
-                </a:r>
-                <a:r>
-                  <a:rPr lang="en-GB" dirty="0" smtClean="0"/>
-                  <a:t>5-10 </a:t>
-                </a:r>
-                <a:r>
-                  <a:rPr lang="en-GB" dirty="0" smtClean="0"/>
-                  <a:t>other </a:t>
+                  <a:t>&lt;probably around 5-10 other </a:t>
                 </a:r>
                 <a:r>
                   <a:rPr lang="en-GB" dirty="0"/>
@@ -14088,7 +15215,7 @@
             </p:txBody>
           </p:sp>
         </mc:Choice>
-        <mc:Fallback>
+        <mc:Fallback xmlns="">
           <p:sp>
             <p:nvSpPr>
               <p:cNvPr id="35" name="TextBox 34"/>
@@ -14155,21 +15282,8 @@
                   <a:srgbClr val="FF0000"/>
                 </a:solidFill>
               </a:rPr>
-              <a:t>Present known open issues with this slide</a:t>
+              <a:t>Present known open issues with this slide: …</a:t>
             </a:r>
-            <a:r>
-              <a:rPr lang="en-GB" sz="1600" i="1" dirty="0" smtClean="0">
-                <a:solidFill>
-                  <a:srgbClr val="FF0000"/>
-                </a:solidFill>
-              </a:rPr>
-              <a:t>: …</a:t>
-            </a:r>
-            <a:endParaRPr lang="en-GB" sz="1600" i="1" dirty="0" smtClean="0">
-              <a:solidFill>
-                <a:srgbClr val="FF0000"/>
-              </a:solidFill>
-            </a:endParaRPr>
           </a:p>
         </p:txBody>
       </p:sp>
@@ -14288,19 +15402,11 @@
           <a:p>
             <a:r>
               <a:rPr lang="en-GB" sz="1600" dirty="0" smtClean="0"/>
-              <a:t>W</a:t>
-            </a:r>
-            <a:r>
-              <a:rPr lang="en-GB" sz="1600" dirty="0" smtClean="0"/>
-              <a:t>AI=</a:t>
+              <a:t>WAI=</a:t>
             </a:r>
             <a:r>
               <a:rPr lang="en-GB" sz="1600" dirty="0" err="1" smtClean="0"/>
-              <a:t>Worst</a:t>
-            </a:r>
-            <a:r>
-              <a:rPr lang="en-GB" sz="1600" dirty="0" err="1" smtClean="0"/>
-              <a:t>AI</a:t>
+              <a:t>WorstAI</a:t>
             </a:r>
             <a:endParaRPr lang="en-GB" sz="1600" dirty="0" smtClean="0"/>
           </a:p>
@@ -14638,7 +15744,6 @@
               <a:rPr lang="en-GB" sz="1600" dirty="0"/>
               <a:t>WAO</a:t>
             </a:r>
-            <a:endParaRPr lang="en-GB" sz="1600" dirty="0"/>
           </a:p>
         </p:txBody>
       </p:sp>
@@ -14700,6 +15805,2728 @@
     <p:extLst>
       <p:ext uri="{BB962C8B-B14F-4D97-AF65-F5344CB8AC3E}">
         <p14:creationId xmlns:p14="http://schemas.microsoft.com/office/powerpoint/2010/main" val="1375676090"/>
+      </p:ext>
+    </p:extLst>
+  </p:cSld>
+  <p:clrMapOvr>
+    <a:masterClrMapping/>
+  </p:clrMapOvr>
+</p:sld>
+</file>
+
+<file path=ppt/slides/slide7.xml><?xml version="1.0" encoding="utf-8"?>
+<p:sld xmlns:a="http://schemas.openxmlformats.org/drawingml/2006/main" xmlns:r="http://schemas.openxmlformats.org/officeDocument/2006/relationships" xmlns:p="http://schemas.openxmlformats.org/presentationml/2006/main">
+  <p:cSld>
+    <p:spTree>
+      <p:nvGrpSpPr>
+        <p:cNvPr id="1" name=""/>
+        <p:cNvGrpSpPr/>
+        <p:nvPr/>
+      </p:nvGrpSpPr>
+      <p:grpSpPr>
+        <a:xfrm>
+          <a:off x="0" y="0"/>
+          <a:ext cx="0" cy="0"/>
+          <a:chOff x="0" y="0"/>
+          <a:chExt cx="0" cy="0"/>
+        </a:xfrm>
+      </p:grpSpPr>
+      <p:sp>
+        <p:nvSpPr>
+          <p:cNvPr id="2" name="Title 1"/>
+          <p:cNvSpPr>
+            <a:spLocks noGrp="1"/>
+          </p:cNvSpPr>
+          <p:nvPr>
+            <p:ph type="title"/>
+          </p:nvPr>
+        </p:nvSpPr>
+        <p:spPr/>
+        <p:txBody>
+          <a:bodyPr>
+            <a:normAutofit/>
+          </a:bodyPr>
+          <a:lstStyle/>
+          <a:p>
+            <a:pPr fontAlgn="ctr"/>
+            <a:r>
+              <a:rPr lang="en-US" sz="5400" dirty="0" smtClean="0"/>
+              <a:t>LSSP, Low </a:t>
+            </a:r>
+            <a:r>
+              <a:rPr lang="en-US" sz="5400" dirty="0"/>
+              <a:t>Speed Swept </a:t>
+            </a:r>
+            <a:r>
+              <a:rPr lang="en-US" sz="5400" dirty="0" smtClean="0"/>
+              <a:t>Path</a:t>
+            </a:r>
+            <a:endParaRPr lang="sv-SE" sz="5400" dirty="0"/>
+          </a:p>
+        </p:txBody>
+      </p:sp>
+      <p:sp>
+        <p:nvSpPr>
+          <p:cNvPr id="3" name="Rectangle 2"/>
+          <p:cNvSpPr/>
+          <p:nvPr/>
+        </p:nvSpPr>
+        <p:spPr>
+          <a:xfrm>
+            <a:off x="749508" y="6047195"/>
+            <a:ext cx="10837889" cy="646331"/>
+          </a:xfrm>
+          <a:prstGeom prst="rect">
+            <a:avLst/>
+          </a:prstGeom>
+        </p:spPr>
+        <p:txBody>
+          <a:bodyPr wrap="square">
+            <a:spAutoFit/>
+          </a:bodyPr>
+          <a:lstStyle/>
+          <a:p>
+            <a:r>
+              <a:rPr lang="en-GB" i="1" dirty="0">
+                <a:solidFill>
+                  <a:srgbClr val="FF0000"/>
+                </a:solidFill>
+              </a:rPr>
+              <a:t>Present known open issues with this slide: </a:t>
+            </a:r>
+            <a:r>
+              <a:rPr lang="en-GB" i="1" dirty="0" err="1">
+                <a:solidFill>
+                  <a:srgbClr val="FF0000"/>
+                </a:solidFill>
+              </a:rPr>
+              <a:t>HCTinSWE</a:t>
+            </a:r>
+            <a:r>
+              <a:rPr lang="en-GB" i="1" dirty="0">
+                <a:solidFill>
+                  <a:srgbClr val="FF0000"/>
+                </a:solidFill>
+              </a:rPr>
+              <a:t> and </a:t>
+            </a:r>
+            <a:r>
+              <a:rPr lang="en-GB" i="1" dirty="0" err="1" smtClean="0">
+                <a:solidFill>
+                  <a:srgbClr val="FF0000"/>
+                </a:solidFill>
+              </a:rPr>
+              <a:t>OpenPBS</a:t>
+            </a:r>
+            <a:r>
+              <a:rPr lang="en-GB" i="1" dirty="0" smtClean="0">
+                <a:solidFill>
+                  <a:srgbClr val="FF0000"/>
+                </a:solidFill>
+              </a:rPr>
+              <a:t> does not punish long overhang, e.g. city buses or “nose-built” cabins</a:t>
+            </a:r>
+            <a:endParaRPr lang="en-GB" i="1" dirty="0">
+              <a:solidFill>
+                <a:srgbClr val="FF0000"/>
+              </a:solidFill>
+            </a:endParaRPr>
+          </a:p>
+        </p:txBody>
+      </p:sp>
+      <mc:AlternateContent xmlns:mc="http://schemas.openxmlformats.org/markup-compatibility/2006">
+        <mc:Choice xmlns:a14="http://schemas.microsoft.com/office/drawing/2010/main" Requires="a14">
+          <p:sp>
+            <p:nvSpPr>
+              <p:cNvPr id="18" name="TextBox 17"/>
+              <p:cNvSpPr txBox="1"/>
+              <p:nvPr/>
+            </p:nvSpPr>
+            <p:spPr>
+              <a:xfrm>
+                <a:off x="401345" y="3227832"/>
+                <a:ext cx="6825342" cy="1754326"/>
+              </a:xfrm>
+              <a:prstGeom prst="rect">
+                <a:avLst/>
+              </a:prstGeom>
+              <a:noFill/>
+            </p:spPr>
+            <p:txBody>
+              <a:bodyPr wrap="square" rtlCol="0">
+                <a:spAutoFit/>
+              </a:bodyPr>
+              <a:lstStyle/>
+              <a:p>
+                <a:r>
+                  <a:rPr lang="en-GB" b="1" dirty="0" smtClean="0"/>
+                  <a:t>PBS manoeuvre</a:t>
+                </a:r>
+                <a:r>
+                  <a:rPr lang="en-GB" dirty="0" smtClean="0"/>
+                  <a:t>: </a:t>
+                </a:r>
+                <a:r>
+                  <a:rPr lang="en-GB" b="1" dirty="0" smtClean="0"/>
+                  <a:t>Speed=</a:t>
+                </a:r>
+                <a14:m>
+                  <m:oMath xmlns:m="http://schemas.openxmlformats.org/officeDocument/2006/math">
+                    <m:sSup>
+                      <m:sSupPr>
+                        <m:ctrlPr>
+                          <a:rPr lang="sv-SE" b="1" i="1" smtClean="0">
+                            <a:latin typeface="Cambria Math" panose="02040503050406030204" pitchFamily="18" charset="0"/>
+                          </a:rPr>
+                        </m:ctrlPr>
+                      </m:sSupPr>
+                      <m:e>
+                        <m:r>
+                          <a:rPr lang="sv-SE" b="1" i="1" smtClean="0">
+                            <a:latin typeface="Cambria Math" panose="02040503050406030204" pitchFamily="18" charset="0"/>
+                          </a:rPr>
+                          <m:t>𝟎</m:t>
+                        </m:r>
+                      </m:e>
+                      <m:sup>
+                        <m:r>
+                          <a:rPr lang="sv-SE" b="1" i="1" smtClean="0">
+                            <a:latin typeface="Cambria Math" panose="02040503050406030204" pitchFamily="18" charset="0"/>
+                          </a:rPr>
+                          <m:t>+</m:t>
+                        </m:r>
+                      </m:sup>
+                    </m:sSup>
+                  </m:oMath>
+                </a14:m>
+                <a:r>
+                  <a:rPr lang="en-GB" b="1" dirty="0" smtClean="0"/>
+                  <a:t>. Friction=Hi. </a:t>
+                </a:r>
+                <a:r>
+                  <a:rPr lang="en-GB" b="1" dirty="0"/>
+                  <a:t>Unit loading</a:t>
+                </a:r>
+                <a:r>
+                  <a:rPr lang="en-GB" b="1" dirty="0" smtClean="0">
+                    <a:solidFill>
+                      <a:srgbClr val="FF0000"/>
+                    </a:solidFill>
+                  </a:rPr>
+                  <a:t>=#?</a:t>
+                </a:r>
+                <a:r>
+                  <a:rPr lang="en-GB" b="1" dirty="0" smtClean="0"/>
+                  <a:t>.</a:t>
+                </a:r>
+                <a:endParaRPr lang="en-GB" dirty="0" smtClean="0"/>
+              </a:p>
+              <a:p>
+                <a:pPr marL="285750" indent="-285750">
+                  <a:buFont typeface="Arial" panose="020B0604020202020204" pitchFamily="34" charset="0"/>
+                  <a:buChar char="•"/>
+                </a:pPr>
+                <a:r>
+                  <a:rPr lang="sv-SE" b="0" dirty="0" smtClean="0"/>
+                  <a:t>guide: R=12.5 m, 90 deg</a:t>
+                </a:r>
+                <a:endParaRPr lang="sv-SE" b="0" dirty="0" smtClean="0"/>
+              </a:p>
+              <a:p>
+                <a:r>
+                  <a:rPr lang="en-GB" b="1" dirty="0" smtClean="0"/>
+                  <a:t>PBS </a:t>
+                </a:r>
+                <a:r>
+                  <a:rPr lang="en-GB" b="1" dirty="0"/>
+                  <a:t>measure</a:t>
+                </a:r>
+                <a:r>
+                  <a:rPr lang="en-GB" dirty="0"/>
+                  <a:t>: </a:t>
+                </a:r>
+                <a:r>
+                  <a:rPr lang="en-GB" dirty="0" smtClean="0"/>
+                  <a:t>max perpendicular distance from guide to follower</a:t>
+                </a:r>
+                <a:r>
+                  <a:rPr lang="sv-SE" dirty="0" smtClean="0"/>
+                  <a:t>. </a:t>
+                </a:r>
+                <a:r>
+                  <a:rPr lang="en-GB" b="1" dirty="0" smtClean="0"/>
+                  <a:t>Alternatives:</a:t>
+                </a:r>
+              </a:p>
+              <a:p>
+                <a:pPr marL="285750" indent="-285750">
+                  <a:buFont typeface="Arial" panose="020B0604020202020204" pitchFamily="34" charset="0"/>
+                  <a:buChar char="•"/>
+                </a:pPr>
+                <a:r>
+                  <a:rPr lang="en-GB" dirty="0" smtClean="0"/>
+                  <a:t>guide=FAO, follower=worst of all other [</a:t>
+                </a:r>
+                <a:r>
+                  <a:rPr lang="en-GB" dirty="0" err="1" smtClean="0"/>
+                  <a:t>HCTinSWE</a:t>
+                </a:r>
+                <a:r>
+                  <a:rPr lang="en-GB" dirty="0" smtClean="0"/>
+                  <a:t> and </a:t>
+                </a:r>
+                <a:r>
+                  <a:rPr lang="en-GB" dirty="0" err="1" smtClean="0"/>
+                  <a:t>OpenPBS</a:t>
+                </a:r>
+                <a:r>
+                  <a:rPr lang="en-GB" dirty="0" smtClean="0"/>
+                  <a:t>]</a:t>
+                </a:r>
+                <a:endParaRPr lang="en-GB" dirty="0" smtClean="0"/>
+              </a:p>
+              <a:p>
+                <a:pPr marL="285750" indent="-285750">
+                  <a:buFont typeface="Arial" panose="020B0604020202020204" pitchFamily="34" charset="0"/>
+                  <a:buChar char="•"/>
+                </a:pPr>
+                <a:r>
+                  <a:rPr lang="en-GB" dirty="0" smtClean="0"/>
+                  <a:t>guide=FBO, </a:t>
+                </a:r>
+                <a:r>
+                  <a:rPr lang="en-GB" dirty="0"/>
+                  <a:t>follower=worst of all other </a:t>
+                </a:r>
+                <a:r>
+                  <a:rPr lang="en-GB" dirty="0" smtClean="0"/>
+                  <a:t>[</a:t>
+                </a:r>
+                <a:r>
+                  <a:rPr lang="en-GB" dirty="0" smtClean="0">
+                    <a:sym typeface="Symbol" panose="05050102010706020507" pitchFamily="18" charset="2"/>
+                  </a:rPr>
+                  <a:t></a:t>
+                </a:r>
+                <a:r>
+                  <a:rPr lang="en-GB" dirty="0" smtClean="0"/>
+                  <a:t>Australia]</a:t>
+                </a:r>
+                <a:endParaRPr lang="en-GB" dirty="0" smtClean="0"/>
+              </a:p>
+            </p:txBody>
+          </p:sp>
+        </mc:Choice>
+        <mc:Fallback>
+          <p:sp>
+            <p:nvSpPr>
+              <p:cNvPr id="18" name="TextBox 17"/>
+              <p:cNvSpPr txBox="1">
+                <a:spLocks noRot="1" noChangeAspect="1" noMove="1" noResize="1" noEditPoints="1" noAdjustHandles="1" noChangeArrowheads="1" noChangeShapeType="1" noTextEdit="1"/>
+              </p:cNvSpPr>
+              <p:nvPr/>
+            </p:nvSpPr>
+            <p:spPr>
+              <a:xfrm>
+                <a:off x="401345" y="3227832"/>
+                <a:ext cx="6825342" cy="1754326"/>
+              </a:xfrm>
+              <a:prstGeom prst="rect">
+                <a:avLst/>
+              </a:prstGeom>
+              <a:blipFill rotWithShape="0">
+                <a:blip r:embed="rId2"/>
+                <a:stretch>
+                  <a:fillRect l="-804" t="-2091" b="-4530"/>
+                </a:stretch>
+              </a:blipFill>
+            </p:spPr>
+            <p:txBody>
+              <a:bodyPr/>
+              <a:lstStyle/>
+              <a:p>
+                <a:r>
+                  <a:rPr lang="en-GB">
+                    <a:noFill/>
+                  </a:rPr>
+                  <a:t> </a:t>
+                </a:r>
+              </a:p>
+            </p:txBody>
+          </p:sp>
+        </mc:Fallback>
+      </mc:AlternateContent>
+      <p:sp>
+        <p:nvSpPr>
+          <p:cNvPr id="19" name="Right Arrow 18"/>
+          <p:cNvSpPr/>
+          <p:nvPr/>
+        </p:nvSpPr>
+        <p:spPr>
+          <a:xfrm rot="20441268">
+            <a:off x="13326583" y="4133207"/>
+            <a:ext cx="2808709" cy="630912"/>
+          </a:xfrm>
+          <a:prstGeom prst="rightArrow">
+            <a:avLst>
+              <a:gd name="adj1" fmla="val 68030"/>
+              <a:gd name="adj2" fmla="val 115565"/>
+            </a:avLst>
+          </a:prstGeom>
+          <a:solidFill>
+            <a:srgbClr val="FFFF00"/>
+          </a:solidFill>
+        </p:spPr>
+        <p:style>
+          <a:lnRef idx="2">
+            <a:schemeClr val="accent1">
+              <a:shade val="50000"/>
+            </a:schemeClr>
+          </a:lnRef>
+          <a:fillRef idx="1">
+            <a:schemeClr val="accent1"/>
+          </a:fillRef>
+          <a:effectRef idx="0">
+            <a:schemeClr val="accent1"/>
+          </a:effectRef>
+          <a:fontRef idx="minor">
+            <a:schemeClr val="lt1"/>
+          </a:fontRef>
+        </p:style>
+        <p:txBody>
+          <a:bodyPr wrap="square" lIns="36000" tIns="0" rIns="36000" bIns="0" rtlCol="0" anchor="ctr">
+            <a:spAutoFit/>
+          </a:bodyPr>
+          <a:lstStyle/>
+          <a:p>
+            <a:pPr algn="ctr"/>
+            <a:r>
+              <a:rPr lang="en-GB" sz="1400" dirty="0" smtClean="0">
+                <a:solidFill>
+                  <a:schemeClr val="tx1"/>
+                </a:solidFill>
+              </a:rPr>
+              <a:t>Present </a:t>
+            </a:r>
+            <a:r>
+              <a:rPr lang="en-GB" sz="1400" dirty="0">
+                <a:solidFill>
+                  <a:schemeClr val="tx1"/>
+                </a:solidFill>
+              </a:rPr>
+              <a:t>(</a:t>
+            </a:r>
+            <a:r>
+              <a:rPr lang="en-GB" sz="1400" dirty="0" smtClean="0">
+                <a:solidFill>
+                  <a:schemeClr val="tx1"/>
+                </a:solidFill>
+              </a:rPr>
+              <a:t>20</a:t>
+            </a:r>
+            <a:r>
+              <a:rPr lang="en-GB" sz="1400" dirty="0" smtClean="0">
+                <a:solidFill>
+                  <a:srgbClr val="FF0000"/>
+                </a:solidFill>
+              </a:rPr>
+              <a:t>##-##-##</a:t>
+            </a:r>
+            <a:r>
+              <a:rPr lang="en-GB" sz="1400" dirty="0" smtClean="0">
+                <a:solidFill>
+                  <a:schemeClr val="tx1"/>
+                </a:solidFill>
+              </a:rPr>
+              <a:t>) </a:t>
+            </a:r>
+            <a:r>
+              <a:rPr lang="en-GB" sz="1400" dirty="0">
+                <a:solidFill>
+                  <a:schemeClr val="tx1"/>
+                </a:solidFill>
+              </a:rPr>
+              <a:t>proposal from “HCT in </a:t>
+            </a:r>
+            <a:r>
+              <a:rPr lang="en-GB" sz="1400" dirty="0" err="1">
+                <a:solidFill>
+                  <a:schemeClr val="tx1"/>
+                </a:solidFill>
+              </a:rPr>
+              <a:t>Swe</a:t>
+            </a:r>
+            <a:r>
+              <a:rPr lang="en-GB" sz="1400" dirty="0">
+                <a:solidFill>
+                  <a:schemeClr val="tx1"/>
+                </a:solidFill>
+              </a:rPr>
+              <a:t>-project</a:t>
+            </a:r>
+            <a:r>
+              <a:rPr lang="en-GB" sz="1400" dirty="0" smtClean="0">
+                <a:solidFill>
+                  <a:schemeClr val="tx1"/>
+                </a:solidFill>
+              </a:rPr>
+              <a:t>”</a:t>
+            </a:r>
+            <a:endParaRPr lang="en-GB" sz="1400" dirty="0">
+              <a:solidFill>
+                <a:schemeClr val="tx1"/>
+              </a:solidFill>
+            </a:endParaRPr>
+          </a:p>
+        </p:txBody>
+      </p:sp>
+      <p:sp>
+        <p:nvSpPr>
+          <p:cNvPr id="28" name="Right Arrow 27"/>
+          <p:cNvSpPr/>
+          <p:nvPr/>
+        </p:nvSpPr>
+        <p:spPr>
+          <a:xfrm rot="20441268">
+            <a:off x="12221752" y="3921463"/>
+            <a:ext cx="2650604" cy="630912"/>
+          </a:xfrm>
+          <a:prstGeom prst="rightArrow">
+            <a:avLst>
+              <a:gd name="adj1" fmla="val 68030"/>
+              <a:gd name="adj2" fmla="val 106426"/>
+            </a:avLst>
+          </a:prstGeom>
+          <a:solidFill>
+            <a:srgbClr val="FFFF99"/>
+          </a:solidFill>
+        </p:spPr>
+        <p:style>
+          <a:lnRef idx="2">
+            <a:schemeClr val="accent1">
+              <a:shade val="50000"/>
+            </a:schemeClr>
+          </a:lnRef>
+          <a:fillRef idx="1">
+            <a:schemeClr val="accent1"/>
+          </a:fillRef>
+          <a:effectRef idx="0">
+            <a:schemeClr val="accent1"/>
+          </a:effectRef>
+          <a:fontRef idx="minor">
+            <a:schemeClr val="lt1"/>
+          </a:fontRef>
+        </p:style>
+        <p:txBody>
+          <a:bodyPr wrap="square" lIns="36000" tIns="0" rIns="36000" bIns="0" rtlCol="0" anchor="ctr">
+            <a:spAutoFit/>
+          </a:bodyPr>
+          <a:lstStyle/>
+          <a:p>
+            <a:pPr algn="ctr"/>
+            <a:r>
+              <a:rPr lang="en-GB" sz="1400" dirty="0" smtClean="0">
+                <a:solidFill>
+                  <a:schemeClr val="tx1"/>
+                </a:solidFill>
+              </a:rPr>
+              <a:t>Implemented in Open PBS tool, version </a:t>
+            </a:r>
+            <a:r>
+              <a:rPr lang="en-GB" sz="1400" dirty="0" smtClean="0">
+                <a:solidFill>
+                  <a:srgbClr val="FF0000"/>
+                </a:solidFill>
+              </a:rPr>
+              <a:t>###</a:t>
+            </a:r>
+            <a:endParaRPr lang="en-GB" sz="1400" dirty="0">
+              <a:solidFill>
+                <a:srgbClr val="FF0000"/>
+              </a:solidFill>
+            </a:endParaRPr>
+          </a:p>
+        </p:txBody>
+      </p:sp>
+      <p:sp>
+        <p:nvSpPr>
+          <p:cNvPr id="23" name="Arc 22"/>
+          <p:cNvSpPr/>
+          <p:nvPr/>
+        </p:nvSpPr>
+        <p:spPr>
+          <a:xfrm>
+            <a:off x="9801290" y="768104"/>
+            <a:ext cx="1585731" cy="1574157"/>
+          </a:xfrm>
+          <a:prstGeom prst="arc">
+            <a:avLst>
+              <a:gd name="adj1" fmla="val 53710"/>
+              <a:gd name="adj2" fmla="val 5475822"/>
+            </a:avLst>
+          </a:prstGeom>
+        </p:spPr>
+        <p:style>
+          <a:lnRef idx="1">
+            <a:schemeClr val="accent1"/>
+          </a:lnRef>
+          <a:fillRef idx="0">
+            <a:schemeClr val="accent1"/>
+          </a:fillRef>
+          <a:effectRef idx="0">
+            <a:schemeClr val="accent1"/>
+          </a:effectRef>
+          <a:fontRef idx="minor">
+            <a:schemeClr val="tx1"/>
+          </a:fontRef>
+        </p:style>
+        <p:txBody>
+          <a:bodyPr rtlCol="0" anchor="ctr"/>
+          <a:lstStyle/>
+          <a:p>
+            <a:pPr algn="ctr"/>
+            <a:endParaRPr lang="en-GB"/>
+          </a:p>
+        </p:txBody>
+      </p:sp>
+      <p:cxnSp>
+        <p:nvCxnSpPr>
+          <p:cNvPr id="25" name="Straight Connector 24"/>
+          <p:cNvCxnSpPr/>
+          <p:nvPr/>
+        </p:nvCxnSpPr>
+        <p:spPr>
+          <a:xfrm>
+            <a:off x="7794885" y="2338465"/>
+            <a:ext cx="2811892" cy="0"/>
+          </a:xfrm>
+          <a:prstGeom prst="line">
+            <a:avLst/>
+          </a:prstGeom>
+        </p:spPr>
+        <p:style>
+          <a:lnRef idx="1">
+            <a:schemeClr val="accent1"/>
+          </a:lnRef>
+          <a:fillRef idx="0">
+            <a:schemeClr val="accent1"/>
+          </a:fillRef>
+          <a:effectRef idx="0">
+            <a:schemeClr val="accent1"/>
+          </a:effectRef>
+          <a:fontRef idx="minor">
+            <a:schemeClr val="tx1"/>
+          </a:fontRef>
+        </p:style>
+      </p:cxnSp>
+      <p:cxnSp>
+        <p:nvCxnSpPr>
+          <p:cNvPr id="43" name="Straight Connector 42"/>
+          <p:cNvCxnSpPr>
+            <a:stCxn id="23" idx="0"/>
+          </p:cNvCxnSpPr>
+          <p:nvPr/>
+        </p:nvCxnSpPr>
+        <p:spPr>
+          <a:xfrm flipV="1">
+            <a:off x="11386923" y="0"/>
+            <a:ext cx="0" cy="1567569"/>
+          </a:xfrm>
+          <a:prstGeom prst="line">
+            <a:avLst/>
+          </a:prstGeom>
+        </p:spPr>
+        <p:style>
+          <a:lnRef idx="1">
+            <a:schemeClr val="accent1"/>
+          </a:lnRef>
+          <a:fillRef idx="0">
+            <a:schemeClr val="accent1"/>
+          </a:fillRef>
+          <a:effectRef idx="0">
+            <a:schemeClr val="accent1"/>
+          </a:effectRef>
+          <a:fontRef idx="minor">
+            <a:schemeClr val="tx1"/>
+          </a:fontRef>
+        </p:style>
+      </p:cxnSp>
+      <p:grpSp>
+        <p:nvGrpSpPr>
+          <p:cNvPr id="44" name="Group 43"/>
+          <p:cNvGrpSpPr/>
+          <p:nvPr/>
+        </p:nvGrpSpPr>
+        <p:grpSpPr>
+          <a:xfrm>
+            <a:off x="4102160" y="1511654"/>
+            <a:ext cx="1929912" cy="811822"/>
+            <a:chOff x="5251938" y="2417885"/>
+            <a:chExt cx="1929912" cy="811822"/>
+          </a:xfrm>
+        </p:grpSpPr>
+        <p:sp>
+          <p:nvSpPr>
+            <p:cNvPr id="45" name="Rectangle 44"/>
+            <p:cNvSpPr/>
+            <p:nvPr/>
+          </p:nvSpPr>
+          <p:spPr>
+            <a:xfrm>
+              <a:off x="5251938" y="2420815"/>
+              <a:ext cx="1929912" cy="808892"/>
+            </a:xfrm>
+            <a:prstGeom prst="rect">
+              <a:avLst/>
+            </a:prstGeom>
+            <a:solidFill>
+              <a:schemeClr val="accent1">
+                <a:alpha val="50000"/>
+              </a:schemeClr>
+            </a:solidFill>
+            <a:ln>
+              <a:solidFill>
+                <a:schemeClr val="tx1"/>
+              </a:solidFill>
+            </a:ln>
+          </p:spPr>
+          <p:style>
+            <a:lnRef idx="2">
+              <a:schemeClr val="accent1">
+                <a:shade val="50000"/>
+              </a:schemeClr>
+            </a:lnRef>
+            <a:fillRef idx="1">
+              <a:schemeClr val="accent1"/>
+            </a:fillRef>
+            <a:effectRef idx="0">
+              <a:schemeClr val="accent1"/>
+            </a:effectRef>
+            <a:fontRef idx="minor">
+              <a:schemeClr val="lt1"/>
+            </a:fontRef>
+          </p:style>
+          <p:txBody>
+            <a:bodyPr rtlCol="0" anchor="ctr"/>
+            <a:lstStyle/>
+            <a:p>
+              <a:pPr algn="ctr"/>
+              <a:endParaRPr lang="en-GB"/>
+            </a:p>
+          </p:txBody>
+        </p:sp>
+        <p:sp>
+          <p:nvSpPr>
+            <p:cNvPr id="46" name="Isosceles Triangle 45"/>
+            <p:cNvSpPr/>
+            <p:nvPr/>
+          </p:nvSpPr>
+          <p:spPr>
+            <a:xfrm rot="5400000">
+              <a:off x="6018334" y="2598127"/>
+              <a:ext cx="800100" cy="439616"/>
+            </a:xfrm>
+            <a:prstGeom prst="triangle">
+              <a:avLst/>
+            </a:prstGeom>
+            <a:noFill/>
+          </p:spPr>
+          <p:style>
+            <a:lnRef idx="2">
+              <a:schemeClr val="accent1">
+                <a:shade val="50000"/>
+              </a:schemeClr>
+            </a:lnRef>
+            <a:fillRef idx="1">
+              <a:schemeClr val="accent1"/>
+            </a:fillRef>
+            <a:effectRef idx="0">
+              <a:schemeClr val="accent1"/>
+            </a:effectRef>
+            <a:fontRef idx="minor">
+              <a:schemeClr val="lt1"/>
+            </a:fontRef>
+          </p:style>
+          <p:txBody>
+            <a:bodyPr rtlCol="0" anchor="ctr"/>
+            <a:lstStyle/>
+            <a:p>
+              <a:pPr algn="ctr"/>
+              <a:endParaRPr lang="en-GB"/>
+            </a:p>
+          </p:txBody>
+        </p:sp>
+        <p:sp>
+          <p:nvSpPr>
+            <p:cNvPr id="47" name="Rectangle 46"/>
+            <p:cNvSpPr/>
+            <p:nvPr/>
+          </p:nvSpPr>
+          <p:spPr>
+            <a:xfrm>
+              <a:off x="6542118" y="2426677"/>
+              <a:ext cx="334108" cy="123093"/>
+            </a:xfrm>
+            <a:prstGeom prst="rect">
+              <a:avLst/>
+            </a:prstGeom>
+            <a:solidFill>
+              <a:schemeClr val="tx1"/>
+            </a:solidFill>
+          </p:spPr>
+          <p:style>
+            <a:lnRef idx="2">
+              <a:schemeClr val="accent1">
+                <a:shade val="50000"/>
+              </a:schemeClr>
+            </a:lnRef>
+            <a:fillRef idx="1">
+              <a:schemeClr val="accent1"/>
+            </a:fillRef>
+            <a:effectRef idx="0">
+              <a:schemeClr val="accent1"/>
+            </a:effectRef>
+            <a:fontRef idx="minor">
+              <a:schemeClr val="lt1"/>
+            </a:fontRef>
+          </p:style>
+          <p:txBody>
+            <a:bodyPr rtlCol="0" anchor="ctr"/>
+            <a:lstStyle/>
+            <a:p>
+              <a:pPr algn="ctr"/>
+              <a:endParaRPr lang="en-GB"/>
+            </a:p>
+          </p:txBody>
+        </p:sp>
+        <p:sp>
+          <p:nvSpPr>
+            <p:cNvPr id="48" name="Rectangle 47"/>
+            <p:cNvSpPr/>
+            <p:nvPr/>
+          </p:nvSpPr>
+          <p:spPr>
+            <a:xfrm>
+              <a:off x="6542118" y="3099837"/>
+              <a:ext cx="334108" cy="123093"/>
+            </a:xfrm>
+            <a:prstGeom prst="rect">
+              <a:avLst/>
+            </a:prstGeom>
+            <a:solidFill>
+              <a:schemeClr val="tx1"/>
+            </a:solidFill>
+          </p:spPr>
+          <p:style>
+            <a:lnRef idx="2">
+              <a:schemeClr val="accent1">
+                <a:shade val="50000"/>
+              </a:schemeClr>
+            </a:lnRef>
+            <a:fillRef idx="1">
+              <a:schemeClr val="accent1"/>
+            </a:fillRef>
+            <a:effectRef idx="0">
+              <a:schemeClr val="accent1"/>
+            </a:effectRef>
+            <a:fontRef idx="minor">
+              <a:schemeClr val="lt1"/>
+            </a:fontRef>
+          </p:style>
+          <p:txBody>
+            <a:bodyPr rtlCol="0" anchor="ctr"/>
+            <a:lstStyle/>
+            <a:p>
+              <a:pPr algn="ctr"/>
+              <a:endParaRPr lang="en-GB"/>
+            </a:p>
+          </p:txBody>
+        </p:sp>
+        <p:sp>
+          <p:nvSpPr>
+            <p:cNvPr id="49" name="Rectangle 48"/>
+            <p:cNvSpPr/>
+            <p:nvPr/>
+          </p:nvSpPr>
+          <p:spPr>
+            <a:xfrm>
+              <a:off x="5515799" y="2426677"/>
+              <a:ext cx="334108" cy="123093"/>
+            </a:xfrm>
+            <a:prstGeom prst="rect">
+              <a:avLst/>
+            </a:prstGeom>
+            <a:solidFill>
+              <a:schemeClr val="tx1"/>
+            </a:solidFill>
+          </p:spPr>
+          <p:style>
+            <a:lnRef idx="2">
+              <a:schemeClr val="accent1">
+                <a:shade val="50000"/>
+              </a:schemeClr>
+            </a:lnRef>
+            <a:fillRef idx="1">
+              <a:schemeClr val="accent1"/>
+            </a:fillRef>
+            <a:effectRef idx="0">
+              <a:schemeClr val="accent1"/>
+            </a:effectRef>
+            <a:fontRef idx="minor">
+              <a:schemeClr val="lt1"/>
+            </a:fontRef>
+          </p:style>
+          <p:txBody>
+            <a:bodyPr rtlCol="0" anchor="ctr"/>
+            <a:lstStyle/>
+            <a:p>
+              <a:pPr algn="ctr"/>
+              <a:endParaRPr lang="en-GB"/>
+            </a:p>
+          </p:txBody>
+        </p:sp>
+        <p:sp>
+          <p:nvSpPr>
+            <p:cNvPr id="50" name="Rectangle 49"/>
+            <p:cNvSpPr/>
+            <p:nvPr/>
+          </p:nvSpPr>
+          <p:spPr>
+            <a:xfrm>
+              <a:off x="5515799" y="3099837"/>
+              <a:ext cx="334108" cy="123093"/>
+            </a:xfrm>
+            <a:prstGeom prst="rect">
+              <a:avLst/>
+            </a:prstGeom>
+            <a:solidFill>
+              <a:schemeClr val="tx1"/>
+            </a:solidFill>
+          </p:spPr>
+          <p:style>
+            <a:lnRef idx="2">
+              <a:schemeClr val="accent1">
+                <a:shade val="50000"/>
+              </a:schemeClr>
+            </a:lnRef>
+            <a:fillRef idx="1">
+              <a:schemeClr val="accent1"/>
+            </a:fillRef>
+            <a:effectRef idx="0">
+              <a:schemeClr val="accent1"/>
+            </a:effectRef>
+            <a:fontRef idx="minor">
+              <a:schemeClr val="lt1"/>
+            </a:fontRef>
+          </p:style>
+          <p:txBody>
+            <a:bodyPr rtlCol="0" anchor="ctr"/>
+            <a:lstStyle/>
+            <a:p>
+              <a:pPr algn="ctr"/>
+              <a:endParaRPr lang="en-GB"/>
+            </a:p>
+          </p:txBody>
+        </p:sp>
+        <p:sp>
+          <p:nvSpPr>
+            <p:cNvPr id="51" name="Oval 50"/>
+            <p:cNvSpPr/>
+            <p:nvPr/>
+          </p:nvSpPr>
+          <p:spPr>
+            <a:xfrm>
+              <a:off x="5276850" y="2776538"/>
+              <a:ext cx="109538" cy="109537"/>
+            </a:xfrm>
+            <a:prstGeom prst="ellipse">
+              <a:avLst/>
+            </a:prstGeom>
+          </p:spPr>
+          <p:style>
+            <a:lnRef idx="2">
+              <a:schemeClr val="accent1">
+                <a:shade val="50000"/>
+              </a:schemeClr>
+            </a:lnRef>
+            <a:fillRef idx="1">
+              <a:schemeClr val="accent1"/>
+            </a:fillRef>
+            <a:effectRef idx="0">
+              <a:schemeClr val="accent1"/>
+            </a:effectRef>
+            <a:fontRef idx="minor">
+              <a:schemeClr val="lt1"/>
+            </a:fontRef>
+          </p:style>
+          <p:txBody>
+            <a:bodyPr rtlCol="0" anchor="ctr"/>
+            <a:lstStyle/>
+            <a:p>
+              <a:pPr algn="ctr"/>
+              <a:endParaRPr lang="en-GB"/>
+            </a:p>
+          </p:txBody>
+        </p:sp>
+      </p:grpSp>
+      <p:grpSp>
+        <p:nvGrpSpPr>
+          <p:cNvPr id="52" name="Group 51"/>
+          <p:cNvGrpSpPr/>
+          <p:nvPr/>
+        </p:nvGrpSpPr>
+        <p:grpSpPr>
+          <a:xfrm>
+            <a:off x="2270185" y="1514096"/>
+            <a:ext cx="2039816" cy="808892"/>
+            <a:chOff x="2813538" y="2426677"/>
+            <a:chExt cx="2039816" cy="808892"/>
+          </a:xfrm>
+        </p:grpSpPr>
+        <p:sp>
+          <p:nvSpPr>
+            <p:cNvPr id="53" name="Rectangle 52"/>
+            <p:cNvSpPr/>
+            <p:nvPr/>
+          </p:nvSpPr>
+          <p:spPr>
+            <a:xfrm>
+              <a:off x="2813538" y="2426677"/>
+              <a:ext cx="2039816" cy="808892"/>
+            </a:xfrm>
+            <a:prstGeom prst="rect">
+              <a:avLst/>
+            </a:prstGeom>
+            <a:solidFill>
+              <a:schemeClr val="accent1">
+                <a:alpha val="50000"/>
+              </a:schemeClr>
+            </a:solidFill>
+            <a:ln>
+              <a:solidFill>
+                <a:schemeClr val="tx1"/>
+              </a:solidFill>
+            </a:ln>
+          </p:spPr>
+          <p:style>
+            <a:lnRef idx="2">
+              <a:schemeClr val="accent1">
+                <a:shade val="50000"/>
+              </a:schemeClr>
+            </a:lnRef>
+            <a:fillRef idx="1">
+              <a:schemeClr val="accent1"/>
+            </a:fillRef>
+            <a:effectRef idx="0">
+              <a:schemeClr val="accent1"/>
+            </a:effectRef>
+            <a:fontRef idx="minor">
+              <a:schemeClr val="lt1"/>
+            </a:fontRef>
+          </p:style>
+          <p:txBody>
+            <a:bodyPr rtlCol="0" anchor="ctr"/>
+            <a:lstStyle/>
+            <a:p>
+              <a:pPr algn="ctr"/>
+              <a:endParaRPr lang="en-GB"/>
+            </a:p>
+          </p:txBody>
+        </p:sp>
+        <p:sp>
+          <p:nvSpPr>
+            <p:cNvPr id="54" name="Rectangle 53"/>
+            <p:cNvSpPr/>
+            <p:nvPr/>
+          </p:nvSpPr>
+          <p:spPr>
+            <a:xfrm>
+              <a:off x="3094068" y="2431440"/>
+              <a:ext cx="334108" cy="123093"/>
+            </a:xfrm>
+            <a:prstGeom prst="rect">
+              <a:avLst/>
+            </a:prstGeom>
+            <a:solidFill>
+              <a:schemeClr val="tx1"/>
+            </a:solidFill>
+          </p:spPr>
+          <p:style>
+            <a:lnRef idx="2">
+              <a:schemeClr val="accent1">
+                <a:shade val="50000"/>
+              </a:schemeClr>
+            </a:lnRef>
+            <a:fillRef idx="1">
+              <a:schemeClr val="accent1"/>
+            </a:fillRef>
+            <a:effectRef idx="0">
+              <a:schemeClr val="accent1"/>
+            </a:effectRef>
+            <a:fontRef idx="minor">
+              <a:schemeClr val="lt1"/>
+            </a:fontRef>
+          </p:style>
+          <p:txBody>
+            <a:bodyPr rtlCol="0" anchor="ctr"/>
+            <a:lstStyle/>
+            <a:p>
+              <a:pPr algn="ctr"/>
+              <a:endParaRPr lang="en-GB"/>
+            </a:p>
+          </p:txBody>
+        </p:sp>
+        <p:sp>
+          <p:nvSpPr>
+            <p:cNvPr id="55" name="Rectangle 54"/>
+            <p:cNvSpPr/>
+            <p:nvPr/>
+          </p:nvSpPr>
+          <p:spPr>
+            <a:xfrm>
+              <a:off x="3094068" y="3104600"/>
+              <a:ext cx="334108" cy="123093"/>
+            </a:xfrm>
+            <a:prstGeom prst="rect">
+              <a:avLst/>
+            </a:prstGeom>
+            <a:solidFill>
+              <a:schemeClr val="tx1"/>
+            </a:solidFill>
+          </p:spPr>
+          <p:style>
+            <a:lnRef idx="2">
+              <a:schemeClr val="accent1">
+                <a:shade val="50000"/>
+              </a:schemeClr>
+            </a:lnRef>
+            <a:fillRef idx="1">
+              <a:schemeClr val="accent1"/>
+            </a:fillRef>
+            <a:effectRef idx="0">
+              <a:schemeClr val="accent1"/>
+            </a:effectRef>
+            <a:fontRef idx="minor">
+              <a:schemeClr val="lt1"/>
+            </a:fontRef>
+          </p:style>
+          <p:txBody>
+            <a:bodyPr rtlCol="0" anchor="ctr"/>
+            <a:lstStyle/>
+            <a:p>
+              <a:pPr algn="ctr"/>
+              <a:endParaRPr lang="en-GB"/>
+            </a:p>
+          </p:txBody>
+        </p:sp>
+        <p:sp>
+          <p:nvSpPr>
+            <p:cNvPr id="56" name="Oval 55"/>
+            <p:cNvSpPr/>
+            <p:nvPr/>
+          </p:nvSpPr>
+          <p:spPr>
+            <a:xfrm>
+              <a:off x="4676775" y="2776538"/>
+              <a:ext cx="109538" cy="109537"/>
+            </a:xfrm>
+            <a:prstGeom prst="ellipse">
+              <a:avLst/>
+            </a:prstGeom>
+          </p:spPr>
+          <p:style>
+            <a:lnRef idx="2">
+              <a:schemeClr val="accent1">
+                <a:shade val="50000"/>
+              </a:schemeClr>
+            </a:lnRef>
+            <a:fillRef idx="1">
+              <a:schemeClr val="accent1"/>
+            </a:fillRef>
+            <a:effectRef idx="0">
+              <a:schemeClr val="accent1"/>
+            </a:effectRef>
+            <a:fontRef idx="minor">
+              <a:schemeClr val="lt1"/>
+            </a:fontRef>
+          </p:style>
+          <p:txBody>
+            <a:bodyPr rtlCol="0" anchor="ctr"/>
+            <a:lstStyle/>
+            <a:p>
+              <a:pPr algn="ctr"/>
+              <a:endParaRPr lang="en-GB"/>
+            </a:p>
+          </p:txBody>
+        </p:sp>
+      </p:grpSp>
+      <p:sp>
+        <p:nvSpPr>
+          <p:cNvPr id="57" name="Oval 56"/>
+          <p:cNvSpPr/>
+          <p:nvPr/>
+        </p:nvSpPr>
+        <p:spPr>
+          <a:xfrm>
+            <a:off x="5517722" y="2268769"/>
+            <a:ext cx="101600" cy="101600"/>
+          </a:xfrm>
+          <a:prstGeom prst="ellipse">
+            <a:avLst/>
+          </a:prstGeom>
+          <a:solidFill>
+            <a:srgbClr val="FF0000"/>
+          </a:solidFill>
+          <a:ln w="38100">
+            <a:solidFill>
+              <a:srgbClr val="FFFF00"/>
+            </a:solidFill>
+          </a:ln>
+        </p:spPr>
+        <p:style>
+          <a:lnRef idx="2">
+            <a:schemeClr val="accent1">
+              <a:shade val="50000"/>
+            </a:schemeClr>
+          </a:lnRef>
+          <a:fillRef idx="1">
+            <a:schemeClr val="accent1"/>
+          </a:fillRef>
+          <a:effectRef idx="0">
+            <a:schemeClr val="accent1"/>
+          </a:effectRef>
+          <a:fontRef idx="minor">
+            <a:schemeClr val="lt1"/>
+          </a:fontRef>
+        </p:style>
+        <p:txBody>
+          <a:bodyPr rtlCol="0" anchor="ctr"/>
+          <a:lstStyle/>
+          <a:p>
+            <a:pPr algn="ctr"/>
+            <a:endParaRPr lang="en-GB"/>
+          </a:p>
+        </p:txBody>
+      </p:sp>
+      <p:sp>
+        <p:nvSpPr>
+          <p:cNvPr id="58" name="Oval 57"/>
+          <p:cNvSpPr/>
+          <p:nvPr/>
+        </p:nvSpPr>
+        <p:spPr>
+          <a:xfrm>
+            <a:off x="5962222" y="2268769"/>
+            <a:ext cx="101600" cy="101600"/>
+          </a:xfrm>
+          <a:prstGeom prst="ellipse">
+            <a:avLst/>
+          </a:prstGeom>
+          <a:solidFill>
+            <a:srgbClr val="FF0000"/>
+          </a:solidFill>
+          <a:ln w="38100">
+            <a:solidFill>
+              <a:srgbClr val="FFFF00"/>
+            </a:solidFill>
+          </a:ln>
+        </p:spPr>
+        <p:style>
+          <a:lnRef idx="2">
+            <a:schemeClr val="accent1">
+              <a:shade val="50000"/>
+            </a:schemeClr>
+          </a:lnRef>
+          <a:fillRef idx="1">
+            <a:schemeClr val="accent1"/>
+          </a:fillRef>
+          <a:effectRef idx="0">
+            <a:schemeClr val="accent1"/>
+          </a:effectRef>
+          <a:fontRef idx="minor">
+            <a:schemeClr val="lt1"/>
+          </a:fontRef>
+        </p:style>
+        <p:txBody>
+          <a:bodyPr rtlCol="0" anchor="ctr"/>
+          <a:lstStyle/>
+          <a:p>
+            <a:pPr algn="ctr"/>
+            <a:endParaRPr lang="en-GB"/>
+          </a:p>
+        </p:txBody>
+      </p:sp>
+      <p:sp>
+        <p:nvSpPr>
+          <p:cNvPr id="59" name="Oval 58"/>
+          <p:cNvSpPr/>
+          <p:nvPr/>
+        </p:nvSpPr>
+        <p:spPr>
+          <a:xfrm>
+            <a:off x="5517722" y="1849669"/>
+            <a:ext cx="101600" cy="101600"/>
+          </a:xfrm>
+          <a:prstGeom prst="ellipse">
+            <a:avLst/>
+          </a:prstGeom>
+          <a:solidFill>
+            <a:srgbClr val="FF0000"/>
+          </a:solidFill>
+          <a:ln>
+            <a:solidFill>
+              <a:srgbClr val="FF0000"/>
+            </a:solidFill>
+          </a:ln>
+        </p:spPr>
+        <p:style>
+          <a:lnRef idx="2">
+            <a:schemeClr val="accent1">
+              <a:shade val="50000"/>
+            </a:schemeClr>
+          </a:lnRef>
+          <a:fillRef idx="1">
+            <a:schemeClr val="accent1"/>
+          </a:fillRef>
+          <a:effectRef idx="0">
+            <a:schemeClr val="accent1"/>
+          </a:effectRef>
+          <a:fontRef idx="minor">
+            <a:schemeClr val="lt1"/>
+          </a:fontRef>
+        </p:style>
+        <p:txBody>
+          <a:bodyPr rtlCol="0" anchor="ctr"/>
+          <a:lstStyle/>
+          <a:p>
+            <a:pPr algn="ctr"/>
+            <a:endParaRPr lang="en-GB"/>
+          </a:p>
+        </p:txBody>
+      </p:sp>
+      <p:sp>
+        <p:nvSpPr>
+          <p:cNvPr id="60" name="Oval 59"/>
+          <p:cNvSpPr/>
+          <p:nvPr/>
+        </p:nvSpPr>
+        <p:spPr>
+          <a:xfrm>
+            <a:off x="5962222" y="1849669"/>
+            <a:ext cx="101600" cy="101600"/>
+          </a:xfrm>
+          <a:prstGeom prst="ellipse">
+            <a:avLst/>
+          </a:prstGeom>
+          <a:solidFill>
+            <a:srgbClr val="FF0000"/>
+          </a:solidFill>
+          <a:ln>
+            <a:solidFill>
+              <a:srgbClr val="FF0000"/>
+            </a:solidFill>
+          </a:ln>
+        </p:spPr>
+        <p:style>
+          <a:lnRef idx="2">
+            <a:schemeClr val="accent1">
+              <a:shade val="50000"/>
+            </a:schemeClr>
+          </a:lnRef>
+          <a:fillRef idx="1">
+            <a:schemeClr val="accent1"/>
+          </a:fillRef>
+          <a:effectRef idx="0">
+            <a:schemeClr val="accent1"/>
+          </a:effectRef>
+          <a:fontRef idx="minor">
+            <a:schemeClr val="lt1"/>
+          </a:fontRef>
+        </p:style>
+        <p:txBody>
+          <a:bodyPr rtlCol="0" anchor="ctr"/>
+          <a:lstStyle/>
+          <a:p>
+            <a:pPr algn="ctr"/>
+            <a:endParaRPr lang="en-GB"/>
+          </a:p>
+        </p:txBody>
+      </p:sp>
+      <p:sp>
+        <p:nvSpPr>
+          <p:cNvPr id="61" name="Oval 60"/>
+          <p:cNvSpPr/>
+          <p:nvPr/>
+        </p:nvSpPr>
+        <p:spPr>
+          <a:xfrm>
+            <a:off x="5530422" y="1481369"/>
+            <a:ext cx="101600" cy="101600"/>
+          </a:xfrm>
+          <a:prstGeom prst="ellipse">
+            <a:avLst/>
+          </a:prstGeom>
+          <a:solidFill>
+            <a:srgbClr val="FF0000"/>
+          </a:solidFill>
+          <a:ln>
+            <a:solidFill>
+              <a:srgbClr val="FF0000"/>
+            </a:solidFill>
+          </a:ln>
+        </p:spPr>
+        <p:style>
+          <a:lnRef idx="2">
+            <a:schemeClr val="accent1">
+              <a:shade val="50000"/>
+            </a:schemeClr>
+          </a:lnRef>
+          <a:fillRef idx="1">
+            <a:schemeClr val="accent1"/>
+          </a:fillRef>
+          <a:effectRef idx="0">
+            <a:schemeClr val="accent1"/>
+          </a:effectRef>
+          <a:fontRef idx="minor">
+            <a:schemeClr val="lt1"/>
+          </a:fontRef>
+        </p:style>
+        <p:txBody>
+          <a:bodyPr rtlCol="0" anchor="ctr"/>
+          <a:lstStyle/>
+          <a:p>
+            <a:pPr algn="ctr"/>
+            <a:endParaRPr lang="en-GB"/>
+          </a:p>
+        </p:txBody>
+      </p:sp>
+      <p:sp>
+        <p:nvSpPr>
+          <p:cNvPr id="62" name="Oval 61"/>
+          <p:cNvSpPr/>
+          <p:nvPr/>
+        </p:nvSpPr>
+        <p:spPr>
+          <a:xfrm>
+            <a:off x="5974922" y="1481369"/>
+            <a:ext cx="101600" cy="101600"/>
+          </a:xfrm>
+          <a:prstGeom prst="ellipse">
+            <a:avLst/>
+          </a:prstGeom>
+          <a:solidFill>
+            <a:srgbClr val="FF0000"/>
+          </a:solidFill>
+          <a:ln>
+            <a:solidFill>
+              <a:srgbClr val="FF0000"/>
+            </a:solidFill>
+          </a:ln>
+        </p:spPr>
+        <p:style>
+          <a:lnRef idx="2">
+            <a:schemeClr val="accent1">
+              <a:shade val="50000"/>
+            </a:schemeClr>
+          </a:lnRef>
+          <a:fillRef idx="1">
+            <a:schemeClr val="accent1"/>
+          </a:fillRef>
+          <a:effectRef idx="0">
+            <a:schemeClr val="accent1"/>
+          </a:effectRef>
+          <a:fontRef idx="minor">
+            <a:schemeClr val="lt1"/>
+          </a:fontRef>
+        </p:style>
+        <p:txBody>
+          <a:bodyPr rtlCol="0" anchor="ctr"/>
+          <a:lstStyle/>
+          <a:p>
+            <a:pPr algn="ctr"/>
+            <a:endParaRPr lang="en-GB"/>
+          </a:p>
+        </p:txBody>
+      </p:sp>
+      <p:sp>
+        <p:nvSpPr>
+          <p:cNvPr id="63" name="Oval 62"/>
+          <p:cNvSpPr/>
+          <p:nvPr/>
+        </p:nvSpPr>
+        <p:spPr>
+          <a:xfrm>
+            <a:off x="2203022" y="2268769"/>
+            <a:ext cx="101600" cy="101600"/>
+          </a:xfrm>
+          <a:prstGeom prst="ellipse">
+            <a:avLst/>
+          </a:prstGeom>
+          <a:solidFill>
+            <a:srgbClr val="FF0000"/>
+          </a:solidFill>
+          <a:ln>
+            <a:solidFill>
+              <a:srgbClr val="FF0000"/>
+            </a:solidFill>
+          </a:ln>
+        </p:spPr>
+        <p:style>
+          <a:lnRef idx="2">
+            <a:schemeClr val="accent1">
+              <a:shade val="50000"/>
+            </a:schemeClr>
+          </a:lnRef>
+          <a:fillRef idx="1">
+            <a:schemeClr val="accent1"/>
+          </a:fillRef>
+          <a:effectRef idx="0">
+            <a:schemeClr val="accent1"/>
+          </a:effectRef>
+          <a:fontRef idx="minor">
+            <a:schemeClr val="lt1"/>
+          </a:fontRef>
+        </p:style>
+        <p:txBody>
+          <a:bodyPr rtlCol="0" anchor="ctr"/>
+          <a:lstStyle/>
+          <a:p>
+            <a:pPr algn="ctr"/>
+            <a:endParaRPr lang="en-GB"/>
+          </a:p>
+        </p:txBody>
+      </p:sp>
+      <p:sp>
+        <p:nvSpPr>
+          <p:cNvPr id="64" name="Oval 63"/>
+          <p:cNvSpPr/>
+          <p:nvPr/>
+        </p:nvSpPr>
+        <p:spPr>
+          <a:xfrm>
+            <a:off x="2647522" y="2268769"/>
+            <a:ext cx="101600" cy="101600"/>
+          </a:xfrm>
+          <a:prstGeom prst="ellipse">
+            <a:avLst/>
+          </a:prstGeom>
+          <a:solidFill>
+            <a:srgbClr val="FF0000"/>
+          </a:solidFill>
+          <a:ln>
+            <a:solidFill>
+              <a:srgbClr val="FF0000"/>
+            </a:solidFill>
+          </a:ln>
+        </p:spPr>
+        <p:style>
+          <a:lnRef idx="2">
+            <a:schemeClr val="accent1">
+              <a:shade val="50000"/>
+            </a:schemeClr>
+          </a:lnRef>
+          <a:fillRef idx="1">
+            <a:schemeClr val="accent1"/>
+          </a:fillRef>
+          <a:effectRef idx="0">
+            <a:schemeClr val="accent1"/>
+          </a:effectRef>
+          <a:fontRef idx="minor">
+            <a:schemeClr val="lt1"/>
+          </a:fontRef>
+        </p:style>
+        <p:txBody>
+          <a:bodyPr rtlCol="0" anchor="ctr"/>
+          <a:lstStyle/>
+          <a:p>
+            <a:pPr algn="ctr"/>
+            <a:endParaRPr lang="en-GB"/>
+          </a:p>
+        </p:txBody>
+      </p:sp>
+      <p:sp>
+        <p:nvSpPr>
+          <p:cNvPr id="65" name="Oval 64"/>
+          <p:cNvSpPr/>
+          <p:nvPr/>
+        </p:nvSpPr>
+        <p:spPr>
+          <a:xfrm>
+            <a:off x="2203022" y="1849669"/>
+            <a:ext cx="101600" cy="101600"/>
+          </a:xfrm>
+          <a:prstGeom prst="ellipse">
+            <a:avLst/>
+          </a:prstGeom>
+          <a:solidFill>
+            <a:srgbClr val="FF0000"/>
+          </a:solidFill>
+          <a:ln>
+            <a:solidFill>
+              <a:srgbClr val="FF0000"/>
+            </a:solidFill>
+          </a:ln>
+        </p:spPr>
+        <p:style>
+          <a:lnRef idx="2">
+            <a:schemeClr val="accent1">
+              <a:shade val="50000"/>
+            </a:schemeClr>
+          </a:lnRef>
+          <a:fillRef idx="1">
+            <a:schemeClr val="accent1"/>
+          </a:fillRef>
+          <a:effectRef idx="0">
+            <a:schemeClr val="accent1"/>
+          </a:effectRef>
+          <a:fontRef idx="minor">
+            <a:schemeClr val="lt1"/>
+          </a:fontRef>
+        </p:style>
+        <p:txBody>
+          <a:bodyPr rtlCol="0" anchor="ctr"/>
+          <a:lstStyle/>
+          <a:p>
+            <a:pPr algn="ctr"/>
+            <a:endParaRPr lang="en-GB"/>
+          </a:p>
+        </p:txBody>
+      </p:sp>
+      <p:sp>
+        <p:nvSpPr>
+          <p:cNvPr id="66" name="Oval 65"/>
+          <p:cNvSpPr/>
+          <p:nvPr/>
+        </p:nvSpPr>
+        <p:spPr>
+          <a:xfrm>
+            <a:off x="2647522" y="1849669"/>
+            <a:ext cx="101600" cy="101600"/>
+          </a:xfrm>
+          <a:prstGeom prst="ellipse">
+            <a:avLst/>
+          </a:prstGeom>
+          <a:solidFill>
+            <a:srgbClr val="FF0000"/>
+          </a:solidFill>
+          <a:ln>
+            <a:solidFill>
+              <a:srgbClr val="FF0000"/>
+            </a:solidFill>
+          </a:ln>
+        </p:spPr>
+        <p:style>
+          <a:lnRef idx="2">
+            <a:schemeClr val="accent1">
+              <a:shade val="50000"/>
+            </a:schemeClr>
+          </a:lnRef>
+          <a:fillRef idx="1">
+            <a:schemeClr val="accent1"/>
+          </a:fillRef>
+          <a:effectRef idx="0">
+            <a:schemeClr val="accent1"/>
+          </a:effectRef>
+          <a:fontRef idx="minor">
+            <a:schemeClr val="lt1"/>
+          </a:fontRef>
+        </p:style>
+        <p:txBody>
+          <a:bodyPr rtlCol="0" anchor="ctr"/>
+          <a:lstStyle/>
+          <a:p>
+            <a:pPr algn="ctr"/>
+            <a:endParaRPr lang="en-GB"/>
+          </a:p>
+        </p:txBody>
+      </p:sp>
+      <p:sp>
+        <p:nvSpPr>
+          <p:cNvPr id="67" name="Oval 66"/>
+          <p:cNvSpPr/>
+          <p:nvPr/>
+        </p:nvSpPr>
+        <p:spPr>
+          <a:xfrm>
+            <a:off x="2215722" y="1481369"/>
+            <a:ext cx="101600" cy="101600"/>
+          </a:xfrm>
+          <a:prstGeom prst="ellipse">
+            <a:avLst/>
+          </a:prstGeom>
+          <a:solidFill>
+            <a:srgbClr val="FF0000"/>
+          </a:solidFill>
+          <a:ln w="38100">
+            <a:solidFill>
+              <a:srgbClr val="FFFF00"/>
+            </a:solidFill>
+          </a:ln>
+        </p:spPr>
+        <p:style>
+          <a:lnRef idx="2">
+            <a:schemeClr val="accent1">
+              <a:shade val="50000"/>
+            </a:schemeClr>
+          </a:lnRef>
+          <a:fillRef idx="1">
+            <a:schemeClr val="accent1"/>
+          </a:fillRef>
+          <a:effectRef idx="0">
+            <a:schemeClr val="accent1"/>
+          </a:effectRef>
+          <a:fontRef idx="minor">
+            <a:schemeClr val="lt1"/>
+          </a:fontRef>
+        </p:style>
+        <p:txBody>
+          <a:bodyPr rtlCol="0" anchor="ctr"/>
+          <a:lstStyle/>
+          <a:p>
+            <a:pPr algn="ctr"/>
+            <a:endParaRPr lang="en-GB"/>
+          </a:p>
+        </p:txBody>
+      </p:sp>
+      <p:sp>
+        <p:nvSpPr>
+          <p:cNvPr id="68" name="Oval 67"/>
+          <p:cNvSpPr/>
+          <p:nvPr/>
+        </p:nvSpPr>
+        <p:spPr>
+          <a:xfrm>
+            <a:off x="2660222" y="1481369"/>
+            <a:ext cx="101600" cy="101600"/>
+          </a:xfrm>
+          <a:prstGeom prst="ellipse">
+            <a:avLst/>
+          </a:prstGeom>
+          <a:solidFill>
+            <a:srgbClr val="FF0000"/>
+          </a:solidFill>
+          <a:ln w="38100">
+            <a:solidFill>
+              <a:srgbClr val="FFFF00"/>
+            </a:solidFill>
+          </a:ln>
+        </p:spPr>
+        <p:style>
+          <a:lnRef idx="2">
+            <a:schemeClr val="accent1">
+              <a:shade val="50000"/>
+            </a:schemeClr>
+          </a:lnRef>
+          <a:fillRef idx="1">
+            <a:schemeClr val="accent1"/>
+          </a:fillRef>
+          <a:effectRef idx="0">
+            <a:schemeClr val="accent1"/>
+          </a:effectRef>
+          <a:fontRef idx="minor">
+            <a:schemeClr val="lt1"/>
+          </a:fontRef>
+        </p:style>
+        <p:txBody>
+          <a:bodyPr rtlCol="0" anchor="ctr"/>
+          <a:lstStyle/>
+          <a:p>
+            <a:pPr algn="ctr"/>
+            <a:endParaRPr lang="en-GB"/>
+          </a:p>
+        </p:txBody>
+      </p:sp>
+      <p:sp>
+        <p:nvSpPr>
+          <p:cNvPr id="69" name="TextBox 68"/>
+          <p:cNvSpPr txBox="1"/>
+          <p:nvPr/>
+        </p:nvSpPr>
+        <p:spPr>
+          <a:xfrm>
+            <a:off x="5847922" y="1125769"/>
+            <a:ext cx="2334870" cy="369332"/>
+          </a:xfrm>
+          <a:prstGeom prst="rect">
+            <a:avLst/>
+          </a:prstGeom>
+          <a:noFill/>
+        </p:spPr>
+        <p:txBody>
+          <a:bodyPr wrap="none" rtlCol="0">
+            <a:spAutoFit/>
+          </a:bodyPr>
+          <a:lstStyle/>
+          <a:p>
+            <a:r>
+              <a:rPr lang="en-GB" dirty="0" smtClean="0"/>
+              <a:t>FBI=</a:t>
+            </a:r>
+            <a:r>
+              <a:rPr lang="en-GB" dirty="0" err="1" smtClean="0"/>
+              <a:t>FrontBumperInner</a:t>
+            </a:r>
+            <a:endParaRPr lang="en-GB" dirty="0"/>
+          </a:p>
+        </p:txBody>
+      </p:sp>
+      <p:sp>
+        <p:nvSpPr>
+          <p:cNvPr id="70" name="Rectangle 69"/>
+          <p:cNvSpPr/>
+          <p:nvPr/>
+        </p:nvSpPr>
+        <p:spPr>
+          <a:xfrm>
+            <a:off x="5852619" y="2350803"/>
+            <a:ext cx="567784" cy="369332"/>
+          </a:xfrm>
+          <a:prstGeom prst="rect">
+            <a:avLst/>
+          </a:prstGeom>
+        </p:spPr>
+        <p:txBody>
+          <a:bodyPr wrap="none">
+            <a:spAutoFit/>
+          </a:bodyPr>
+          <a:lstStyle/>
+          <a:p>
+            <a:r>
+              <a:rPr lang="en-GB" dirty="0" smtClean="0"/>
+              <a:t>FBO</a:t>
+            </a:r>
+            <a:endParaRPr lang="en-GB" dirty="0"/>
+          </a:p>
+        </p:txBody>
+      </p:sp>
+      <p:sp>
+        <p:nvSpPr>
+          <p:cNvPr id="71" name="Rectangle 70"/>
+          <p:cNvSpPr/>
+          <p:nvPr/>
+        </p:nvSpPr>
+        <p:spPr>
+          <a:xfrm>
+            <a:off x="6055819" y="1728503"/>
+            <a:ext cx="1077539" cy="369332"/>
+          </a:xfrm>
+          <a:prstGeom prst="rect">
+            <a:avLst/>
+          </a:prstGeom>
+        </p:spPr>
+        <p:txBody>
+          <a:bodyPr wrap="none">
+            <a:spAutoFit/>
+          </a:bodyPr>
+          <a:lstStyle/>
+          <a:p>
+            <a:r>
+              <a:rPr lang="en-GB" dirty="0" err="1" smtClean="0"/>
+              <a:t>FBMiddle</a:t>
+            </a:r>
+            <a:endParaRPr lang="en-GB" dirty="0"/>
+          </a:p>
+        </p:txBody>
+      </p:sp>
+      <p:sp>
+        <p:nvSpPr>
+          <p:cNvPr id="72" name="Rectangle 71"/>
+          <p:cNvSpPr/>
+          <p:nvPr/>
+        </p:nvSpPr>
+        <p:spPr>
+          <a:xfrm>
+            <a:off x="5281119" y="1118903"/>
+            <a:ext cx="468270" cy="369332"/>
+          </a:xfrm>
+          <a:prstGeom prst="rect">
+            <a:avLst/>
+          </a:prstGeom>
+        </p:spPr>
+        <p:txBody>
+          <a:bodyPr wrap="none">
+            <a:spAutoFit/>
+          </a:bodyPr>
+          <a:lstStyle/>
+          <a:p>
+            <a:r>
+              <a:rPr lang="en-GB" dirty="0" smtClean="0"/>
+              <a:t>FAI</a:t>
+            </a:r>
+            <a:endParaRPr lang="en-GB" dirty="0"/>
+          </a:p>
+        </p:txBody>
+      </p:sp>
+      <p:sp>
+        <p:nvSpPr>
+          <p:cNvPr id="73" name="Rectangle 72"/>
+          <p:cNvSpPr/>
+          <p:nvPr/>
+        </p:nvSpPr>
+        <p:spPr>
+          <a:xfrm>
+            <a:off x="2499819" y="1080803"/>
+            <a:ext cx="1233799" cy="369332"/>
+          </a:xfrm>
+          <a:prstGeom prst="rect">
+            <a:avLst/>
+          </a:prstGeom>
+        </p:spPr>
+        <p:txBody>
+          <a:bodyPr wrap="none">
+            <a:spAutoFit/>
+          </a:bodyPr>
+          <a:lstStyle/>
+          <a:p>
+            <a:r>
+              <a:rPr lang="en-GB" dirty="0"/>
+              <a:t>R</a:t>
+            </a:r>
+            <a:r>
+              <a:rPr lang="en-GB" dirty="0" smtClean="0"/>
+              <a:t>AI=</a:t>
+            </a:r>
+            <a:r>
+              <a:rPr lang="en-GB" dirty="0" err="1" smtClean="0"/>
+              <a:t>RearAI</a:t>
+            </a:r>
+            <a:endParaRPr lang="en-GB" dirty="0"/>
+          </a:p>
+        </p:txBody>
+      </p:sp>
+      <p:sp>
+        <p:nvSpPr>
+          <p:cNvPr id="74" name="Rectangle 73"/>
+          <p:cNvSpPr/>
+          <p:nvPr/>
+        </p:nvSpPr>
+        <p:spPr>
+          <a:xfrm>
+            <a:off x="1607670" y="1715803"/>
+            <a:ext cx="631904" cy="369332"/>
+          </a:xfrm>
+          <a:prstGeom prst="rect">
+            <a:avLst/>
+          </a:prstGeom>
+        </p:spPr>
+        <p:txBody>
+          <a:bodyPr wrap="none">
+            <a:spAutoFit/>
+          </a:bodyPr>
+          <a:lstStyle/>
+          <a:p>
+            <a:r>
+              <a:rPr lang="en-GB" dirty="0" smtClean="0"/>
+              <a:t>RBM</a:t>
+            </a:r>
+            <a:endParaRPr lang="en-GB" dirty="0"/>
+          </a:p>
+        </p:txBody>
+      </p:sp>
+      <p:sp>
+        <p:nvSpPr>
+          <p:cNvPr id="75" name="Rectangle 74"/>
+          <p:cNvSpPr/>
+          <p:nvPr/>
+        </p:nvSpPr>
+        <p:spPr>
+          <a:xfrm>
+            <a:off x="4976318" y="1706732"/>
+            <a:ext cx="607730" cy="369332"/>
+          </a:xfrm>
+          <a:prstGeom prst="rect">
+            <a:avLst/>
+          </a:prstGeom>
+        </p:spPr>
+        <p:txBody>
+          <a:bodyPr wrap="none">
+            <a:spAutoFit/>
+          </a:bodyPr>
+          <a:lstStyle/>
+          <a:p>
+            <a:r>
+              <a:rPr lang="en-GB" dirty="0" smtClean="0"/>
+              <a:t>FAM</a:t>
+            </a:r>
+            <a:endParaRPr lang="en-GB" dirty="0"/>
+          </a:p>
+        </p:txBody>
+      </p:sp>
+      <p:sp>
+        <p:nvSpPr>
+          <p:cNvPr id="76" name="Rectangle 75"/>
+          <p:cNvSpPr/>
+          <p:nvPr/>
+        </p:nvSpPr>
+        <p:spPr>
+          <a:xfrm>
+            <a:off x="456228" y="1159925"/>
+            <a:ext cx="1299074" cy="338554"/>
+          </a:xfrm>
+          <a:prstGeom prst="rect">
+            <a:avLst/>
+          </a:prstGeom>
+        </p:spPr>
+        <p:txBody>
+          <a:bodyPr wrap="none">
+            <a:spAutoFit/>
+          </a:bodyPr>
+          <a:lstStyle/>
+          <a:p>
+            <a:r>
+              <a:rPr lang="en-GB" sz="1600" dirty="0" smtClean="0"/>
+              <a:t>WAI=</a:t>
+            </a:r>
+            <a:r>
+              <a:rPr lang="en-GB" sz="1600" dirty="0" err="1" smtClean="0"/>
+              <a:t>WorstAI</a:t>
+            </a:r>
+            <a:endParaRPr lang="en-GB" sz="1600" dirty="0" smtClean="0"/>
+          </a:p>
+        </p:txBody>
+      </p:sp>
+      <p:sp>
+        <p:nvSpPr>
+          <p:cNvPr id="77" name="Rectangle 76"/>
+          <p:cNvSpPr/>
+          <p:nvPr/>
+        </p:nvSpPr>
+        <p:spPr>
+          <a:xfrm>
+            <a:off x="748230" y="1510379"/>
+            <a:ext cx="579863" cy="808892"/>
+          </a:xfrm>
+          <a:prstGeom prst="rect">
+            <a:avLst/>
+          </a:prstGeom>
+          <a:solidFill>
+            <a:schemeClr val="accent1">
+              <a:alpha val="50000"/>
+            </a:schemeClr>
+          </a:solidFill>
+          <a:ln>
+            <a:noFill/>
+          </a:ln>
+        </p:spPr>
+        <p:style>
+          <a:lnRef idx="2">
+            <a:schemeClr val="accent1">
+              <a:shade val="50000"/>
+            </a:schemeClr>
+          </a:lnRef>
+          <a:fillRef idx="1">
+            <a:schemeClr val="accent1"/>
+          </a:fillRef>
+          <a:effectRef idx="0">
+            <a:schemeClr val="accent1"/>
+          </a:effectRef>
+          <a:fontRef idx="minor">
+            <a:schemeClr val="lt1"/>
+          </a:fontRef>
+        </p:style>
+        <p:txBody>
+          <a:bodyPr rtlCol="0" anchor="ctr"/>
+          <a:lstStyle/>
+          <a:p>
+            <a:pPr algn="ctr"/>
+            <a:endParaRPr lang="en-GB"/>
+          </a:p>
+        </p:txBody>
+      </p:sp>
+      <p:sp>
+        <p:nvSpPr>
+          <p:cNvPr id="78" name="Rectangle 77"/>
+          <p:cNvSpPr/>
+          <p:nvPr/>
+        </p:nvSpPr>
+        <p:spPr>
+          <a:xfrm>
+            <a:off x="874314" y="1515142"/>
+            <a:ext cx="334108" cy="123093"/>
+          </a:xfrm>
+          <a:prstGeom prst="rect">
+            <a:avLst/>
+          </a:prstGeom>
+          <a:solidFill>
+            <a:schemeClr val="tx1"/>
+          </a:solidFill>
+        </p:spPr>
+        <p:style>
+          <a:lnRef idx="2">
+            <a:schemeClr val="accent1">
+              <a:shade val="50000"/>
+            </a:schemeClr>
+          </a:lnRef>
+          <a:fillRef idx="1">
+            <a:schemeClr val="accent1"/>
+          </a:fillRef>
+          <a:effectRef idx="0">
+            <a:schemeClr val="accent1"/>
+          </a:effectRef>
+          <a:fontRef idx="minor">
+            <a:schemeClr val="lt1"/>
+          </a:fontRef>
+        </p:style>
+        <p:txBody>
+          <a:bodyPr rtlCol="0" anchor="ctr"/>
+          <a:lstStyle/>
+          <a:p>
+            <a:pPr algn="ctr"/>
+            <a:endParaRPr lang="en-GB"/>
+          </a:p>
+        </p:txBody>
+      </p:sp>
+      <p:sp>
+        <p:nvSpPr>
+          <p:cNvPr id="79" name="Rectangle 78"/>
+          <p:cNvSpPr/>
+          <p:nvPr/>
+        </p:nvSpPr>
+        <p:spPr>
+          <a:xfrm>
+            <a:off x="874314" y="2188302"/>
+            <a:ext cx="334108" cy="123093"/>
+          </a:xfrm>
+          <a:prstGeom prst="rect">
+            <a:avLst/>
+          </a:prstGeom>
+          <a:solidFill>
+            <a:schemeClr val="tx1"/>
+          </a:solidFill>
+        </p:spPr>
+        <p:style>
+          <a:lnRef idx="2">
+            <a:schemeClr val="accent1">
+              <a:shade val="50000"/>
+            </a:schemeClr>
+          </a:lnRef>
+          <a:fillRef idx="1">
+            <a:schemeClr val="accent1"/>
+          </a:fillRef>
+          <a:effectRef idx="0">
+            <a:schemeClr val="accent1"/>
+          </a:effectRef>
+          <a:fontRef idx="minor">
+            <a:schemeClr val="lt1"/>
+          </a:fontRef>
+        </p:style>
+        <p:txBody>
+          <a:bodyPr rtlCol="0" anchor="ctr"/>
+          <a:lstStyle/>
+          <a:p>
+            <a:pPr algn="ctr"/>
+            <a:endParaRPr lang="en-GB"/>
+          </a:p>
+        </p:txBody>
+      </p:sp>
+      <p:sp>
+        <p:nvSpPr>
+          <p:cNvPr id="80" name="Oval 79"/>
+          <p:cNvSpPr/>
+          <p:nvPr/>
+        </p:nvSpPr>
+        <p:spPr>
+          <a:xfrm>
+            <a:off x="971121" y="2265052"/>
+            <a:ext cx="101600" cy="101600"/>
+          </a:xfrm>
+          <a:prstGeom prst="ellipse">
+            <a:avLst/>
+          </a:prstGeom>
+          <a:solidFill>
+            <a:srgbClr val="FF0000"/>
+          </a:solidFill>
+          <a:ln>
+            <a:solidFill>
+              <a:srgbClr val="FF0000"/>
+            </a:solidFill>
+          </a:ln>
+        </p:spPr>
+        <p:style>
+          <a:lnRef idx="2">
+            <a:schemeClr val="accent1">
+              <a:shade val="50000"/>
+            </a:schemeClr>
+          </a:lnRef>
+          <a:fillRef idx="1">
+            <a:schemeClr val="accent1"/>
+          </a:fillRef>
+          <a:effectRef idx="0">
+            <a:schemeClr val="accent1"/>
+          </a:effectRef>
+          <a:fontRef idx="minor">
+            <a:schemeClr val="lt1"/>
+          </a:fontRef>
+        </p:style>
+        <p:txBody>
+          <a:bodyPr rtlCol="0" anchor="ctr"/>
+          <a:lstStyle/>
+          <a:p>
+            <a:pPr algn="ctr"/>
+            <a:endParaRPr lang="en-GB"/>
+          </a:p>
+        </p:txBody>
+      </p:sp>
+      <p:sp>
+        <p:nvSpPr>
+          <p:cNvPr id="81" name="Oval 80"/>
+          <p:cNvSpPr/>
+          <p:nvPr/>
+        </p:nvSpPr>
+        <p:spPr>
+          <a:xfrm>
+            <a:off x="971121" y="1845952"/>
+            <a:ext cx="101600" cy="101600"/>
+          </a:xfrm>
+          <a:prstGeom prst="ellipse">
+            <a:avLst/>
+          </a:prstGeom>
+          <a:solidFill>
+            <a:srgbClr val="FF0000"/>
+          </a:solidFill>
+          <a:ln>
+            <a:solidFill>
+              <a:srgbClr val="FF0000"/>
+            </a:solidFill>
+          </a:ln>
+        </p:spPr>
+        <p:style>
+          <a:lnRef idx="2">
+            <a:schemeClr val="accent1">
+              <a:shade val="50000"/>
+            </a:schemeClr>
+          </a:lnRef>
+          <a:fillRef idx="1">
+            <a:schemeClr val="accent1"/>
+          </a:fillRef>
+          <a:effectRef idx="0">
+            <a:schemeClr val="accent1"/>
+          </a:effectRef>
+          <a:fontRef idx="minor">
+            <a:schemeClr val="lt1"/>
+          </a:fontRef>
+        </p:style>
+        <p:txBody>
+          <a:bodyPr rtlCol="0" anchor="ctr"/>
+          <a:lstStyle/>
+          <a:p>
+            <a:pPr algn="ctr"/>
+            <a:endParaRPr lang="en-GB"/>
+          </a:p>
+        </p:txBody>
+      </p:sp>
+      <p:sp>
+        <p:nvSpPr>
+          <p:cNvPr id="82" name="Oval 81"/>
+          <p:cNvSpPr/>
+          <p:nvPr/>
+        </p:nvSpPr>
+        <p:spPr>
+          <a:xfrm>
+            <a:off x="983821" y="1477652"/>
+            <a:ext cx="101600" cy="101600"/>
+          </a:xfrm>
+          <a:prstGeom prst="ellipse">
+            <a:avLst/>
+          </a:prstGeom>
+          <a:solidFill>
+            <a:srgbClr val="FF0000"/>
+          </a:solidFill>
+          <a:ln w="38100">
+            <a:solidFill>
+              <a:srgbClr val="FFFF00"/>
+            </a:solidFill>
+          </a:ln>
+        </p:spPr>
+        <p:style>
+          <a:lnRef idx="2">
+            <a:schemeClr val="accent1">
+              <a:shade val="50000"/>
+            </a:schemeClr>
+          </a:lnRef>
+          <a:fillRef idx="1">
+            <a:schemeClr val="accent1"/>
+          </a:fillRef>
+          <a:effectRef idx="0">
+            <a:schemeClr val="accent1"/>
+          </a:effectRef>
+          <a:fontRef idx="minor">
+            <a:schemeClr val="lt1"/>
+          </a:fontRef>
+        </p:style>
+        <p:txBody>
+          <a:bodyPr rtlCol="0" anchor="ctr"/>
+          <a:lstStyle/>
+          <a:p>
+            <a:pPr algn="ctr"/>
+            <a:endParaRPr lang="en-GB"/>
+          </a:p>
+        </p:txBody>
+      </p:sp>
+      <p:sp>
+        <p:nvSpPr>
+          <p:cNvPr id="83" name="Rectangle 82"/>
+          <p:cNvSpPr/>
+          <p:nvPr/>
+        </p:nvSpPr>
+        <p:spPr>
+          <a:xfrm>
+            <a:off x="339352" y="1685589"/>
+            <a:ext cx="743415" cy="338554"/>
+          </a:xfrm>
+          <a:prstGeom prst="rect">
+            <a:avLst/>
+          </a:prstGeom>
+        </p:spPr>
+        <p:txBody>
+          <a:bodyPr wrap="square">
+            <a:spAutoFit/>
+          </a:bodyPr>
+          <a:lstStyle/>
+          <a:p>
+            <a:r>
+              <a:rPr lang="en-GB" sz="1600" dirty="0" smtClean="0"/>
+              <a:t>WAM</a:t>
+            </a:r>
+            <a:endParaRPr lang="en-GB" sz="1600" dirty="0"/>
+          </a:p>
+        </p:txBody>
+      </p:sp>
+      <p:sp>
+        <p:nvSpPr>
+          <p:cNvPr id="84" name="Rectangle 83"/>
+          <p:cNvSpPr/>
+          <p:nvPr/>
+        </p:nvSpPr>
+        <p:spPr>
+          <a:xfrm>
+            <a:off x="480335" y="2292439"/>
+            <a:ext cx="610680" cy="338554"/>
+          </a:xfrm>
+          <a:prstGeom prst="rect">
+            <a:avLst/>
+          </a:prstGeom>
+        </p:spPr>
+        <p:txBody>
+          <a:bodyPr wrap="none">
+            <a:spAutoFit/>
+          </a:bodyPr>
+          <a:lstStyle/>
+          <a:p>
+            <a:r>
+              <a:rPr lang="en-GB" sz="1600" dirty="0"/>
+              <a:t>WAO</a:t>
+            </a:r>
+          </a:p>
+        </p:txBody>
+      </p:sp>
+      <p:cxnSp>
+        <p:nvCxnSpPr>
+          <p:cNvPr id="86" name="Straight Connector 85"/>
+          <p:cNvCxnSpPr/>
+          <p:nvPr/>
+        </p:nvCxnSpPr>
+        <p:spPr>
+          <a:xfrm flipV="1">
+            <a:off x="8174416" y="2344570"/>
+            <a:ext cx="1400539" cy="0"/>
+          </a:xfrm>
+          <a:prstGeom prst="line">
+            <a:avLst/>
+          </a:prstGeom>
+          <a:ln>
+            <a:solidFill>
+              <a:srgbClr val="FF0000"/>
+            </a:solidFill>
+            <a:prstDash val="dash"/>
+          </a:ln>
+        </p:spPr>
+        <p:style>
+          <a:lnRef idx="1">
+            <a:schemeClr val="accent1"/>
+          </a:lnRef>
+          <a:fillRef idx="0">
+            <a:schemeClr val="accent1"/>
+          </a:fillRef>
+          <a:effectRef idx="0">
+            <a:schemeClr val="accent1"/>
+          </a:effectRef>
+          <a:fontRef idx="minor">
+            <a:schemeClr val="tx1"/>
+          </a:fontRef>
+        </p:style>
+      </p:cxnSp>
+      <p:sp>
+        <p:nvSpPr>
+          <p:cNvPr id="88" name="Freeform 87"/>
+          <p:cNvSpPr/>
+          <p:nvPr/>
+        </p:nvSpPr>
+        <p:spPr>
+          <a:xfrm>
+            <a:off x="9503764" y="359764"/>
+            <a:ext cx="2083633" cy="1978702"/>
+          </a:xfrm>
+          <a:custGeom>
+            <a:avLst/>
+            <a:gdLst>
+              <a:gd name="connsiteX0" fmla="*/ 0 w 2083633"/>
+              <a:gd name="connsiteY0" fmla="*/ 1978702 h 1978702"/>
+              <a:gd name="connsiteX1" fmla="*/ 374754 w 2083633"/>
+              <a:gd name="connsiteY1" fmla="*/ 1858780 h 1978702"/>
+              <a:gd name="connsiteX2" fmla="*/ 1004341 w 2083633"/>
+              <a:gd name="connsiteY2" fmla="*/ 1603947 h 1978702"/>
+              <a:gd name="connsiteX3" fmla="*/ 1558977 w 2083633"/>
+              <a:gd name="connsiteY3" fmla="*/ 1319134 h 1978702"/>
+              <a:gd name="connsiteX4" fmla="*/ 1858780 w 2083633"/>
+              <a:gd name="connsiteY4" fmla="*/ 989351 h 1978702"/>
+              <a:gd name="connsiteX5" fmla="*/ 2053652 w 2083633"/>
+              <a:gd name="connsiteY5" fmla="*/ 764498 h 1978702"/>
+              <a:gd name="connsiteX6" fmla="*/ 2083633 w 2083633"/>
+              <a:gd name="connsiteY6" fmla="*/ 539646 h 1978702"/>
+              <a:gd name="connsiteX7" fmla="*/ 2008682 w 2083633"/>
+              <a:gd name="connsiteY7" fmla="*/ 299803 h 1978702"/>
+              <a:gd name="connsiteX8" fmla="*/ 1903751 w 2083633"/>
+              <a:gd name="connsiteY8" fmla="*/ 164892 h 1978702"/>
+              <a:gd name="connsiteX9" fmla="*/ 1903751 w 2083633"/>
+              <a:gd name="connsiteY9" fmla="*/ 0 h 1978702"/>
+            </a:gdLst>
+            <a:ahLst/>
+            <a:cxnLst>
+              <a:cxn ang="0">
+                <a:pos x="connsiteX0" y="connsiteY0"/>
+              </a:cxn>
+              <a:cxn ang="0">
+                <a:pos x="connsiteX1" y="connsiteY1"/>
+              </a:cxn>
+              <a:cxn ang="0">
+                <a:pos x="connsiteX2" y="connsiteY2"/>
+              </a:cxn>
+              <a:cxn ang="0">
+                <a:pos x="connsiteX3" y="connsiteY3"/>
+              </a:cxn>
+              <a:cxn ang="0">
+                <a:pos x="connsiteX4" y="connsiteY4"/>
+              </a:cxn>
+              <a:cxn ang="0">
+                <a:pos x="connsiteX5" y="connsiteY5"/>
+              </a:cxn>
+              <a:cxn ang="0">
+                <a:pos x="connsiteX6" y="connsiteY6"/>
+              </a:cxn>
+              <a:cxn ang="0">
+                <a:pos x="connsiteX7" y="connsiteY7"/>
+              </a:cxn>
+              <a:cxn ang="0">
+                <a:pos x="connsiteX8" y="connsiteY8"/>
+              </a:cxn>
+              <a:cxn ang="0">
+                <a:pos x="connsiteX9" y="connsiteY9"/>
+              </a:cxn>
+            </a:cxnLst>
+            <a:rect l="l" t="t" r="r" b="b"/>
+            <a:pathLst>
+              <a:path w="2083633" h="1978702">
+                <a:moveTo>
+                  <a:pt x="0" y="1978702"/>
+                </a:moveTo>
+                <a:lnTo>
+                  <a:pt x="374754" y="1858780"/>
+                </a:lnTo>
+                <a:lnTo>
+                  <a:pt x="1004341" y="1603947"/>
+                </a:lnTo>
+                <a:lnTo>
+                  <a:pt x="1558977" y="1319134"/>
+                </a:lnTo>
+                <a:lnTo>
+                  <a:pt x="1858780" y="989351"/>
+                </a:lnTo>
+                <a:lnTo>
+                  <a:pt x="2053652" y="764498"/>
+                </a:lnTo>
+                <a:lnTo>
+                  <a:pt x="2083633" y="539646"/>
+                </a:lnTo>
+                <a:lnTo>
+                  <a:pt x="2008682" y="299803"/>
+                </a:lnTo>
+                <a:lnTo>
+                  <a:pt x="1903751" y="164892"/>
+                </a:lnTo>
+                <a:lnTo>
+                  <a:pt x="1903751" y="0"/>
+                </a:lnTo>
+              </a:path>
+            </a:pathLst>
+          </a:custGeom>
+          <a:noFill/>
+          <a:ln>
+            <a:solidFill>
+              <a:srgbClr val="FF0000"/>
+            </a:solidFill>
+            <a:prstDash val="dash"/>
+          </a:ln>
+        </p:spPr>
+        <p:style>
+          <a:lnRef idx="2">
+            <a:schemeClr val="accent1">
+              <a:shade val="50000"/>
+            </a:schemeClr>
+          </a:lnRef>
+          <a:fillRef idx="1">
+            <a:schemeClr val="accent1"/>
+          </a:fillRef>
+          <a:effectRef idx="0">
+            <a:schemeClr val="accent1"/>
+          </a:effectRef>
+          <a:fontRef idx="minor">
+            <a:schemeClr val="lt1"/>
+          </a:fontRef>
+        </p:style>
+        <p:txBody>
+          <a:bodyPr rtlCol="0" anchor="ctr"/>
+          <a:lstStyle/>
+          <a:p>
+            <a:pPr algn="ctr"/>
+            <a:endParaRPr lang="en-GB"/>
+          </a:p>
+        </p:txBody>
+      </p:sp>
+      <p:sp>
+        <p:nvSpPr>
+          <p:cNvPr id="93" name="Rectangle 92"/>
+          <p:cNvSpPr/>
+          <p:nvPr/>
+        </p:nvSpPr>
+        <p:spPr>
+          <a:xfrm>
+            <a:off x="10270208" y="2314944"/>
+            <a:ext cx="705642" cy="369332"/>
+          </a:xfrm>
+          <a:prstGeom prst="rect">
+            <a:avLst/>
+          </a:prstGeom>
+        </p:spPr>
+        <p:txBody>
+          <a:bodyPr wrap="none">
+            <a:spAutoFit/>
+          </a:bodyPr>
+          <a:lstStyle/>
+          <a:p>
+            <a:r>
+              <a:rPr lang="en-GB" dirty="0"/>
+              <a:t>guide</a:t>
+            </a:r>
+          </a:p>
+        </p:txBody>
+      </p:sp>
+      <p:sp>
+        <p:nvSpPr>
+          <p:cNvPr id="94" name="Rectangle 93"/>
+          <p:cNvSpPr/>
+          <p:nvPr/>
+        </p:nvSpPr>
+        <p:spPr>
+          <a:xfrm rot="20272420">
+            <a:off x="9697070" y="1732826"/>
+            <a:ext cx="957506" cy="369332"/>
+          </a:xfrm>
+          <a:prstGeom prst="rect">
+            <a:avLst/>
+          </a:prstGeom>
+        </p:spPr>
+        <p:txBody>
+          <a:bodyPr wrap="none">
+            <a:spAutoFit/>
+          </a:bodyPr>
+          <a:lstStyle/>
+          <a:p>
+            <a:r>
+              <a:rPr lang="en-GB" dirty="0" smtClean="0"/>
+              <a:t>follower</a:t>
+            </a:r>
+            <a:endParaRPr lang="en-GB" dirty="0"/>
+          </a:p>
+        </p:txBody>
+      </p:sp>
+      <p:sp>
+        <p:nvSpPr>
+          <p:cNvPr id="95" name="Rectangle 94"/>
+          <p:cNvSpPr/>
+          <p:nvPr/>
+        </p:nvSpPr>
+        <p:spPr>
+          <a:xfrm>
+            <a:off x="5255511" y="2368292"/>
+            <a:ext cx="560282" cy="369332"/>
+          </a:xfrm>
+          <a:prstGeom prst="rect">
+            <a:avLst/>
+          </a:prstGeom>
+        </p:spPr>
+        <p:txBody>
+          <a:bodyPr wrap="none">
+            <a:spAutoFit/>
+          </a:bodyPr>
+          <a:lstStyle/>
+          <a:p>
+            <a:r>
+              <a:rPr lang="en-GB" dirty="0" smtClean="0"/>
+              <a:t>FAO</a:t>
+            </a:r>
+            <a:endParaRPr lang="en-GB" dirty="0"/>
+          </a:p>
+        </p:txBody>
+      </p:sp>
+      <p:sp>
+        <p:nvSpPr>
+          <p:cNvPr id="96" name="Oval 95"/>
+          <p:cNvSpPr/>
+          <p:nvPr/>
+        </p:nvSpPr>
+        <p:spPr>
+          <a:xfrm>
+            <a:off x="4480694" y="2271268"/>
+            <a:ext cx="101600" cy="101600"/>
+          </a:xfrm>
+          <a:prstGeom prst="ellipse">
+            <a:avLst/>
+          </a:prstGeom>
+          <a:solidFill>
+            <a:srgbClr val="FF0000"/>
+          </a:solidFill>
+          <a:ln>
+            <a:solidFill>
+              <a:srgbClr val="FF0000"/>
+            </a:solidFill>
+          </a:ln>
+        </p:spPr>
+        <p:style>
+          <a:lnRef idx="2">
+            <a:schemeClr val="accent1">
+              <a:shade val="50000"/>
+            </a:schemeClr>
+          </a:lnRef>
+          <a:fillRef idx="1">
+            <a:schemeClr val="accent1"/>
+          </a:fillRef>
+          <a:effectRef idx="0">
+            <a:schemeClr val="accent1"/>
+          </a:effectRef>
+          <a:fontRef idx="minor">
+            <a:schemeClr val="lt1"/>
+          </a:fontRef>
+        </p:style>
+        <p:txBody>
+          <a:bodyPr rtlCol="0" anchor="ctr"/>
+          <a:lstStyle/>
+          <a:p>
+            <a:pPr algn="ctr"/>
+            <a:endParaRPr lang="en-GB"/>
+          </a:p>
+        </p:txBody>
+      </p:sp>
+      <p:sp>
+        <p:nvSpPr>
+          <p:cNvPr id="97" name="Oval 96"/>
+          <p:cNvSpPr/>
+          <p:nvPr/>
+        </p:nvSpPr>
+        <p:spPr>
+          <a:xfrm>
+            <a:off x="4480694" y="1852168"/>
+            <a:ext cx="101600" cy="101600"/>
+          </a:xfrm>
+          <a:prstGeom prst="ellipse">
+            <a:avLst/>
+          </a:prstGeom>
+          <a:solidFill>
+            <a:srgbClr val="FF0000"/>
+          </a:solidFill>
+          <a:ln>
+            <a:solidFill>
+              <a:srgbClr val="FF0000"/>
+            </a:solidFill>
+          </a:ln>
+        </p:spPr>
+        <p:style>
+          <a:lnRef idx="2">
+            <a:schemeClr val="accent1">
+              <a:shade val="50000"/>
+            </a:schemeClr>
+          </a:lnRef>
+          <a:fillRef idx="1">
+            <a:schemeClr val="accent1"/>
+          </a:fillRef>
+          <a:effectRef idx="0">
+            <a:schemeClr val="accent1"/>
+          </a:effectRef>
+          <a:fontRef idx="minor">
+            <a:schemeClr val="lt1"/>
+          </a:fontRef>
+        </p:style>
+        <p:txBody>
+          <a:bodyPr rtlCol="0" anchor="ctr"/>
+          <a:lstStyle/>
+          <a:p>
+            <a:pPr algn="ctr"/>
+            <a:endParaRPr lang="en-GB"/>
+          </a:p>
+        </p:txBody>
+      </p:sp>
+      <p:sp>
+        <p:nvSpPr>
+          <p:cNvPr id="98" name="Oval 97"/>
+          <p:cNvSpPr/>
+          <p:nvPr/>
+        </p:nvSpPr>
+        <p:spPr>
+          <a:xfrm>
+            <a:off x="4493394" y="1483868"/>
+            <a:ext cx="101600" cy="101600"/>
+          </a:xfrm>
+          <a:prstGeom prst="ellipse">
+            <a:avLst/>
+          </a:prstGeom>
+          <a:solidFill>
+            <a:srgbClr val="FF0000"/>
+          </a:solidFill>
+          <a:ln>
+            <a:solidFill>
+              <a:srgbClr val="FF0000"/>
+            </a:solidFill>
+          </a:ln>
+        </p:spPr>
+        <p:style>
+          <a:lnRef idx="2">
+            <a:schemeClr val="accent1">
+              <a:shade val="50000"/>
+            </a:schemeClr>
+          </a:lnRef>
+          <a:fillRef idx="1">
+            <a:schemeClr val="accent1"/>
+          </a:fillRef>
+          <a:effectRef idx="0">
+            <a:schemeClr val="accent1"/>
+          </a:effectRef>
+          <a:fontRef idx="minor">
+            <a:schemeClr val="lt1"/>
+          </a:fontRef>
+        </p:style>
+        <p:txBody>
+          <a:bodyPr rtlCol="0" anchor="ctr"/>
+          <a:lstStyle/>
+          <a:p>
+            <a:pPr algn="ctr"/>
+            <a:endParaRPr lang="en-GB"/>
+          </a:p>
+        </p:txBody>
+      </p:sp>
+    </p:spTree>
+    <p:extLst>
+      <p:ext uri="{BB962C8B-B14F-4D97-AF65-F5344CB8AC3E}">
+        <p14:creationId xmlns:p14="http://schemas.microsoft.com/office/powerpoint/2010/main" val="3796196680"/>
       </p:ext>
     </p:extLst>
   </p:cSld>

--- a/OpenPBS/Resources/illustrations/DescriptionsPerPBS_ToTool.pptx
+++ b/OpenPBS/Resources/illustrations/DescriptionsPerPBS_ToTool.pptx
@@ -500,7 +500,7 @@
         </p:nvSpPr>
         <p:spPr>
           <a:xfrm>
-            <a:off x="0" y="0"/>
+            <a:off x="0" y="3"/>
             <a:ext cx="12192000" cy="937549"/>
           </a:xfrm>
         </p:spPr>
@@ -567,8 +567,8 @@
         </p:nvSpPr>
         <p:spPr>
           <a:xfrm>
-            <a:off x="838200" y="365125"/>
-            <a:ext cx="10515600" cy="1325563"/>
+            <a:off x="838200" y="365128"/>
+            <a:ext cx="10515600" cy="1325564"/>
           </a:xfrm>
           <a:prstGeom prst="rect">
             <a:avLst/>
@@ -600,8 +600,8 @@
         </p:nvSpPr>
         <p:spPr>
           <a:xfrm>
-            <a:off x="838200" y="6425800"/>
-            <a:ext cx="2743200" cy="365125"/>
+            <a:off x="838200" y="6425803"/>
+            <a:ext cx="2743200" cy="365126"/>
           </a:xfrm>
           <a:prstGeom prst="rect">
             <a:avLst/>
@@ -641,8 +641,8 @@
         </p:nvSpPr>
         <p:spPr>
           <a:xfrm>
-            <a:off x="4038600" y="6425800"/>
-            <a:ext cx="4114800" cy="365125"/>
+            <a:off x="4038600" y="6425803"/>
+            <a:ext cx="4114800" cy="365126"/>
           </a:xfrm>
           <a:prstGeom prst="rect">
             <a:avLst/>
@@ -686,8 +686,8 @@
         </p:nvSpPr>
         <p:spPr>
           <a:xfrm>
-            <a:off x="8610600" y="6425800"/>
-            <a:ext cx="2743200" cy="365125"/>
+            <a:off x="8610600" y="6425803"/>
+            <a:ext cx="2743200" cy="365126"/>
           </a:xfrm>
           <a:prstGeom prst="rect">
             <a:avLst/>
@@ -1066,8 +1066,8 @@
               </p:nvPr>
             </p:nvGraphicFramePr>
             <p:xfrm>
-              <a:off x="3251198" y="1797958"/>
-              <a:ext cx="4314371" cy="4781099"/>
+              <a:off x="3251202" y="1797962"/>
+              <a:ext cx="4314371" cy="4667178"/>
             </p:xfrm>
             <a:graphic>
               <a:graphicData uri="http://schemas.openxmlformats.org/drawingml/2006/table">
@@ -5604,13 +5604,13 @@
           <a:lstStyle/>
           <a:p>
             <a:r>
-              <a:rPr lang="en-GB" dirty="0" smtClean="0"/>
+              <a:rPr lang="en-GB" dirty="0"/>
               <a:t>These slides are the original for descriptive picture for each PBS in the Open PBS tool.</a:t>
             </a:r>
           </a:p>
           <a:p>
             <a:r>
-              <a:rPr lang="en-GB" dirty="0" smtClean="0"/>
+              <a:rPr lang="en-GB" dirty="0"/>
               <a:t>Generate a bitmap file for each of slide 3 to last slide. Link each such bitmap to Info layer in </a:t>
             </a:r>
             <a:r>
@@ -5618,13 +5618,13 @@
               <a:t>Modelica model </a:t>
             </a:r>
             <a:r>
-              <a:rPr lang="en-GB" dirty="0" smtClean="0"/>
+              <a:rPr lang="en-GB" dirty="0"/>
               <a:t>for each PBS.</a:t>
             </a:r>
           </a:p>
           <a:p>
             <a:r>
-              <a:rPr lang="en-GB" dirty="0" smtClean="0"/>
+              <a:rPr lang="en-GB" dirty="0"/>
               <a:t>Description of definition of each PBS (independent of the vehicle model).</a:t>
             </a:r>
           </a:p>
@@ -5633,15 +5633,15 @@
           </a:p>
           <a:p>
             <a:r>
-              <a:rPr lang="en-GB" dirty="0" smtClean="0"/>
+              <a:rPr lang="en-GB" dirty="0"/>
               <a:t>Here is a list of all </a:t>
             </a:r>
             <a:r>
-              <a:rPr lang="en-GB" dirty="0" err="1" smtClean="0"/>
+              <a:rPr lang="en-GB" dirty="0" err="1"/>
               <a:t>PBSes</a:t>
             </a:r>
             <a:r>
-              <a:rPr lang="en-GB" dirty="0" smtClean="0"/>
+              <a:rPr lang="en-GB" dirty="0"/>
               <a:t>:</a:t>
             </a:r>
             <a:endParaRPr lang="en-GB" dirty="0"/>
@@ -5656,7 +5656,7 @@
         </p:nvSpPr>
         <p:spPr>
           <a:xfrm rot="20324581">
-            <a:off x="8158612" y="3848489"/>
+            <a:off x="8158616" y="3848493"/>
             <a:ext cx="4052983" cy="2031325"/>
           </a:xfrm>
           <a:prstGeom prst="rect">
@@ -5678,7 +5678,7 @@
               <a:t>Wouldn’t it be better to </a:t>
             </a:r>
             <a:r>
-              <a:rPr lang="en-GB" i="1" dirty="0" smtClean="0">
+              <a:rPr lang="en-GB" i="1" dirty="0">
                 <a:solidFill>
                   <a:srgbClr val="FF0000"/>
                 </a:solidFill>
@@ -5686,7 +5686,7 @@
               <a:t>develop and store as much as possible as </a:t>
             </a:r>
             <a:r>
-              <a:rPr lang="en-GB" b="1" i="1" dirty="0" smtClean="0">
+              <a:rPr lang="en-GB" b="1" i="1" dirty="0">
                 <a:solidFill>
                   <a:srgbClr val="FF0000"/>
                 </a:solidFill>
@@ -5710,7 +5710,7 @@
               <a:t> </a:t>
             </a:r>
             <a:r>
-              <a:rPr lang="en-GB" b="1" i="1" dirty="0" smtClean="0">
+              <a:rPr lang="en-GB" b="1" i="1" dirty="0">
                 <a:solidFill>
                   <a:srgbClr val="FF0000"/>
                 </a:solidFill>
@@ -5726,7 +5726,7 @@
               <a:t>(as opposed to bitmap figure</a:t>
             </a:r>
             <a:r>
-              <a:rPr lang="en-GB" b="1" i="1" dirty="0" smtClean="0">
+              <a:rPr lang="en-GB" b="1" i="1" dirty="0">
                 <a:solidFill>
                   <a:srgbClr val="FF0000"/>
                 </a:solidFill>
@@ -5736,7 +5736,7 @@
           </a:p>
           <a:p>
             <a:r>
-              <a:rPr lang="en-GB" i="1" dirty="0" smtClean="0">
+              <a:rPr lang="en-GB" i="1" dirty="0">
                 <a:solidFill>
                   <a:srgbClr val="FF0000"/>
                 </a:solidFill>
@@ -5805,7 +5805,7 @@
           <a:p>
             <a:pPr algn="ctr"/>
             <a:r>
-              <a:rPr lang="en-GB" sz="2400" dirty="0" smtClean="0">
+              <a:rPr lang="en-GB" sz="2400" dirty="0">
                 <a:solidFill>
                   <a:srgbClr val="FF0000"/>
                 </a:solidFill>
@@ -5828,7 +5828,7 @@
         </p:nvSpPr>
         <p:spPr>
           <a:xfrm>
-            <a:off x="7359805" y="3423424"/>
+            <a:off x="7359805" y="3423428"/>
             <a:ext cx="4572000" cy="2453269"/>
           </a:xfrm>
           <a:prstGeom prst="cloud">
@@ -5883,10 +5883,10 @@
           <a:lstStyle/>
           <a:p>
             <a:r>
-              <a:rPr lang="en-GB" sz="5400" b="1" dirty="0" smtClean="0"/>
+              <a:rPr lang="en-GB" sz="5400" dirty="0"/>
               <a:t>#Abbrev, #Name</a:t>
             </a:r>
-            <a:endParaRPr lang="en-GB" sz="5400" b="1" dirty="0"/>
+            <a:endParaRPr lang="en-GB" sz="5400" dirty="0"/>
           </a:p>
         </p:txBody>
       </p:sp>
@@ -5920,7 +5920,7 @@
               <a:t>Present known open issues with this slide: </a:t>
             </a:r>
             <a:r>
-              <a:rPr lang="en-GB" i="1" dirty="0" smtClean="0">
+              <a:rPr lang="en-GB" i="1" dirty="0">
                 <a:solidFill>
                   <a:srgbClr val="FF0000"/>
                 </a:solidFill>
@@ -5945,7 +5945,7 @@
             </p:nvSpPr>
             <p:spPr>
               <a:xfrm>
-                <a:off x="446315" y="3527636"/>
+                <a:off x="446315" y="3527640"/>
                 <a:ext cx="6825342" cy="2031325"/>
               </a:xfrm>
               <a:prstGeom prst="rect">
@@ -5960,11 +5960,11 @@
               <a:lstStyle/>
               <a:p>
                 <a:r>
-                  <a:rPr lang="en-GB" b="1" dirty="0" smtClean="0"/>
+                  <a:rPr lang="en-GB" b="1" dirty="0"/>
                   <a:t>PBS manoeuvre</a:t>
                 </a:r>
                 <a:r>
-                  <a:rPr lang="en-GB" dirty="0" smtClean="0"/>
+                  <a:rPr lang="en-GB" dirty="0"/>
                   <a:t>: </a:t>
                 </a:r>
                 <a:r>
@@ -5996,7 +5996,7 @@
                   <a:t>. Unit loading</a:t>
                 </a:r>
                 <a:r>
-                  <a:rPr lang="en-GB" b="1" dirty="0" smtClean="0">
+                  <a:rPr lang="en-GB" b="1" dirty="0">
                     <a:solidFill>
                       <a:srgbClr val="FF0000"/>
                     </a:solidFill>
@@ -6004,19 +6004,19 @@
                   <a:t>=#?</a:t>
                 </a:r>
                 <a:r>
-                  <a:rPr lang="en-GB" b="1" dirty="0" smtClean="0"/>
+                  <a:rPr lang="en-GB" b="1" dirty="0"/>
                   <a:t>.</a:t>
                 </a:r>
                 <a:r>
-                  <a:rPr lang="sv-SE" dirty="0" smtClean="0"/>
+                  <a:rPr lang="sv-SE" dirty="0"/>
                   <a:t> </a:t>
                 </a:r>
                 <a:r>
-                  <a:rPr lang="en-GB" b="1" dirty="0" smtClean="0"/>
+                  <a:rPr lang="en-GB" b="1" dirty="0"/>
                   <a:t>Alternatives</a:t>
                 </a:r>
                 <a:r>
-                  <a:rPr lang="en-GB" dirty="0" smtClean="0"/>
+                  <a:rPr lang="en-GB" dirty="0"/>
                   <a:t>:</a:t>
                 </a:r>
               </a:p>
@@ -6028,14 +6028,14 @@
                 <a14:m>
                   <m:oMath xmlns:m="http://schemas.openxmlformats.org/officeDocument/2006/math">
                     <m:r>
-                      <a:rPr lang="sv-SE" b="0" i="1" dirty="0" smtClean="0">
+                      <a:rPr lang="sv-SE" i="1" dirty="0">
                         <a:latin typeface="Cambria Math" panose="02040503050406030204" pitchFamily="18" charset="0"/>
                       </a:rPr>
                       <m:t>###</m:t>
                     </m:r>
                   </m:oMath>
                 </a14:m>
-                <a:endParaRPr lang="sv-SE" b="0" dirty="0" smtClean="0"/>
+                <a:endParaRPr lang="sv-SE" dirty="0"/>
               </a:p>
               <a:p>
                 <a:pPr marL="285750" indent="-285750">
@@ -6043,7 +6043,7 @@
                   <a:buChar char="•"/>
                 </a:pPr>
                 <a:r>
-                  <a:rPr lang="sv-SE" dirty="0" smtClean="0"/>
+                  <a:rPr lang="sv-SE" dirty="0"/>
                   <a:t>###</a:t>
                 </a:r>
               </a:p>
@@ -6067,11 +6067,11 @@
                   </m:oMath>
                 </a14:m>
                 <a:r>
-                  <a:rPr lang="sv-SE" dirty="0" smtClean="0"/>
+                  <a:rPr lang="sv-SE" dirty="0"/>
                   <a:t>. </a:t>
                 </a:r>
                 <a:r>
-                  <a:rPr lang="en-GB" b="1" dirty="0" smtClean="0"/>
+                  <a:rPr lang="en-GB" b="1" dirty="0"/>
                   <a:t>Alternatives:</a:t>
                 </a:r>
               </a:p>
@@ -6081,7 +6081,7 @@
                   <a:buChar char="•"/>
                 </a:pPr>
                 <a:r>
-                  <a:rPr lang="en-GB" dirty="0" smtClean="0"/>
+                  <a:rPr lang="en-GB" dirty="0"/>
                   <a:t>###</a:t>
                 </a:r>
               </a:p>
@@ -6091,7 +6091,7 @@
                   <a:buChar char="•"/>
                 </a:pPr>
                 <a:r>
-                  <a:rPr lang="en-GB" dirty="0" smtClean="0"/>
+                  <a:rPr lang="en-GB" dirty="0"/>
                   <a:t>###</a:t>
                 </a:r>
               </a:p>
@@ -6101,7 +6101,7 @@
                   <a:buChar char="•"/>
                 </a:pPr>
                 <a:r>
-                  <a:rPr lang="en-GB" dirty="0" smtClean="0"/>
+                  <a:rPr lang="en-GB" dirty="0"/>
                   <a:t>###</a:t>
                 </a:r>
               </a:p>
@@ -6155,7 +6155,7 @@
         </p:nvSpPr>
         <p:spPr>
           <a:xfrm rot="20441268">
-            <a:off x="8837408" y="4927686"/>
+            <a:off x="8837412" y="4927686"/>
             <a:ext cx="2808709" cy="630912"/>
           </a:xfrm>
           <a:prstGeom prst="rightArrow">
@@ -6192,7 +6192,7 @@
           <a:p>
             <a:pPr algn="ctr"/>
             <a:r>
-              <a:rPr lang="en-GB" sz="1400" dirty="0" smtClean="0">
+              <a:rPr lang="en-GB" sz="1400" dirty="0">
                 <a:solidFill>
                   <a:schemeClr val="tx1"/>
                 </a:solidFill>
@@ -6208,7 +6208,7 @@
               <a:t>(</a:t>
             </a:r>
             <a:r>
-              <a:rPr lang="en-GB" sz="1400" dirty="0" smtClean="0">
+              <a:rPr lang="en-GB" sz="1400" dirty="0">
                 <a:solidFill>
                   <a:schemeClr val="tx1"/>
                 </a:solidFill>
@@ -6216,7 +6216,7 @@
               <a:t>20</a:t>
             </a:r>
             <a:r>
-              <a:rPr lang="en-GB" sz="1400" dirty="0" smtClean="0">
+              <a:rPr lang="en-GB" sz="1400" dirty="0">
                 <a:solidFill>
                   <a:srgbClr val="FF0000"/>
                 </a:solidFill>
@@ -6224,7 +6224,7 @@
               <a:t>##-##-##</a:t>
             </a:r>
             <a:r>
-              <a:rPr lang="en-GB" sz="1400" dirty="0" smtClean="0">
+              <a:rPr lang="en-GB" sz="1400" dirty="0">
                 <a:solidFill>
                   <a:schemeClr val="tx1"/>
                 </a:solidFill>
@@ -6256,7 +6256,7 @@
               <a:t>-project</a:t>
             </a:r>
             <a:r>
-              <a:rPr lang="en-GB" sz="1400" dirty="0" smtClean="0">
+              <a:rPr lang="en-GB" sz="1400" dirty="0">
                 <a:solidFill>
                   <a:schemeClr val="tx1"/>
                 </a:solidFill>
@@ -6316,7 +6316,7 @@
           <a:p>
             <a:pPr algn="ctr"/>
             <a:r>
-              <a:rPr lang="en-GB" sz="1400" dirty="0" smtClean="0">
+              <a:rPr lang="en-GB" sz="1400" dirty="0">
                 <a:solidFill>
                   <a:schemeClr val="tx1"/>
                 </a:solidFill>
@@ -6324,7 +6324,7 @@
               <a:t>Implemented in Open PBS tool, version </a:t>
             </a:r>
             <a:r>
-              <a:rPr lang="en-GB" sz="1400" dirty="0" smtClean="0">
+              <a:rPr lang="en-GB" sz="1400" dirty="0">
                 <a:solidFill>
                   <a:srgbClr val="FF0000"/>
                 </a:solidFill>
@@ -6347,7 +6347,7 @@
         </p:nvSpPr>
         <p:spPr>
           <a:xfrm>
-            <a:off x="7685314" y="3418113"/>
+            <a:off x="7685314" y="3418117"/>
             <a:ext cx="4506686" cy="1169551"/>
           </a:xfrm>
           <a:prstGeom prst="rect">
@@ -6366,7 +6366,7 @@
               <a:buChar char="•"/>
             </a:pPr>
             <a:r>
-              <a:rPr lang="en-GB" sz="1400" dirty="0" smtClean="0"/>
+              <a:rPr lang="en-GB" sz="1400" dirty="0"/>
               <a:t>Some relevant alternatives to be presented, in order to document and agree also which alternatives are deselected, and possibly why.</a:t>
             </a:r>
           </a:p>
@@ -6376,7 +6376,7 @@
               <a:buChar char="•"/>
             </a:pPr>
             <a:r>
-              <a:rPr lang="en-GB" sz="1400" dirty="0" smtClean="0"/>
+              <a:rPr lang="en-GB" sz="1400" dirty="0"/>
               <a:t>Mark which manoeuvre and measure in Open PBS Tool and in project:</a:t>
             </a:r>
             <a:endParaRPr lang="en-GB" sz="1400" dirty="0"/>
@@ -6759,7 +6759,7 @@
             </p:nvSpPr>
             <p:spPr>
               <a:xfrm>
-                <a:off x="8513661" y="1982649"/>
+                <a:off x="8513665" y="1982649"/>
                 <a:ext cx="1129027" cy="391902"/>
               </a:xfrm>
               <a:prstGeom prst="rect">
@@ -6783,14 +6783,14 @@
                       <m:sSub>
                         <m:sSubPr>
                           <m:ctrlPr>
-                            <a:rPr lang="sv-SE" b="0" i="1" smtClean="0">
+                            <a:rPr lang="sv-SE" i="1">
                               <a:latin typeface="Cambria Math" panose="02040503050406030204" pitchFamily="18" charset="0"/>
                             </a:rPr>
                           </m:ctrlPr>
                         </m:sSubPr>
                         <m:e>
                           <m:r>
-                            <a:rPr lang="sv-SE" b="0" i="1" smtClean="0">
+                            <a:rPr lang="sv-SE" i="1">
                               <a:latin typeface="Cambria Math" panose="02040503050406030204" pitchFamily="18" charset="0"/>
                             </a:rPr>
                             <m:t>𝜑</m:t>
@@ -6798,7 +6798,7 @@
                         </m:e>
                         <m:sub>
                           <m:r>
-                            <a:rPr lang="sv-SE" b="0" i="1" smtClean="0">
+                            <a:rPr lang="sv-SE" i="1">
                               <a:latin typeface="Cambria Math" panose="02040503050406030204" pitchFamily="18" charset="0"/>
                             </a:rPr>
                             <m:t>𝑢𝑝𝑔𝑟𝑎𝑑𝑒</m:t>
@@ -8003,11 +8003,11 @@
           <a:lstStyle/>
           <a:p>
             <a:r>
-              <a:rPr lang="en-GB" dirty="0" smtClean="0"/>
+              <a:rPr lang="en-GB" dirty="0"/>
               <a:t>FBI=</a:t>
             </a:r>
             <a:r>
-              <a:rPr lang="en-GB" dirty="0" err="1" smtClean="0"/>
+              <a:rPr lang="en-GB" dirty="0" err="1"/>
               <a:t>FBInner</a:t>
             </a:r>
             <a:endParaRPr lang="en-GB" dirty="0"/>
@@ -8036,11 +8036,11 @@
           <a:lstStyle/>
           <a:p>
             <a:r>
-              <a:rPr lang="en-GB" dirty="0" smtClean="0"/>
+              <a:rPr lang="en-GB" dirty="0"/>
               <a:t>FBO=</a:t>
             </a:r>
             <a:r>
-              <a:rPr lang="en-GB" dirty="0" err="1" smtClean="0"/>
+              <a:rPr lang="en-GB" dirty="0" err="1"/>
               <a:t>FrontBumperOuter</a:t>
             </a:r>
             <a:endParaRPr lang="en-GB" dirty="0"/>
@@ -8055,7 +8055,7 @@
         </p:nvSpPr>
         <p:spPr>
           <a:xfrm>
-            <a:off x="5716467" y="1973922"/>
+            <a:off x="5716471" y="1973922"/>
             <a:ext cx="1077539" cy="369332"/>
           </a:xfrm>
           <a:prstGeom prst="rect">
@@ -8069,7 +8069,7 @@
           <a:lstStyle/>
           <a:p>
             <a:r>
-              <a:rPr lang="en-GB" dirty="0" err="1" smtClean="0"/>
+              <a:rPr lang="en-GB" dirty="0" err="1"/>
               <a:t>FBMiddle</a:t>
             </a:r>
             <a:endParaRPr lang="en-GB" dirty="0"/>
@@ -8098,7 +8098,7 @@
           <a:lstStyle/>
           <a:p>
             <a:r>
-              <a:rPr lang="en-GB" dirty="0" smtClean="0"/>
+              <a:rPr lang="en-GB" dirty="0"/>
               <a:t>FAI</a:t>
             </a:r>
             <a:endParaRPr lang="en-GB" dirty="0"/>
@@ -8127,11 +8127,11 @@
           <a:lstStyle/>
           <a:p>
             <a:r>
-              <a:rPr lang="en-GB" dirty="0" smtClean="0"/>
+              <a:rPr lang="en-GB" dirty="0"/>
               <a:t>RAI=</a:t>
             </a:r>
             <a:r>
-              <a:rPr lang="en-GB" dirty="0" err="1" smtClean="0"/>
+              <a:rPr lang="en-GB" dirty="0" err="1"/>
               <a:t>RearAxleInner</a:t>
             </a:r>
             <a:endParaRPr lang="en-GB" dirty="0"/>
@@ -8160,7 +8160,7 @@
           <a:lstStyle/>
           <a:p>
             <a:r>
-              <a:rPr lang="en-GB" dirty="0" smtClean="0"/>
+              <a:rPr lang="en-GB" dirty="0"/>
               <a:t>RBM</a:t>
             </a:r>
             <a:endParaRPr lang="en-GB" dirty="0"/>
@@ -8189,7 +8189,7 @@
           <a:lstStyle/>
           <a:p>
             <a:r>
-              <a:rPr lang="en-GB" dirty="0" smtClean="0"/>
+              <a:rPr lang="en-GB" dirty="0"/>
               <a:t>FAM</a:t>
             </a:r>
             <a:endParaRPr lang="en-GB" dirty="0"/>
@@ -8218,14 +8218,14 @@
           <a:lstStyle/>
           <a:p>
             <a:r>
-              <a:rPr lang="en-GB" sz="1600" dirty="0" smtClean="0"/>
+              <a:rPr lang="en-GB" sz="1600" dirty="0"/>
               <a:t>WAI=</a:t>
             </a:r>
             <a:r>
-              <a:rPr lang="en-GB" sz="1600" dirty="0" err="1" smtClean="0"/>
+              <a:rPr lang="en-GB" sz="1600" dirty="0" err="1"/>
               <a:t>WorstAI</a:t>
             </a:r>
-            <a:endParaRPr lang="en-GB" sz="1600" dirty="0" smtClean="0"/>
+            <a:endParaRPr lang="en-GB" sz="1600" dirty="0"/>
           </a:p>
         </p:txBody>
       </p:sp>
@@ -8237,7 +8237,7 @@
         </p:nvSpPr>
         <p:spPr>
           <a:xfrm>
-            <a:off x="408878" y="1755798"/>
+            <a:off x="408882" y="1755798"/>
             <a:ext cx="579863" cy="808892"/>
           </a:xfrm>
           <a:prstGeom prst="rect">
@@ -8285,7 +8285,7 @@
         </p:nvSpPr>
         <p:spPr>
           <a:xfrm>
-            <a:off x="534962" y="1760561"/>
+            <a:off x="534962" y="1760565"/>
             <a:ext cx="334108" cy="123093"/>
           </a:xfrm>
           <a:prstGeom prst="rect">
@@ -8328,7 +8328,7 @@
         </p:nvSpPr>
         <p:spPr>
           <a:xfrm>
-            <a:off x="534962" y="2433721"/>
+            <a:off x="534962" y="2433725"/>
             <a:ext cx="334108" cy="123093"/>
           </a:xfrm>
           <a:prstGeom prst="rect">
@@ -8513,7 +8513,7 @@
         </p:nvSpPr>
         <p:spPr>
           <a:xfrm>
-            <a:off x="0" y="1931008"/>
+            <a:off x="4" y="1931008"/>
             <a:ext cx="743415" cy="338554"/>
           </a:xfrm>
           <a:prstGeom prst="rect">
@@ -8527,7 +8527,7 @@
           <a:lstStyle/>
           <a:p>
             <a:r>
-              <a:rPr lang="en-GB" sz="1600" dirty="0" smtClean="0"/>
+              <a:rPr lang="en-GB" sz="1600" dirty="0"/>
               <a:t>WAM</a:t>
             </a:r>
             <a:endParaRPr lang="en-GB" sz="1600" dirty="0"/>
@@ -8584,7 +8584,7 @@
           <a:lstStyle/>
           <a:p>
             <a:r>
-              <a:rPr lang="en-GB" dirty="0" smtClean="0"/>
+              <a:rPr lang="en-GB" dirty="0"/>
               <a:t>FAO</a:t>
             </a:r>
             <a:endParaRPr lang="en-GB" dirty="0"/>
@@ -8773,7 +8773,7 @@
         </p:nvSpPr>
         <p:spPr>
           <a:xfrm>
-            <a:off x="7359805" y="3423424"/>
+            <a:off x="7359805" y="3423428"/>
             <a:ext cx="4572000" cy="2453269"/>
           </a:xfrm>
           <a:prstGeom prst="cloud">
@@ -8828,14 +8828,14 @@
           <a:lstStyle/>
           <a:p>
             <a:r>
-              <a:rPr lang="en-GB" sz="5400" b="1" dirty="0" smtClean="0"/>
+              <a:rPr lang="en-GB" sz="5400" dirty="0"/>
               <a:t>SA, </a:t>
             </a:r>
             <a:r>
-              <a:rPr lang="en-GB" sz="5400" b="1" dirty="0" err="1" smtClean="0"/>
+              <a:rPr lang="en-GB" sz="5400" dirty="0" err="1"/>
               <a:t>Startability</a:t>
             </a:r>
-            <a:endParaRPr lang="en-GB" sz="5400" b="1" dirty="0"/>
+            <a:endParaRPr lang="en-GB" sz="5400" dirty="0"/>
           </a:p>
         </p:txBody>
       </p:sp>
@@ -8869,7 +8869,7 @@
               <a:t>Present known open issues with this slide: </a:t>
             </a:r>
             <a:r>
-              <a:rPr lang="en-GB" i="1" dirty="0" smtClean="0">
+              <a:rPr lang="en-GB" i="1" dirty="0">
                 <a:solidFill>
                   <a:srgbClr val="FF0000"/>
                 </a:solidFill>
@@ -8894,7 +8894,7 @@
             </p:nvSpPr>
             <p:spPr>
               <a:xfrm>
-                <a:off x="435428" y="3037779"/>
+                <a:off x="435432" y="3037779"/>
                 <a:ext cx="8022771" cy="1499898"/>
               </a:xfrm>
               <a:prstGeom prst="rect">
@@ -8909,15 +8909,15 @@
               <a:lstStyle/>
               <a:p>
                 <a:r>
-                  <a:rPr lang="en-GB" b="1" dirty="0" smtClean="0"/>
+                  <a:rPr lang="en-GB" b="1" dirty="0"/>
                   <a:t>PBS manoeuvre</a:t>
                 </a:r>
                 <a:r>
-                  <a:rPr lang="en-GB" dirty="0" smtClean="0"/>
+                  <a:rPr lang="en-GB" dirty="0"/>
                   <a:t>: Start from stand-still</a:t>
                 </a:r>
                 <a:r>
-                  <a:rPr lang="sv-SE" dirty="0" smtClean="0"/>
+                  <a:rPr lang="sv-SE" dirty="0"/>
                   <a:t>. </a:t>
                 </a:r>
                 <a:r>
@@ -8953,80 +8953,13 @@
                   <a:t> </a:t>
                 </a:r>
                 <a:r>
-                  <a:rPr lang="en-GB" b="1" dirty="0" smtClean="0"/>
+                  <a:rPr lang="en-GB" b="1" dirty="0"/>
                   <a:t>Alternatives</a:t>
                 </a:r>
                 <a:r>
-                  <a:rPr lang="en-GB" dirty="0" smtClean="0"/>
+                  <a:rPr lang="en-GB" dirty="0"/>
                   <a:t>:</a:t>
                 </a:r>
-              </a:p>
-              <a:p>
-                <a:pPr marL="285750" indent="-285750">
-                  <a:buFont typeface="Arial" panose="020B0604020202020204" pitchFamily="34" charset="0"/>
-                  <a:buChar char="•"/>
-                </a:pPr>
-                <a:r>
-                  <a:rPr lang="sv-SE" b="0" dirty="0" err="1" smtClean="0"/>
-                  <a:t>Friction</a:t>
-                </a:r>
-                <a:r>
-                  <a:rPr lang="sv-SE" b="0" dirty="0" smtClean="0"/>
-                  <a:t> </a:t>
-                </a:r>
-                <a:r>
-                  <a:rPr lang="sv-SE" b="0" dirty="0" err="1" smtClean="0"/>
-                  <a:t>high</a:t>
-                </a:r>
-                <a:r>
-                  <a:rPr lang="sv-SE" b="0" dirty="0" smtClean="0"/>
-                  <a:t>, </a:t>
-                </a:r>
-                <a:r>
-                  <a:rPr lang="sv-SE" dirty="0" smtClean="0"/>
-                  <a:t>M</a:t>
-                </a:r>
-                <a:r>
-                  <a:rPr lang="sv-SE" b="0" dirty="0" smtClean="0"/>
-                  <a:t>ax </a:t>
-                </a:r>
-                <a:r>
-                  <a:rPr lang="sv-SE" b="0" dirty="0" err="1" smtClean="0"/>
-                  <a:t>payload</a:t>
-                </a:r>
-                <a:r>
-                  <a:rPr lang="sv-SE" b="0" dirty="0" smtClean="0"/>
-                  <a:t>, </a:t>
-                </a:r>
-                <a:r>
-                  <a:rPr lang="sv-SE" b="0" dirty="0" err="1" smtClean="0"/>
-                  <a:t>Payload</a:t>
-                </a:r>
-                <a:r>
-                  <a:rPr lang="sv-SE" b="0" dirty="0" smtClean="0"/>
-                  <a:t> </a:t>
-                </a:r>
-                <a:r>
-                  <a:rPr lang="sv-SE" b="0" dirty="0" err="1" smtClean="0"/>
-                  <a:t>longitudinally</a:t>
-                </a:r>
-                <a:r>
-                  <a:rPr lang="sv-SE" b="0" dirty="0" smtClean="0"/>
-                  <a:t> </a:t>
-                </a:r>
-                <a:r>
-                  <a:rPr lang="sv-SE" b="0" dirty="0" err="1" smtClean="0"/>
-                  <a:t>uniformly</a:t>
-                </a:r>
-                <a:r>
-                  <a:rPr lang="sv-SE" b="0" dirty="0" smtClean="0"/>
-                  <a:t> </a:t>
-                </a:r>
-                <a:r>
-                  <a:rPr lang="sv-SE" b="0" dirty="0" err="1" smtClean="0"/>
-                  <a:t>distributed</a:t>
-                </a:r>
-                <a:endParaRPr lang="sv-SE" b="0" dirty="0" smtClean="0"/>
               </a:p>
               <a:p>
                 <a:pPr marL="285750" indent="-285750">
@@ -9042,11 +8975,70 @@
                   <a:t> </a:t>
                 </a:r>
                 <a:r>
-                  <a:rPr lang="sv-SE" dirty="0" err="1" smtClean="0"/>
+                  <a:rPr lang="sv-SE" dirty="0" err="1"/>
+                  <a:t>high</a:t>
+                </a:r>
+                <a:r>
+                  <a:rPr lang="sv-SE" dirty="0"/>
+                  <a:t>, Max </a:t>
+                </a:r>
+                <a:r>
+                  <a:rPr lang="sv-SE" dirty="0" err="1"/>
+                  <a:t>payload</a:t>
+                </a:r>
+                <a:r>
+                  <a:rPr lang="sv-SE" dirty="0"/>
+                  <a:t>, </a:t>
+                </a:r>
+                <a:r>
+                  <a:rPr lang="sv-SE" dirty="0" err="1"/>
+                  <a:t>Payload</a:t>
+                </a:r>
+                <a:r>
+                  <a:rPr lang="sv-SE" dirty="0"/>
+                  <a:t> </a:t>
+                </a:r>
+                <a:r>
+                  <a:rPr lang="sv-SE" dirty="0" err="1"/>
+                  <a:t>longitudinally</a:t>
+                </a:r>
+                <a:r>
+                  <a:rPr lang="sv-SE" dirty="0"/>
+                  <a:t> </a:t>
+                </a:r>
+                <a:r>
+                  <a:rPr lang="sv-SE" dirty="0" err="1"/>
+                  <a:t>uniformly</a:t>
+                </a:r>
+                <a:r>
+                  <a:rPr lang="sv-SE" dirty="0"/>
+                  <a:t> </a:t>
+                </a:r>
+                <a:r>
+                  <a:rPr lang="sv-SE" dirty="0" err="1"/>
+                  <a:t>distributed</a:t>
+                </a:r>
+                <a:endParaRPr lang="sv-SE" dirty="0"/>
+              </a:p>
+              <a:p>
+                <a:pPr marL="285750" indent="-285750">
+                  <a:buFont typeface="Arial" panose="020B0604020202020204" pitchFamily="34" charset="0"/>
+                  <a:buChar char="•"/>
+                </a:pPr>
+                <a:r>
+                  <a:rPr lang="sv-SE" dirty="0" err="1"/>
+                  <a:t>Friction</a:t>
+                </a:r>
+                <a:r>
+                  <a:rPr lang="sv-SE" dirty="0"/>
+                  <a:t> </a:t>
+                </a:r>
+                <a:r>
+                  <a:rPr lang="sv-SE" dirty="0" err="1"/>
                   <a:t>low</a:t>
                 </a:r>
                 <a:r>
-                  <a:rPr lang="sv-SE" dirty="0" smtClean="0"/>
+                  <a:rPr lang="sv-SE" dirty="0"/>
                   <a:t>, </a:t>
                 </a:r>
                 <a:r>
@@ -9086,7 +9078,7 @@
                   <a:t> </a:t>
                 </a:r>
                 <a:r>
-                  <a:rPr lang="sv-SE" dirty="0" err="1" smtClean="0"/>
+                  <a:rPr lang="sv-SE" dirty="0" err="1"/>
                   <a:t>distributed</a:t>
                 </a:r>
                 <a:endParaRPr lang="sv-SE" dirty="0"/>
@@ -9097,7 +9089,7 @@
                   <a:buChar char="•"/>
                 </a:pPr>
                 <a:r>
-                  <a:rPr lang="sv-SE" dirty="0" smtClean="0"/>
+                  <a:rPr lang="sv-SE" dirty="0"/>
                   <a:t>###</a:t>
                 </a:r>
               </a:p>
@@ -9111,7 +9103,7 @@
                   <a:t>: </a:t>
                 </a:r>
                 <a:r>
-                  <a:rPr lang="en-GB" dirty="0" smtClean="0"/>
+                  <a:rPr lang="en-GB" dirty="0"/>
                   <a:t>Maximum </a:t>
                 </a:r>
                 <a14:m>
@@ -9144,7 +9136,7 @@
                   </m:oMath>
                 </a14:m>
                 <a:r>
-                  <a:rPr lang="sv-SE" i="1" dirty="0" smtClean="0">
+                  <a:rPr lang="sv-SE" i="1" dirty="0">
                     <a:latin typeface="Cambria Math" panose="02040503050406030204" pitchFamily="18" charset="0"/>
                   </a:rPr>
                   <a:t> </a:t>
@@ -9174,7 +9166,7 @@
                   <a:t> start in</a:t>
                 </a:r>
                 <a:r>
-                  <a:rPr lang="sv-SE" dirty="0" smtClean="0"/>
+                  <a:rPr lang="sv-SE" dirty="0"/>
                   <a:t>.</a:t>
                 </a:r>
                 <a:endParaRPr lang="sv-SE" dirty="0"/>
@@ -9229,7 +9221,7 @@
         </p:nvSpPr>
         <p:spPr>
           <a:xfrm rot="20441268">
-            <a:off x="8837408" y="4797054"/>
+            <a:off x="8837412" y="4797054"/>
             <a:ext cx="2808709" cy="630912"/>
           </a:xfrm>
           <a:prstGeom prst="rightArrow">
@@ -9266,7 +9258,7 @@
           <a:p>
             <a:pPr algn="ctr"/>
             <a:r>
-              <a:rPr lang="en-GB" sz="1400" dirty="0" smtClean="0">
+              <a:rPr lang="en-GB" sz="1400" dirty="0">
                 <a:solidFill>
                   <a:schemeClr val="tx1"/>
                 </a:solidFill>
@@ -9282,7 +9274,7 @@
               <a:t>(</a:t>
             </a:r>
             <a:r>
-              <a:rPr lang="en-GB" sz="1400" dirty="0" smtClean="0">
+              <a:rPr lang="en-GB" sz="1400" dirty="0">
                 <a:solidFill>
                   <a:schemeClr val="tx1"/>
                 </a:solidFill>
@@ -9290,7 +9282,7 @@
               <a:t>20</a:t>
             </a:r>
             <a:r>
-              <a:rPr lang="en-GB" sz="1400" dirty="0" smtClean="0">
+              <a:rPr lang="en-GB" sz="1400" dirty="0">
                 <a:solidFill>
                   <a:srgbClr val="FF0000"/>
                 </a:solidFill>
@@ -9298,7 +9290,7 @@
               <a:t>##-##-##</a:t>
             </a:r>
             <a:r>
-              <a:rPr lang="en-GB" sz="1400" dirty="0" smtClean="0">
+              <a:rPr lang="en-GB" sz="1400" dirty="0">
                 <a:solidFill>
                   <a:schemeClr val="tx1"/>
                 </a:solidFill>
@@ -9330,7 +9322,7 @@
               <a:t>-project</a:t>
             </a:r>
             <a:r>
-              <a:rPr lang="en-GB" sz="1400" dirty="0" smtClean="0">
+              <a:rPr lang="en-GB" sz="1400" dirty="0">
                 <a:solidFill>
                   <a:schemeClr val="tx1"/>
                 </a:solidFill>
@@ -9390,7 +9382,7 @@
           <a:p>
             <a:pPr algn="ctr"/>
             <a:r>
-              <a:rPr lang="en-GB" sz="1400" dirty="0" smtClean="0">
+              <a:rPr lang="en-GB" sz="1400" dirty="0">
                 <a:solidFill>
                   <a:schemeClr val="tx1"/>
                 </a:solidFill>
@@ -9398,7 +9390,7 @@
               <a:t>Implemented in Open PBS tool, version </a:t>
             </a:r>
             <a:r>
-              <a:rPr lang="en-GB" sz="1400" dirty="0" smtClean="0">
+              <a:rPr lang="en-GB" sz="1400" dirty="0">
                 <a:solidFill>
                   <a:srgbClr val="FF0000"/>
                 </a:solidFill>
@@ -9421,7 +9413,7 @@
         </p:nvSpPr>
         <p:spPr>
           <a:xfrm>
-            <a:off x="7935687" y="3755571"/>
+            <a:off x="7935687" y="3755575"/>
             <a:ext cx="3761942" cy="646331"/>
           </a:xfrm>
           <a:prstGeom prst="rect">
@@ -9436,7 +9428,7 @@
           <a:lstStyle/>
           <a:p>
             <a:r>
-              <a:rPr lang="en-GB" dirty="0" smtClean="0"/>
+              <a:rPr lang="en-GB" dirty="0"/>
               <a:t>Mark which manoeuvre and measure in Open PBS Tool and in project:</a:t>
             </a:r>
             <a:endParaRPr lang="en-GB" dirty="0"/>
@@ -9866,7 +9858,7 @@
             </p:nvSpPr>
             <p:spPr>
               <a:xfrm>
-                <a:off x="3333509" y="2291788"/>
+                <a:off x="3333513" y="2291788"/>
                 <a:ext cx="1129027" cy="391902"/>
               </a:xfrm>
               <a:prstGeom prst="rect">
@@ -9890,14 +9882,14 @@
                       <m:sSub>
                         <m:sSubPr>
                           <m:ctrlPr>
-                            <a:rPr lang="sv-SE" b="0" i="1" smtClean="0">
+                            <a:rPr lang="sv-SE" i="1">
                               <a:latin typeface="Cambria Math" panose="02040503050406030204" pitchFamily="18" charset="0"/>
                             </a:rPr>
                           </m:ctrlPr>
                         </m:sSubPr>
                         <m:e>
                           <m:r>
-                            <a:rPr lang="sv-SE" b="0" i="1" smtClean="0">
+                            <a:rPr lang="sv-SE" i="1">
                               <a:latin typeface="Cambria Math" panose="02040503050406030204" pitchFamily="18" charset="0"/>
                             </a:rPr>
                             <m:t>𝜑</m:t>
@@ -9905,7 +9897,7 @@
                         </m:e>
                         <m:sub>
                           <m:r>
-                            <a:rPr lang="sv-SE" b="0" i="1" smtClean="0">
+                            <a:rPr lang="sv-SE" i="1">
                               <a:latin typeface="Cambria Math" panose="02040503050406030204" pitchFamily="18" charset="0"/>
                             </a:rPr>
                             <m:t>𝑢𝑝𝑔𝑟𝑎𝑑𝑒</m:t>
@@ -10007,14 +9999,14 @@
           <a:lstStyle/>
           <a:p>
             <a:r>
-              <a:rPr lang="en-GB" sz="5400" b="1" dirty="0"/>
+              <a:rPr lang="en-GB" sz="5400" dirty="0"/>
               <a:t>RWA, Rearward </a:t>
             </a:r>
             <a:r>
-              <a:rPr lang="en-GB" sz="5400" b="1" dirty="0" smtClean="0"/>
+              <a:rPr lang="en-GB" sz="5400" dirty="0"/>
               <a:t>Amplification</a:t>
             </a:r>
-            <a:endParaRPr lang="en-GB" sz="5400" b="1" dirty="0"/>
+            <a:endParaRPr lang="en-GB" sz="5400" dirty="0"/>
           </a:p>
         </p:txBody>
       </p:sp>
@@ -10550,21 +10542,21 @@
           <a:lstStyle/>
           <a:p>
             <a:r>
-              <a:rPr lang="en-US" dirty="0" err="1" smtClean="0"/>
+              <a:rPr lang="en-US" dirty="0" err="1"/>
               <a:t>RWA_ay</a:t>
             </a:r>
-            <a:endParaRPr lang="en-US" dirty="0" smtClean="0"/>
+            <a:endParaRPr lang="en-US" dirty="0"/>
           </a:p>
           <a:p>
             <a:r>
-              <a:rPr lang="en-US" dirty="0" err="1" smtClean="0"/>
+              <a:rPr lang="en-US" dirty="0" err="1"/>
               <a:t>RWA_w</a:t>
             </a:r>
-            <a:endParaRPr lang="en-US" dirty="0" smtClean="0"/>
+            <a:endParaRPr lang="en-US" dirty="0"/>
           </a:p>
           <a:p>
             <a:r>
-              <a:rPr lang="en-US" dirty="0" err="1" smtClean="0"/>
+              <a:rPr lang="en-US" dirty="0" err="1"/>
               <a:t>RWA_randinput</a:t>
             </a:r>
             <a:endParaRPr lang="en-US" dirty="0"/>
@@ -10862,19 +10854,19 @@
           <a:lstStyle/>
           <a:p>
             <a:r>
-              <a:rPr lang="en-US" dirty="0" err="1" smtClean="0"/>
+              <a:rPr lang="en-US" dirty="0" err="1"/>
               <a:t>RWA_ay</a:t>
             </a:r>
             <a:r>
-              <a:rPr lang="en-US" dirty="0" smtClean="0"/>
+              <a:rPr lang="en-US" dirty="0"/>
               <a:t> = </a:t>
             </a:r>
             <a:r>
-              <a:rPr lang="en-US" dirty="0" err="1" smtClean="0"/>
+              <a:rPr lang="en-US" dirty="0" err="1"/>
               <a:t>ay_last_cg</a:t>
             </a:r>
             <a:r>
-              <a:rPr lang="en-US" dirty="0" smtClean="0"/>
+              <a:rPr lang="en-US" dirty="0"/>
               <a:t>/ay_1_cg</a:t>
             </a:r>
           </a:p>
@@ -10888,11 +10880,11 @@
               <a:t> = </a:t>
             </a:r>
             <a:r>
-              <a:rPr lang="en-US" dirty="0" err="1" smtClean="0"/>
+              <a:rPr lang="en-US" dirty="0" err="1"/>
               <a:t>ay_last_cg</a:t>
             </a:r>
             <a:r>
-              <a:rPr lang="en-US" dirty="0" smtClean="0"/>
+              <a:rPr lang="en-US" dirty="0"/>
               <a:t>/ay11</a:t>
             </a:r>
             <a:endParaRPr lang="en-US" dirty="0"/>
@@ -10940,7 +10932,7 @@
         </p:nvCxnSpPr>
         <p:spPr>
           <a:xfrm flipV="1">
-            <a:off x="7661148" y="1971040"/>
+            <a:off x="7661148" y="1971044"/>
             <a:ext cx="923544" cy="372129"/>
           </a:xfrm>
           <a:prstGeom prst="straightConnector1">
@@ -11006,7 +10998,7 @@
         </p:nvSpPr>
         <p:spPr>
           <a:xfrm>
-            <a:off x="9687266" y="2241170"/>
+            <a:off x="9687270" y="2241174"/>
             <a:ext cx="395173" cy="646331"/>
           </a:xfrm>
           <a:prstGeom prst="rect">
@@ -11025,7 +11017,7 @@
               <a:t>a</a:t>
             </a:r>
             <a:r>
-              <a:rPr lang="en-US" dirty="0" smtClean="0"/>
+              <a:rPr lang="en-US" dirty="0"/>
               <a:t>y</a:t>
             </a:r>
           </a:p>
@@ -11045,7 +11037,7 @@
         </p:nvCxnSpPr>
         <p:spPr>
           <a:xfrm flipV="1">
-            <a:off x="8516112" y="2715236"/>
+            <a:off x="8516112" y="2715240"/>
             <a:ext cx="1222248" cy="172265"/>
           </a:xfrm>
           <a:prstGeom prst="straightConnector1">
@@ -11278,7 +11270,7 @@
           <a:lstStyle/>
           <a:p>
             <a:r>
-              <a:rPr lang="en-US" dirty="0" smtClean="0"/>
+              <a:rPr lang="en-US" dirty="0"/>
               <a:t>ay11</a:t>
             </a:r>
             <a:endParaRPr lang="en-US" dirty="0"/>
@@ -11308,7 +11300,7 @@
           <a:lstStyle/>
           <a:p>
             <a:r>
-              <a:rPr lang="en-US" dirty="0" smtClean="0"/>
+              <a:rPr lang="en-US" dirty="0"/>
               <a:t>ay1</a:t>
             </a:r>
             <a:endParaRPr lang="en-US" dirty="0"/>
@@ -11342,7 +11334,7 @@
               <a:t>a</a:t>
             </a:r>
             <a:r>
-              <a:rPr lang="en-US" dirty="0" err="1" smtClean="0"/>
+              <a:rPr lang="en-US" dirty="0" err="1"/>
               <a:t>y_last</a:t>
             </a:r>
             <a:endParaRPr lang="en-US" dirty="0"/>
@@ -11357,7 +11349,7 @@
         </p:nvSpPr>
         <p:spPr>
           <a:xfrm>
-            <a:off x="1576648" y="2887501"/>
+            <a:off x="1576648" y="2887505"/>
             <a:ext cx="3086792" cy="646331"/>
           </a:xfrm>
           <a:prstGeom prst="rect">
@@ -11372,7 +11364,7 @@
           <a:lstStyle/>
           <a:p>
             <a:r>
-              <a:rPr lang="en-US" dirty="0" smtClean="0"/>
+              <a:rPr lang="en-US" dirty="0"/>
               <a:t>RWA is the “last” vs. “first”?</a:t>
             </a:r>
           </a:p>
@@ -11382,7 +11374,7 @@
               <a:t>o</a:t>
             </a:r>
             <a:r>
-              <a:rPr lang="en-US" dirty="0" smtClean="0"/>
+              <a:rPr lang="en-US" dirty="0"/>
               <a:t>r, “worst” vs. “first”</a:t>
             </a:r>
             <a:endParaRPr lang="en-US" dirty="0"/>
@@ -11430,7 +11422,7 @@
         </p:nvSpPr>
         <p:spPr>
           <a:xfrm>
-            <a:off x="740173" y="3896280"/>
+            <a:off x="740177" y="3896284"/>
             <a:ext cx="1408799" cy="1200329"/>
           </a:xfrm>
           <a:prstGeom prst="rect">
@@ -11445,13 +11437,13 @@
           <a:lstStyle/>
           <a:p>
             <a:r>
-              <a:rPr lang="en-US" dirty="0" smtClean="0"/>
+              <a:rPr lang="en-US" dirty="0"/>
               <a:t>What if </a:t>
             </a:r>
           </a:p>
           <a:p>
             <a:r>
-              <a:rPr lang="en-US" dirty="0" smtClean="0"/>
+              <a:rPr lang="en-US" dirty="0"/>
               <a:t>“dolly” is worst for active case?</a:t>
             </a:r>
             <a:endParaRPr lang="en-US" dirty="0"/>
@@ -11539,14 +11531,14 @@
           <a:lstStyle/>
           <a:p>
             <a:r>
-              <a:rPr lang="en-GB" sz="5400" b="1" dirty="0"/>
+              <a:rPr lang="en-GB" sz="5400" dirty="0"/>
               <a:t>YD, Yaw </a:t>
             </a:r>
             <a:r>
-              <a:rPr lang="en-GB" sz="5400" b="1" dirty="0" smtClean="0"/>
+              <a:rPr lang="en-GB" sz="5400" dirty="0"/>
               <a:t>Damping</a:t>
             </a:r>
-            <a:endParaRPr lang="en-GB" sz="5400" b="1" dirty="0"/>
+            <a:endParaRPr lang="en-GB" sz="5400" dirty="0"/>
           </a:p>
         </p:txBody>
       </p:sp>
@@ -12440,7 +12432,7 @@
           <a:lstStyle/>
           <a:p>
             <a:r>
-              <a:rPr lang="en-US" dirty="0" smtClean="0"/>
+              <a:rPr lang="en-US" dirty="0"/>
               <a:t>How many YD for a vehicle: scalar or vector?</a:t>
             </a:r>
             <a:endParaRPr lang="en-US" dirty="0"/>
@@ -12455,7 +12447,7 @@
         </p:nvSpPr>
         <p:spPr>
           <a:xfrm>
-            <a:off x="6300216" y="2393596"/>
+            <a:off x="6300216" y="2393600"/>
             <a:ext cx="3419856" cy="646331"/>
           </a:xfrm>
           <a:prstGeom prst="rect">
@@ -12474,7 +12466,7 @@
               <a:buChar char="•"/>
             </a:pPr>
             <a:r>
-              <a:rPr lang="en-US" dirty="0" smtClean="0"/>
+              <a:rPr lang="en-US" dirty="0"/>
               <a:t>Steering angle sine input</a:t>
             </a:r>
           </a:p>
@@ -12488,7 +12480,7 @@
               <a:t>a</a:t>
             </a:r>
             <a:r>
-              <a:rPr lang="en-US" dirty="0" smtClean="0"/>
+              <a:rPr lang="en-US" dirty="0"/>
               <a:t>y11 sine input</a:t>
             </a:r>
             <a:endParaRPr lang="en-US" dirty="0"/>
@@ -12503,7 +12495,7 @@
         </p:nvSpPr>
         <p:spPr>
           <a:xfrm>
-            <a:off x="1129064" y="3127248"/>
+            <a:off x="1129068" y="3127248"/>
             <a:ext cx="2806409" cy="369332"/>
           </a:xfrm>
           <a:prstGeom prst="rect">
@@ -12518,15 +12510,15 @@
           <a:lstStyle/>
           <a:p>
             <a:r>
-              <a:rPr lang="en-US" dirty="0" smtClean="0"/>
+              <a:rPr lang="en-US" dirty="0"/>
               <a:t>YD means “</a:t>
             </a:r>
             <a:r>
-              <a:rPr lang="en-US" b="1" dirty="0" smtClean="0"/>
+              <a:rPr lang="en-US" b="1" dirty="0"/>
               <a:t>damping ratio”</a:t>
             </a:r>
             <a:r>
-              <a:rPr lang="en-US" dirty="0" smtClean="0"/>
+              <a:rPr lang="en-US" dirty="0"/>
               <a:t>?</a:t>
             </a:r>
             <a:endParaRPr lang="en-US" dirty="0"/>
@@ -12652,11 +12644,11 @@
           <a:lstStyle/>
           <a:p>
             <a:r>
-              <a:rPr lang="en-GB" sz="5400" b="1" dirty="0" smtClean="0"/>
+              <a:rPr lang="en-GB" sz="5400" dirty="0"/>
               <a:t>HSTO, High </a:t>
             </a:r>
             <a:r>
-              <a:rPr lang="en-GB" sz="5400" b="1" dirty="0"/>
+              <a:rPr lang="en-GB" sz="5400" dirty="0"/>
               <a:t>Speed Transient Off Tracking</a:t>
             </a:r>
           </a:p>
@@ -13998,11 +13990,11 @@
           <a:lstStyle/>
           <a:p>
             <a:r>
-              <a:rPr lang="en-GB" dirty="0" smtClean="0"/>
+              <a:rPr lang="en-GB" dirty="0"/>
               <a:t>FBI=</a:t>
             </a:r>
             <a:r>
-              <a:rPr lang="en-GB" dirty="0" err="1" smtClean="0"/>
+              <a:rPr lang="en-GB" dirty="0" err="1"/>
               <a:t>FrontBumperInner</a:t>
             </a:r>
             <a:endParaRPr lang="en-GB" dirty="0"/>
@@ -14031,7 +14023,7 @@
           <a:lstStyle/>
           <a:p>
             <a:r>
-              <a:rPr lang="en-GB" dirty="0" smtClean="0"/>
+              <a:rPr lang="en-GB" dirty="0"/>
               <a:t>FBO</a:t>
             </a:r>
             <a:endParaRPr lang="en-GB" dirty="0"/>
@@ -14046,7 +14038,7 @@
         </p:nvSpPr>
         <p:spPr>
           <a:xfrm>
-            <a:off x="5920906" y="1665637"/>
+            <a:off x="5920910" y="1665637"/>
             <a:ext cx="1077539" cy="369332"/>
           </a:xfrm>
           <a:prstGeom prst="rect">
@@ -14060,7 +14052,7 @@
           <a:lstStyle/>
           <a:p>
             <a:r>
-              <a:rPr lang="en-GB" dirty="0" err="1" smtClean="0"/>
+              <a:rPr lang="en-GB" dirty="0" err="1"/>
               <a:t>FBMiddle</a:t>
             </a:r>
             <a:endParaRPr lang="en-GB" dirty="0"/>
@@ -14089,7 +14081,7 @@
           <a:lstStyle/>
           <a:p>
             <a:r>
-              <a:rPr lang="en-GB" dirty="0" smtClean="0"/>
+              <a:rPr lang="en-GB" dirty="0"/>
               <a:t>FAI</a:t>
             </a:r>
             <a:endParaRPr lang="en-GB" dirty="0"/>
@@ -14122,11 +14114,11 @@
               <a:t>R</a:t>
             </a:r>
             <a:r>
-              <a:rPr lang="en-GB" dirty="0" smtClean="0"/>
+              <a:rPr lang="en-GB" dirty="0"/>
               <a:t>AI=</a:t>
             </a:r>
             <a:r>
-              <a:rPr lang="en-GB" dirty="0" err="1" smtClean="0"/>
+              <a:rPr lang="en-GB" dirty="0" err="1"/>
               <a:t>RearAI</a:t>
             </a:r>
             <a:endParaRPr lang="en-GB" dirty="0"/>
@@ -14143,7 +14135,7 @@
             </p:nvSpPr>
             <p:spPr>
               <a:xfrm>
-                <a:off x="520484" y="2962063"/>
+                <a:off x="520488" y="2962063"/>
                 <a:ext cx="11132919" cy="3545586"/>
               </a:xfrm>
               <a:prstGeom prst="rect">
@@ -14158,11 +14150,11 @@
               <a:lstStyle/>
               <a:p>
                 <a:r>
-                  <a:rPr lang="en-GB" b="1" dirty="0" smtClean="0"/>
+                  <a:rPr lang="en-GB" b="1" dirty="0"/>
                   <a:t>PBS manoeuvre: Lane change on straight road. Speed=</a:t>
                 </a:r>
                 <a:r>
-                  <a:rPr lang="en-GB" b="1" dirty="0" smtClean="0">
+                  <a:rPr lang="en-GB" b="1" dirty="0">
                     <a:solidFill>
                       <a:srgbClr val="FF0000"/>
                     </a:solidFill>
@@ -14170,11 +14162,11 @@
                   <a:t>#?</a:t>
                 </a:r>
                 <a:r>
-                  <a:rPr lang="en-GB" b="1" dirty="0" smtClean="0"/>
+                  <a:rPr lang="en-GB" b="1" dirty="0"/>
                   <a:t>. Friction=</a:t>
                 </a:r>
                 <a:r>
-                  <a:rPr lang="en-GB" b="1" dirty="0" smtClean="0">
+                  <a:rPr lang="en-GB" b="1" dirty="0">
                     <a:solidFill>
                       <a:srgbClr val="FF0000"/>
                     </a:solidFill>
@@ -14182,11 +14174,11 @@
                   <a:t>#?</a:t>
                 </a:r>
                 <a:r>
-                  <a:rPr lang="en-GB" b="1" dirty="0" smtClean="0"/>
+                  <a:rPr lang="en-GB" b="1" dirty="0"/>
                   <a:t>. Unit loading</a:t>
                 </a:r>
                 <a:r>
-                  <a:rPr lang="en-GB" b="1" dirty="0" smtClean="0">
+                  <a:rPr lang="en-GB" b="1" dirty="0">
                     <a:solidFill>
                       <a:srgbClr val="FF0000"/>
                     </a:solidFill>
@@ -14194,10 +14186,10 @@
                   <a:t>=#?</a:t>
                 </a:r>
                 <a:r>
-                  <a:rPr lang="en-GB" b="1" dirty="0" smtClean="0"/>
+                  <a:rPr lang="en-GB" b="1" dirty="0"/>
                   <a:t>. Alternatives to define path:</a:t>
                 </a:r>
-                <a:endParaRPr lang="en-GB" b="1" dirty="0" smtClean="0">
+                <a:endParaRPr lang="en-GB" b="1" dirty="0">
                   <a:solidFill>
                     <a:srgbClr val="FF0000"/>
                   </a:solidFill>
@@ -14209,7 +14201,7 @@
                   <a:buChar char="•"/>
                 </a:pPr>
                 <a:r>
-                  <a:rPr lang="en-GB" dirty="0" smtClean="0"/>
+                  <a:rPr lang="en-GB" dirty="0"/>
                   <a:t>FAM follow single sine: </a:t>
                 </a:r>
                 <a14:m>
@@ -14217,14 +14209,14 @@
                     <m:sSub>
                       <m:sSubPr>
                         <m:ctrlPr>
-                          <a:rPr lang="sv-SE" i="1" smtClean="0">
+                          <a:rPr lang="sv-SE" i="1">
                             <a:latin typeface="Cambria Math" panose="02040503050406030204" pitchFamily="18" charset="0"/>
                           </a:rPr>
                         </m:ctrlPr>
                       </m:sSubPr>
                       <m:e>
                         <m:r>
-                          <a:rPr lang="sv-SE" b="0" i="1" smtClean="0">
+                          <a:rPr lang="sv-SE" i="1">
                             <a:latin typeface="Cambria Math" panose="02040503050406030204" pitchFamily="18" charset="0"/>
                           </a:rPr>
                           <m:t>𝑎</m:t>
@@ -14232,31 +14224,31 @@
                       </m:e>
                       <m:sub>
                         <m:r>
-                          <a:rPr lang="sv-SE" b="0" i="1" smtClean="0">
+                          <a:rPr lang="sv-SE" i="1">
                             <a:latin typeface="Cambria Math" panose="02040503050406030204" pitchFamily="18" charset="0"/>
                           </a:rPr>
                           <m:t>𝑦</m:t>
                         </m:r>
                         <m:r>
-                          <a:rPr lang="sv-SE" b="0" i="1" smtClean="0">
+                          <a:rPr lang="sv-SE" i="1">
                             <a:latin typeface="Cambria Math" panose="02040503050406030204" pitchFamily="18" charset="0"/>
                           </a:rPr>
                           <m:t>,</m:t>
                         </m:r>
                         <m:r>
-                          <a:rPr lang="sv-SE" b="0" i="1" smtClean="0">
+                          <a:rPr lang="sv-SE" i="1">
                             <a:latin typeface="Cambria Math" panose="02040503050406030204" pitchFamily="18" charset="0"/>
                           </a:rPr>
                           <m:t>𝑟𝑜𝑎𝑑</m:t>
                         </m:r>
                         <m:r>
-                          <a:rPr lang="sv-SE" b="0" i="1" smtClean="0">
+                          <a:rPr lang="sv-SE" i="1">
                             <a:latin typeface="Cambria Math" panose="02040503050406030204" pitchFamily="18" charset="0"/>
                           </a:rPr>
                           <m:t> </m:t>
                         </m:r>
                         <m:r>
-                          <a:rPr lang="sv-SE" b="0" i="1" smtClean="0">
+                          <a:rPr lang="sv-SE" i="1">
                             <a:latin typeface="Cambria Math" panose="02040503050406030204" pitchFamily="18" charset="0"/>
                           </a:rPr>
                           <m:t>𝑐𝑜𝑜𝑟𝑑</m:t>
@@ -14266,14 +14258,14 @@
                     <m:d>
                       <m:dPr>
                         <m:ctrlPr>
-                          <a:rPr lang="sv-SE" i="1" smtClean="0">
+                          <a:rPr lang="sv-SE" i="1">
                             <a:latin typeface="Cambria Math" panose="02040503050406030204" pitchFamily="18" charset="0"/>
                           </a:rPr>
                         </m:ctrlPr>
                       </m:dPr>
                       <m:e>
                         <m:r>
-                          <a:rPr lang="sv-SE" b="0" i="1" smtClean="0">
+                          <a:rPr lang="sv-SE" i="1">
                             <a:latin typeface="Cambria Math" panose="02040503050406030204" pitchFamily="18" charset="0"/>
                           </a:rPr>
                           <m:t>𝑡</m:t>
@@ -14281,7 +14273,7 @@
                       </m:e>
                     </m:d>
                     <m:r>
-                      <a:rPr lang="sv-SE" b="0" i="1" smtClean="0">
+                      <a:rPr lang="sv-SE" i="1">
                         <a:latin typeface="Cambria Math" panose="02040503050406030204" pitchFamily="18" charset="0"/>
                       </a:rPr>
                       <m:t>=</m:t>
@@ -14290,14 +14282,14 @@
                       <m:accPr>
                         <m:chr m:val="̂"/>
                         <m:ctrlPr>
-                          <a:rPr lang="sv-SE" b="0" i="1" smtClean="0">
+                          <a:rPr lang="sv-SE" i="1">
                             <a:latin typeface="Cambria Math" panose="02040503050406030204" pitchFamily="18" charset="0"/>
                           </a:rPr>
                         </m:ctrlPr>
                       </m:accPr>
                       <m:e>
                         <m:r>
-                          <a:rPr lang="sv-SE" b="0" i="1" smtClean="0">
+                          <a:rPr lang="sv-SE" i="1">
                             <a:latin typeface="Cambria Math" panose="02040503050406030204" pitchFamily="18" charset="0"/>
                           </a:rPr>
                           <m:t>𝑎</m:t>
@@ -14305,7 +14297,7 @@
                       </m:e>
                     </m:acc>
                     <m:r>
-                      <a:rPr lang="sv-SE" b="0" i="1" smtClean="0">
+                      <a:rPr lang="sv-SE" i="1">
                         <a:latin typeface="Cambria Math" panose="02040503050406030204" pitchFamily="18" charset="0"/>
                       </a:rPr>
                       <m:t>⋅</m:t>
@@ -14314,7 +14306,7 @@
                       <m:rPr>
                         <m:nor/>
                       </m:rPr>
-                      <a:rPr lang="sv-SE" b="0" i="0" smtClean="0">
+                      <a:rPr lang="sv-SE">
                         <a:latin typeface="Cambria Math" panose="02040503050406030204" pitchFamily="18" charset="0"/>
                       </a:rPr>
                       <m:t>sin</m:t>
@@ -14322,32 +14314,32 @@
                     <m:d>
                       <m:dPr>
                         <m:ctrlPr>
-                          <a:rPr lang="sv-SE" i="1" smtClean="0">
+                          <a:rPr lang="sv-SE" i="1">
                             <a:latin typeface="Cambria Math" panose="02040503050406030204" pitchFamily="18" charset="0"/>
                           </a:rPr>
                         </m:ctrlPr>
                       </m:dPr>
                       <m:e>
                         <m:r>
-                          <a:rPr lang="sv-SE" b="0" i="1" smtClean="0">
+                          <a:rPr lang="sv-SE" i="1">
                             <a:latin typeface="Cambria Math" panose="02040503050406030204" pitchFamily="18" charset="0"/>
                           </a:rPr>
                           <m:t>2⋅</m:t>
                         </m:r>
                         <m:r>
-                          <a:rPr lang="sv-SE" b="0" i="1" smtClean="0">
+                          <a:rPr lang="sv-SE" i="1">
                             <a:latin typeface="Cambria Math" panose="02040503050406030204" pitchFamily="18" charset="0"/>
                           </a:rPr>
                           <m:t>𝜋</m:t>
                         </m:r>
                         <m:r>
-                          <a:rPr lang="sv-SE" b="0" i="1" smtClean="0">
+                          <a:rPr lang="sv-SE" i="1">
                             <a:latin typeface="Cambria Math" panose="02040503050406030204" pitchFamily="18" charset="0"/>
                           </a:rPr>
                           <m:t>⋅</m:t>
                         </m:r>
                         <m:r>
-                          <a:rPr lang="sv-SE" b="0" i="1" smtClean="0">
+                          <a:rPr lang="sv-SE" i="1">
                             <a:latin typeface="Cambria Math" panose="02040503050406030204" pitchFamily="18" charset="0"/>
                           </a:rPr>
                           <m:t>𝑓</m:t>
@@ -14355,7 +14347,7 @@
                       </m:e>
                     </m:d>
                     <m:r>
-                      <a:rPr lang="sv-SE" b="0" i="1" smtClean="0">
+                      <a:rPr lang="sv-SE" i="1">
                         <a:latin typeface="Cambria Math" panose="02040503050406030204" pitchFamily="18" charset="0"/>
                       </a:rPr>
                       <m:t>;</m:t>
@@ -14363,7 +14355,7 @@
                   </m:oMath>
                 </a14:m>
                 <a:r>
-                  <a:rPr lang="en-GB" dirty="0" smtClean="0"/>
+                  <a:rPr lang="en-GB" dirty="0"/>
                   <a:t> </a:t>
                 </a:r>
                 <a:r>
@@ -14420,13 +14412,13 @@
                       <m:t>𝑓</m:t>
                     </m:r>
                     <m:r>
-                      <a:rPr lang="sv-SE" b="0" i="1" smtClean="0">
+                      <a:rPr lang="sv-SE" i="1">
                         <a:latin typeface="Cambria Math" panose="02040503050406030204" pitchFamily="18" charset="0"/>
                       </a:rPr>
                       <m:t>=</m:t>
                     </m:r>
                     <m:r>
-                      <a:rPr lang="sv-SE" b="0" i="1" smtClean="0">
+                      <a:rPr lang="sv-SE" i="1">
                         <a:solidFill>
                           <a:srgbClr val="FF0000"/>
                         </a:solidFill>
@@ -14436,7 +14428,7 @@
                     </m:r>
                   </m:oMath>
                 </a14:m>
-                <a:endParaRPr lang="en-GB" dirty="0" smtClean="0"/>
+                <a:endParaRPr lang="en-GB" dirty="0"/>
               </a:p>
               <a:p>
                 <a:pPr marL="285750" indent="-285750">
@@ -14448,7 +14440,7 @@
                   <a:t>FAM</a:t>
                 </a:r>
                 <a:r>
-                  <a:rPr lang="en-GB" dirty="0" smtClean="0"/>
+                  <a:rPr lang="en-GB" dirty="0"/>
                   <a:t> </a:t>
                 </a:r>
                 <a:r>
@@ -14610,7 +14602,7 @@
                   <a:t> </a:t>
                 </a:r>
                 <a:r>
-                  <a:rPr lang="en-GB" dirty="0" smtClean="0"/>
+                  <a:rPr lang="en-GB" dirty="0"/>
                   <a:t>where </a:t>
                 </a:r>
                 <a14:m>
@@ -14634,13 +14626,13 @@
                       </m:e>
                     </m:acc>
                     <m:r>
-                      <a:rPr lang="sv-SE" b="0" i="1" smtClean="0">
+                      <a:rPr lang="sv-SE" i="1">
                         <a:latin typeface="Cambria Math" panose="02040503050406030204" pitchFamily="18" charset="0"/>
                       </a:rPr>
                       <m:t>=</m:t>
                     </m:r>
                     <m:r>
-                      <a:rPr lang="sv-SE" b="0" i="1" smtClean="0">
+                      <a:rPr lang="sv-SE" i="1">
                         <a:solidFill>
                           <a:srgbClr val="FF0000"/>
                         </a:solidFill>
@@ -14651,7 +14643,7 @@
                   </m:oMath>
                 </a14:m>
                 <a:r>
-                  <a:rPr lang="en-GB" dirty="0" smtClean="0"/>
+                  <a:rPr lang="en-GB" dirty="0"/>
                   <a:t> and </a:t>
                 </a:r>
                 <a14:m>
@@ -14669,7 +14661,7 @@
                   <a:t> selected so that worst </a:t>
                 </a:r>
                 <a:r>
-                  <a:rPr lang="en-GB" dirty="0" smtClean="0"/>
+                  <a:rPr lang="en-GB" dirty="0"/>
                   <a:t>HSTO</a:t>
                 </a:r>
               </a:p>
@@ -14683,7 +14675,7 @@
                   <a:t>FAM </a:t>
                 </a:r>
                 <a:r>
-                  <a:rPr lang="en-GB" dirty="0" smtClean="0"/>
+                  <a:rPr lang="en-GB" dirty="0"/>
                   <a:t>follow </a:t>
                 </a:r>
                 <a:r>
@@ -14702,7 +14694,7 @@
                       </m:sSubPr>
                       <m:e>
                         <m:r>
-                          <a:rPr lang="sv-SE" b="0" i="1" smtClean="0">
+                          <a:rPr lang="sv-SE" i="1">
                             <a:latin typeface="Cambria Math" panose="02040503050406030204" pitchFamily="18" charset="0"/>
                           </a:rPr>
                           <m:t>𝑦</m:t>
@@ -14739,7 +14731,7 @@
                       </m:dPr>
                       <m:e>
                         <m:r>
-                          <a:rPr lang="sv-SE" b="0" i="1" smtClean="0">
+                          <a:rPr lang="sv-SE" i="1">
                             <a:latin typeface="Cambria Math" panose="02040503050406030204" pitchFamily="18" charset="0"/>
                           </a:rPr>
                           <m:t>𝑥</m:t>
@@ -14763,7 +14755,7 @@
                       </m:accPr>
                       <m:e>
                         <m:r>
-                          <a:rPr lang="sv-SE" b="0" i="1" smtClean="0">
+                          <a:rPr lang="sv-SE" i="1">
                             <a:latin typeface="Cambria Math" panose="02040503050406030204" pitchFamily="18" charset="0"/>
                           </a:rPr>
                           <m:t>𝑥</m:t>
@@ -14816,14 +14808,14 @@
                           <m:fPr>
                             <m:type m:val="lin"/>
                             <m:ctrlPr>
-                              <a:rPr lang="sv-SE" i="1" smtClean="0">
+                              <a:rPr lang="sv-SE" i="1">
                                 <a:latin typeface="Cambria Math" panose="02040503050406030204" pitchFamily="18" charset="0"/>
                               </a:rPr>
                             </m:ctrlPr>
                           </m:fPr>
                           <m:num>
                             <m:r>
-                              <a:rPr lang="sv-SE" b="0" i="1" smtClean="0">
+                              <a:rPr lang="sv-SE" i="1">
                                 <a:latin typeface="Cambria Math" panose="02040503050406030204" pitchFamily="18" charset="0"/>
                               </a:rPr>
                               <m:t>𝑥</m:t>
@@ -14831,7 +14823,7 @@
                           </m:num>
                           <m:den>
                             <m:r>
-                              <a:rPr lang="sv-SE" b="0" i="1" smtClean="0">
+                              <a:rPr lang="sv-SE" i="1">
                                 <a:latin typeface="Cambria Math" panose="02040503050406030204" pitchFamily="18" charset="0"/>
                               </a:rPr>
                               <m:t>𝜆</m:t>
@@ -14865,7 +14857,7 @@
                       </m:accPr>
                       <m:e>
                         <m:r>
-                          <a:rPr lang="sv-SE" b="0" i="1" smtClean="0">
+                          <a:rPr lang="sv-SE" i="1">
                             <a:latin typeface="Cambria Math" panose="02040503050406030204" pitchFamily="18" charset="0"/>
                           </a:rPr>
                           <m:t>𝑥</m:t>
@@ -14909,11 +14901,7 @@
                     </m:r>
                   </m:oMath>
                 </a14:m>
-                <a:endParaRPr lang="en-GB" dirty="0">
-                  <a:solidFill>
-                    <a:schemeClr val="tx1"/>
-                  </a:solidFill>
-                </a:endParaRPr>
+                <a:endParaRPr lang="en-GB" dirty="0"/>
               </a:p>
               <a:p>
                 <a:pPr marL="285750" indent="-285750">
@@ -14921,27 +14909,27 @@
                   <a:buChar char="•"/>
                 </a:pPr>
                 <a:r>
-                  <a:rPr lang="en-GB" dirty="0" smtClean="0"/>
+                  <a:rPr lang="en-GB" dirty="0"/>
                   <a:t>&lt;probably 5-10 other reasonable alternatives&gt;</a:t>
                 </a:r>
-                <a:endParaRPr lang="en-GB" b="1" dirty="0" smtClean="0"/>
+                <a:endParaRPr lang="en-GB" b="1" dirty="0"/>
               </a:p>
               <a:p>
-                <a:endParaRPr lang="en-GB" b="1" dirty="0" smtClean="0"/>
+                <a:endParaRPr lang="en-GB" b="1" dirty="0"/>
               </a:p>
               <a:p>
                 <a:r>
-                  <a:rPr lang="en-GB" b="1" dirty="0" smtClean="0"/>
+                  <a:rPr lang="en-GB" b="1" dirty="0"/>
                   <a:t>PBS measure</a:t>
                 </a:r>
                 <a:r>
-                  <a:rPr lang="en-GB" dirty="0" smtClean="0"/>
+                  <a:rPr lang="en-GB" dirty="0"/>
                   <a:t>: </a:t>
                 </a:r>
                 <a14:m>
                   <m:oMath xmlns:m="http://schemas.openxmlformats.org/officeDocument/2006/math">
                     <m:r>
-                      <a:rPr lang="en-GB" i="1" dirty="0" smtClean="0">
+                      <a:rPr lang="en-GB" i="1" dirty="0">
                         <a:latin typeface="Cambria Math" panose="02040503050406030204" pitchFamily="18" charset="0"/>
                       </a:rPr>
                       <m:t>𝐻𝑆𝑇𝑂</m:t>
@@ -14955,7 +14943,7 @@
                     <m:func>
                       <m:funcPr>
                         <m:ctrlPr>
-                          <a:rPr lang="sv-SE" b="0" i="1" dirty="0" smtClean="0">
+                          <a:rPr lang="sv-SE" i="1" dirty="0">
                             <a:latin typeface="Cambria Math" panose="02040503050406030204" pitchFamily="18" charset="0"/>
                           </a:rPr>
                         </m:ctrlPr>
@@ -14964,7 +14952,7 @@
                         <m:limLow>
                           <m:limLowPr>
                             <m:ctrlPr>
-                              <a:rPr lang="sv-SE" b="0" i="1" dirty="0" smtClean="0">
+                              <a:rPr lang="sv-SE" i="1" dirty="0">
                                 <a:latin typeface="Cambria Math" panose="02040503050406030204" pitchFamily="18" charset="0"/>
                               </a:rPr>
                             </m:ctrlPr>
@@ -14974,7 +14962,7 @@
                               <m:rPr>
                                 <m:sty m:val="p"/>
                               </m:rPr>
-                              <a:rPr lang="sv-SE" b="0" i="0" dirty="0" smtClean="0">
+                              <a:rPr lang="sv-SE" dirty="0">
                                 <a:latin typeface="Cambria Math" panose="02040503050406030204" pitchFamily="18" charset="0"/>
                               </a:rPr>
                               <m:t>max</m:t>
@@ -14982,7 +14970,7 @@
                           </m:e>
                           <m:lim>
                             <m:r>
-                              <a:rPr lang="sv-SE" b="0" i="1" dirty="0" smtClean="0">
+                              <a:rPr lang="sv-SE" i="1" dirty="0">
                                 <a:latin typeface="Cambria Math" panose="02040503050406030204" pitchFamily="18" charset="0"/>
                               </a:rPr>
                               <m:t>𝑥</m:t>
@@ -15030,14 +15018,14 @@
                             <m:d>
                               <m:dPr>
                                 <m:ctrlPr>
-                                  <a:rPr lang="sv-SE" b="0" i="1" dirty="0" smtClean="0">
+                                  <a:rPr lang="sv-SE" i="1" dirty="0">
                                     <a:latin typeface="Cambria Math" panose="02040503050406030204" pitchFamily="18" charset="0"/>
                                   </a:rPr>
                                 </m:ctrlPr>
                               </m:dPr>
                               <m:e>
                                 <m:r>
-                                  <a:rPr lang="sv-SE" b="0" i="1" dirty="0" smtClean="0">
+                                  <a:rPr lang="sv-SE" i="1" dirty="0">
                                     <a:latin typeface="Cambria Math" panose="02040503050406030204" pitchFamily="18" charset="0"/>
                                   </a:rPr>
                                   <m:t>𝑥</m:t>
@@ -15078,14 +15066,14 @@
                             <m:d>
                               <m:dPr>
                                 <m:ctrlPr>
-                                  <a:rPr lang="sv-SE" b="0" i="1" dirty="0" smtClean="0">
+                                  <a:rPr lang="sv-SE" i="1" dirty="0">
                                     <a:latin typeface="Cambria Math" panose="02040503050406030204" pitchFamily="18" charset="0"/>
                                   </a:rPr>
                                 </m:ctrlPr>
                               </m:dPr>
                               <m:e>
                                 <m:r>
-                                  <a:rPr lang="sv-SE" b="0" i="1" dirty="0" smtClean="0">
+                                  <a:rPr lang="sv-SE" i="1" dirty="0">
                                     <a:latin typeface="Cambria Math" panose="02040503050406030204" pitchFamily="18" charset="0"/>
                                   </a:rPr>
                                   <m:t>𝑥</m:t>
@@ -15105,11 +15093,11 @@
                   </m:oMath>
                 </a14:m>
                 <a:r>
-                  <a:rPr lang="sv-SE" dirty="0" smtClean="0"/>
+                  <a:rPr lang="sv-SE" dirty="0"/>
                   <a:t>  </a:t>
                 </a:r>
                 <a:r>
-                  <a:rPr lang="en-GB" b="1" dirty="0" smtClean="0"/>
+                  <a:rPr lang="en-GB" b="1" dirty="0"/>
                   <a:t>Alternatives</a:t>
                 </a:r>
                 <a:r>
@@ -15117,7 +15105,7 @@
                   <a:t>, </a:t>
                 </a:r>
                 <a:r>
-                  <a:rPr lang="en-GB" b="1" dirty="0" smtClean="0"/>
+                  <a:rPr lang="en-GB" b="1" dirty="0"/>
                   <a:t>different point pairs:</a:t>
                 </a:r>
               </a:p>
@@ -15127,7 +15115,7 @@
                   <a:buChar char="•"/>
                 </a:pPr>
                 <a:r>
-                  <a:rPr lang="en-GB" dirty="0" smtClean="0"/>
+                  <a:rPr lang="en-GB" dirty="0"/>
                   <a:t>FAM, RAM</a:t>
                 </a:r>
               </a:p>
@@ -15141,7 +15129,7 @@
                   <a:t>FAM, </a:t>
                 </a:r>
                 <a:r>
-                  <a:rPr lang="en-GB" dirty="0" smtClean="0"/>
+                  <a:rPr lang="en-GB" dirty="0"/>
                   <a:t>RBM [</a:t>
                 </a:r>
                 <a:r>
@@ -15157,7 +15145,7 @@
                   <a:t>-project</a:t>
                 </a:r>
                 <a:r>
-                  <a:rPr lang="en-GB" dirty="0" smtClean="0"/>
+                  <a:rPr lang="en-GB" dirty="0"/>
                   <a:t>”]</a:t>
                 </a:r>
               </a:p>
@@ -15171,7 +15159,7 @@
                   <a:t>FAM, </a:t>
                 </a:r>
                 <a:r>
-                  <a:rPr lang="en-GB" dirty="0" smtClean="0"/>
+                  <a:rPr lang="en-GB" dirty="0"/>
                   <a:t>WAM [</a:t>
                 </a:r>
                 <a:r>
@@ -15179,7 +15167,7 @@
                   <a:t>ISO 14791:2000(E)</a:t>
                 </a:r>
                 <a:r>
-                  <a:rPr lang="en-GB" dirty="0" smtClean="0"/>
+                  <a:rPr lang="en-GB" dirty="0"/>
                   <a:t>]</a:t>
                 </a:r>
               </a:p>
@@ -15189,7 +15177,7 @@
                   <a:buChar char="•"/>
                 </a:pPr>
                 <a:r>
-                  <a:rPr lang="en-GB" dirty="0" smtClean="0"/>
+                  <a:rPr lang="en-GB" dirty="0"/>
                   <a:t>FBO, RBI [approx., with intention to capture body corners]</a:t>
                 </a:r>
               </a:p>
@@ -15199,7 +15187,7 @@
                   <a:buChar char="•"/>
                 </a:pPr>
                 <a:r>
-                  <a:rPr lang="en-GB" dirty="0" smtClean="0"/>
+                  <a:rPr lang="en-GB" dirty="0"/>
                   <a:t>&lt;probably around 5-10 other </a:t>
                 </a:r>
                 <a:r>
@@ -15207,7 +15195,7 @@
                   <a:t>reasonable alternatives</a:t>
                 </a:r>
                 <a:r>
-                  <a:rPr lang="en-GB" dirty="0" smtClean="0"/>
+                  <a:rPr lang="en-GB" dirty="0"/>
                   <a:t>&gt;</a:t>
                 </a:r>
                 <a:endParaRPr lang="en-GB" dirty="0"/>
@@ -15277,7 +15265,7 @@
           <a:lstStyle/>
           <a:p>
             <a:r>
-              <a:rPr lang="en-GB" sz="1600" i="1" dirty="0" smtClean="0">
+              <a:rPr lang="en-GB" sz="1600" i="1" dirty="0">
                 <a:solidFill>
                   <a:srgbClr val="FF0000"/>
                 </a:solidFill>
@@ -15309,7 +15297,7 @@
           <a:lstStyle/>
           <a:p>
             <a:r>
-              <a:rPr lang="en-GB" dirty="0" smtClean="0"/>
+              <a:rPr lang="en-GB" dirty="0"/>
               <a:t>RBM</a:t>
             </a:r>
             <a:endParaRPr lang="en-GB" dirty="0"/>
@@ -15372,7 +15360,7 @@
           <a:lstStyle/>
           <a:p>
             <a:r>
-              <a:rPr lang="en-GB" dirty="0" smtClean="0"/>
+              <a:rPr lang="en-GB" dirty="0"/>
               <a:t>FAM</a:t>
             </a:r>
             <a:endParaRPr lang="en-GB" dirty="0"/>
@@ -15401,14 +15389,14 @@
           <a:lstStyle/>
           <a:p>
             <a:r>
-              <a:rPr lang="en-GB" sz="1600" dirty="0" smtClean="0"/>
+              <a:rPr lang="en-GB" sz="1600" dirty="0"/>
               <a:t>WAI=</a:t>
             </a:r>
             <a:r>
-              <a:rPr lang="en-GB" sz="1600" dirty="0" err="1" smtClean="0"/>
+              <a:rPr lang="en-GB" sz="1600" dirty="0" err="1"/>
               <a:t>WorstAI</a:t>
             </a:r>
-            <a:endParaRPr lang="en-GB" sz="1600" dirty="0" smtClean="0"/>
+            <a:endParaRPr lang="en-GB" sz="1600" dirty="0"/>
           </a:p>
         </p:txBody>
       </p:sp>
@@ -15511,7 +15499,7 @@
         </p:nvSpPr>
         <p:spPr>
           <a:xfrm>
-            <a:off x="739401" y="2125436"/>
+            <a:off x="739401" y="2125440"/>
             <a:ext cx="334108" cy="123093"/>
           </a:xfrm>
           <a:prstGeom prst="rect">
@@ -15712,7 +15700,7 @@
           <a:lstStyle/>
           <a:p>
             <a:r>
-              <a:rPr lang="en-GB" sz="1600" dirty="0" smtClean="0"/>
+              <a:rPr lang="en-GB" sz="1600" dirty="0"/>
               <a:t>WAM</a:t>
             </a:r>
             <a:endParaRPr lang="en-GB" sz="1600" dirty="0"/>
@@ -15755,7 +15743,7 @@
         </p:nvSpPr>
         <p:spPr>
           <a:xfrm rot="20704879">
-            <a:off x="9165771" y="4776596"/>
+            <a:off x="9165775" y="4776596"/>
             <a:ext cx="2318657" cy="738664"/>
           </a:xfrm>
           <a:prstGeom prst="rect">
@@ -15770,7 +15758,7 @@
           <a:p>
             <a:pPr algn="ctr"/>
             <a:r>
-              <a:rPr lang="en-GB" sz="1400" dirty="0" smtClean="0">
+              <a:rPr lang="en-GB" sz="1400" dirty="0">
                 <a:solidFill>
                   <a:srgbClr val="FF0000"/>
                 </a:solidFill>
@@ -15778,7 +15766,7 @@
               <a:t>#Mark which is: </a:t>
             </a:r>
             <a:r>
-              <a:rPr lang="en-GB" sz="1400" dirty="0" smtClean="0"/>
+              <a:rPr lang="en-GB" sz="1400" dirty="0"/>
               <a:t>“Implemented </a:t>
             </a:r>
             <a:r>
@@ -15786,7 +15774,7 @@
               <a:t>in Open PBS tool, version </a:t>
             </a:r>
             <a:r>
-              <a:rPr lang="en-GB" sz="1400" dirty="0" smtClean="0">
+              <a:rPr lang="en-GB" sz="1400" dirty="0">
                 <a:solidFill>
                   <a:srgbClr val="FF0000"/>
                 </a:solidFill>
@@ -15850,7 +15838,7 @@
           <a:p>
             <a:pPr fontAlgn="ctr"/>
             <a:r>
-              <a:rPr lang="en-US" sz="5400" dirty="0" smtClean="0"/>
+              <a:rPr lang="en-US" sz="5400" dirty="0"/>
               <a:t>LSSP, Low </a:t>
             </a:r>
             <a:r>
@@ -15858,304 +15846,13 @@
               <a:t>Speed Swept </a:t>
             </a:r>
             <a:r>
-              <a:rPr lang="en-US" sz="5400" dirty="0" smtClean="0"/>
+              <a:rPr lang="en-US" sz="5400" dirty="0"/>
               <a:t>Path</a:t>
             </a:r>
             <a:endParaRPr lang="sv-SE" sz="5400" dirty="0"/>
           </a:p>
         </p:txBody>
       </p:sp>
-      <p:sp>
-        <p:nvSpPr>
-          <p:cNvPr id="3" name="Rectangle 2"/>
-          <p:cNvSpPr/>
-          <p:nvPr/>
-        </p:nvSpPr>
-        <p:spPr>
-          <a:xfrm>
-            <a:off x="749508" y="6047195"/>
-            <a:ext cx="10837889" cy="646331"/>
-          </a:xfrm>
-          <a:prstGeom prst="rect">
-            <a:avLst/>
-          </a:prstGeom>
-        </p:spPr>
-        <p:txBody>
-          <a:bodyPr wrap="square">
-            <a:spAutoFit/>
-          </a:bodyPr>
-          <a:lstStyle/>
-          <a:p>
-            <a:r>
-              <a:rPr lang="en-GB" i="1" dirty="0">
-                <a:solidFill>
-                  <a:srgbClr val="FF0000"/>
-                </a:solidFill>
-              </a:rPr>
-              <a:t>Present known open issues with this slide: </a:t>
-            </a:r>
-            <a:r>
-              <a:rPr lang="en-GB" i="1" dirty="0" err="1">
-                <a:solidFill>
-                  <a:srgbClr val="FF0000"/>
-                </a:solidFill>
-              </a:rPr>
-              <a:t>HCTinSWE</a:t>
-            </a:r>
-            <a:r>
-              <a:rPr lang="en-GB" i="1" dirty="0">
-                <a:solidFill>
-                  <a:srgbClr val="FF0000"/>
-                </a:solidFill>
-              </a:rPr>
-              <a:t> and </a:t>
-            </a:r>
-            <a:r>
-              <a:rPr lang="en-GB" i="1" dirty="0" err="1" smtClean="0">
-                <a:solidFill>
-                  <a:srgbClr val="FF0000"/>
-                </a:solidFill>
-              </a:rPr>
-              <a:t>OpenPBS</a:t>
-            </a:r>
-            <a:r>
-              <a:rPr lang="en-GB" i="1" dirty="0" smtClean="0">
-                <a:solidFill>
-                  <a:srgbClr val="FF0000"/>
-                </a:solidFill>
-              </a:rPr>
-              <a:t> does not punish long overhang, e.g. city buses or “nose-built” cabins</a:t>
-            </a:r>
-            <a:endParaRPr lang="en-GB" i="1" dirty="0">
-              <a:solidFill>
-                <a:srgbClr val="FF0000"/>
-              </a:solidFill>
-            </a:endParaRPr>
-          </a:p>
-        </p:txBody>
-      </p:sp>
-      <mc:AlternateContent xmlns:mc="http://schemas.openxmlformats.org/markup-compatibility/2006">
-        <mc:Choice xmlns:a14="http://schemas.microsoft.com/office/drawing/2010/main" Requires="a14">
-          <p:sp>
-            <p:nvSpPr>
-              <p:cNvPr id="18" name="TextBox 17"/>
-              <p:cNvSpPr txBox="1"/>
-              <p:nvPr/>
-            </p:nvSpPr>
-            <p:spPr>
-              <a:xfrm>
-                <a:off x="401345" y="3227832"/>
-                <a:ext cx="6825342" cy="1754326"/>
-              </a:xfrm>
-              <a:prstGeom prst="rect">
-                <a:avLst/>
-              </a:prstGeom>
-              <a:noFill/>
-            </p:spPr>
-            <p:txBody>
-              <a:bodyPr wrap="square" rtlCol="0">
-                <a:spAutoFit/>
-              </a:bodyPr>
-              <a:lstStyle/>
-              <a:p>
-                <a:r>
-                  <a:rPr lang="en-GB" b="1" dirty="0" smtClean="0"/>
-                  <a:t>PBS manoeuvre</a:t>
-                </a:r>
-                <a:r>
-                  <a:rPr lang="en-GB" dirty="0" smtClean="0"/>
-                  <a:t>: </a:t>
-                </a:r>
-                <a:r>
-                  <a:rPr lang="en-GB" b="1" dirty="0" smtClean="0"/>
-                  <a:t>Speed=</a:t>
-                </a:r>
-                <a14:m>
-                  <m:oMath xmlns:m="http://schemas.openxmlformats.org/officeDocument/2006/math">
-                    <m:sSup>
-                      <m:sSupPr>
-                        <m:ctrlPr>
-                          <a:rPr lang="sv-SE" b="1" i="1" smtClean="0">
-                            <a:latin typeface="Cambria Math" panose="02040503050406030204" pitchFamily="18" charset="0"/>
-                          </a:rPr>
-                        </m:ctrlPr>
-                      </m:sSupPr>
-                      <m:e>
-                        <m:r>
-                          <a:rPr lang="sv-SE" b="1" i="1" smtClean="0">
-                            <a:latin typeface="Cambria Math" panose="02040503050406030204" pitchFamily="18" charset="0"/>
-                          </a:rPr>
-                          <m:t>𝟎</m:t>
-                        </m:r>
-                      </m:e>
-                      <m:sup>
-                        <m:r>
-                          <a:rPr lang="sv-SE" b="1" i="1" smtClean="0">
-                            <a:latin typeface="Cambria Math" panose="02040503050406030204" pitchFamily="18" charset="0"/>
-                          </a:rPr>
-                          <m:t>+</m:t>
-                        </m:r>
-                      </m:sup>
-                    </m:sSup>
-                  </m:oMath>
-                </a14:m>
-                <a:r>
-                  <a:rPr lang="en-GB" b="1" dirty="0" smtClean="0"/>
-                  <a:t>. Friction=Hi. </a:t>
-                </a:r>
-                <a:r>
-                  <a:rPr lang="en-GB" b="1" dirty="0"/>
-                  <a:t>Unit loading</a:t>
-                </a:r>
-                <a:r>
-                  <a:rPr lang="en-GB" b="1" dirty="0" smtClean="0">
-                    <a:solidFill>
-                      <a:srgbClr val="FF0000"/>
-                    </a:solidFill>
-                  </a:rPr>
-                  <a:t>=#?</a:t>
-                </a:r>
-                <a:r>
-                  <a:rPr lang="en-GB" b="1" dirty="0" smtClean="0"/>
-                  <a:t>.</a:t>
-                </a:r>
-                <a:endParaRPr lang="en-GB" dirty="0" smtClean="0"/>
-              </a:p>
-              <a:p>
-                <a:pPr marL="285750" indent="-285750">
-                  <a:buFont typeface="Arial" panose="020B0604020202020204" pitchFamily="34" charset="0"/>
-                  <a:buChar char="•"/>
-                </a:pPr>
-                <a:r>
-                  <a:rPr lang="sv-SE" b="0" dirty="0" smtClean="0"/>
-                  <a:t>guide: R=12.5 m, 90 deg</a:t>
-                </a:r>
-                <a:endParaRPr lang="sv-SE" b="0" dirty="0" smtClean="0"/>
-              </a:p>
-              <a:p>
-                <a:r>
-                  <a:rPr lang="en-GB" b="1" dirty="0" smtClean="0"/>
-                  <a:t>PBS </a:t>
-                </a:r>
-                <a:r>
-                  <a:rPr lang="en-GB" b="1" dirty="0"/>
-                  <a:t>measure</a:t>
-                </a:r>
-                <a:r>
-                  <a:rPr lang="en-GB" dirty="0"/>
-                  <a:t>: </a:t>
-                </a:r>
-                <a:r>
-                  <a:rPr lang="en-GB" dirty="0" smtClean="0"/>
-                  <a:t>max perpendicular distance from guide to follower</a:t>
-                </a:r>
-                <a:r>
-                  <a:rPr lang="sv-SE" dirty="0" smtClean="0"/>
-                  <a:t>. </a:t>
-                </a:r>
-                <a:r>
-                  <a:rPr lang="en-GB" b="1" dirty="0" smtClean="0"/>
-                  <a:t>Alternatives:</a:t>
-                </a:r>
-              </a:p>
-              <a:p>
-                <a:pPr marL="285750" indent="-285750">
-                  <a:buFont typeface="Arial" panose="020B0604020202020204" pitchFamily="34" charset="0"/>
-                  <a:buChar char="•"/>
-                </a:pPr>
-                <a:r>
-                  <a:rPr lang="en-GB" dirty="0" smtClean="0"/>
-                  <a:t>guide=FAO, follower=worst of all other [</a:t>
-                </a:r>
-                <a:r>
-                  <a:rPr lang="en-GB" dirty="0" err="1" smtClean="0"/>
-                  <a:t>HCTinSWE</a:t>
-                </a:r>
-                <a:r>
-                  <a:rPr lang="en-GB" dirty="0" smtClean="0"/>
-                  <a:t> and </a:t>
-                </a:r>
-                <a:r>
-                  <a:rPr lang="en-GB" dirty="0" err="1" smtClean="0"/>
-                  <a:t>OpenPBS</a:t>
-                </a:r>
-                <a:r>
-                  <a:rPr lang="en-GB" dirty="0" smtClean="0"/>
-                  <a:t>]</a:t>
-                </a:r>
-                <a:endParaRPr lang="en-GB" dirty="0" smtClean="0"/>
-              </a:p>
-              <a:p>
-                <a:pPr marL="285750" indent="-285750">
-                  <a:buFont typeface="Arial" panose="020B0604020202020204" pitchFamily="34" charset="0"/>
-                  <a:buChar char="•"/>
-                </a:pPr>
-                <a:r>
-                  <a:rPr lang="en-GB" dirty="0" smtClean="0"/>
-                  <a:t>guide=FBO, </a:t>
-                </a:r>
-                <a:r>
-                  <a:rPr lang="en-GB" dirty="0"/>
-                  <a:t>follower=worst of all other </a:t>
-                </a:r>
-                <a:r>
-                  <a:rPr lang="en-GB" dirty="0" smtClean="0"/>
-                  <a:t>[</a:t>
-                </a:r>
-                <a:r>
-                  <a:rPr lang="en-GB" dirty="0" smtClean="0">
-                    <a:sym typeface="Symbol" panose="05050102010706020507" pitchFamily="18" charset="2"/>
-                  </a:rPr>
-                  <a:t></a:t>
-                </a:r>
-                <a:r>
-                  <a:rPr lang="en-GB" dirty="0" smtClean="0"/>
-                  <a:t>Australia]</a:t>
-                </a:r>
-                <a:endParaRPr lang="en-GB" dirty="0" smtClean="0"/>
-              </a:p>
-            </p:txBody>
-          </p:sp>
-        </mc:Choice>
-        <mc:Fallback>
-          <p:sp>
-            <p:nvSpPr>
-              <p:cNvPr id="18" name="TextBox 17"/>
-              <p:cNvSpPr txBox="1">
-                <a:spLocks noRot="1" noChangeAspect="1" noMove="1" noResize="1" noEditPoints="1" noAdjustHandles="1" noChangeArrowheads="1" noChangeShapeType="1" noTextEdit="1"/>
-              </p:cNvSpPr>
-              <p:nvPr/>
-            </p:nvSpPr>
-            <p:spPr>
-              <a:xfrm>
-                <a:off x="401345" y="3227832"/>
-                <a:ext cx="6825342" cy="1754326"/>
-              </a:xfrm>
-              <a:prstGeom prst="rect">
-                <a:avLst/>
-              </a:prstGeom>
-              <a:blipFill rotWithShape="0">
-                <a:blip r:embed="rId2"/>
-                <a:stretch>
-                  <a:fillRect l="-804" t="-2091" b="-4530"/>
-                </a:stretch>
-              </a:blipFill>
-            </p:spPr>
-            <p:txBody>
-              <a:bodyPr/>
-              <a:lstStyle/>
-              <a:p>
-                <a:r>
-                  <a:rPr lang="en-GB">
-                    <a:noFill/>
-                  </a:rPr>
-                  <a:t> </a:t>
-                </a:r>
-              </a:p>
-            </p:txBody>
-          </p:sp>
-        </mc:Fallback>
-      </mc:AlternateContent>
       <p:sp>
         <p:nvSpPr>
           <p:cNvPr id="19" name="Right Arrow 18"/>
@@ -16201,7 +15898,7 @@
           <a:p>
             <a:pPr algn="ctr"/>
             <a:r>
-              <a:rPr lang="en-GB" sz="1400" dirty="0" smtClean="0">
+              <a:rPr lang="en-GB" sz="1400" dirty="0">
                 <a:solidFill>
                   <a:schemeClr val="tx1"/>
                 </a:solidFill>
@@ -16217,7 +15914,7 @@
               <a:t>(</a:t>
             </a:r>
             <a:r>
-              <a:rPr lang="en-GB" sz="1400" dirty="0" smtClean="0">
+              <a:rPr lang="en-GB" sz="1400" dirty="0">
                 <a:solidFill>
                   <a:schemeClr val="tx1"/>
                 </a:solidFill>
@@ -16225,7 +15922,7 @@
               <a:t>20</a:t>
             </a:r>
             <a:r>
-              <a:rPr lang="en-GB" sz="1400" dirty="0" smtClean="0">
+              <a:rPr lang="en-GB" sz="1400" dirty="0">
                 <a:solidFill>
                   <a:srgbClr val="FF0000"/>
                 </a:solidFill>
@@ -16233,7 +15930,7 @@
               <a:t>##-##-##</a:t>
             </a:r>
             <a:r>
-              <a:rPr lang="en-GB" sz="1400" dirty="0" smtClean="0">
+              <a:rPr lang="en-GB" sz="1400" dirty="0">
                 <a:solidFill>
                   <a:schemeClr val="tx1"/>
                 </a:solidFill>
@@ -16265,7 +15962,7 @@
               <a:t>-project</a:t>
             </a:r>
             <a:r>
-              <a:rPr lang="en-GB" sz="1400" dirty="0" smtClean="0">
+              <a:rPr lang="en-GB" sz="1400" dirty="0">
                 <a:solidFill>
                   <a:schemeClr val="tx1"/>
                 </a:solidFill>
@@ -16325,7 +16022,7 @@
           <a:p>
             <a:pPr algn="ctr"/>
             <a:r>
-              <a:rPr lang="en-GB" sz="1400" dirty="0" smtClean="0">
+              <a:rPr lang="en-GB" sz="1400" dirty="0">
                 <a:solidFill>
                   <a:schemeClr val="tx1"/>
                 </a:solidFill>
@@ -16333,7 +16030,7 @@
               <a:t>Implemented in Open PBS tool, version </a:t>
             </a:r>
             <a:r>
-              <a:rPr lang="en-GB" sz="1400" dirty="0" smtClean="0">
+              <a:rPr lang="en-GB" sz="1400" dirty="0">
                 <a:solidFill>
                   <a:srgbClr val="FF0000"/>
                 </a:solidFill>
@@ -17559,11 +17256,11 @@
           <a:lstStyle/>
           <a:p>
             <a:r>
-              <a:rPr lang="en-GB" dirty="0" smtClean="0"/>
+              <a:rPr lang="en-GB" dirty="0"/>
               <a:t>FBI=</a:t>
             </a:r>
             <a:r>
-              <a:rPr lang="en-GB" dirty="0" err="1" smtClean="0"/>
+              <a:rPr lang="en-GB" dirty="0" err="1"/>
               <a:t>FrontBumperInner</a:t>
             </a:r>
             <a:endParaRPr lang="en-GB" dirty="0"/>
@@ -17592,7 +17289,7 @@
           <a:lstStyle/>
           <a:p>
             <a:r>
-              <a:rPr lang="en-GB" dirty="0" smtClean="0"/>
+              <a:rPr lang="en-GB" dirty="0"/>
               <a:t>FBO</a:t>
             </a:r>
             <a:endParaRPr lang="en-GB" dirty="0"/>
@@ -17607,7 +17304,7 @@
         </p:nvSpPr>
         <p:spPr>
           <a:xfrm>
-            <a:off x="6055819" y="1728503"/>
+            <a:off x="6055821" y="1728503"/>
             <a:ext cx="1077539" cy="369332"/>
           </a:xfrm>
           <a:prstGeom prst="rect">
@@ -17621,7 +17318,7 @@
           <a:lstStyle/>
           <a:p>
             <a:r>
-              <a:rPr lang="en-GB" dirty="0" err="1" smtClean="0"/>
+              <a:rPr lang="en-GB" dirty="0" err="1"/>
               <a:t>FBMiddle</a:t>
             </a:r>
             <a:endParaRPr lang="en-GB" dirty="0"/>
@@ -17650,7 +17347,7 @@
           <a:lstStyle/>
           <a:p>
             <a:r>
-              <a:rPr lang="en-GB" dirty="0" smtClean="0"/>
+              <a:rPr lang="en-GB" dirty="0"/>
               <a:t>FAI</a:t>
             </a:r>
             <a:endParaRPr lang="en-GB" dirty="0"/>
@@ -17683,11 +17380,11 @@
               <a:t>R</a:t>
             </a:r>
             <a:r>
-              <a:rPr lang="en-GB" dirty="0" smtClean="0"/>
+              <a:rPr lang="en-GB" dirty="0"/>
               <a:t>AI=</a:t>
             </a:r>
             <a:r>
-              <a:rPr lang="en-GB" dirty="0" err="1" smtClean="0"/>
+              <a:rPr lang="en-GB" dirty="0" err="1"/>
               <a:t>RearAI</a:t>
             </a:r>
             <a:endParaRPr lang="en-GB" dirty="0"/>
@@ -17716,7 +17413,7 @@
           <a:lstStyle/>
           <a:p>
             <a:r>
-              <a:rPr lang="en-GB" dirty="0" smtClean="0"/>
+              <a:rPr lang="en-GB" dirty="0"/>
               <a:t>RBM</a:t>
             </a:r>
             <a:endParaRPr lang="en-GB" dirty="0"/>
@@ -17745,7 +17442,7 @@
           <a:lstStyle/>
           <a:p>
             <a:r>
-              <a:rPr lang="en-GB" dirty="0" smtClean="0"/>
+              <a:rPr lang="en-GB" dirty="0"/>
               <a:t>FAM</a:t>
             </a:r>
             <a:endParaRPr lang="en-GB" dirty="0"/>
@@ -17774,14 +17471,14 @@
           <a:lstStyle/>
           <a:p>
             <a:r>
-              <a:rPr lang="en-GB" sz="1600" dirty="0" smtClean="0"/>
+              <a:rPr lang="en-GB" sz="1600" dirty="0"/>
               <a:t>WAI=</a:t>
             </a:r>
             <a:r>
-              <a:rPr lang="en-GB" sz="1600" dirty="0" err="1" smtClean="0"/>
+              <a:rPr lang="en-GB" sz="1600" dirty="0" err="1"/>
               <a:t>WorstAI</a:t>
             </a:r>
-            <a:endParaRPr lang="en-GB" sz="1600" dirty="0" smtClean="0"/>
+            <a:endParaRPr lang="en-GB" sz="1600" dirty="0"/>
           </a:p>
         </p:txBody>
       </p:sp>
@@ -17884,7 +17581,7 @@
         </p:nvSpPr>
         <p:spPr>
           <a:xfrm>
-            <a:off x="874314" y="2188302"/>
+            <a:off x="874314" y="2188304"/>
             <a:ext cx="334108" cy="123093"/>
           </a:xfrm>
           <a:prstGeom prst="rect">
@@ -18071,7 +17768,7 @@
         </p:nvSpPr>
         <p:spPr>
           <a:xfrm>
-            <a:off x="339352" y="1685589"/>
+            <a:off x="339354" y="1685589"/>
             <a:ext cx="743415" cy="338554"/>
           </a:xfrm>
           <a:prstGeom prst="rect">
@@ -18085,7 +17782,7 @@
           <a:lstStyle/>
           <a:p>
             <a:r>
-              <a:rPr lang="en-GB" sz="1600" dirty="0" smtClean="0"/>
+              <a:rPr lang="en-GB" sz="1600" dirty="0"/>
               <a:t>WAM</a:t>
             </a:r>
             <a:endParaRPr lang="en-GB" sz="1600" dirty="0"/>
@@ -18128,7 +17825,7 @@
         </p:nvCxnSpPr>
         <p:spPr>
           <a:xfrm flipV="1">
-            <a:off x="8174416" y="2344570"/>
+            <a:off x="8174418" y="2344570"/>
             <a:ext cx="1400539" cy="0"/>
           </a:xfrm>
           <a:prstGeom prst="line">
@@ -18343,7 +18040,7 @@
           <a:lstStyle/>
           <a:p>
             <a:r>
-              <a:rPr lang="en-GB" dirty="0" smtClean="0"/>
+              <a:rPr lang="en-GB" dirty="0"/>
               <a:t>follower</a:t>
             </a:r>
             <a:endParaRPr lang="en-GB" dirty="0"/>
@@ -18372,7 +18069,7 @@
           <a:lstStyle/>
           <a:p>
             <a:r>
-              <a:rPr lang="en-GB" dirty="0" smtClean="0"/>
+              <a:rPr lang="en-GB" dirty="0"/>
               <a:t>FAO</a:t>
             </a:r>
             <a:endParaRPr lang="en-GB" dirty="0"/>

--- a/OpenPBS/Resources/illustrations/DescriptionsPerPBS_ToTool.pptx
+++ b/OpenPBS/Resources/illustrations/DescriptionsPerPBS_ToTool.pptx
@@ -5,16 +5,17 @@
     <p:sldMasterId id="2147483648" r:id="rId1"/>
   </p:sldMasterIdLst>
   <p:notesMasterIdLst>
-    <p:notesMasterId r:id="rId9"/>
+    <p:notesMasterId r:id="rId10"/>
   </p:notesMasterIdLst>
   <p:sldIdLst>
     <p:sldId id="258" r:id="rId2"/>
     <p:sldId id="256" r:id="rId3"/>
-    <p:sldId id="261" r:id="rId4"/>
-    <p:sldId id="259" r:id="rId5"/>
-    <p:sldId id="260" r:id="rId6"/>
-    <p:sldId id="257" r:id="rId7"/>
-    <p:sldId id="262" r:id="rId8"/>
+    <p:sldId id="263" r:id="rId4"/>
+    <p:sldId id="261" r:id="rId5"/>
+    <p:sldId id="259" r:id="rId6"/>
+    <p:sldId id="260" r:id="rId7"/>
+    <p:sldId id="257" r:id="rId8"/>
+    <p:sldId id="262" r:id="rId9"/>
   </p:sldIdLst>
   <p:sldSz cx="12192000" cy="6858000"/>
   <p:notesSz cx="6858000" cy="9144000"/>
@@ -203,7 +204,7 @@
           <a:p>
             <a:fld id="{C4323B45-13B1-45B0-9F8E-94CB6922880E}" type="datetimeFigureOut">
               <a:rPr lang="en-GB" smtClean="0"/>
-              <a:t>24/11/2016</a:t>
+              <a:t>01/12/2016</a:t>
             </a:fld>
             <a:endParaRPr lang="en-GB"/>
           </a:p>
@@ -1067,7 +1068,7 @@
             </p:nvGraphicFramePr>
             <p:xfrm>
               <a:off x="3251202" y="1797962"/>
-              <a:ext cx="4314371" cy="4667178"/>
+              <a:ext cx="4314371" cy="4781099"/>
             </p:xfrm>
             <a:graphic>
               <a:graphicData uri="http://schemas.openxmlformats.org/drawingml/2006/table">
@@ -2090,7 +2091,7 @@
                             </a:spcAft>
                           </a:pPr>
                           <a:r>
-                            <a:rPr lang="en-US" sz="1600">
+                            <a:rPr lang="en-US" sz="1600" dirty="0">
                               <a:effectLst/>
                               <a:latin typeface="Cambria" panose="02040503050406030204" pitchFamily="18" charset="0"/>
                               <a:ea typeface="Calibri" panose="020F0502020204030204" pitchFamily="34" charset="0"/>
@@ -2098,7 +2099,7 @@
                             </a:rPr>
                             <a:t>High Speed Steady State Off Tracking</a:t>
                           </a:r>
-                          <a:endParaRPr lang="sv-SE" sz="1800">
+                          <a:endParaRPr lang="sv-SE" sz="1800" dirty="0">
                             <a:effectLst/>
                             <a:latin typeface="Cambria" panose="02040503050406030204" pitchFamily="18" charset="0"/>
                             <a:ea typeface="Calibri" panose="020F0502020204030204" pitchFamily="34" charset="0"/>
@@ -2159,7 +2160,7 @@
                             </a:spcAft>
                           </a:pPr>
                           <a:r>
-                            <a:rPr lang="en-US" sz="1600">
+                            <a:rPr lang="en-US" sz="1600" dirty="0">
                               <a:effectLst/>
                               <a:latin typeface="Cambria" panose="02040503050406030204" pitchFamily="18" charset="0"/>
                               <a:ea typeface="Calibri" panose="020F0502020204030204" pitchFamily="34" charset="0"/>
@@ -2167,7 +2168,7 @@
                             </a:rPr>
                             <a:t>HSSO</a:t>
                           </a:r>
-                          <a:endParaRPr lang="sv-SE" sz="1800">
+                          <a:endParaRPr lang="sv-SE" sz="1800" dirty="0">
                             <a:effectLst/>
                             <a:latin typeface="Cambria" panose="02040503050406030204" pitchFamily="18" charset="0"/>
                             <a:ea typeface="Calibri" panose="020F0502020204030204" pitchFamily="34" charset="0"/>
@@ -5611,15 +5612,7 @@
           <a:p>
             <a:r>
               <a:rPr lang="en-GB" dirty="0"/>
-              <a:t>Generate a bitmap file for each of slide 3 to last slide. Link each such bitmap to Info layer in </a:t>
-            </a:r>
-            <a:r>
-              <a:rPr lang="en-GB" dirty="0"/>
-              <a:t>Modelica model </a:t>
-            </a:r>
-            <a:r>
-              <a:rPr lang="en-GB" dirty="0"/>
-              <a:t>for each PBS.</a:t>
+              <a:t>Generate a bitmap file for each of slide 3 to last slide. Link each such bitmap to Info layer in Modelica model for each PBS.</a:t>
             </a:r>
           </a:p>
           <a:p>
@@ -5644,7 +5637,6 @@
               <a:rPr lang="en-GB" dirty="0"/>
               <a:t>:</a:t>
             </a:r>
-            <a:endParaRPr lang="en-GB" dirty="0"/>
           </a:p>
         </p:txBody>
       </p:sp>
@@ -5675,15 +5667,7 @@
                   <a:srgbClr val="FF0000"/>
                 </a:solidFill>
               </a:rPr>
-              <a:t>Wouldn’t it be better to </a:t>
-            </a:r>
-            <a:r>
-              <a:rPr lang="en-GB" i="1" dirty="0">
-                <a:solidFill>
-                  <a:srgbClr val="FF0000"/>
-                </a:solidFill>
-              </a:rPr>
-              <a:t>develop and store as much as possible as </a:t>
+              <a:t>Wouldn’t it be better to develop and store as much as possible as </a:t>
             </a:r>
             <a:r>
               <a:rPr lang="en-GB" b="1" i="1" dirty="0">
@@ -5707,31 +5691,7 @@
                   <a:srgbClr val="FF0000"/>
                 </a:solidFill>
               </a:rPr>
-              <a:t> </a:t>
-            </a:r>
-            <a:r>
-              <a:rPr lang="en-GB" b="1" i="1" dirty="0">
-                <a:solidFill>
-                  <a:srgbClr val="FF0000"/>
-                </a:solidFill>
-              </a:rPr>
-              <a:t>information layer </a:t>
-            </a:r>
-            <a:r>
-              <a:rPr lang="en-GB" b="1" i="1" dirty="0">
-                <a:solidFill>
-                  <a:srgbClr val="FF0000"/>
-                </a:solidFill>
-              </a:rPr>
-              <a:t>(as opposed to bitmap figure</a:t>
-            </a:r>
-            <a:r>
-              <a:rPr lang="en-GB" b="1" i="1" dirty="0">
-                <a:solidFill>
-                  <a:srgbClr val="FF0000"/>
-                </a:solidFill>
-              </a:rPr>
-              <a:t>)? </a:t>
+              <a:t> information layer (as opposed to bitmap figure)? </a:t>
             </a:r>
           </a:p>
           <a:p>
@@ -5812,11 +5772,6 @@
               </a:rPr>
               <a:t>TEMPLATE</a:t>
             </a:r>
-            <a:endParaRPr lang="en-GB" sz="2400" dirty="0">
-              <a:solidFill>
-                <a:srgbClr val="FF0000"/>
-              </a:solidFill>
-            </a:endParaRPr>
           </a:p>
         </p:txBody>
       </p:sp>
@@ -5886,7 +5841,6 @@
               <a:rPr lang="en-GB" sz="5400" dirty="0"/>
               <a:t>#Abbrev, #Name</a:t>
             </a:r>
-            <a:endParaRPr lang="en-GB" sz="5400" dirty="0"/>
           </a:p>
         </p:txBody>
       </p:sp>
@@ -5917,21 +5871,8 @@
                   <a:srgbClr val="FF0000"/>
                 </a:solidFill>
               </a:rPr>
-              <a:t>Present known open issues with this slide: </a:t>
+              <a:t>Present known open issues with this slide: ###, ###, …</a:t>
             </a:r>
-            <a:r>
-              <a:rPr lang="en-GB" i="1" dirty="0">
-                <a:solidFill>
-                  <a:srgbClr val="FF0000"/>
-                </a:solidFill>
-              </a:rPr>
-              <a:t>###, ###, …</a:t>
-            </a:r>
-            <a:endParaRPr lang="en-GB" i="1" dirty="0">
-              <a:solidFill>
-                <a:srgbClr val="FF0000"/>
-              </a:solidFill>
-            </a:endParaRPr>
           </a:p>
         </p:txBody>
       </p:sp>
@@ -6197,23 +6138,7 @@
                   <a:schemeClr val="tx1"/>
                 </a:solidFill>
               </a:rPr>
-              <a:t>Present </a:t>
-            </a:r>
-            <a:r>
-              <a:rPr lang="en-GB" sz="1400" dirty="0">
-                <a:solidFill>
-                  <a:schemeClr val="tx1"/>
-                </a:solidFill>
-              </a:rPr>
-              <a:t>(</a:t>
-            </a:r>
-            <a:r>
-              <a:rPr lang="en-GB" sz="1400" dirty="0">
-                <a:solidFill>
-                  <a:schemeClr val="tx1"/>
-                </a:solidFill>
-              </a:rPr>
-              <a:t>20</a:t>
+              <a:t>Present (20</a:t>
             </a:r>
             <a:r>
               <a:rPr lang="en-GB" sz="1400" dirty="0">
@@ -6229,15 +6154,7 @@
                   <a:schemeClr val="tx1"/>
                 </a:solidFill>
               </a:rPr>
-              <a:t>) </a:t>
-            </a:r>
-            <a:r>
-              <a:rPr lang="en-GB" sz="1400" dirty="0">
-                <a:solidFill>
-                  <a:schemeClr val="tx1"/>
-                </a:solidFill>
-              </a:rPr>
-              <a:t>proposal from “HCT in </a:t>
+              <a:t>) proposal from “HCT in </a:t>
             </a:r>
             <a:r>
               <a:rPr lang="en-GB" sz="1400" dirty="0" err="1">
@@ -6253,21 +6170,8 @@
                   <a:schemeClr val="tx1"/>
                 </a:solidFill>
               </a:rPr>
-              <a:t>-project</a:t>
+              <a:t>-project”</a:t>
             </a:r>
-            <a:r>
-              <a:rPr lang="en-GB" sz="1400" dirty="0">
-                <a:solidFill>
-                  <a:schemeClr val="tx1"/>
-                </a:solidFill>
-              </a:rPr>
-              <a:t>”</a:t>
-            </a:r>
-            <a:endParaRPr lang="en-GB" sz="1400" dirty="0">
-              <a:solidFill>
-                <a:schemeClr val="tx1"/>
-              </a:solidFill>
-            </a:endParaRPr>
           </a:p>
         </p:txBody>
       </p:sp>
@@ -6331,11 +6235,6 @@
               </a:rPr>
               <a:t>###</a:t>
             </a:r>
-            <a:endParaRPr lang="en-GB" sz="1400" dirty="0">
-              <a:solidFill>
-                <a:srgbClr val="FF0000"/>
-              </a:solidFill>
-            </a:endParaRPr>
           </a:p>
         </p:txBody>
       </p:sp>
@@ -6379,7 +6278,6 @@
               <a:rPr lang="en-GB" sz="1400" dirty="0"/>
               <a:t>Mark which manoeuvre and measure in Open PBS Tool and in project:</a:t>
             </a:r>
-            <a:endParaRPr lang="en-GB" sz="1400" dirty="0"/>
           </a:p>
         </p:txBody>
       </p:sp>
@@ -8101,7 +7999,6 @@
               <a:rPr lang="en-GB" dirty="0"/>
               <a:t>FAI</a:t>
             </a:r>
-            <a:endParaRPr lang="en-GB" dirty="0"/>
           </a:p>
         </p:txBody>
       </p:sp>
@@ -8163,7 +8060,6 @@
               <a:rPr lang="en-GB" dirty="0"/>
               <a:t>RBM</a:t>
             </a:r>
-            <a:endParaRPr lang="en-GB" dirty="0"/>
           </a:p>
         </p:txBody>
       </p:sp>
@@ -8192,7 +8088,6 @@
               <a:rPr lang="en-GB" dirty="0"/>
               <a:t>FAM</a:t>
             </a:r>
-            <a:endParaRPr lang="en-GB" dirty="0"/>
           </a:p>
         </p:txBody>
       </p:sp>
@@ -8530,7 +8425,6 @@
               <a:rPr lang="en-GB" sz="1600" dirty="0"/>
               <a:t>WAM</a:t>
             </a:r>
-            <a:endParaRPr lang="en-GB" sz="1600" dirty="0"/>
           </a:p>
         </p:txBody>
       </p:sp>
@@ -8587,7 +8481,6 @@
               <a:rPr lang="en-GB" dirty="0"/>
               <a:t>FAO</a:t>
             </a:r>
-            <a:endParaRPr lang="en-GB" dirty="0"/>
           </a:p>
         </p:txBody>
       </p:sp>
@@ -8827,6 +8720,2452 @@
           </a:bodyPr>
           <a:lstStyle/>
           <a:p>
+            <a:pPr fontAlgn="ctr"/>
+            <a:r>
+              <a:rPr lang="en-US" sz="5400" b="0" dirty="0" smtClean="0"/>
+              <a:t>HSSO, High </a:t>
+            </a:r>
+            <a:r>
+              <a:rPr lang="en-US" sz="5400" b="0" dirty="0"/>
+              <a:t>Speed Steady State Off </a:t>
+            </a:r>
+            <a:r>
+              <a:rPr lang="en-US" sz="5400" b="0" dirty="0" smtClean="0"/>
+              <a:t>Tracking</a:t>
+            </a:r>
+            <a:endParaRPr lang="sv-SE" sz="5400" b="0" dirty="0"/>
+          </a:p>
+        </p:txBody>
+      </p:sp>
+      <p:sp>
+        <p:nvSpPr>
+          <p:cNvPr id="3" name="Rectangle 2"/>
+          <p:cNvSpPr/>
+          <p:nvPr/>
+        </p:nvSpPr>
+        <p:spPr>
+          <a:xfrm>
+            <a:off x="1967658" y="6047195"/>
+            <a:ext cx="9035143" cy="369332"/>
+          </a:xfrm>
+          <a:prstGeom prst="rect">
+            <a:avLst/>
+          </a:prstGeom>
+        </p:spPr>
+        <p:txBody>
+          <a:bodyPr wrap="square">
+            <a:spAutoFit/>
+          </a:bodyPr>
+          <a:lstStyle/>
+          <a:p>
+            <a:r>
+              <a:rPr lang="en-GB" i="1" dirty="0">
+                <a:solidFill>
+                  <a:srgbClr val="FF0000"/>
+                </a:solidFill>
+              </a:rPr>
+              <a:t>Present known open issues with this slide: ###, ###, …</a:t>
+            </a:r>
+          </a:p>
+        </p:txBody>
+      </p:sp>
+      <mc:AlternateContent xmlns:mc="http://schemas.openxmlformats.org/markup-compatibility/2006">
+        <mc:Choice xmlns:a14="http://schemas.microsoft.com/office/drawing/2010/main" Requires="a14">
+          <p:sp>
+            <p:nvSpPr>
+              <p:cNvPr id="18" name="TextBox 17"/>
+              <p:cNvSpPr txBox="1"/>
+              <p:nvPr/>
+            </p:nvSpPr>
+            <p:spPr>
+              <a:xfrm>
+                <a:off x="446315" y="3527640"/>
+                <a:ext cx="6825342" cy="2800767"/>
+              </a:xfrm>
+              <a:prstGeom prst="rect">
+                <a:avLst/>
+              </a:prstGeom>
+              <a:noFill/>
+            </p:spPr>
+            <p:txBody>
+              <a:bodyPr wrap="square" rtlCol="0">
+                <a:spAutoFit/>
+              </a:bodyPr>
+              <a:lstStyle/>
+              <a:p>
+                <a:r>
+                  <a:rPr lang="en-GB" b="1" dirty="0"/>
+                  <a:t>PBS manoeuvre</a:t>
+                </a:r>
+                <a:r>
+                  <a:rPr lang="en-GB" dirty="0"/>
+                  <a:t>: </a:t>
+                </a:r>
+                <a:r>
+                  <a:rPr lang="en-GB" dirty="0" smtClean="0"/>
+                  <a:t>SS constant radius, constant </a:t>
+                </a:r>
+                <a:r>
+                  <a:rPr lang="en-GB" b="1" dirty="0" smtClean="0"/>
+                  <a:t>Speed=80 km/h, ay=0.2, Unit loading=max.</a:t>
+                </a:r>
+                <a:r>
+                  <a:rPr lang="sv-SE" dirty="0" smtClean="0"/>
+                  <a:t> </a:t>
+                </a:r>
+              </a:p>
+              <a:p>
+                <a:r>
+                  <a:rPr lang="en-GB" b="1" dirty="0" smtClean="0"/>
+                  <a:t>Alternatives</a:t>
+                </a:r>
+                <a:r>
+                  <a:rPr lang="en-GB" dirty="0"/>
+                  <a:t>:</a:t>
+                </a:r>
+              </a:p>
+              <a:p>
+                <a:pPr marL="285750" indent="-285750">
+                  <a:buFont typeface="Arial" panose="020B0604020202020204" pitchFamily="34" charset="0"/>
+                  <a:buChar char="•"/>
+                </a:pPr>
+                <a14:m>
+                  <m:oMath xmlns:m="http://schemas.openxmlformats.org/officeDocument/2006/math">
+                    <m:r>
+                      <m:rPr>
+                        <m:nor/>
+                      </m:rPr>
+                      <a:rPr lang="en-GB" b="1" dirty="0"/>
+                      <m:t>Friction</m:t>
+                    </m:r>
+                    <m:r>
+                      <m:rPr>
+                        <m:nor/>
+                      </m:rPr>
+                      <a:rPr lang="en-GB" b="1" dirty="0"/>
+                      <m:t>=</m:t>
+                    </m:r>
+                    <m:r>
+                      <m:rPr>
+                        <m:nor/>
+                      </m:rPr>
+                      <a:rPr lang="sv-SE" b="1" i="0" dirty="0" smtClean="0"/>
+                      <m:t>high</m:t>
+                    </m:r>
+                  </m:oMath>
+                </a14:m>
+                <a:endParaRPr lang="sv-SE" dirty="0"/>
+              </a:p>
+              <a:p>
+                <a:pPr marL="285750" indent="-285750">
+                  <a:buFont typeface="Arial" panose="020B0604020202020204" pitchFamily="34" charset="0"/>
+                  <a:buChar char="•"/>
+                </a:pPr>
+                <a:r>
+                  <a:rPr lang="en-GB" b="1" dirty="0" smtClean="0"/>
+                  <a:t>Friction=</a:t>
+                </a:r>
+                <a:r>
+                  <a:rPr lang="en-GB" b="1" dirty="0" smtClean="0">
+                    <a:solidFill>
+                      <a:srgbClr val="FF0000"/>
+                    </a:solidFill>
+                  </a:rPr>
+                  <a:t>0.35 or 0.8 </a:t>
+                </a:r>
+                <a:r>
+                  <a:rPr lang="en-GB" sz="1200" b="1" dirty="0" smtClean="0">
+                    <a:solidFill>
+                      <a:srgbClr val="FF0000"/>
+                    </a:solidFill>
+                  </a:rPr>
+                  <a:t>(</a:t>
+                </a:r>
+                <a:r>
+                  <a:rPr lang="en-US" sz="1200" dirty="0" smtClean="0"/>
+                  <a:t>the </a:t>
+                </a:r>
+                <a:r>
+                  <a:rPr lang="en-US" sz="1200" dirty="0"/>
+                  <a:t>road maintenance guidelines for Sweden says that the friction should be at least 0.35 for main roads and 0.25 for minor </a:t>
+                </a:r>
+                <a:r>
+                  <a:rPr lang="en-US" sz="1200" dirty="0" smtClean="0"/>
+                  <a:t>roads</a:t>
+                </a:r>
+                <a:r>
+                  <a:rPr lang="en-GB" sz="1200" b="1" dirty="0" smtClean="0">
+                    <a:solidFill>
+                      <a:srgbClr val="FF0000"/>
+                    </a:solidFill>
+                  </a:rPr>
+                  <a:t>)</a:t>
+                </a:r>
+                <a:endParaRPr lang="sv-SE" sz="1200" dirty="0"/>
+              </a:p>
+              <a:p>
+                <a:r>
+                  <a:rPr lang="en-GB" b="1" dirty="0"/>
+                  <a:t>PBS measure</a:t>
+                </a:r>
+                <a:r>
+                  <a:rPr lang="en-GB" dirty="0"/>
+                  <a:t>: </a:t>
+                </a:r>
+                <a14:m>
+                  <m:oMath xmlns:m="http://schemas.openxmlformats.org/officeDocument/2006/math">
+                    <m:r>
+                      <a:rPr lang="sv-SE" i="1" dirty="0">
+                        <a:latin typeface="Cambria Math" panose="02040503050406030204" pitchFamily="18" charset="0"/>
+                      </a:rPr>
+                      <m:t>#;</m:t>
+                    </m:r>
+                  </m:oMath>
+                </a14:m>
+                <a:r>
+                  <a:rPr lang="sv-SE" dirty="0"/>
+                  <a:t>. </a:t>
+                </a:r>
+                <a:r>
+                  <a:rPr lang="en-GB" b="1" dirty="0"/>
+                  <a:t>Alternatives:</a:t>
+                </a:r>
+              </a:p>
+              <a:p>
+                <a:pPr marL="285750" indent="-285750">
+                  <a:buFont typeface="Arial" panose="020B0604020202020204" pitchFamily="34" charset="0"/>
+                  <a:buChar char="•"/>
+                </a:pPr>
+                <a:r>
+                  <a:rPr lang="en-GB" dirty="0"/>
+                  <a:t>###</a:t>
+                </a:r>
+              </a:p>
+              <a:p>
+                <a:pPr marL="285750" indent="-285750">
+                  <a:buFont typeface="Arial" panose="020B0604020202020204" pitchFamily="34" charset="0"/>
+                  <a:buChar char="•"/>
+                </a:pPr>
+                <a:r>
+                  <a:rPr lang="en-GB" dirty="0"/>
+                  <a:t>###</a:t>
+                </a:r>
+              </a:p>
+              <a:p>
+                <a:pPr marL="285750" indent="-285750">
+                  <a:buFont typeface="Arial" panose="020B0604020202020204" pitchFamily="34" charset="0"/>
+                  <a:buChar char="•"/>
+                </a:pPr>
+                <a:r>
+                  <a:rPr lang="en-GB" dirty="0"/>
+                  <a:t>###</a:t>
+                </a:r>
+              </a:p>
+            </p:txBody>
+          </p:sp>
+        </mc:Choice>
+        <mc:Fallback>
+          <p:sp>
+            <p:nvSpPr>
+              <p:cNvPr id="18" name="TextBox 17"/>
+              <p:cNvSpPr txBox="1">
+                <a:spLocks noRot="1" noChangeAspect="1" noMove="1" noResize="1" noEditPoints="1" noAdjustHandles="1" noChangeArrowheads="1" noChangeShapeType="1" noTextEdit="1"/>
+              </p:cNvSpPr>
+              <p:nvPr/>
+            </p:nvSpPr>
+            <p:spPr>
+              <a:xfrm>
+                <a:off x="446315" y="3527640"/>
+                <a:ext cx="6825342" cy="2800767"/>
+              </a:xfrm>
+              <a:prstGeom prst="rect">
+                <a:avLst/>
+              </a:prstGeom>
+              <a:blipFill rotWithShape="0">
+                <a:blip r:embed="rId2"/>
+                <a:stretch>
+                  <a:fillRect l="-714" t="-1307" b="-1525"/>
+                </a:stretch>
+              </a:blipFill>
+            </p:spPr>
+            <p:txBody>
+              <a:bodyPr/>
+              <a:lstStyle/>
+              <a:p>
+                <a:r>
+                  <a:rPr lang="en-GB">
+                    <a:noFill/>
+                  </a:rPr>
+                  <a:t> </a:t>
+                </a:r>
+              </a:p>
+            </p:txBody>
+          </p:sp>
+        </mc:Fallback>
+      </mc:AlternateContent>
+      <p:sp>
+        <p:nvSpPr>
+          <p:cNvPr id="19" name="Right Arrow 18"/>
+          <p:cNvSpPr/>
+          <p:nvPr/>
+        </p:nvSpPr>
+        <p:spPr>
+          <a:xfrm rot="20441268">
+            <a:off x="8837412" y="4927686"/>
+            <a:ext cx="2808709" cy="630912"/>
+          </a:xfrm>
+          <a:prstGeom prst="rightArrow">
+            <a:avLst>
+              <a:gd name="adj1" fmla="val 68030"/>
+              <a:gd name="adj2" fmla="val 115565"/>
+            </a:avLst>
+          </a:prstGeom>
+          <a:solidFill>
+            <a:srgbClr val="FFFF00"/>
+          </a:solidFill>
+        </p:spPr>
+        <p:style>
+          <a:lnRef idx="2">
+            <a:schemeClr val="accent1">
+              <a:shade val="50000"/>
+            </a:schemeClr>
+          </a:lnRef>
+          <a:fillRef idx="1">
+            <a:schemeClr val="accent1"/>
+          </a:fillRef>
+          <a:effectRef idx="0">
+            <a:schemeClr val="accent1"/>
+          </a:effectRef>
+          <a:fontRef idx="minor">
+            <a:schemeClr val="lt1"/>
+          </a:fontRef>
+        </p:style>
+        <p:txBody>
+          <a:bodyPr wrap="square" lIns="36000" tIns="0" rIns="36000" bIns="0" rtlCol="0" anchor="ctr">
+            <a:spAutoFit/>
+          </a:bodyPr>
+          <a:lstStyle/>
+          <a:p>
+            <a:pPr algn="ctr"/>
+            <a:r>
+              <a:rPr lang="en-GB" sz="1400" dirty="0">
+                <a:solidFill>
+                  <a:schemeClr val="tx1"/>
+                </a:solidFill>
+              </a:rPr>
+              <a:t>Present (20</a:t>
+            </a:r>
+            <a:r>
+              <a:rPr lang="en-GB" sz="1400" dirty="0">
+                <a:solidFill>
+                  <a:srgbClr val="FF0000"/>
+                </a:solidFill>
+              </a:rPr>
+              <a:t>##-##-##</a:t>
+            </a:r>
+            <a:r>
+              <a:rPr lang="en-GB" sz="1400" dirty="0">
+                <a:solidFill>
+                  <a:schemeClr val="tx1"/>
+                </a:solidFill>
+              </a:rPr>
+              <a:t>) proposal from “HCT in </a:t>
+            </a:r>
+            <a:r>
+              <a:rPr lang="en-GB" sz="1400" dirty="0" err="1">
+                <a:solidFill>
+                  <a:schemeClr val="tx1"/>
+                </a:solidFill>
+              </a:rPr>
+              <a:t>Swe</a:t>
+            </a:r>
+            <a:r>
+              <a:rPr lang="en-GB" sz="1400" dirty="0">
+                <a:solidFill>
+                  <a:schemeClr val="tx1"/>
+                </a:solidFill>
+              </a:rPr>
+              <a:t>-project”</a:t>
+            </a:r>
+          </a:p>
+        </p:txBody>
+      </p:sp>
+      <p:sp>
+        <p:nvSpPr>
+          <p:cNvPr id="28" name="Right Arrow 27"/>
+          <p:cNvSpPr/>
+          <p:nvPr/>
+        </p:nvSpPr>
+        <p:spPr>
+          <a:xfrm rot="20441268">
+            <a:off x="7732577" y="4715942"/>
+            <a:ext cx="2650604" cy="630912"/>
+          </a:xfrm>
+          <a:prstGeom prst="rightArrow">
+            <a:avLst>
+              <a:gd name="adj1" fmla="val 68030"/>
+              <a:gd name="adj2" fmla="val 106426"/>
+            </a:avLst>
+          </a:prstGeom>
+          <a:solidFill>
+            <a:srgbClr val="FFFF99"/>
+          </a:solidFill>
+        </p:spPr>
+        <p:style>
+          <a:lnRef idx="2">
+            <a:schemeClr val="accent1">
+              <a:shade val="50000"/>
+            </a:schemeClr>
+          </a:lnRef>
+          <a:fillRef idx="1">
+            <a:schemeClr val="accent1"/>
+          </a:fillRef>
+          <a:effectRef idx="0">
+            <a:schemeClr val="accent1"/>
+          </a:effectRef>
+          <a:fontRef idx="minor">
+            <a:schemeClr val="lt1"/>
+          </a:fontRef>
+        </p:style>
+        <p:txBody>
+          <a:bodyPr wrap="square" lIns="36000" tIns="0" rIns="36000" bIns="0" rtlCol="0" anchor="ctr">
+            <a:spAutoFit/>
+          </a:bodyPr>
+          <a:lstStyle/>
+          <a:p>
+            <a:pPr algn="ctr"/>
+            <a:r>
+              <a:rPr lang="en-GB" sz="1400" dirty="0">
+                <a:solidFill>
+                  <a:schemeClr val="tx1"/>
+                </a:solidFill>
+              </a:rPr>
+              <a:t>Implemented in Open PBS tool, version </a:t>
+            </a:r>
+            <a:r>
+              <a:rPr lang="en-GB" sz="1400" dirty="0">
+                <a:solidFill>
+                  <a:srgbClr val="FF0000"/>
+                </a:solidFill>
+              </a:rPr>
+              <a:t>###</a:t>
+            </a:r>
+          </a:p>
+        </p:txBody>
+      </p:sp>
+      <p:sp>
+        <p:nvSpPr>
+          <p:cNvPr id="29" name="TextBox 28"/>
+          <p:cNvSpPr txBox="1"/>
+          <p:nvPr/>
+        </p:nvSpPr>
+        <p:spPr>
+          <a:xfrm>
+            <a:off x="7685314" y="3418117"/>
+            <a:ext cx="4506686" cy="1169551"/>
+          </a:xfrm>
+          <a:prstGeom prst="rect">
+            <a:avLst/>
+          </a:prstGeom>
+          <a:noFill/>
+        </p:spPr>
+        <p:txBody>
+          <a:bodyPr wrap="square" rtlCol="0">
+            <a:spAutoFit/>
+          </a:bodyPr>
+          <a:lstStyle/>
+          <a:p>
+            <a:pPr marL="285750" indent="-285750">
+              <a:buFont typeface="Arial" panose="020B0604020202020204" pitchFamily="34" charset="0"/>
+              <a:buChar char="•"/>
+            </a:pPr>
+            <a:r>
+              <a:rPr lang="en-GB" sz="1400" dirty="0"/>
+              <a:t>Some relevant alternatives to be presented, in order to document and agree also which alternatives are deselected, and possibly why.</a:t>
+            </a:r>
+          </a:p>
+          <a:p>
+            <a:pPr marL="285750" indent="-285750">
+              <a:buFont typeface="Arial" panose="020B0604020202020204" pitchFamily="34" charset="0"/>
+              <a:buChar char="•"/>
+            </a:pPr>
+            <a:r>
+              <a:rPr lang="en-GB" sz="1400" dirty="0"/>
+              <a:t>Mark which manoeuvre and measure in Open PBS Tool and in project:</a:t>
+            </a:r>
+          </a:p>
+        </p:txBody>
+      </p:sp>
+      <p:sp>
+        <p:nvSpPr>
+          <p:cNvPr id="42" name="Arc 41"/>
+          <p:cNvSpPr>
+            <a:spLocks noChangeAspect="1"/>
+          </p:cNvSpPr>
+          <p:nvPr/>
+        </p:nvSpPr>
+        <p:spPr>
+          <a:xfrm>
+            <a:off x="5668862" y="977594"/>
+            <a:ext cx="2746755" cy="2746755"/>
+          </a:xfrm>
+          <a:prstGeom prst="arc">
+            <a:avLst>
+              <a:gd name="adj1" fmla="val 21012041"/>
+              <a:gd name="adj2" fmla="val 0"/>
+            </a:avLst>
+          </a:prstGeom>
+          <a:ln>
+            <a:headEnd type="triangle" w="med" len="med"/>
+            <a:tailEnd type="none" w="med" len="med"/>
+          </a:ln>
+        </p:spPr>
+        <p:style>
+          <a:lnRef idx="1">
+            <a:schemeClr val="accent1"/>
+          </a:lnRef>
+          <a:fillRef idx="0">
+            <a:schemeClr val="accent1"/>
+          </a:fillRef>
+          <a:effectRef idx="0">
+            <a:schemeClr val="accent1"/>
+          </a:effectRef>
+          <a:fontRef idx="minor">
+            <a:schemeClr val="tx1"/>
+          </a:fontRef>
+        </p:style>
+        <p:txBody>
+          <a:bodyPr rtlCol="0" anchor="ctr"/>
+          <a:lstStyle/>
+          <a:p>
+            <a:pPr algn="ctr"/>
+            <a:endParaRPr lang="en-GB"/>
+          </a:p>
+        </p:txBody>
+      </p:sp>
+      <p:grpSp>
+        <p:nvGrpSpPr>
+          <p:cNvPr id="46" name="Group 45"/>
+          <p:cNvGrpSpPr/>
+          <p:nvPr/>
+        </p:nvGrpSpPr>
+        <p:grpSpPr>
+          <a:xfrm>
+            <a:off x="3762808" y="1757073"/>
+            <a:ext cx="1929912" cy="811822"/>
+            <a:chOff x="5251938" y="2417885"/>
+            <a:chExt cx="1929912" cy="811822"/>
+          </a:xfrm>
+        </p:grpSpPr>
+        <p:sp>
+          <p:nvSpPr>
+            <p:cNvPr id="47" name="Rectangle 46"/>
+            <p:cNvSpPr/>
+            <p:nvPr/>
+          </p:nvSpPr>
+          <p:spPr>
+            <a:xfrm>
+              <a:off x="5251938" y="2420815"/>
+              <a:ext cx="1929912" cy="808892"/>
+            </a:xfrm>
+            <a:prstGeom prst="rect">
+              <a:avLst/>
+            </a:prstGeom>
+            <a:solidFill>
+              <a:schemeClr val="accent1">
+                <a:alpha val="50000"/>
+              </a:schemeClr>
+            </a:solidFill>
+            <a:ln>
+              <a:solidFill>
+                <a:schemeClr val="tx1"/>
+              </a:solidFill>
+            </a:ln>
+          </p:spPr>
+          <p:style>
+            <a:lnRef idx="2">
+              <a:schemeClr val="accent1">
+                <a:shade val="50000"/>
+              </a:schemeClr>
+            </a:lnRef>
+            <a:fillRef idx="1">
+              <a:schemeClr val="accent1"/>
+            </a:fillRef>
+            <a:effectRef idx="0">
+              <a:schemeClr val="accent1"/>
+            </a:effectRef>
+            <a:fontRef idx="minor">
+              <a:schemeClr val="lt1"/>
+            </a:fontRef>
+          </p:style>
+          <p:txBody>
+            <a:bodyPr rtlCol="0" anchor="ctr"/>
+            <a:lstStyle/>
+            <a:p>
+              <a:pPr algn="ctr"/>
+              <a:endParaRPr lang="en-GB"/>
+            </a:p>
+          </p:txBody>
+        </p:sp>
+        <p:sp>
+          <p:nvSpPr>
+            <p:cNvPr id="48" name="Isosceles Triangle 47"/>
+            <p:cNvSpPr/>
+            <p:nvPr/>
+          </p:nvSpPr>
+          <p:spPr>
+            <a:xfrm rot="5400000">
+              <a:off x="6018334" y="2598127"/>
+              <a:ext cx="800100" cy="439616"/>
+            </a:xfrm>
+            <a:prstGeom prst="triangle">
+              <a:avLst/>
+            </a:prstGeom>
+            <a:noFill/>
+          </p:spPr>
+          <p:style>
+            <a:lnRef idx="2">
+              <a:schemeClr val="accent1">
+                <a:shade val="50000"/>
+              </a:schemeClr>
+            </a:lnRef>
+            <a:fillRef idx="1">
+              <a:schemeClr val="accent1"/>
+            </a:fillRef>
+            <a:effectRef idx="0">
+              <a:schemeClr val="accent1"/>
+            </a:effectRef>
+            <a:fontRef idx="minor">
+              <a:schemeClr val="lt1"/>
+            </a:fontRef>
+          </p:style>
+          <p:txBody>
+            <a:bodyPr rtlCol="0" anchor="ctr"/>
+            <a:lstStyle/>
+            <a:p>
+              <a:pPr algn="ctr"/>
+              <a:endParaRPr lang="en-GB"/>
+            </a:p>
+          </p:txBody>
+        </p:sp>
+        <p:sp>
+          <p:nvSpPr>
+            <p:cNvPr id="49" name="Rectangle 48"/>
+            <p:cNvSpPr/>
+            <p:nvPr/>
+          </p:nvSpPr>
+          <p:spPr>
+            <a:xfrm>
+              <a:off x="6542118" y="2426677"/>
+              <a:ext cx="334108" cy="123093"/>
+            </a:xfrm>
+            <a:prstGeom prst="rect">
+              <a:avLst/>
+            </a:prstGeom>
+            <a:solidFill>
+              <a:schemeClr val="tx1"/>
+            </a:solidFill>
+          </p:spPr>
+          <p:style>
+            <a:lnRef idx="2">
+              <a:schemeClr val="accent1">
+                <a:shade val="50000"/>
+              </a:schemeClr>
+            </a:lnRef>
+            <a:fillRef idx="1">
+              <a:schemeClr val="accent1"/>
+            </a:fillRef>
+            <a:effectRef idx="0">
+              <a:schemeClr val="accent1"/>
+            </a:effectRef>
+            <a:fontRef idx="minor">
+              <a:schemeClr val="lt1"/>
+            </a:fontRef>
+          </p:style>
+          <p:txBody>
+            <a:bodyPr rtlCol="0" anchor="ctr"/>
+            <a:lstStyle/>
+            <a:p>
+              <a:pPr algn="ctr"/>
+              <a:endParaRPr lang="en-GB"/>
+            </a:p>
+          </p:txBody>
+        </p:sp>
+        <p:sp>
+          <p:nvSpPr>
+            <p:cNvPr id="50" name="Rectangle 49"/>
+            <p:cNvSpPr/>
+            <p:nvPr/>
+          </p:nvSpPr>
+          <p:spPr>
+            <a:xfrm>
+              <a:off x="6542118" y="3099837"/>
+              <a:ext cx="334108" cy="123093"/>
+            </a:xfrm>
+            <a:prstGeom prst="rect">
+              <a:avLst/>
+            </a:prstGeom>
+            <a:solidFill>
+              <a:schemeClr val="tx1"/>
+            </a:solidFill>
+          </p:spPr>
+          <p:style>
+            <a:lnRef idx="2">
+              <a:schemeClr val="accent1">
+                <a:shade val="50000"/>
+              </a:schemeClr>
+            </a:lnRef>
+            <a:fillRef idx="1">
+              <a:schemeClr val="accent1"/>
+            </a:fillRef>
+            <a:effectRef idx="0">
+              <a:schemeClr val="accent1"/>
+            </a:effectRef>
+            <a:fontRef idx="minor">
+              <a:schemeClr val="lt1"/>
+            </a:fontRef>
+          </p:style>
+          <p:txBody>
+            <a:bodyPr rtlCol="0" anchor="ctr"/>
+            <a:lstStyle/>
+            <a:p>
+              <a:pPr algn="ctr"/>
+              <a:endParaRPr lang="en-GB"/>
+            </a:p>
+          </p:txBody>
+        </p:sp>
+        <p:sp>
+          <p:nvSpPr>
+            <p:cNvPr id="51" name="Rectangle 50"/>
+            <p:cNvSpPr/>
+            <p:nvPr/>
+          </p:nvSpPr>
+          <p:spPr>
+            <a:xfrm>
+              <a:off x="5515799" y="2426677"/>
+              <a:ext cx="334108" cy="123093"/>
+            </a:xfrm>
+            <a:prstGeom prst="rect">
+              <a:avLst/>
+            </a:prstGeom>
+            <a:solidFill>
+              <a:schemeClr val="tx1"/>
+            </a:solidFill>
+          </p:spPr>
+          <p:style>
+            <a:lnRef idx="2">
+              <a:schemeClr val="accent1">
+                <a:shade val="50000"/>
+              </a:schemeClr>
+            </a:lnRef>
+            <a:fillRef idx="1">
+              <a:schemeClr val="accent1"/>
+            </a:fillRef>
+            <a:effectRef idx="0">
+              <a:schemeClr val="accent1"/>
+            </a:effectRef>
+            <a:fontRef idx="minor">
+              <a:schemeClr val="lt1"/>
+            </a:fontRef>
+          </p:style>
+          <p:txBody>
+            <a:bodyPr rtlCol="0" anchor="ctr"/>
+            <a:lstStyle/>
+            <a:p>
+              <a:pPr algn="ctr"/>
+              <a:endParaRPr lang="en-GB"/>
+            </a:p>
+          </p:txBody>
+        </p:sp>
+        <p:sp>
+          <p:nvSpPr>
+            <p:cNvPr id="52" name="Rectangle 51"/>
+            <p:cNvSpPr/>
+            <p:nvPr/>
+          </p:nvSpPr>
+          <p:spPr>
+            <a:xfrm>
+              <a:off x="5515799" y="3099837"/>
+              <a:ext cx="334108" cy="123093"/>
+            </a:xfrm>
+            <a:prstGeom prst="rect">
+              <a:avLst/>
+            </a:prstGeom>
+            <a:solidFill>
+              <a:schemeClr val="tx1"/>
+            </a:solidFill>
+          </p:spPr>
+          <p:style>
+            <a:lnRef idx="2">
+              <a:schemeClr val="accent1">
+                <a:shade val="50000"/>
+              </a:schemeClr>
+            </a:lnRef>
+            <a:fillRef idx="1">
+              <a:schemeClr val="accent1"/>
+            </a:fillRef>
+            <a:effectRef idx="0">
+              <a:schemeClr val="accent1"/>
+            </a:effectRef>
+            <a:fontRef idx="minor">
+              <a:schemeClr val="lt1"/>
+            </a:fontRef>
+          </p:style>
+          <p:txBody>
+            <a:bodyPr rtlCol="0" anchor="ctr"/>
+            <a:lstStyle/>
+            <a:p>
+              <a:pPr algn="ctr"/>
+              <a:endParaRPr lang="en-GB"/>
+            </a:p>
+          </p:txBody>
+        </p:sp>
+        <p:sp>
+          <p:nvSpPr>
+            <p:cNvPr id="53" name="Oval 52"/>
+            <p:cNvSpPr/>
+            <p:nvPr/>
+          </p:nvSpPr>
+          <p:spPr>
+            <a:xfrm>
+              <a:off x="5276850" y="2776538"/>
+              <a:ext cx="109538" cy="109537"/>
+            </a:xfrm>
+            <a:prstGeom prst="ellipse">
+              <a:avLst/>
+            </a:prstGeom>
+          </p:spPr>
+          <p:style>
+            <a:lnRef idx="2">
+              <a:schemeClr val="accent1">
+                <a:shade val="50000"/>
+              </a:schemeClr>
+            </a:lnRef>
+            <a:fillRef idx="1">
+              <a:schemeClr val="accent1"/>
+            </a:fillRef>
+            <a:effectRef idx="0">
+              <a:schemeClr val="accent1"/>
+            </a:effectRef>
+            <a:fontRef idx="minor">
+              <a:schemeClr val="lt1"/>
+            </a:fontRef>
+          </p:style>
+          <p:txBody>
+            <a:bodyPr rtlCol="0" anchor="ctr"/>
+            <a:lstStyle/>
+            <a:p>
+              <a:pPr algn="ctr"/>
+              <a:endParaRPr lang="en-GB"/>
+            </a:p>
+          </p:txBody>
+        </p:sp>
+      </p:grpSp>
+      <p:grpSp>
+        <p:nvGrpSpPr>
+          <p:cNvPr id="54" name="Group 53"/>
+          <p:cNvGrpSpPr/>
+          <p:nvPr/>
+        </p:nvGrpSpPr>
+        <p:grpSpPr>
+          <a:xfrm>
+            <a:off x="1930833" y="1759515"/>
+            <a:ext cx="2039816" cy="808892"/>
+            <a:chOff x="2813538" y="2426677"/>
+            <a:chExt cx="2039816" cy="808892"/>
+          </a:xfrm>
+        </p:grpSpPr>
+        <p:sp>
+          <p:nvSpPr>
+            <p:cNvPr id="55" name="Rectangle 54"/>
+            <p:cNvSpPr/>
+            <p:nvPr/>
+          </p:nvSpPr>
+          <p:spPr>
+            <a:xfrm>
+              <a:off x="2813538" y="2426677"/>
+              <a:ext cx="2039816" cy="808892"/>
+            </a:xfrm>
+            <a:prstGeom prst="rect">
+              <a:avLst/>
+            </a:prstGeom>
+            <a:solidFill>
+              <a:schemeClr val="accent1">
+                <a:alpha val="50000"/>
+              </a:schemeClr>
+            </a:solidFill>
+            <a:ln>
+              <a:solidFill>
+                <a:schemeClr val="tx1"/>
+              </a:solidFill>
+            </a:ln>
+          </p:spPr>
+          <p:style>
+            <a:lnRef idx="2">
+              <a:schemeClr val="accent1">
+                <a:shade val="50000"/>
+              </a:schemeClr>
+            </a:lnRef>
+            <a:fillRef idx="1">
+              <a:schemeClr val="accent1"/>
+            </a:fillRef>
+            <a:effectRef idx="0">
+              <a:schemeClr val="accent1"/>
+            </a:effectRef>
+            <a:fontRef idx="minor">
+              <a:schemeClr val="lt1"/>
+            </a:fontRef>
+          </p:style>
+          <p:txBody>
+            <a:bodyPr rtlCol="0" anchor="ctr"/>
+            <a:lstStyle/>
+            <a:p>
+              <a:pPr algn="ctr"/>
+              <a:endParaRPr lang="en-GB"/>
+            </a:p>
+          </p:txBody>
+        </p:sp>
+        <p:sp>
+          <p:nvSpPr>
+            <p:cNvPr id="56" name="Rectangle 55"/>
+            <p:cNvSpPr/>
+            <p:nvPr/>
+          </p:nvSpPr>
+          <p:spPr>
+            <a:xfrm>
+              <a:off x="3094068" y="2431440"/>
+              <a:ext cx="334108" cy="123093"/>
+            </a:xfrm>
+            <a:prstGeom prst="rect">
+              <a:avLst/>
+            </a:prstGeom>
+            <a:solidFill>
+              <a:schemeClr val="tx1"/>
+            </a:solidFill>
+          </p:spPr>
+          <p:style>
+            <a:lnRef idx="2">
+              <a:schemeClr val="accent1">
+                <a:shade val="50000"/>
+              </a:schemeClr>
+            </a:lnRef>
+            <a:fillRef idx="1">
+              <a:schemeClr val="accent1"/>
+            </a:fillRef>
+            <a:effectRef idx="0">
+              <a:schemeClr val="accent1"/>
+            </a:effectRef>
+            <a:fontRef idx="minor">
+              <a:schemeClr val="lt1"/>
+            </a:fontRef>
+          </p:style>
+          <p:txBody>
+            <a:bodyPr rtlCol="0" anchor="ctr"/>
+            <a:lstStyle/>
+            <a:p>
+              <a:pPr algn="ctr"/>
+              <a:endParaRPr lang="en-GB"/>
+            </a:p>
+          </p:txBody>
+        </p:sp>
+        <p:sp>
+          <p:nvSpPr>
+            <p:cNvPr id="57" name="Rectangle 56"/>
+            <p:cNvSpPr/>
+            <p:nvPr/>
+          </p:nvSpPr>
+          <p:spPr>
+            <a:xfrm>
+              <a:off x="3094068" y="3104600"/>
+              <a:ext cx="334108" cy="123093"/>
+            </a:xfrm>
+            <a:prstGeom prst="rect">
+              <a:avLst/>
+            </a:prstGeom>
+            <a:solidFill>
+              <a:schemeClr val="tx1"/>
+            </a:solidFill>
+          </p:spPr>
+          <p:style>
+            <a:lnRef idx="2">
+              <a:schemeClr val="accent1">
+                <a:shade val="50000"/>
+              </a:schemeClr>
+            </a:lnRef>
+            <a:fillRef idx="1">
+              <a:schemeClr val="accent1"/>
+            </a:fillRef>
+            <a:effectRef idx="0">
+              <a:schemeClr val="accent1"/>
+            </a:effectRef>
+            <a:fontRef idx="minor">
+              <a:schemeClr val="lt1"/>
+            </a:fontRef>
+          </p:style>
+          <p:txBody>
+            <a:bodyPr rtlCol="0" anchor="ctr"/>
+            <a:lstStyle/>
+            <a:p>
+              <a:pPr algn="ctr"/>
+              <a:endParaRPr lang="en-GB"/>
+            </a:p>
+          </p:txBody>
+        </p:sp>
+        <p:sp>
+          <p:nvSpPr>
+            <p:cNvPr id="58" name="Oval 57"/>
+            <p:cNvSpPr/>
+            <p:nvPr/>
+          </p:nvSpPr>
+          <p:spPr>
+            <a:xfrm>
+              <a:off x="4676775" y="2776538"/>
+              <a:ext cx="109538" cy="109537"/>
+            </a:xfrm>
+            <a:prstGeom prst="ellipse">
+              <a:avLst/>
+            </a:prstGeom>
+          </p:spPr>
+          <p:style>
+            <a:lnRef idx="2">
+              <a:schemeClr val="accent1">
+                <a:shade val="50000"/>
+              </a:schemeClr>
+            </a:lnRef>
+            <a:fillRef idx="1">
+              <a:schemeClr val="accent1"/>
+            </a:fillRef>
+            <a:effectRef idx="0">
+              <a:schemeClr val="accent1"/>
+            </a:effectRef>
+            <a:fontRef idx="minor">
+              <a:schemeClr val="lt1"/>
+            </a:fontRef>
+          </p:style>
+          <p:txBody>
+            <a:bodyPr rtlCol="0" anchor="ctr"/>
+            <a:lstStyle/>
+            <a:p>
+              <a:pPr algn="ctr"/>
+              <a:endParaRPr lang="en-GB"/>
+            </a:p>
+          </p:txBody>
+        </p:sp>
+      </p:grpSp>
+      <p:sp>
+        <p:nvSpPr>
+          <p:cNvPr id="59" name="Oval 58"/>
+          <p:cNvSpPr/>
+          <p:nvPr/>
+        </p:nvSpPr>
+        <p:spPr>
+          <a:xfrm>
+            <a:off x="5178370" y="2514188"/>
+            <a:ext cx="101600" cy="101600"/>
+          </a:xfrm>
+          <a:prstGeom prst="ellipse">
+            <a:avLst/>
+          </a:prstGeom>
+          <a:solidFill>
+            <a:srgbClr val="FF0000"/>
+          </a:solidFill>
+          <a:ln w="38100">
+            <a:solidFill>
+              <a:srgbClr val="FFFF00"/>
+            </a:solidFill>
+          </a:ln>
+        </p:spPr>
+        <p:style>
+          <a:lnRef idx="2">
+            <a:schemeClr val="accent1">
+              <a:shade val="50000"/>
+            </a:schemeClr>
+          </a:lnRef>
+          <a:fillRef idx="1">
+            <a:schemeClr val="accent1"/>
+          </a:fillRef>
+          <a:effectRef idx="0">
+            <a:schemeClr val="accent1"/>
+          </a:effectRef>
+          <a:fontRef idx="minor">
+            <a:schemeClr val="lt1"/>
+          </a:fontRef>
+        </p:style>
+        <p:txBody>
+          <a:bodyPr rtlCol="0" anchor="ctr"/>
+          <a:lstStyle/>
+          <a:p>
+            <a:pPr algn="ctr"/>
+            <a:endParaRPr lang="en-GB"/>
+          </a:p>
+        </p:txBody>
+      </p:sp>
+      <p:sp>
+        <p:nvSpPr>
+          <p:cNvPr id="60" name="Oval 59"/>
+          <p:cNvSpPr/>
+          <p:nvPr/>
+        </p:nvSpPr>
+        <p:spPr>
+          <a:xfrm>
+            <a:off x="5622870" y="2514188"/>
+            <a:ext cx="101600" cy="101600"/>
+          </a:xfrm>
+          <a:prstGeom prst="ellipse">
+            <a:avLst/>
+          </a:prstGeom>
+          <a:solidFill>
+            <a:srgbClr val="FF0000"/>
+          </a:solidFill>
+          <a:ln w="38100">
+            <a:solidFill>
+              <a:srgbClr val="FFFF00"/>
+            </a:solidFill>
+          </a:ln>
+        </p:spPr>
+        <p:style>
+          <a:lnRef idx="2">
+            <a:schemeClr val="accent1">
+              <a:shade val="50000"/>
+            </a:schemeClr>
+          </a:lnRef>
+          <a:fillRef idx="1">
+            <a:schemeClr val="accent1"/>
+          </a:fillRef>
+          <a:effectRef idx="0">
+            <a:schemeClr val="accent1"/>
+          </a:effectRef>
+          <a:fontRef idx="minor">
+            <a:schemeClr val="lt1"/>
+          </a:fontRef>
+        </p:style>
+        <p:txBody>
+          <a:bodyPr rtlCol="0" anchor="ctr"/>
+          <a:lstStyle/>
+          <a:p>
+            <a:pPr algn="ctr"/>
+            <a:endParaRPr lang="en-GB"/>
+          </a:p>
+        </p:txBody>
+      </p:sp>
+      <p:sp>
+        <p:nvSpPr>
+          <p:cNvPr id="61" name="Oval 60"/>
+          <p:cNvSpPr/>
+          <p:nvPr/>
+        </p:nvSpPr>
+        <p:spPr>
+          <a:xfrm>
+            <a:off x="5178370" y="2095088"/>
+            <a:ext cx="101600" cy="101600"/>
+          </a:xfrm>
+          <a:prstGeom prst="ellipse">
+            <a:avLst/>
+          </a:prstGeom>
+          <a:solidFill>
+            <a:srgbClr val="FF0000"/>
+          </a:solidFill>
+          <a:ln>
+            <a:solidFill>
+              <a:srgbClr val="FF0000"/>
+            </a:solidFill>
+          </a:ln>
+        </p:spPr>
+        <p:style>
+          <a:lnRef idx="2">
+            <a:schemeClr val="accent1">
+              <a:shade val="50000"/>
+            </a:schemeClr>
+          </a:lnRef>
+          <a:fillRef idx="1">
+            <a:schemeClr val="accent1"/>
+          </a:fillRef>
+          <a:effectRef idx="0">
+            <a:schemeClr val="accent1"/>
+          </a:effectRef>
+          <a:fontRef idx="minor">
+            <a:schemeClr val="lt1"/>
+          </a:fontRef>
+        </p:style>
+        <p:txBody>
+          <a:bodyPr rtlCol="0" anchor="ctr"/>
+          <a:lstStyle/>
+          <a:p>
+            <a:pPr algn="ctr"/>
+            <a:endParaRPr lang="en-GB"/>
+          </a:p>
+        </p:txBody>
+      </p:sp>
+      <p:sp>
+        <p:nvSpPr>
+          <p:cNvPr id="62" name="Oval 61"/>
+          <p:cNvSpPr/>
+          <p:nvPr/>
+        </p:nvSpPr>
+        <p:spPr>
+          <a:xfrm>
+            <a:off x="5622870" y="2095088"/>
+            <a:ext cx="101600" cy="101600"/>
+          </a:xfrm>
+          <a:prstGeom prst="ellipse">
+            <a:avLst/>
+          </a:prstGeom>
+          <a:solidFill>
+            <a:srgbClr val="FF0000"/>
+          </a:solidFill>
+          <a:ln>
+            <a:solidFill>
+              <a:srgbClr val="FF0000"/>
+            </a:solidFill>
+          </a:ln>
+        </p:spPr>
+        <p:style>
+          <a:lnRef idx="2">
+            <a:schemeClr val="accent1">
+              <a:shade val="50000"/>
+            </a:schemeClr>
+          </a:lnRef>
+          <a:fillRef idx="1">
+            <a:schemeClr val="accent1"/>
+          </a:fillRef>
+          <a:effectRef idx="0">
+            <a:schemeClr val="accent1"/>
+          </a:effectRef>
+          <a:fontRef idx="minor">
+            <a:schemeClr val="lt1"/>
+          </a:fontRef>
+        </p:style>
+        <p:txBody>
+          <a:bodyPr rtlCol="0" anchor="ctr"/>
+          <a:lstStyle/>
+          <a:p>
+            <a:pPr algn="ctr"/>
+            <a:endParaRPr lang="en-GB"/>
+          </a:p>
+        </p:txBody>
+      </p:sp>
+      <p:sp>
+        <p:nvSpPr>
+          <p:cNvPr id="63" name="Oval 62"/>
+          <p:cNvSpPr/>
+          <p:nvPr/>
+        </p:nvSpPr>
+        <p:spPr>
+          <a:xfrm>
+            <a:off x="5191070" y="1726788"/>
+            <a:ext cx="101600" cy="101600"/>
+          </a:xfrm>
+          <a:prstGeom prst="ellipse">
+            <a:avLst/>
+          </a:prstGeom>
+          <a:solidFill>
+            <a:srgbClr val="FF0000"/>
+          </a:solidFill>
+          <a:ln>
+            <a:solidFill>
+              <a:srgbClr val="FF0000"/>
+            </a:solidFill>
+          </a:ln>
+        </p:spPr>
+        <p:style>
+          <a:lnRef idx="2">
+            <a:schemeClr val="accent1">
+              <a:shade val="50000"/>
+            </a:schemeClr>
+          </a:lnRef>
+          <a:fillRef idx="1">
+            <a:schemeClr val="accent1"/>
+          </a:fillRef>
+          <a:effectRef idx="0">
+            <a:schemeClr val="accent1"/>
+          </a:effectRef>
+          <a:fontRef idx="minor">
+            <a:schemeClr val="lt1"/>
+          </a:fontRef>
+        </p:style>
+        <p:txBody>
+          <a:bodyPr rtlCol="0" anchor="ctr"/>
+          <a:lstStyle/>
+          <a:p>
+            <a:pPr algn="ctr"/>
+            <a:endParaRPr lang="en-GB"/>
+          </a:p>
+        </p:txBody>
+      </p:sp>
+      <p:sp>
+        <p:nvSpPr>
+          <p:cNvPr id="64" name="Oval 63"/>
+          <p:cNvSpPr/>
+          <p:nvPr/>
+        </p:nvSpPr>
+        <p:spPr>
+          <a:xfrm>
+            <a:off x="5635570" y="1726788"/>
+            <a:ext cx="101600" cy="101600"/>
+          </a:xfrm>
+          <a:prstGeom prst="ellipse">
+            <a:avLst/>
+          </a:prstGeom>
+          <a:solidFill>
+            <a:srgbClr val="FF0000"/>
+          </a:solidFill>
+          <a:ln>
+            <a:solidFill>
+              <a:srgbClr val="FF0000"/>
+            </a:solidFill>
+          </a:ln>
+        </p:spPr>
+        <p:style>
+          <a:lnRef idx="2">
+            <a:schemeClr val="accent1">
+              <a:shade val="50000"/>
+            </a:schemeClr>
+          </a:lnRef>
+          <a:fillRef idx="1">
+            <a:schemeClr val="accent1"/>
+          </a:fillRef>
+          <a:effectRef idx="0">
+            <a:schemeClr val="accent1"/>
+          </a:effectRef>
+          <a:fontRef idx="minor">
+            <a:schemeClr val="lt1"/>
+          </a:fontRef>
+        </p:style>
+        <p:txBody>
+          <a:bodyPr rtlCol="0" anchor="ctr"/>
+          <a:lstStyle/>
+          <a:p>
+            <a:pPr algn="ctr"/>
+            <a:endParaRPr lang="en-GB"/>
+          </a:p>
+        </p:txBody>
+      </p:sp>
+      <p:sp>
+        <p:nvSpPr>
+          <p:cNvPr id="65" name="Oval 64"/>
+          <p:cNvSpPr/>
+          <p:nvPr/>
+        </p:nvSpPr>
+        <p:spPr>
+          <a:xfrm>
+            <a:off x="1863670" y="2514188"/>
+            <a:ext cx="101600" cy="101600"/>
+          </a:xfrm>
+          <a:prstGeom prst="ellipse">
+            <a:avLst/>
+          </a:prstGeom>
+          <a:solidFill>
+            <a:srgbClr val="FF0000"/>
+          </a:solidFill>
+          <a:ln>
+            <a:solidFill>
+              <a:srgbClr val="FF0000"/>
+            </a:solidFill>
+          </a:ln>
+        </p:spPr>
+        <p:style>
+          <a:lnRef idx="2">
+            <a:schemeClr val="accent1">
+              <a:shade val="50000"/>
+            </a:schemeClr>
+          </a:lnRef>
+          <a:fillRef idx="1">
+            <a:schemeClr val="accent1"/>
+          </a:fillRef>
+          <a:effectRef idx="0">
+            <a:schemeClr val="accent1"/>
+          </a:effectRef>
+          <a:fontRef idx="minor">
+            <a:schemeClr val="lt1"/>
+          </a:fontRef>
+        </p:style>
+        <p:txBody>
+          <a:bodyPr rtlCol="0" anchor="ctr"/>
+          <a:lstStyle/>
+          <a:p>
+            <a:pPr algn="ctr"/>
+            <a:endParaRPr lang="en-GB"/>
+          </a:p>
+        </p:txBody>
+      </p:sp>
+      <p:sp>
+        <p:nvSpPr>
+          <p:cNvPr id="66" name="Oval 65"/>
+          <p:cNvSpPr/>
+          <p:nvPr/>
+        </p:nvSpPr>
+        <p:spPr>
+          <a:xfrm>
+            <a:off x="2308170" y="2514188"/>
+            <a:ext cx="101600" cy="101600"/>
+          </a:xfrm>
+          <a:prstGeom prst="ellipse">
+            <a:avLst/>
+          </a:prstGeom>
+          <a:solidFill>
+            <a:srgbClr val="FF0000"/>
+          </a:solidFill>
+          <a:ln>
+            <a:solidFill>
+              <a:srgbClr val="FF0000"/>
+            </a:solidFill>
+          </a:ln>
+        </p:spPr>
+        <p:style>
+          <a:lnRef idx="2">
+            <a:schemeClr val="accent1">
+              <a:shade val="50000"/>
+            </a:schemeClr>
+          </a:lnRef>
+          <a:fillRef idx="1">
+            <a:schemeClr val="accent1"/>
+          </a:fillRef>
+          <a:effectRef idx="0">
+            <a:schemeClr val="accent1"/>
+          </a:effectRef>
+          <a:fontRef idx="minor">
+            <a:schemeClr val="lt1"/>
+          </a:fontRef>
+        </p:style>
+        <p:txBody>
+          <a:bodyPr rtlCol="0" anchor="ctr"/>
+          <a:lstStyle/>
+          <a:p>
+            <a:pPr algn="ctr"/>
+            <a:endParaRPr lang="en-GB"/>
+          </a:p>
+        </p:txBody>
+      </p:sp>
+      <p:sp>
+        <p:nvSpPr>
+          <p:cNvPr id="67" name="Oval 66"/>
+          <p:cNvSpPr/>
+          <p:nvPr/>
+        </p:nvSpPr>
+        <p:spPr>
+          <a:xfrm>
+            <a:off x="1863670" y="2095088"/>
+            <a:ext cx="101600" cy="101600"/>
+          </a:xfrm>
+          <a:prstGeom prst="ellipse">
+            <a:avLst/>
+          </a:prstGeom>
+          <a:solidFill>
+            <a:srgbClr val="FF0000"/>
+          </a:solidFill>
+          <a:ln>
+            <a:solidFill>
+              <a:srgbClr val="FF0000"/>
+            </a:solidFill>
+          </a:ln>
+        </p:spPr>
+        <p:style>
+          <a:lnRef idx="2">
+            <a:schemeClr val="accent1">
+              <a:shade val="50000"/>
+            </a:schemeClr>
+          </a:lnRef>
+          <a:fillRef idx="1">
+            <a:schemeClr val="accent1"/>
+          </a:fillRef>
+          <a:effectRef idx="0">
+            <a:schemeClr val="accent1"/>
+          </a:effectRef>
+          <a:fontRef idx="minor">
+            <a:schemeClr val="lt1"/>
+          </a:fontRef>
+        </p:style>
+        <p:txBody>
+          <a:bodyPr rtlCol="0" anchor="ctr"/>
+          <a:lstStyle/>
+          <a:p>
+            <a:pPr algn="ctr"/>
+            <a:endParaRPr lang="en-GB"/>
+          </a:p>
+        </p:txBody>
+      </p:sp>
+      <p:sp>
+        <p:nvSpPr>
+          <p:cNvPr id="68" name="Oval 67"/>
+          <p:cNvSpPr/>
+          <p:nvPr/>
+        </p:nvSpPr>
+        <p:spPr>
+          <a:xfrm>
+            <a:off x="2308170" y="2095088"/>
+            <a:ext cx="101600" cy="101600"/>
+          </a:xfrm>
+          <a:prstGeom prst="ellipse">
+            <a:avLst/>
+          </a:prstGeom>
+          <a:solidFill>
+            <a:srgbClr val="FF0000"/>
+          </a:solidFill>
+          <a:ln>
+            <a:solidFill>
+              <a:srgbClr val="FF0000"/>
+            </a:solidFill>
+          </a:ln>
+        </p:spPr>
+        <p:style>
+          <a:lnRef idx="2">
+            <a:schemeClr val="accent1">
+              <a:shade val="50000"/>
+            </a:schemeClr>
+          </a:lnRef>
+          <a:fillRef idx="1">
+            <a:schemeClr val="accent1"/>
+          </a:fillRef>
+          <a:effectRef idx="0">
+            <a:schemeClr val="accent1"/>
+          </a:effectRef>
+          <a:fontRef idx="minor">
+            <a:schemeClr val="lt1"/>
+          </a:fontRef>
+        </p:style>
+        <p:txBody>
+          <a:bodyPr rtlCol="0" anchor="ctr"/>
+          <a:lstStyle/>
+          <a:p>
+            <a:pPr algn="ctr"/>
+            <a:endParaRPr lang="en-GB"/>
+          </a:p>
+        </p:txBody>
+      </p:sp>
+      <p:sp>
+        <p:nvSpPr>
+          <p:cNvPr id="69" name="Oval 68"/>
+          <p:cNvSpPr/>
+          <p:nvPr/>
+        </p:nvSpPr>
+        <p:spPr>
+          <a:xfrm>
+            <a:off x="1876370" y="1726788"/>
+            <a:ext cx="101600" cy="101600"/>
+          </a:xfrm>
+          <a:prstGeom prst="ellipse">
+            <a:avLst/>
+          </a:prstGeom>
+          <a:solidFill>
+            <a:srgbClr val="FF0000"/>
+          </a:solidFill>
+          <a:ln w="38100">
+            <a:noFill/>
+          </a:ln>
+        </p:spPr>
+        <p:style>
+          <a:lnRef idx="2">
+            <a:schemeClr val="accent1">
+              <a:shade val="50000"/>
+            </a:schemeClr>
+          </a:lnRef>
+          <a:fillRef idx="1">
+            <a:schemeClr val="accent1"/>
+          </a:fillRef>
+          <a:effectRef idx="0">
+            <a:schemeClr val="accent1"/>
+          </a:effectRef>
+          <a:fontRef idx="minor">
+            <a:schemeClr val="lt1"/>
+          </a:fontRef>
+        </p:style>
+        <p:txBody>
+          <a:bodyPr rtlCol="0" anchor="ctr"/>
+          <a:lstStyle/>
+          <a:p>
+            <a:pPr algn="ctr"/>
+            <a:endParaRPr lang="en-GB"/>
+          </a:p>
+        </p:txBody>
+      </p:sp>
+      <p:sp>
+        <p:nvSpPr>
+          <p:cNvPr id="70" name="Oval 69"/>
+          <p:cNvSpPr/>
+          <p:nvPr/>
+        </p:nvSpPr>
+        <p:spPr>
+          <a:xfrm>
+            <a:off x="2320870" y="1726788"/>
+            <a:ext cx="101600" cy="101600"/>
+          </a:xfrm>
+          <a:prstGeom prst="ellipse">
+            <a:avLst/>
+          </a:prstGeom>
+          <a:solidFill>
+            <a:srgbClr val="FF0000"/>
+          </a:solidFill>
+          <a:ln w="38100">
+            <a:noFill/>
+          </a:ln>
+        </p:spPr>
+        <p:style>
+          <a:lnRef idx="2">
+            <a:schemeClr val="accent1">
+              <a:shade val="50000"/>
+            </a:schemeClr>
+          </a:lnRef>
+          <a:fillRef idx="1">
+            <a:schemeClr val="accent1"/>
+          </a:fillRef>
+          <a:effectRef idx="0">
+            <a:schemeClr val="accent1"/>
+          </a:effectRef>
+          <a:fontRef idx="minor">
+            <a:schemeClr val="lt1"/>
+          </a:fontRef>
+        </p:style>
+        <p:txBody>
+          <a:bodyPr rtlCol="0" anchor="ctr"/>
+          <a:lstStyle/>
+          <a:p>
+            <a:pPr algn="ctr"/>
+            <a:endParaRPr lang="en-GB"/>
+          </a:p>
+        </p:txBody>
+      </p:sp>
+      <p:sp>
+        <p:nvSpPr>
+          <p:cNvPr id="71" name="TextBox 70"/>
+          <p:cNvSpPr txBox="1"/>
+          <p:nvPr/>
+        </p:nvSpPr>
+        <p:spPr>
+          <a:xfrm>
+            <a:off x="5508570" y="1371188"/>
+            <a:ext cx="1316386" cy="369332"/>
+          </a:xfrm>
+          <a:prstGeom prst="rect">
+            <a:avLst/>
+          </a:prstGeom>
+          <a:noFill/>
+        </p:spPr>
+        <p:txBody>
+          <a:bodyPr wrap="none" rtlCol="0">
+            <a:spAutoFit/>
+          </a:bodyPr>
+          <a:lstStyle/>
+          <a:p>
+            <a:r>
+              <a:rPr lang="en-GB" dirty="0"/>
+              <a:t>FBI=</a:t>
+            </a:r>
+            <a:r>
+              <a:rPr lang="en-GB" dirty="0" err="1"/>
+              <a:t>FBInner</a:t>
+            </a:r>
+            <a:endParaRPr lang="en-GB" dirty="0"/>
+          </a:p>
+        </p:txBody>
+      </p:sp>
+      <p:sp>
+        <p:nvSpPr>
+          <p:cNvPr id="72" name="Rectangle 71"/>
+          <p:cNvSpPr/>
+          <p:nvPr/>
+        </p:nvSpPr>
+        <p:spPr>
+          <a:xfrm>
+            <a:off x="5513267" y="2596222"/>
+            <a:ext cx="2476640" cy="369332"/>
+          </a:xfrm>
+          <a:prstGeom prst="rect">
+            <a:avLst/>
+          </a:prstGeom>
+        </p:spPr>
+        <p:txBody>
+          <a:bodyPr wrap="none">
+            <a:spAutoFit/>
+          </a:bodyPr>
+          <a:lstStyle/>
+          <a:p>
+            <a:r>
+              <a:rPr lang="en-GB" dirty="0"/>
+              <a:t>FBO=</a:t>
+            </a:r>
+            <a:r>
+              <a:rPr lang="en-GB" dirty="0" err="1"/>
+              <a:t>FrontBumperOuter</a:t>
+            </a:r>
+            <a:endParaRPr lang="en-GB" dirty="0"/>
+          </a:p>
+        </p:txBody>
+      </p:sp>
+      <p:sp>
+        <p:nvSpPr>
+          <p:cNvPr id="73" name="Rectangle 72"/>
+          <p:cNvSpPr/>
+          <p:nvPr/>
+        </p:nvSpPr>
+        <p:spPr>
+          <a:xfrm>
+            <a:off x="5716471" y="1973922"/>
+            <a:ext cx="1077539" cy="369332"/>
+          </a:xfrm>
+          <a:prstGeom prst="rect">
+            <a:avLst/>
+          </a:prstGeom>
+        </p:spPr>
+        <p:txBody>
+          <a:bodyPr wrap="none">
+            <a:spAutoFit/>
+          </a:bodyPr>
+          <a:lstStyle/>
+          <a:p>
+            <a:r>
+              <a:rPr lang="en-GB" dirty="0" err="1"/>
+              <a:t>FBMiddle</a:t>
+            </a:r>
+            <a:endParaRPr lang="en-GB" dirty="0"/>
+          </a:p>
+        </p:txBody>
+      </p:sp>
+      <p:sp>
+        <p:nvSpPr>
+          <p:cNvPr id="74" name="Rectangle 73"/>
+          <p:cNvSpPr/>
+          <p:nvPr/>
+        </p:nvSpPr>
+        <p:spPr>
+          <a:xfrm>
+            <a:off x="4941767" y="1364322"/>
+            <a:ext cx="468270" cy="369332"/>
+          </a:xfrm>
+          <a:prstGeom prst="rect">
+            <a:avLst/>
+          </a:prstGeom>
+        </p:spPr>
+        <p:txBody>
+          <a:bodyPr wrap="none">
+            <a:spAutoFit/>
+          </a:bodyPr>
+          <a:lstStyle/>
+          <a:p>
+            <a:r>
+              <a:rPr lang="en-GB" dirty="0"/>
+              <a:t>FAI</a:t>
+            </a:r>
+          </a:p>
+        </p:txBody>
+      </p:sp>
+      <p:sp>
+        <p:nvSpPr>
+          <p:cNvPr id="75" name="Rectangle 74"/>
+          <p:cNvSpPr/>
+          <p:nvPr/>
+        </p:nvSpPr>
+        <p:spPr>
+          <a:xfrm>
+            <a:off x="2160467" y="1326222"/>
+            <a:ext cx="1940724" cy="369332"/>
+          </a:xfrm>
+          <a:prstGeom prst="rect">
+            <a:avLst/>
+          </a:prstGeom>
+        </p:spPr>
+        <p:txBody>
+          <a:bodyPr wrap="none">
+            <a:spAutoFit/>
+          </a:bodyPr>
+          <a:lstStyle/>
+          <a:p>
+            <a:r>
+              <a:rPr lang="en-GB" dirty="0"/>
+              <a:t>RAI=</a:t>
+            </a:r>
+            <a:r>
+              <a:rPr lang="en-GB" dirty="0" err="1"/>
+              <a:t>RearAxleInner</a:t>
+            </a:r>
+            <a:endParaRPr lang="en-GB" dirty="0"/>
+          </a:p>
+        </p:txBody>
+      </p:sp>
+      <p:sp>
+        <p:nvSpPr>
+          <p:cNvPr id="76" name="Rectangle 75"/>
+          <p:cNvSpPr/>
+          <p:nvPr/>
+        </p:nvSpPr>
+        <p:spPr>
+          <a:xfrm>
+            <a:off x="1268318" y="1961222"/>
+            <a:ext cx="631904" cy="369332"/>
+          </a:xfrm>
+          <a:prstGeom prst="rect">
+            <a:avLst/>
+          </a:prstGeom>
+        </p:spPr>
+        <p:txBody>
+          <a:bodyPr wrap="none">
+            <a:spAutoFit/>
+          </a:bodyPr>
+          <a:lstStyle/>
+          <a:p>
+            <a:r>
+              <a:rPr lang="en-GB" dirty="0"/>
+              <a:t>RBM</a:t>
+            </a:r>
+          </a:p>
+        </p:txBody>
+      </p:sp>
+      <p:sp>
+        <p:nvSpPr>
+          <p:cNvPr id="77" name="Rectangle 76"/>
+          <p:cNvSpPr/>
+          <p:nvPr/>
+        </p:nvSpPr>
+        <p:spPr>
+          <a:xfrm>
+            <a:off x="4636966" y="1952151"/>
+            <a:ext cx="607730" cy="369332"/>
+          </a:xfrm>
+          <a:prstGeom prst="rect">
+            <a:avLst/>
+          </a:prstGeom>
+        </p:spPr>
+        <p:txBody>
+          <a:bodyPr wrap="none">
+            <a:spAutoFit/>
+          </a:bodyPr>
+          <a:lstStyle/>
+          <a:p>
+            <a:r>
+              <a:rPr lang="en-GB" dirty="0"/>
+              <a:t>FAM</a:t>
+            </a:r>
+          </a:p>
+        </p:txBody>
+      </p:sp>
+      <p:sp>
+        <p:nvSpPr>
+          <p:cNvPr id="78" name="Rectangle 77"/>
+          <p:cNvSpPr/>
+          <p:nvPr/>
+        </p:nvSpPr>
+        <p:spPr>
+          <a:xfrm>
+            <a:off x="116876" y="1405344"/>
+            <a:ext cx="1299074" cy="338554"/>
+          </a:xfrm>
+          <a:prstGeom prst="rect">
+            <a:avLst/>
+          </a:prstGeom>
+        </p:spPr>
+        <p:txBody>
+          <a:bodyPr wrap="none">
+            <a:spAutoFit/>
+          </a:bodyPr>
+          <a:lstStyle/>
+          <a:p>
+            <a:r>
+              <a:rPr lang="en-GB" sz="1600" dirty="0"/>
+              <a:t>WAI=</a:t>
+            </a:r>
+            <a:r>
+              <a:rPr lang="en-GB" sz="1600" dirty="0" err="1"/>
+              <a:t>WorstAI</a:t>
+            </a:r>
+            <a:endParaRPr lang="en-GB" sz="1600" dirty="0"/>
+          </a:p>
+        </p:txBody>
+      </p:sp>
+      <p:sp>
+        <p:nvSpPr>
+          <p:cNvPr id="79" name="Rectangle 78"/>
+          <p:cNvSpPr/>
+          <p:nvPr/>
+        </p:nvSpPr>
+        <p:spPr>
+          <a:xfrm>
+            <a:off x="408882" y="1755798"/>
+            <a:ext cx="579863" cy="808892"/>
+          </a:xfrm>
+          <a:prstGeom prst="rect">
+            <a:avLst/>
+          </a:prstGeom>
+          <a:solidFill>
+            <a:schemeClr val="accent1">
+              <a:alpha val="50000"/>
+            </a:schemeClr>
+          </a:solidFill>
+          <a:ln>
+            <a:noFill/>
+          </a:ln>
+        </p:spPr>
+        <p:style>
+          <a:lnRef idx="2">
+            <a:schemeClr val="accent1">
+              <a:shade val="50000"/>
+            </a:schemeClr>
+          </a:lnRef>
+          <a:fillRef idx="1">
+            <a:schemeClr val="accent1"/>
+          </a:fillRef>
+          <a:effectRef idx="0">
+            <a:schemeClr val="accent1"/>
+          </a:effectRef>
+          <a:fontRef idx="minor">
+            <a:schemeClr val="lt1"/>
+          </a:fontRef>
+        </p:style>
+        <p:txBody>
+          <a:bodyPr rtlCol="0" anchor="ctr"/>
+          <a:lstStyle/>
+          <a:p>
+            <a:pPr algn="ctr"/>
+            <a:endParaRPr lang="en-GB"/>
+          </a:p>
+        </p:txBody>
+      </p:sp>
+      <p:sp>
+        <p:nvSpPr>
+          <p:cNvPr id="80" name="Rectangle 79"/>
+          <p:cNvSpPr/>
+          <p:nvPr/>
+        </p:nvSpPr>
+        <p:spPr>
+          <a:xfrm>
+            <a:off x="534962" y="1760565"/>
+            <a:ext cx="334108" cy="123093"/>
+          </a:xfrm>
+          <a:prstGeom prst="rect">
+            <a:avLst/>
+          </a:prstGeom>
+          <a:solidFill>
+            <a:schemeClr val="tx1"/>
+          </a:solidFill>
+        </p:spPr>
+        <p:style>
+          <a:lnRef idx="2">
+            <a:schemeClr val="accent1">
+              <a:shade val="50000"/>
+            </a:schemeClr>
+          </a:lnRef>
+          <a:fillRef idx="1">
+            <a:schemeClr val="accent1"/>
+          </a:fillRef>
+          <a:effectRef idx="0">
+            <a:schemeClr val="accent1"/>
+          </a:effectRef>
+          <a:fontRef idx="minor">
+            <a:schemeClr val="lt1"/>
+          </a:fontRef>
+        </p:style>
+        <p:txBody>
+          <a:bodyPr rtlCol="0" anchor="ctr"/>
+          <a:lstStyle/>
+          <a:p>
+            <a:pPr algn="ctr"/>
+            <a:endParaRPr lang="en-GB"/>
+          </a:p>
+        </p:txBody>
+      </p:sp>
+      <p:sp>
+        <p:nvSpPr>
+          <p:cNvPr id="81" name="Rectangle 80"/>
+          <p:cNvSpPr/>
+          <p:nvPr/>
+        </p:nvSpPr>
+        <p:spPr>
+          <a:xfrm>
+            <a:off x="534962" y="2433725"/>
+            <a:ext cx="334108" cy="123093"/>
+          </a:xfrm>
+          <a:prstGeom prst="rect">
+            <a:avLst/>
+          </a:prstGeom>
+          <a:solidFill>
+            <a:schemeClr val="tx1"/>
+          </a:solidFill>
+        </p:spPr>
+        <p:style>
+          <a:lnRef idx="2">
+            <a:schemeClr val="accent1">
+              <a:shade val="50000"/>
+            </a:schemeClr>
+          </a:lnRef>
+          <a:fillRef idx="1">
+            <a:schemeClr val="accent1"/>
+          </a:fillRef>
+          <a:effectRef idx="0">
+            <a:schemeClr val="accent1"/>
+          </a:effectRef>
+          <a:fontRef idx="minor">
+            <a:schemeClr val="lt1"/>
+          </a:fontRef>
+        </p:style>
+        <p:txBody>
+          <a:bodyPr rtlCol="0" anchor="ctr"/>
+          <a:lstStyle/>
+          <a:p>
+            <a:pPr algn="ctr"/>
+            <a:endParaRPr lang="en-GB"/>
+          </a:p>
+        </p:txBody>
+      </p:sp>
+      <p:sp>
+        <p:nvSpPr>
+          <p:cNvPr id="82" name="Oval 81"/>
+          <p:cNvSpPr/>
+          <p:nvPr/>
+        </p:nvSpPr>
+        <p:spPr>
+          <a:xfrm>
+            <a:off x="631769" y="2510471"/>
+            <a:ext cx="101600" cy="101600"/>
+          </a:xfrm>
+          <a:prstGeom prst="ellipse">
+            <a:avLst/>
+          </a:prstGeom>
+          <a:solidFill>
+            <a:srgbClr val="FF0000"/>
+          </a:solidFill>
+          <a:ln>
+            <a:solidFill>
+              <a:srgbClr val="FF0000"/>
+            </a:solidFill>
+          </a:ln>
+        </p:spPr>
+        <p:style>
+          <a:lnRef idx="2">
+            <a:schemeClr val="accent1">
+              <a:shade val="50000"/>
+            </a:schemeClr>
+          </a:lnRef>
+          <a:fillRef idx="1">
+            <a:schemeClr val="accent1"/>
+          </a:fillRef>
+          <a:effectRef idx="0">
+            <a:schemeClr val="accent1"/>
+          </a:effectRef>
+          <a:fontRef idx="minor">
+            <a:schemeClr val="lt1"/>
+          </a:fontRef>
+        </p:style>
+        <p:txBody>
+          <a:bodyPr rtlCol="0" anchor="ctr"/>
+          <a:lstStyle/>
+          <a:p>
+            <a:pPr algn="ctr"/>
+            <a:endParaRPr lang="en-GB"/>
+          </a:p>
+        </p:txBody>
+      </p:sp>
+      <p:sp>
+        <p:nvSpPr>
+          <p:cNvPr id="83" name="Oval 82"/>
+          <p:cNvSpPr/>
+          <p:nvPr/>
+        </p:nvSpPr>
+        <p:spPr>
+          <a:xfrm>
+            <a:off x="631769" y="2091371"/>
+            <a:ext cx="101600" cy="101600"/>
+          </a:xfrm>
+          <a:prstGeom prst="ellipse">
+            <a:avLst/>
+          </a:prstGeom>
+          <a:solidFill>
+            <a:srgbClr val="FF0000"/>
+          </a:solidFill>
+          <a:ln>
+            <a:solidFill>
+              <a:srgbClr val="FF0000"/>
+            </a:solidFill>
+          </a:ln>
+        </p:spPr>
+        <p:style>
+          <a:lnRef idx="2">
+            <a:schemeClr val="accent1">
+              <a:shade val="50000"/>
+            </a:schemeClr>
+          </a:lnRef>
+          <a:fillRef idx="1">
+            <a:schemeClr val="accent1"/>
+          </a:fillRef>
+          <a:effectRef idx="0">
+            <a:schemeClr val="accent1"/>
+          </a:effectRef>
+          <a:fontRef idx="minor">
+            <a:schemeClr val="lt1"/>
+          </a:fontRef>
+        </p:style>
+        <p:txBody>
+          <a:bodyPr rtlCol="0" anchor="ctr"/>
+          <a:lstStyle/>
+          <a:p>
+            <a:pPr algn="ctr"/>
+            <a:endParaRPr lang="en-GB"/>
+          </a:p>
+        </p:txBody>
+      </p:sp>
+      <p:sp>
+        <p:nvSpPr>
+          <p:cNvPr id="84" name="Oval 83"/>
+          <p:cNvSpPr/>
+          <p:nvPr/>
+        </p:nvSpPr>
+        <p:spPr>
+          <a:xfrm>
+            <a:off x="644469" y="1723071"/>
+            <a:ext cx="101600" cy="101600"/>
+          </a:xfrm>
+          <a:prstGeom prst="ellipse">
+            <a:avLst/>
+          </a:prstGeom>
+          <a:solidFill>
+            <a:srgbClr val="FF0000"/>
+          </a:solidFill>
+          <a:ln w="38100">
+            <a:noFill/>
+          </a:ln>
+        </p:spPr>
+        <p:style>
+          <a:lnRef idx="2">
+            <a:schemeClr val="accent1">
+              <a:shade val="50000"/>
+            </a:schemeClr>
+          </a:lnRef>
+          <a:fillRef idx="1">
+            <a:schemeClr val="accent1"/>
+          </a:fillRef>
+          <a:effectRef idx="0">
+            <a:schemeClr val="accent1"/>
+          </a:effectRef>
+          <a:fontRef idx="minor">
+            <a:schemeClr val="lt1"/>
+          </a:fontRef>
+        </p:style>
+        <p:txBody>
+          <a:bodyPr rtlCol="0" anchor="ctr"/>
+          <a:lstStyle/>
+          <a:p>
+            <a:pPr algn="ctr"/>
+            <a:endParaRPr lang="en-GB"/>
+          </a:p>
+        </p:txBody>
+      </p:sp>
+      <p:sp>
+        <p:nvSpPr>
+          <p:cNvPr id="85" name="Rectangle 84"/>
+          <p:cNvSpPr/>
+          <p:nvPr/>
+        </p:nvSpPr>
+        <p:spPr>
+          <a:xfrm>
+            <a:off x="4" y="1931008"/>
+            <a:ext cx="743415" cy="338554"/>
+          </a:xfrm>
+          <a:prstGeom prst="rect">
+            <a:avLst/>
+          </a:prstGeom>
+        </p:spPr>
+        <p:txBody>
+          <a:bodyPr wrap="square">
+            <a:spAutoFit/>
+          </a:bodyPr>
+          <a:lstStyle/>
+          <a:p>
+            <a:r>
+              <a:rPr lang="en-GB" sz="1600" dirty="0"/>
+              <a:t>WAM</a:t>
+            </a:r>
+          </a:p>
+        </p:txBody>
+      </p:sp>
+      <p:sp>
+        <p:nvSpPr>
+          <p:cNvPr id="86" name="Rectangle 85"/>
+          <p:cNvSpPr/>
+          <p:nvPr/>
+        </p:nvSpPr>
+        <p:spPr>
+          <a:xfrm>
+            <a:off x="140983" y="2537858"/>
+            <a:ext cx="610680" cy="338554"/>
+          </a:xfrm>
+          <a:prstGeom prst="rect">
+            <a:avLst/>
+          </a:prstGeom>
+        </p:spPr>
+        <p:txBody>
+          <a:bodyPr wrap="none">
+            <a:spAutoFit/>
+          </a:bodyPr>
+          <a:lstStyle/>
+          <a:p>
+            <a:r>
+              <a:rPr lang="en-GB" sz="1600" dirty="0"/>
+              <a:t>WAO</a:t>
+            </a:r>
+          </a:p>
+        </p:txBody>
+      </p:sp>
+      <p:sp>
+        <p:nvSpPr>
+          <p:cNvPr id="87" name="Rectangle 86"/>
+          <p:cNvSpPr/>
+          <p:nvPr/>
+        </p:nvSpPr>
+        <p:spPr>
+          <a:xfrm>
+            <a:off x="4916159" y="2613711"/>
+            <a:ext cx="560282" cy="369332"/>
+          </a:xfrm>
+          <a:prstGeom prst="rect">
+            <a:avLst/>
+          </a:prstGeom>
+        </p:spPr>
+        <p:txBody>
+          <a:bodyPr wrap="none">
+            <a:spAutoFit/>
+          </a:bodyPr>
+          <a:lstStyle/>
+          <a:p>
+            <a:r>
+              <a:rPr lang="en-GB" dirty="0"/>
+              <a:t>FAO</a:t>
+            </a:r>
+          </a:p>
+        </p:txBody>
+      </p:sp>
+      <p:sp>
+        <p:nvSpPr>
+          <p:cNvPr id="88" name="Oval 87"/>
+          <p:cNvSpPr/>
+          <p:nvPr/>
+        </p:nvSpPr>
+        <p:spPr>
+          <a:xfrm>
+            <a:off x="4141342" y="2516687"/>
+            <a:ext cx="101600" cy="101600"/>
+          </a:xfrm>
+          <a:prstGeom prst="ellipse">
+            <a:avLst/>
+          </a:prstGeom>
+          <a:solidFill>
+            <a:srgbClr val="FF0000"/>
+          </a:solidFill>
+          <a:ln>
+            <a:solidFill>
+              <a:srgbClr val="FF0000"/>
+            </a:solidFill>
+          </a:ln>
+        </p:spPr>
+        <p:style>
+          <a:lnRef idx="2">
+            <a:schemeClr val="accent1">
+              <a:shade val="50000"/>
+            </a:schemeClr>
+          </a:lnRef>
+          <a:fillRef idx="1">
+            <a:schemeClr val="accent1"/>
+          </a:fillRef>
+          <a:effectRef idx="0">
+            <a:schemeClr val="accent1"/>
+          </a:effectRef>
+          <a:fontRef idx="minor">
+            <a:schemeClr val="lt1"/>
+          </a:fontRef>
+        </p:style>
+        <p:txBody>
+          <a:bodyPr rtlCol="0" anchor="ctr"/>
+          <a:lstStyle/>
+          <a:p>
+            <a:pPr algn="ctr"/>
+            <a:endParaRPr lang="en-GB"/>
+          </a:p>
+        </p:txBody>
+      </p:sp>
+      <p:sp>
+        <p:nvSpPr>
+          <p:cNvPr id="89" name="Oval 88"/>
+          <p:cNvSpPr/>
+          <p:nvPr/>
+        </p:nvSpPr>
+        <p:spPr>
+          <a:xfrm>
+            <a:off x="4141342" y="2097587"/>
+            <a:ext cx="101600" cy="101600"/>
+          </a:xfrm>
+          <a:prstGeom prst="ellipse">
+            <a:avLst/>
+          </a:prstGeom>
+          <a:solidFill>
+            <a:srgbClr val="FF0000"/>
+          </a:solidFill>
+          <a:ln>
+            <a:solidFill>
+              <a:srgbClr val="FF0000"/>
+            </a:solidFill>
+          </a:ln>
+        </p:spPr>
+        <p:style>
+          <a:lnRef idx="2">
+            <a:schemeClr val="accent1">
+              <a:shade val="50000"/>
+            </a:schemeClr>
+          </a:lnRef>
+          <a:fillRef idx="1">
+            <a:schemeClr val="accent1"/>
+          </a:fillRef>
+          <a:effectRef idx="0">
+            <a:schemeClr val="accent1"/>
+          </a:effectRef>
+          <a:fontRef idx="minor">
+            <a:schemeClr val="lt1"/>
+          </a:fontRef>
+        </p:style>
+        <p:txBody>
+          <a:bodyPr rtlCol="0" anchor="ctr"/>
+          <a:lstStyle/>
+          <a:p>
+            <a:pPr algn="ctr"/>
+            <a:endParaRPr lang="en-GB"/>
+          </a:p>
+        </p:txBody>
+      </p:sp>
+      <p:sp>
+        <p:nvSpPr>
+          <p:cNvPr id="90" name="Oval 89"/>
+          <p:cNvSpPr/>
+          <p:nvPr/>
+        </p:nvSpPr>
+        <p:spPr>
+          <a:xfrm>
+            <a:off x="4154042" y="1729287"/>
+            <a:ext cx="101600" cy="101600"/>
+          </a:xfrm>
+          <a:prstGeom prst="ellipse">
+            <a:avLst/>
+          </a:prstGeom>
+          <a:solidFill>
+            <a:srgbClr val="FF0000"/>
+          </a:solidFill>
+          <a:ln>
+            <a:solidFill>
+              <a:srgbClr val="FF0000"/>
+            </a:solidFill>
+          </a:ln>
+        </p:spPr>
+        <p:style>
+          <a:lnRef idx="2">
+            <a:schemeClr val="accent1">
+              <a:shade val="50000"/>
+            </a:schemeClr>
+          </a:lnRef>
+          <a:fillRef idx="1">
+            <a:schemeClr val="accent1"/>
+          </a:fillRef>
+          <a:effectRef idx="0">
+            <a:schemeClr val="accent1"/>
+          </a:effectRef>
+          <a:fontRef idx="minor">
+            <a:schemeClr val="lt1"/>
+          </a:fontRef>
+        </p:style>
+        <p:txBody>
+          <a:bodyPr rtlCol="0" anchor="ctr"/>
+          <a:lstStyle/>
+          <a:p>
+            <a:pPr algn="ctr"/>
+            <a:endParaRPr lang="en-GB"/>
+          </a:p>
+        </p:txBody>
+      </p:sp>
+    </p:spTree>
+    <p:extLst>
+      <p:ext uri="{BB962C8B-B14F-4D97-AF65-F5344CB8AC3E}">
+        <p14:creationId xmlns:p14="http://schemas.microsoft.com/office/powerpoint/2010/main" val="1280119185"/>
+      </p:ext>
+    </p:extLst>
+  </p:cSld>
+  <p:clrMapOvr>
+    <a:masterClrMapping/>
+  </p:clrMapOvr>
+</p:sld>
+</file>
+
+<file path=ppt/slides/slide4.xml><?xml version="1.0" encoding="utf-8"?>
+<p:sld xmlns:a="http://schemas.openxmlformats.org/drawingml/2006/main" xmlns:r="http://schemas.openxmlformats.org/officeDocument/2006/relationships" xmlns:p="http://schemas.openxmlformats.org/presentationml/2006/main">
+  <p:cSld>
+    <p:spTree>
+      <p:nvGrpSpPr>
+        <p:cNvPr id="1" name=""/>
+        <p:cNvGrpSpPr/>
+        <p:nvPr/>
+      </p:nvGrpSpPr>
+      <p:grpSpPr>
+        <a:xfrm>
+          <a:off x="0" y="0"/>
+          <a:ext cx="0" cy="0"/>
+          <a:chOff x="0" y="0"/>
+          <a:chExt cx="0" cy="0"/>
+        </a:xfrm>
+      </p:grpSpPr>
+      <p:sp>
+        <p:nvSpPr>
+          <p:cNvPr id="30" name="Cloud 29"/>
+          <p:cNvSpPr/>
+          <p:nvPr/>
+        </p:nvSpPr>
+        <p:spPr>
+          <a:xfrm>
+            <a:off x="7359805" y="3423428"/>
+            <a:ext cx="4572000" cy="2453269"/>
+          </a:xfrm>
+          <a:prstGeom prst="cloud">
+            <a:avLst/>
+          </a:prstGeom>
+          <a:solidFill>
+            <a:schemeClr val="bg1">
+              <a:lumMod val="95000"/>
+            </a:schemeClr>
+          </a:solidFill>
+        </p:spPr>
+        <p:style>
+          <a:lnRef idx="2">
+            <a:schemeClr val="accent1">
+              <a:shade val="50000"/>
+            </a:schemeClr>
+          </a:lnRef>
+          <a:fillRef idx="1">
+            <a:schemeClr val="accent1"/>
+          </a:fillRef>
+          <a:effectRef idx="0">
+            <a:schemeClr val="accent1"/>
+          </a:effectRef>
+          <a:fontRef idx="minor">
+            <a:schemeClr val="lt1"/>
+          </a:fontRef>
+        </p:style>
+        <p:txBody>
+          <a:bodyPr rtlCol="0" anchor="ctr"/>
+          <a:lstStyle/>
+          <a:p>
+            <a:pPr algn="ctr"/>
+            <a:endParaRPr lang="en-GB"/>
+          </a:p>
+        </p:txBody>
+      </p:sp>
+      <p:sp>
+        <p:nvSpPr>
+          <p:cNvPr id="2" name="Title 1"/>
+          <p:cNvSpPr>
+            <a:spLocks noGrp="1"/>
+          </p:cNvSpPr>
+          <p:nvPr>
+            <p:ph type="title"/>
+          </p:nvPr>
+        </p:nvSpPr>
+        <p:spPr/>
+        <p:txBody>
+          <a:bodyPr>
+            <a:normAutofit/>
+          </a:bodyPr>
+          <a:lstStyle/>
+          <a:p>
             <a:r>
               <a:rPr lang="en-GB" sz="5400" dirty="0"/>
               <a:t>SA, </a:t>
@@ -8866,26 +11205,13 @@
                   <a:srgbClr val="FF0000"/>
                 </a:solidFill>
               </a:rPr>
-              <a:t>Present known open issues with this slide: </a:t>
+              <a:t>Present known open issues with this slide: ###, ###, …</a:t>
             </a:r>
-            <a:r>
-              <a:rPr lang="en-GB" i="1" dirty="0">
-                <a:solidFill>
-                  <a:srgbClr val="FF0000"/>
-                </a:solidFill>
-              </a:rPr>
-              <a:t>###, ###, …</a:t>
-            </a:r>
-            <a:endParaRPr lang="en-GB" i="1" dirty="0">
-              <a:solidFill>
-                <a:srgbClr val="FF0000"/>
-              </a:solidFill>
-            </a:endParaRPr>
           </a:p>
         </p:txBody>
       </p:sp>
-      <mc:AlternateContent xmlns:mc="http://schemas.openxmlformats.org/markup-compatibility/2006" xmlns:a14="http://schemas.microsoft.com/office/drawing/2010/main">
-        <mc:Choice Requires="a14">
+      <mc:AlternateContent xmlns:mc="http://schemas.openxmlformats.org/markup-compatibility/2006">
+        <mc:Choice xmlns:a14="http://schemas.microsoft.com/office/drawing/2010/main" Requires="a14">
           <p:sp>
             <p:nvSpPr>
               <p:cNvPr id="18" name="TextBox 17"/>
@@ -8895,7 +11221,7 @@
             <p:spPr>
               <a:xfrm>
                 <a:off x="435432" y="3037779"/>
-                <a:ext cx="8022771" cy="1499898"/>
+                <a:ext cx="8022771" cy="1776897"/>
               </a:xfrm>
               <a:prstGeom prst="rect">
                 <a:avLst/>
@@ -9039,11 +11365,7 @@
                 </a:r>
                 <a:r>
                   <a:rPr lang="sv-SE" dirty="0"/>
-                  <a:t>, </a:t>
-                </a:r>
-                <a:r>
-                  <a:rPr lang="sv-SE" dirty="0"/>
-                  <a:t>Max </a:t>
+                  <a:t>, Max </a:t>
                 </a:r>
                 <a:r>
                   <a:rPr lang="sv-SE" dirty="0" err="1"/>
@@ -9089,9 +11411,30 @@
                   <a:buChar char="•"/>
                 </a:pPr>
                 <a:r>
-                  <a:rPr lang="sv-SE" dirty="0"/>
-                  <a:t>###</a:t>
+                  <a:rPr lang="en-GB" b="1" dirty="0"/>
+                  <a:t>Friction=</a:t>
                 </a:r>
+                <a:r>
+                  <a:rPr lang="en-GB" b="1" dirty="0">
+                    <a:solidFill>
+                      <a:srgbClr val="FF0000"/>
+                    </a:solidFill>
+                  </a:rPr>
+                  <a:t>0.35 or 0.8 (</a:t>
+                </a:r>
+                <a:r>
+                  <a:rPr lang="en-US" dirty="0"/>
+                  <a:t>the road maintenance guidelines for Sweden says that the friction should be at least 0.35 for main roads and 0.25 for minor roads</a:t>
+                </a:r>
+                <a:r>
+                  <a:rPr lang="en-GB" b="1" dirty="0" smtClean="0">
+                    <a:solidFill>
+                      <a:srgbClr val="FF0000"/>
+                    </a:solidFill>
+                  </a:rPr>
+                  <a:t>)</a:t>
+                </a:r>
+                <a:endParaRPr lang="sv-SE" dirty="0"/>
               </a:p>
               <a:p>
                 <a:r>
@@ -9100,11 +11443,7 @@
                 </a:r>
                 <a:r>
                   <a:rPr lang="en-GB" dirty="0"/>
-                  <a:t>: </a:t>
-                </a:r>
-                <a:r>
-                  <a:rPr lang="en-GB" dirty="0"/>
-                  <a:t>Maximum </a:t>
+                  <a:t>: Maximum </a:t>
                 </a:r>
                 <a14:m>
                   <m:oMath xmlns:m="http://schemas.openxmlformats.org/officeDocument/2006/math">
@@ -9163,18 +11502,13 @@
                 </a:r>
                 <a:r>
                   <a:rPr lang="sv-SE" dirty="0"/>
-                  <a:t> start in</a:t>
+                  <a:t> start in.</a:t>
                 </a:r>
-                <a:r>
-                  <a:rPr lang="sv-SE" dirty="0"/>
-                  <a:t>.</a:t>
-                </a:r>
-                <a:endParaRPr lang="sv-SE" dirty="0"/>
               </a:p>
             </p:txBody>
           </p:sp>
         </mc:Choice>
-        <mc:Fallback xmlns="">
+        <mc:Fallback>
           <p:sp>
             <p:nvSpPr>
               <p:cNvPr id="18" name="TextBox 17"/>
@@ -9185,8 +11519,8 @@
             </p:nvSpPr>
             <p:spPr>
               <a:xfrm>
-                <a:off x="435428" y="3037779"/>
-                <a:ext cx="8022771" cy="1499898"/>
+                <a:off x="435432" y="3037779"/>
+                <a:ext cx="8022771" cy="1776897"/>
               </a:xfrm>
               <a:prstGeom prst="rect">
                 <a:avLst/>
@@ -9194,7 +11528,7 @@
               <a:blipFill rotWithShape="0">
                 <a:blip r:embed="rId2"/>
                 <a:stretch>
-                  <a:fillRect l="-608" t="-2033" b="-4472"/>
+                  <a:fillRect l="-607" t="-1712" b="-3425"/>
                 </a:stretch>
               </a:blipFill>
             </p:spPr>
@@ -9263,23 +11597,7 @@
                   <a:schemeClr val="tx1"/>
                 </a:solidFill>
               </a:rPr>
-              <a:t>Present </a:t>
-            </a:r>
-            <a:r>
-              <a:rPr lang="en-GB" sz="1400" dirty="0">
-                <a:solidFill>
-                  <a:schemeClr val="tx1"/>
-                </a:solidFill>
-              </a:rPr>
-              <a:t>(</a:t>
-            </a:r>
-            <a:r>
-              <a:rPr lang="en-GB" sz="1400" dirty="0">
-                <a:solidFill>
-                  <a:schemeClr val="tx1"/>
-                </a:solidFill>
-              </a:rPr>
-              <a:t>20</a:t>
+              <a:t>Present (20</a:t>
             </a:r>
             <a:r>
               <a:rPr lang="en-GB" sz="1400" dirty="0">
@@ -9295,15 +11613,7 @@
                   <a:schemeClr val="tx1"/>
                 </a:solidFill>
               </a:rPr>
-              <a:t>) </a:t>
-            </a:r>
-            <a:r>
-              <a:rPr lang="en-GB" sz="1400" dirty="0">
-                <a:solidFill>
-                  <a:schemeClr val="tx1"/>
-                </a:solidFill>
-              </a:rPr>
-              <a:t>proposal from “HCT in </a:t>
+              <a:t>) proposal from “HCT in </a:t>
             </a:r>
             <a:r>
               <a:rPr lang="en-GB" sz="1400" dirty="0" err="1">
@@ -9319,21 +11629,8 @@
                   <a:schemeClr val="tx1"/>
                 </a:solidFill>
               </a:rPr>
-              <a:t>-project</a:t>
+              <a:t>-project”</a:t>
             </a:r>
-            <a:r>
-              <a:rPr lang="en-GB" sz="1400" dirty="0">
-                <a:solidFill>
-                  <a:schemeClr val="tx1"/>
-                </a:solidFill>
-              </a:rPr>
-              <a:t>”</a:t>
-            </a:r>
-            <a:endParaRPr lang="en-GB" sz="1400" dirty="0">
-              <a:solidFill>
-                <a:schemeClr val="tx1"/>
-              </a:solidFill>
-            </a:endParaRPr>
           </a:p>
         </p:txBody>
       </p:sp>
@@ -9397,11 +11694,6 @@
               </a:rPr>
               <a:t>###</a:t>
             </a:r>
-            <a:endParaRPr lang="en-GB" sz="1400" dirty="0">
-              <a:solidFill>
-                <a:srgbClr val="FF0000"/>
-              </a:solidFill>
-            </a:endParaRPr>
           </a:p>
         </p:txBody>
       </p:sp>
@@ -9431,7 +11723,6 @@
               <a:rPr lang="en-GB" dirty="0"/>
               <a:t>Mark which manoeuvre and measure in Open PBS Tool and in project:</a:t>
             </a:r>
-            <a:endParaRPr lang="en-GB" dirty="0"/>
           </a:p>
         </p:txBody>
       </p:sp>
@@ -9964,7 +12255,7 @@
 </p:sld>
 </file>
 
-<file path=ppt/slides/slide4.xml><?xml version="1.0" encoding="utf-8"?>
+<file path=ppt/slides/slide5.xml><?xml version="1.0" encoding="utf-8"?>
 <p:sld xmlns:a="http://schemas.openxmlformats.org/drawingml/2006/main" xmlns:r="http://schemas.openxmlformats.org/officeDocument/2006/relationships" xmlns:p="http://schemas.openxmlformats.org/presentationml/2006/main">
   <p:cSld>
     <p:spTree>
@@ -10000,13 +12291,8 @@
           <a:p>
             <a:r>
               <a:rPr lang="en-GB" sz="5400" dirty="0"/>
-              <a:t>RWA, Rearward </a:t>
+              <a:t>RWA, Rearward Amplification</a:t>
             </a:r>
-            <a:r>
-              <a:rPr lang="en-GB" sz="5400" dirty="0"/>
-              <a:t>Amplification</a:t>
-            </a:r>
-            <a:endParaRPr lang="en-GB" sz="5400" dirty="0"/>
           </a:p>
         </p:txBody>
       </p:sp>
@@ -10887,7 +13173,6 @@
               <a:rPr lang="en-US" dirty="0"/>
               <a:t>/ay11</a:t>
             </a:r>
-            <a:endParaRPr lang="en-US" dirty="0"/>
           </a:p>
         </p:txBody>
       </p:sp>
@@ -11014,11 +13299,7 @@
           <a:p>
             <a:r>
               <a:rPr lang="en-US" dirty="0"/>
-              <a:t>a</a:t>
-            </a:r>
-            <a:r>
-              <a:rPr lang="en-US" dirty="0"/>
-              <a:t>y</a:t>
+              <a:t>ay</a:t>
             </a:r>
           </a:p>
           <a:p>
@@ -11273,7 +13554,6 @@
               <a:rPr lang="en-US" dirty="0"/>
               <a:t>ay11</a:t>
             </a:r>
-            <a:endParaRPr lang="en-US" dirty="0"/>
           </a:p>
         </p:txBody>
       </p:sp>
@@ -11303,7 +13583,6 @@
               <a:rPr lang="en-US" dirty="0"/>
               <a:t>ay1</a:t>
             </a:r>
-            <a:endParaRPr lang="en-US" dirty="0"/>
           </a:p>
         </p:txBody>
       </p:sp>
@@ -11331,11 +13610,7 @@
           <a:p>
             <a:r>
               <a:rPr lang="en-US" dirty="0" err="1"/>
-              <a:t>a</a:t>
-            </a:r>
-            <a:r>
-              <a:rPr lang="en-US" dirty="0" err="1"/>
-              <a:t>y_last</a:t>
+              <a:t>ay_last</a:t>
             </a:r>
             <a:endParaRPr lang="en-US" dirty="0"/>
           </a:p>
@@ -11371,13 +13646,8 @@
           <a:p>
             <a:r>
               <a:rPr lang="en-US" dirty="0"/>
-              <a:t>o</a:t>
+              <a:t>or, “worst” vs. “first”</a:t>
             </a:r>
-            <a:r>
-              <a:rPr lang="en-US" dirty="0"/>
-              <a:t>r, “worst” vs. “first”</a:t>
-            </a:r>
-            <a:endParaRPr lang="en-US" dirty="0"/>
           </a:p>
         </p:txBody>
       </p:sp>
@@ -11446,7 +13716,6 @@
               <a:rPr lang="en-US" dirty="0"/>
               <a:t>“dolly” is worst for active case?</a:t>
             </a:r>
-            <a:endParaRPr lang="en-US" dirty="0"/>
           </a:p>
         </p:txBody>
       </p:sp>
@@ -11496,7 +13765,7 @@
 </p:sld>
 </file>
 
-<file path=ppt/slides/slide5.xml><?xml version="1.0" encoding="utf-8"?>
+<file path=ppt/slides/slide6.xml><?xml version="1.0" encoding="utf-8"?>
 <p:sld xmlns:a="http://schemas.openxmlformats.org/drawingml/2006/main" xmlns:r="http://schemas.openxmlformats.org/officeDocument/2006/relationships" xmlns:p="http://schemas.openxmlformats.org/presentationml/2006/main">
   <p:cSld>
     <p:spTree>
@@ -11532,13 +13801,8 @@
           <a:p>
             <a:r>
               <a:rPr lang="en-GB" sz="5400" dirty="0"/>
-              <a:t>YD, Yaw </a:t>
+              <a:t>YD, Yaw Damping</a:t>
             </a:r>
-            <a:r>
-              <a:rPr lang="en-GB" sz="5400" dirty="0"/>
-              <a:t>Damping</a:t>
-            </a:r>
-            <a:endParaRPr lang="en-GB" sz="5400" dirty="0"/>
           </a:p>
         </p:txBody>
       </p:sp>
@@ -12435,7 +14699,6 @@
               <a:rPr lang="en-US" dirty="0"/>
               <a:t>How many YD for a vehicle: scalar or vector?</a:t>
             </a:r>
-            <a:endParaRPr lang="en-US" dirty="0"/>
           </a:p>
         </p:txBody>
       </p:sp>
@@ -12477,13 +14740,8 @@
             </a:pPr>
             <a:r>
               <a:rPr lang="en-US" dirty="0"/>
-              <a:t>a</a:t>
+              <a:t>ay11 sine input</a:t>
             </a:r>
-            <a:r>
-              <a:rPr lang="en-US" dirty="0"/>
-              <a:t>y11 sine input</a:t>
-            </a:r>
-            <a:endParaRPr lang="en-US" dirty="0"/>
           </a:p>
         </p:txBody>
       </p:sp>
@@ -12521,7 +14779,6 @@
               <a:rPr lang="en-US" dirty="0"/>
               <a:t>?</a:t>
             </a:r>
-            <a:endParaRPr lang="en-US" dirty="0"/>
           </a:p>
         </p:txBody>
       </p:sp>
@@ -12609,7 +14866,7 @@
 </p:sld>
 </file>
 
-<file path=ppt/slides/slide6.xml><?xml version="1.0" encoding="utf-8"?>
+<file path=ppt/slides/slide7.xml><?xml version="1.0" encoding="utf-8"?>
 <p:sld xmlns:a="http://schemas.openxmlformats.org/drawingml/2006/main" xmlns:r="http://schemas.openxmlformats.org/officeDocument/2006/relationships" xmlns:p="http://schemas.openxmlformats.org/presentationml/2006/main">
   <p:cSld>
     <p:spTree>
@@ -12645,11 +14902,7 @@
           <a:p>
             <a:r>
               <a:rPr lang="en-GB" sz="5400" dirty="0"/>
-              <a:t>HSTO, High </a:t>
-            </a:r>
-            <a:r>
-              <a:rPr lang="en-GB" sz="5400" dirty="0"/>
-              <a:t>Speed Transient Off Tracking</a:t>
+              <a:t>HSTO, High Speed Transient Off Tracking</a:t>
             </a:r>
           </a:p>
         </p:txBody>
@@ -14026,7 +16279,6 @@
               <a:rPr lang="en-GB" dirty="0"/>
               <a:t>FBO</a:t>
             </a:r>
-            <a:endParaRPr lang="en-GB" dirty="0"/>
           </a:p>
         </p:txBody>
       </p:sp>
@@ -14084,7 +16336,6 @@
               <a:rPr lang="en-GB" dirty="0"/>
               <a:t>FAI</a:t>
             </a:r>
-            <a:endParaRPr lang="en-GB" dirty="0"/>
           </a:p>
         </p:txBody>
       </p:sp>
@@ -14111,11 +16362,7 @@
           <a:p>
             <a:r>
               <a:rPr lang="en-GB" dirty="0"/>
-              <a:t>R</a:t>
-            </a:r>
-            <a:r>
-              <a:rPr lang="en-GB" dirty="0"/>
-              <a:t>AI=</a:t>
+              <a:t>RAI=</a:t>
             </a:r>
             <a:r>
               <a:rPr lang="en-GB" dirty="0" err="1"/>
@@ -14356,11 +16603,7 @@
                 </a14:m>
                 <a:r>
                   <a:rPr lang="en-GB" dirty="0"/>
-                  <a:t> </a:t>
-                </a:r>
-                <a:r>
-                  <a:rPr lang="en-GB" dirty="0"/>
-                  <a:t>where </a:t>
+                  <a:t> where </a:t>
                 </a:r>
                 <a14:m>
                   <m:oMath xmlns:m="http://schemas.openxmlformats.org/officeDocument/2006/math">
@@ -14415,16 +16658,7 @@
                       <a:rPr lang="sv-SE" i="1">
                         <a:latin typeface="Cambria Math" panose="02040503050406030204" pitchFamily="18" charset="0"/>
                       </a:rPr>
-                      <m:t>=</m:t>
-                    </m:r>
-                    <m:r>
-                      <a:rPr lang="sv-SE" i="1">
-                        <a:solidFill>
-                          <a:srgbClr val="FF0000"/>
-                        </a:solidFill>
-                        <a:latin typeface="Cambria Math" panose="02040503050406030204" pitchFamily="18" charset="0"/>
-                      </a:rPr>
-                      <m:t>#?</m:t>
+                      <m:t>=#?</m:t>
                     </m:r>
                   </m:oMath>
                 </a14:m>
@@ -14437,15 +16671,7 @@
                 </a:pPr>
                 <a:r>
                   <a:rPr lang="en-GB" dirty="0"/>
-                  <a:t>FAM</a:t>
-                </a:r>
-                <a:r>
-                  <a:rPr lang="en-GB" dirty="0"/>
-                  <a:t> </a:t>
-                </a:r>
-                <a:r>
-                  <a:rPr lang="en-GB" dirty="0"/>
-                  <a:t>follow single sine: </a:t>
+                  <a:t>FAM follow single sine: </a:t>
                 </a:r>
                 <a14:m>
                   <m:oMath xmlns:m="http://schemas.openxmlformats.org/officeDocument/2006/math">
@@ -14599,11 +16825,7 @@
                 </a14:m>
                 <a:r>
                   <a:rPr lang="en-GB" dirty="0"/>
-                  <a:t> </a:t>
-                </a:r>
-                <a:r>
-                  <a:rPr lang="en-GB" dirty="0"/>
-                  <a:t>where </a:t>
+                  <a:t> where </a:t>
                 </a:r>
                 <a14:m>
                   <m:oMath xmlns:m="http://schemas.openxmlformats.org/officeDocument/2006/math">
@@ -14658,11 +16880,7 @@
                 </a14:m>
                 <a:r>
                   <a:rPr lang="en-GB" dirty="0"/>
-                  <a:t> selected so that worst </a:t>
-                </a:r>
-                <a:r>
-                  <a:rPr lang="en-GB" dirty="0"/>
-                  <a:t>HSTO</a:t>
+                  <a:t> selected so that worst HSTO</a:t>
                 </a:r>
               </a:p>
               <a:p>
@@ -14672,15 +16890,7 @@
                 </a:pPr>
                 <a:r>
                   <a:rPr lang="en-GB" dirty="0"/>
-                  <a:t>FAM </a:t>
-                </a:r>
-                <a:r>
-                  <a:rPr lang="en-GB" dirty="0"/>
-                  <a:t>follow </a:t>
-                </a:r>
-                <a:r>
-                  <a:rPr lang="en-GB" dirty="0"/>
-                  <a:t>single sine: </a:t>
+                  <a:t>FAM follow single sine: </a:t>
                 </a:r>
                 <a14:m>
                   <m:oMath xmlns:m="http://schemas.openxmlformats.org/officeDocument/2006/math">
@@ -15098,15 +17308,7 @@
                 </a:r>
                 <a:r>
                   <a:rPr lang="en-GB" b="1" dirty="0"/>
-                  <a:t>Alternatives</a:t>
-                </a:r>
-                <a:r>
-                  <a:rPr lang="en-GB" b="1" dirty="0"/>
-                  <a:t>, </a:t>
-                </a:r>
-                <a:r>
-                  <a:rPr lang="en-GB" b="1" dirty="0"/>
-                  <a:t>different point pairs:</a:t>
+                  <a:t>Alternatives, different point pairs:</a:t>
                 </a:r>
               </a:p>
               <a:p>
@@ -15126,15 +17328,7 @@
                 </a:pPr>
                 <a:r>
                   <a:rPr lang="en-GB" dirty="0"/>
-                  <a:t>FAM, </a:t>
-                </a:r>
-                <a:r>
-                  <a:rPr lang="en-GB" dirty="0"/>
-                  <a:t>RBM [</a:t>
-                </a:r>
-                <a:r>
-                  <a:rPr lang="en-GB" dirty="0"/>
-                  <a:t>Present (2016-11-17) proposal from “HCT in </a:t>
+                  <a:t>FAM, RBM [Present (2016-11-17) proposal from “HCT in </a:t>
                 </a:r>
                 <a:r>
                   <a:rPr lang="en-GB" dirty="0" err="1"/>
@@ -15142,11 +17336,7 @@
                 </a:r>
                 <a:r>
                   <a:rPr lang="en-GB" dirty="0"/>
-                  <a:t>-project</a:t>
-                </a:r>
-                <a:r>
-                  <a:rPr lang="en-GB" dirty="0"/>
-                  <a:t>”]</a:t>
+                  <a:t>-project”]</a:t>
                 </a:r>
               </a:p>
               <a:p>
@@ -15156,19 +17346,7 @@
                 </a:pPr>
                 <a:r>
                   <a:rPr lang="en-GB" dirty="0"/>
-                  <a:t>FAM, </a:t>
-                </a:r>
-                <a:r>
-                  <a:rPr lang="en-GB" dirty="0"/>
-                  <a:t>WAM [</a:t>
-                </a:r>
-                <a:r>
-                  <a:rPr lang="en-GB" dirty="0"/>
-                  <a:t>ISO 14791:2000(E)</a:t>
-                </a:r>
-                <a:r>
-                  <a:rPr lang="en-GB" dirty="0"/>
-                  <a:t>]</a:t>
+                  <a:t>FAM, WAM [ISO 14791:2000(E)]</a:t>
                 </a:r>
               </a:p>
               <a:p>
@@ -15188,17 +17366,8 @@
                 </a:pPr>
                 <a:r>
                   <a:rPr lang="en-GB" dirty="0"/>
-                  <a:t>&lt;probably around 5-10 other </a:t>
+                  <a:t>&lt;probably around 5-10 other reasonable alternatives&gt;</a:t>
                 </a:r>
-                <a:r>
-                  <a:rPr lang="en-GB" dirty="0"/>
-                  <a:t>reasonable alternatives</a:t>
-                </a:r>
-                <a:r>
-                  <a:rPr lang="en-GB" dirty="0"/>
-                  <a:t>&gt;</a:t>
-                </a:r>
-                <a:endParaRPr lang="en-GB" dirty="0"/>
               </a:p>
             </p:txBody>
           </p:sp>
@@ -15300,7 +17469,6 @@
               <a:rPr lang="en-GB" dirty="0"/>
               <a:t>RBM</a:t>
             </a:r>
-            <a:endParaRPr lang="en-GB" dirty="0"/>
           </a:p>
         </p:txBody>
       </p:sp>
@@ -15363,7 +17531,6 @@
               <a:rPr lang="en-GB" dirty="0"/>
               <a:t>FAM</a:t>
             </a:r>
-            <a:endParaRPr lang="en-GB" dirty="0"/>
           </a:p>
         </p:txBody>
       </p:sp>
@@ -15703,7 +17870,6 @@
               <a:rPr lang="en-GB" sz="1600" dirty="0"/>
               <a:t>WAM</a:t>
             </a:r>
-            <a:endParaRPr lang="en-GB" sz="1600" dirty="0"/>
           </a:p>
         </p:txBody>
       </p:sp>
@@ -15767,11 +17933,7 @@
             </a:r>
             <a:r>
               <a:rPr lang="en-GB" sz="1400" dirty="0"/>
-              <a:t>“Implemented </a:t>
-            </a:r>
-            <a:r>
-              <a:rPr lang="en-GB" sz="1400" dirty="0"/>
-              <a:t>in Open PBS tool, version </a:t>
+              <a:t>“Implemented in Open PBS tool, version </a:t>
             </a:r>
             <a:r>
               <a:rPr lang="en-GB" sz="1400" dirty="0">
@@ -15781,11 +17943,6 @@
               </a:rPr>
               <a:t>###”</a:t>
             </a:r>
-            <a:endParaRPr lang="en-GB" sz="1400" dirty="0">
-              <a:solidFill>
-                <a:srgbClr val="FF0000"/>
-              </a:solidFill>
-            </a:endParaRPr>
           </a:p>
         </p:txBody>
       </p:sp>
@@ -15802,7 +17959,7 @@
 </p:sld>
 </file>
 
-<file path=ppt/slides/slide7.xml><?xml version="1.0" encoding="utf-8"?>
+<file path=ppt/slides/slide8.xml><?xml version="1.0" encoding="utf-8"?>
 <p:sld xmlns:a="http://schemas.openxmlformats.org/drawingml/2006/main" xmlns:r="http://schemas.openxmlformats.org/officeDocument/2006/relationships" xmlns:p="http://schemas.openxmlformats.org/presentationml/2006/main">
   <p:cSld>
     <p:spTree>
@@ -15839,15 +17996,7 @@
             <a:pPr fontAlgn="ctr"/>
             <a:r>
               <a:rPr lang="en-US" sz="5400" dirty="0"/>
-              <a:t>LSSP, Low </a:t>
-            </a:r>
-            <a:r>
-              <a:rPr lang="en-US" sz="5400" dirty="0"/>
-              <a:t>Speed Swept </a:t>
-            </a:r>
-            <a:r>
-              <a:rPr lang="en-US" sz="5400" dirty="0"/>
-              <a:t>Path</a:t>
+              <a:t>LSSP, Low Speed Swept Path</a:t>
             </a:r>
             <a:endParaRPr lang="sv-SE" sz="5400" dirty="0"/>
           </a:p>
@@ -15903,23 +18052,7 @@
                   <a:schemeClr val="tx1"/>
                 </a:solidFill>
               </a:rPr>
-              <a:t>Present </a:t>
-            </a:r>
-            <a:r>
-              <a:rPr lang="en-GB" sz="1400" dirty="0">
-                <a:solidFill>
-                  <a:schemeClr val="tx1"/>
-                </a:solidFill>
-              </a:rPr>
-              <a:t>(</a:t>
-            </a:r>
-            <a:r>
-              <a:rPr lang="en-GB" sz="1400" dirty="0">
-                <a:solidFill>
-                  <a:schemeClr val="tx1"/>
-                </a:solidFill>
-              </a:rPr>
-              <a:t>20</a:t>
+              <a:t>Present (20</a:t>
             </a:r>
             <a:r>
               <a:rPr lang="en-GB" sz="1400" dirty="0">
@@ -15935,15 +18068,7 @@
                   <a:schemeClr val="tx1"/>
                 </a:solidFill>
               </a:rPr>
-              <a:t>) </a:t>
-            </a:r>
-            <a:r>
-              <a:rPr lang="en-GB" sz="1400" dirty="0">
-                <a:solidFill>
-                  <a:schemeClr val="tx1"/>
-                </a:solidFill>
-              </a:rPr>
-              <a:t>proposal from “HCT in </a:t>
+              <a:t>) proposal from “HCT in </a:t>
             </a:r>
             <a:r>
               <a:rPr lang="en-GB" sz="1400" dirty="0" err="1">
@@ -15959,21 +18084,8 @@
                   <a:schemeClr val="tx1"/>
                 </a:solidFill>
               </a:rPr>
-              <a:t>-project</a:t>
+              <a:t>-project”</a:t>
             </a:r>
-            <a:r>
-              <a:rPr lang="en-GB" sz="1400" dirty="0">
-                <a:solidFill>
-                  <a:schemeClr val="tx1"/>
-                </a:solidFill>
-              </a:rPr>
-              <a:t>”</a:t>
-            </a:r>
-            <a:endParaRPr lang="en-GB" sz="1400" dirty="0">
-              <a:solidFill>
-                <a:schemeClr val="tx1"/>
-              </a:solidFill>
-            </a:endParaRPr>
           </a:p>
         </p:txBody>
       </p:sp>
@@ -16037,11 +18149,6 @@
               </a:rPr>
               <a:t>###</a:t>
             </a:r>
-            <a:endParaRPr lang="en-GB" sz="1400" dirty="0">
-              <a:solidFill>
-                <a:srgbClr val="FF0000"/>
-              </a:solidFill>
-            </a:endParaRPr>
           </a:p>
         </p:txBody>
       </p:sp>
@@ -17292,7 +19399,6 @@
               <a:rPr lang="en-GB" dirty="0"/>
               <a:t>FBO</a:t>
             </a:r>
-            <a:endParaRPr lang="en-GB" dirty="0"/>
           </a:p>
         </p:txBody>
       </p:sp>
@@ -17350,7 +19456,6 @@
               <a:rPr lang="en-GB" dirty="0"/>
               <a:t>FAI</a:t>
             </a:r>
-            <a:endParaRPr lang="en-GB" dirty="0"/>
           </a:p>
         </p:txBody>
       </p:sp>
@@ -17377,11 +19482,7 @@
           <a:p>
             <a:r>
               <a:rPr lang="en-GB" dirty="0"/>
-              <a:t>R</a:t>
-            </a:r>
-            <a:r>
-              <a:rPr lang="en-GB" dirty="0"/>
-              <a:t>AI=</a:t>
+              <a:t>RAI=</a:t>
             </a:r>
             <a:r>
               <a:rPr lang="en-GB" dirty="0" err="1"/>
@@ -17416,7 +19517,6 @@
               <a:rPr lang="en-GB" dirty="0"/>
               <a:t>RBM</a:t>
             </a:r>
-            <a:endParaRPr lang="en-GB" dirty="0"/>
           </a:p>
         </p:txBody>
       </p:sp>
@@ -17445,7 +19545,6 @@
               <a:rPr lang="en-GB" dirty="0"/>
               <a:t>FAM</a:t>
             </a:r>
-            <a:endParaRPr lang="en-GB" dirty="0"/>
           </a:p>
         </p:txBody>
       </p:sp>
@@ -17785,7 +19884,6 @@
               <a:rPr lang="en-GB" sz="1600" dirty="0"/>
               <a:t>WAM</a:t>
             </a:r>
-            <a:endParaRPr lang="en-GB" sz="1600" dirty="0"/>
           </a:p>
         </p:txBody>
       </p:sp>
@@ -18043,7 +20141,6 @@
               <a:rPr lang="en-GB" dirty="0"/>
               <a:t>follower</a:t>
             </a:r>
-            <a:endParaRPr lang="en-GB" dirty="0"/>
           </a:p>
         </p:txBody>
       </p:sp>
@@ -18072,7 +20169,6 @@
               <a:rPr lang="en-GB" dirty="0"/>
               <a:t>FAO</a:t>
             </a:r>
-            <a:endParaRPr lang="en-GB" dirty="0"/>
           </a:p>
         </p:txBody>
       </p:sp>

--- a/OpenPBS/Resources/illustrations/DescriptionsPerPBS_ToTool.pptx
+++ b/OpenPBS/Resources/illustrations/DescriptionsPerPBS_ToTool.pptx
@@ -207,7 +207,7 @@
           <a:p>
             <a:fld id="{C4323B45-13B1-45B0-9F8E-94CB6922880E}" type="datetimeFigureOut">
               <a:rPr lang="en-GB" smtClean="0"/>
-              <a:t>02/12/2016</a:t>
+              <a:t>14/12/2016</a:t>
             </a:fld>
             <a:endParaRPr lang="en-GB"/>
           </a:p>
@@ -11342,8 +11342,8 @@
           </a:p>
         </p:txBody>
       </p:sp>
-      <mc:AlternateContent xmlns:mc="http://schemas.openxmlformats.org/markup-compatibility/2006">
-        <mc:Choice xmlns:a14="http://schemas.microsoft.com/office/drawing/2010/main" Requires="a14">
+      <mc:AlternateContent xmlns:mc="http://schemas.openxmlformats.org/markup-compatibility/2006" xmlns:a14="http://schemas.microsoft.com/office/drawing/2010/main">
+        <mc:Choice Requires="a14">
           <p:sp>
             <p:nvSpPr>
               <p:cNvPr id="18" name="TextBox 17"/>
@@ -11530,7 +11530,7 @@
             </p:txBody>
           </p:sp>
         </mc:Choice>
-        <mc:Fallback>
+        <mc:Fallback xmlns="">
           <p:sp>
             <p:nvSpPr>
               <p:cNvPr id="18" name="TextBox 17"/>
@@ -15409,8 +15409,8 @@
           </a:p>
         </p:txBody>
       </p:sp>
-      <mc:AlternateContent xmlns:mc="http://schemas.openxmlformats.org/markup-compatibility/2006">
-        <mc:Choice xmlns:a14="http://schemas.microsoft.com/office/drawing/2010/main" Requires="a14">
+      <mc:AlternateContent xmlns:mc="http://schemas.openxmlformats.org/markup-compatibility/2006" xmlns:a14="http://schemas.microsoft.com/office/drawing/2010/main">
+        <mc:Choice Requires="a14">
           <p:sp>
             <p:nvSpPr>
               <p:cNvPr id="18" name="TextBox 17"/>
@@ -15528,11 +15528,7 @@
                 </a:r>
                 <a:r>
                   <a:rPr lang="en-GB" dirty="0" smtClean="0"/>
-                  <a:t>: </a:t>
-                </a:r>
-                <a:r>
-                  <a:rPr lang="en-GB" dirty="0" smtClean="0"/>
-                  <a:t>Upgrade in % </a:t>
+                  <a:t>: Upgrade in % </a:t>
                 </a:r>
                 <a:r>
                   <a:rPr lang="en-GB" dirty="0"/>
@@ -15562,7 +15558,7 @@
             </p:txBody>
           </p:sp>
         </mc:Choice>
-        <mc:Fallback>
+        <mc:Fallback xmlns="">
           <p:sp>
             <p:nvSpPr>
               <p:cNvPr id="18" name="TextBox 17"/>
@@ -16962,15 +16958,7 @@
             </a:r>
             <a:r>
               <a:rPr lang="en-GB" b="1" dirty="0" smtClean="0"/>
-              <a:t>. </a:t>
-            </a:r>
-            <a:r>
-              <a:rPr lang="en-GB" b="1" smtClean="0"/>
-              <a:t>Alternatives</a:t>
-            </a:r>
-            <a:r>
-              <a:rPr lang="en-GB" b="1" dirty="0" smtClean="0"/>
-              <a:t>:</a:t>
+              <a:t>. Alternatives:</a:t>
             </a:r>
           </a:p>
           <a:p>
@@ -17259,6 +17247,92 @@
           <a:p>
             <a:pPr algn="ctr"/>
             <a:endParaRPr lang="en-GB"/>
+          </a:p>
+        </p:txBody>
+      </p:sp>
+      <p:sp>
+        <p:nvSpPr>
+          <p:cNvPr id="4" name="Rectangle 3"/>
+          <p:cNvSpPr/>
+          <p:nvPr/>
+        </p:nvSpPr>
+        <p:spPr>
+          <a:xfrm>
+            <a:off x="840657" y="1321405"/>
+            <a:ext cx="10701969" cy="1569660"/>
+          </a:xfrm>
+          <a:prstGeom prst="rect">
+            <a:avLst/>
+          </a:prstGeom>
+          <a:solidFill>
+            <a:srgbClr val="FFFF00"/>
+          </a:solidFill>
+        </p:spPr>
+        <p:txBody>
+          <a:bodyPr wrap="none">
+            <a:spAutoFit/>
+          </a:bodyPr>
+          <a:lstStyle/>
+          <a:p>
+            <a:r>
+              <a:rPr lang="en-GB" sz="2400" b="1" dirty="0" smtClean="0"/>
+              <a:t>Top level Alternatives:</a:t>
+            </a:r>
+          </a:p>
+          <a:p>
+            <a:pPr marL="285750" indent="-285750">
+              <a:buFont typeface="Arial" panose="020B0604020202020204" pitchFamily="34" charset="0"/>
+              <a:buChar char="•"/>
+            </a:pPr>
+            <a:r>
+              <a:rPr lang="en-GB" sz="2400" b="1" dirty="0" smtClean="0"/>
+              <a:t>A performance measure (deceleration, lateral deviation, </a:t>
+            </a:r>
+            <a:r>
+              <a:rPr lang="en-GB" sz="2400" b="1" dirty="0" err="1" smtClean="0"/>
+              <a:t>etc</a:t>
+            </a:r>
+            <a:r>
+              <a:rPr lang="en-GB" sz="2400" b="1" dirty="0" smtClean="0"/>
+              <a:t>…)</a:t>
+            </a:r>
+          </a:p>
+          <a:p>
+            <a:pPr marL="285750" indent="-285750">
+              <a:buFont typeface="Arial" panose="020B0604020202020204" pitchFamily="34" charset="0"/>
+              <a:buChar char="•"/>
+            </a:pPr>
+            <a:r>
+              <a:rPr lang="en-GB" sz="2400" b="1" dirty="0" smtClean="0"/>
+              <a:t>or each unit “EBS certified” (we need to assume this is in </a:t>
+            </a:r>
+            <a:r>
+              <a:rPr lang="en-GB" sz="2400" b="1" dirty="0" err="1" smtClean="0"/>
+              <a:t>UnitSpec</a:t>
+            </a:r>
+            <a:r>
+              <a:rPr lang="en-GB" sz="2400" b="1" dirty="0" smtClean="0"/>
+              <a:t>)</a:t>
+            </a:r>
+          </a:p>
+          <a:p>
+            <a:r>
+              <a:rPr lang="en-GB" sz="2400" b="1" dirty="0" err="1" smtClean="0"/>
+              <a:t>SteGrp</a:t>
+            </a:r>
+            <a:r>
+              <a:rPr lang="en-GB" sz="2400" b="1" dirty="0" smtClean="0"/>
+              <a:t> meeting 2016-12-14: 2</a:t>
+            </a:r>
+            <a:r>
+              <a:rPr lang="en-GB" sz="2400" b="1" baseline="30000" dirty="0" smtClean="0"/>
+              <a:t>nd</a:t>
+            </a:r>
+            <a:r>
+              <a:rPr lang="en-GB" sz="2400" b="1" dirty="0" smtClean="0"/>
+              <a:t> option seems accepted and proven by winter tests.</a:t>
+            </a:r>
+            <a:endParaRPr lang="en-GB" sz="2400" dirty="0"/>
           </a:p>
         </p:txBody>
       </p:sp>

--- a/OpenPBS/Resources/illustrations/DescriptionsPerPBS_ToTool.pptx
+++ b/OpenPBS/Resources/illustrations/DescriptionsPerPBS_ToTool.pptx
@@ -5,7 +5,7 @@
     <p:sldMasterId id="2147483648" r:id="rId1"/>
   </p:sldMasterIdLst>
   <p:notesMasterIdLst>
-    <p:notesMasterId r:id="rId13"/>
+    <p:notesMasterId r:id="rId14"/>
   </p:notesMasterIdLst>
   <p:sldIdLst>
     <p:sldId id="258" r:id="rId2"/>
@@ -19,6 +19,7 @@
     <p:sldId id="260" r:id="rId10"/>
     <p:sldId id="257" r:id="rId11"/>
     <p:sldId id="262" r:id="rId12"/>
+    <p:sldId id="267" r:id="rId13"/>
   </p:sldIdLst>
   <p:sldSz cx="12192000" cy="6858000"/>
   <p:notesSz cx="6858000" cy="9144000"/>
@@ -207,7 +208,7 @@
           <a:p>
             <a:fld id="{C4323B45-13B1-45B0-9F8E-94CB6922880E}" type="datetimeFigureOut">
               <a:rPr lang="en-GB" smtClean="0"/>
-              <a:t>14/12/2016</a:t>
+              <a:t>06/01/2017</a:t>
             </a:fld>
             <a:endParaRPr lang="en-GB"/>
           </a:p>
@@ -2234,7 +2235,7 @@
                             </a:spcAft>
                           </a:pPr>
                           <a:r>
-                            <a:rPr lang="en-US" sz="1600">
+                            <a:rPr lang="en-US" sz="1600" dirty="0">
                               <a:effectLst/>
                               <a:latin typeface="Cambria" panose="02040503050406030204" pitchFamily="18" charset="0"/>
                               <a:ea typeface="Calibri" panose="020F0502020204030204" pitchFamily="34" charset="0"/>
@@ -2242,7 +2243,7 @@
                             </a:rPr>
                             <a:t>Load Transfer Ratio</a:t>
                           </a:r>
-                          <a:endParaRPr lang="sv-SE" sz="1800">
+                          <a:endParaRPr lang="sv-SE" sz="1800" dirty="0">
                             <a:effectLst/>
                             <a:latin typeface="Cambria" panose="02040503050406030204" pitchFamily="18" charset="0"/>
                             <a:ea typeface="Calibri" panose="020F0502020204030204" pitchFamily="34" charset="0"/>
@@ -11177,6 +11178,859 @@
     <p:extLst>
       <p:ext uri="{BB962C8B-B14F-4D97-AF65-F5344CB8AC3E}">
         <p14:creationId xmlns:p14="http://schemas.microsoft.com/office/powerpoint/2010/main" val="3796196680"/>
+      </p:ext>
+    </p:extLst>
+  </p:cSld>
+  <p:clrMapOvr>
+    <a:masterClrMapping/>
+  </p:clrMapOvr>
+</p:sld>
+</file>
+
+<file path=ppt/slides/slide12.xml><?xml version="1.0" encoding="utf-8"?>
+<p:sld xmlns:a="http://schemas.openxmlformats.org/drawingml/2006/main" xmlns:r="http://schemas.openxmlformats.org/officeDocument/2006/relationships" xmlns:p="http://schemas.openxmlformats.org/presentationml/2006/main">
+  <p:cSld>
+    <p:spTree>
+      <p:nvGrpSpPr>
+        <p:cNvPr id="1" name=""/>
+        <p:cNvGrpSpPr/>
+        <p:nvPr/>
+      </p:nvGrpSpPr>
+      <p:grpSpPr>
+        <a:xfrm>
+          <a:off x="0" y="0"/>
+          <a:ext cx="0" cy="0"/>
+          <a:chOff x="0" y="0"/>
+          <a:chExt cx="0" cy="0"/>
+        </a:xfrm>
+      </p:grpSpPr>
+      <p:sp>
+        <p:nvSpPr>
+          <p:cNvPr id="30" name="Cloud 29"/>
+          <p:cNvSpPr/>
+          <p:nvPr/>
+        </p:nvSpPr>
+        <p:spPr>
+          <a:xfrm>
+            <a:off x="7359805" y="3423428"/>
+            <a:ext cx="4572000" cy="2453269"/>
+          </a:xfrm>
+          <a:prstGeom prst="cloud">
+            <a:avLst/>
+          </a:prstGeom>
+          <a:solidFill>
+            <a:schemeClr val="bg1">
+              <a:lumMod val="95000"/>
+            </a:schemeClr>
+          </a:solidFill>
+        </p:spPr>
+        <p:style>
+          <a:lnRef idx="2">
+            <a:schemeClr val="accent1">
+              <a:shade val="50000"/>
+            </a:schemeClr>
+          </a:lnRef>
+          <a:fillRef idx="1">
+            <a:schemeClr val="accent1"/>
+          </a:fillRef>
+          <a:effectRef idx="0">
+            <a:schemeClr val="accent1"/>
+          </a:effectRef>
+          <a:fontRef idx="minor">
+            <a:schemeClr val="lt1"/>
+          </a:fontRef>
+        </p:style>
+        <p:txBody>
+          <a:bodyPr rtlCol="0" anchor="ctr"/>
+          <a:lstStyle/>
+          <a:p>
+            <a:pPr algn="ctr"/>
+            <a:endParaRPr lang="en-GB"/>
+          </a:p>
+        </p:txBody>
+      </p:sp>
+      <p:sp>
+        <p:nvSpPr>
+          <p:cNvPr id="2" name="Title 1"/>
+          <p:cNvSpPr>
+            <a:spLocks noGrp="1"/>
+          </p:cNvSpPr>
+          <p:nvPr>
+            <p:ph type="title"/>
+          </p:nvPr>
+        </p:nvSpPr>
+        <p:spPr/>
+        <p:txBody>
+          <a:bodyPr>
+            <a:normAutofit/>
+          </a:bodyPr>
+          <a:lstStyle/>
+          <a:p>
+            <a:r>
+              <a:rPr lang="en-GB" sz="5400" dirty="0"/>
+              <a:t>LTR, Load Transfer </a:t>
+            </a:r>
+            <a:r>
+              <a:rPr lang="en-GB" sz="5400" dirty="0" smtClean="0"/>
+              <a:t>Ratio</a:t>
+            </a:r>
+            <a:endParaRPr lang="en-GB" sz="5400" dirty="0"/>
+          </a:p>
+        </p:txBody>
+      </p:sp>
+      <p:sp>
+        <p:nvSpPr>
+          <p:cNvPr id="3" name="Rectangle 2"/>
+          <p:cNvSpPr/>
+          <p:nvPr/>
+        </p:nvSpPr>
+        <p:spPr>
+          <a:xfrm>
+            <a:off x="1967658" y="6047195"/>
+            <a:ext cx="9035143" cy="369332"/>
+          </a:xfrm>
+          <a:prstGeom prst="rect">
+            <a:avLst/>
+          </a:prstGeom>
+        </p:spPr>
+        <p:txBody>
+          <a:bodyPr wrap="square">
+            <a:spAutoFit/>
+          </a:bodyPr>
+          <a:lstStyle/>
+          <a:p>
+            <a:r>
+              <a:rPr lang="en-GB" i="1" dirty="0">
+                <a:solidFill>
+                  <a:srgbClr val="FF0000"/>
+                </a:solidFill>
+              </a:rPr>
+              <a:t>Present known open issues with this slide: ###, ###, …</a:t>
+            </a:r>
+          </a:p>
+        </p:txBody>
+      </p:sp>
+      <mc:AlternateContent xmlns:mc="http://schemas.openxmlformats.org/markup-compatibility/2006">
+        <mc:Choice xmlns:a14="http://schemas.microsoft.com/office/drawing/2010/main" Requires="a14">
+          <p:sp>
+            <p:nvSpPr>
+              <p:cNvPr id="18" name="TextBox 17"/>
+              <p:cNvSpPr txBox="1"/>
+              <p:nvPr/>
+            </p:nvSpPr>
+            <p:spPr>
+              <a:xfrm>
+                <a:off x="476296" y="1414027"/>
+                <a:ext cx="6825342" cy="4524315"/>
+              </a:xfrm>
+              <a:prstGeom prst="rect">
+                <a:avLst/>
+              </a:prstGeom>
+              <a:noFill/>
+            </p:spPr>
+            <p:txBody>
+              <a:bodyPr wrap="square" rtlCol="0">
+                <a:spAutoFit/>
+              </a:bodyPr>
+              <a:lstStyle/>
+              <a:p>
+                <a:r>
+                  <a:rPr lang="en-GB" b="1" dirty="0"/>
+                  <a:t>PBS manoeuvre</a:t>
+                </a:r>
+                <a:r>
+                  <a:rPr lang="en-GB" dirty="0"/>
+                  <a:t>: </a:t>
+                </a:r>
+                <a:r>
+                  <a:rPr lang="en-GB" dirty="0" smtClean="0"/>
+                  <a:t>SLC, </a:t>
+                </a:r>
+                <a:r>
+                  <a:rPr lang="en-GB" b="1" dirty="0" smtClean="0"/>
+                  <a:t>Speed</a:t>
+                </a:r>
+                <a:r>
+                  <a:rPr lang="en-GB" b="1" dirty="0"/>
+                  <a:t>=</a:t>
+                </a:r>
+                <a:r>
+                  <a:rPr lang="en-GB" b="1" dirty="0">
+                    <a:solidFill>
+                      <a:srgbClr val="FF0000"/>
+                    </a:solidFill>
+                  </a:rPr>
+                  <a:t>#?</a:t>
+                </a:r>
+                <a:r>
+                  <a:rPr lang="en-GB" b="1" dirty="0"/>
+                  <a:t>. Friction=</a:t>
+                </a:r>
+                <a:r>
+                  <a:rPr lang="en-GB" b="1" dirty="0">
+                    <a:solidFill>
+                      <a:srgbClr val="FF0000"/>
+                    </a:solidFill>
+                  </a:rPr>
+                  <a:t>#?</a:t>
+                </a:r>
+                <a:r>
+                  <a:rPr lang="en-GB" b="1" dirty="0"/>
+                  <a:t>. Unit loading</a:t>
+                </a:r>
+                <a:r>
+                  <a:rPr lang="en-GB" b="1" dirty="0">
+                    <a:solidFill>
+                      <a:srgbClr val="FF0000"/>
+                    </a:solidFill>
+                  </a:rPr>
+                  <a:t>=#?</a:t>
+                </a:r>
+                <a:r>
+                  <a:rPr lang="en-GB" b="1" dirty="0"/>
+                  <a:t>.</a:t>
+                </a:r>
+                <a:r>
+                  <a:rPr lang="sv-SE" dirty="0"/>
+                  <a:t> </a:t>
+                </a:r>
+                <a:r>
+                  <a:rPr lang="en-GB" b="1" dirty="0"/>
+                  <a:t>Alternatives</a:t>
+                </a:r>
+                <a:r>
+                  <a:rPr lang="en-GB" dirty="0"/>
+                  <a:t>:</a:t>
+                </a:r>
+              </a:p>
+              <a:p>
+                <a:pPr marL="285750" indent="-285750">
+                  <a:buFont typeface="Arial" panose="020B0604020202020204" pitchFamily="34" charset="0"/>
+                  <a:buChar char="•"/>
+                </a:pPr>
+                <a:r>
+                  <a:rPr lang="sv-SE" dirty="0" err="1" smtClean="0"/>
+                  <a:t>Amplitude</a:t>
+                </a:r>
+                <a:r>
+                  <a:rPr lang="sv-SE" dirty="0" smtClean="0"/>
+                  <a:t>  </a:t>
+                </a:r>
+                <a:r>
+                  <a:rPr lang="sv-SE" dirty="0" err="1" smtClean="0"/>
+                  <a:t>explicitely</a:t>
+                </a:r>
+                <a:r>
+                  <a:rPr lang="sv-SE" dirty="0" smtClean="0"/>
+                  <a:t> </a:t>
+                </a:r>
+                <a:r>
+                  <a:rPr lang="sv-SE" dirty="0" err="1" smtClean="0"/>
+                  <a:t>defined</a:t>
+                </a:r>
+                <a:r>
+                  <a:rPr lang="sv-SE" dirty="0" smtClean="0"/>
+                  <a:t> by </a:t>
+                </a:r>
+                <a:r>
+                  <a:rPr lang="sv-SE" dirty="0" err="1" smtClean="0"/>
+                  <a:t>steering</a:t>
+                </a:r>
+                <a:r>
+                  <a:rPr lang="sv-SE" dirty="0" smtClean="0"/>
+                  <a:t> or lat </a:t>
+                </a:r>
+                <a:r>
+                  <a:rPr lang="sv-SE" dirty="0" err="1" smtClean="0"/>
+                  <a:t>accel</a:t>
+                </a:r>
+                <a:r>
+                  <a:rPr lang="sv-SE" dirty="0" smtClean="0"/>
+                  <a:t> </a:t>
+                </a:r>
+                <a:r>
+                  <a:rPr lang="sv-SE" dirty="0" err="1" smtClean="0"/>
+                  <a:t>amplitude</a:t>
+                </a:r>
+                <a:r>
+                  <a:rPr lang="sv-SE" dirty="0" smtClean="0"/>
+                  <a:t> on </a:t>
+                </a:r>
+                <a:r>
+                  <a:rPr lang="sv-SE" dirty="0" err="1" smtClean="0"/>
+                  <a:t>first</a:t>
+                </a:r>
+                <a:r>
+                  <a:rPr lang="sv-SE" dirty="0" smtClean="0"/>
+                  <a:t> </a:t>
+                </a:r>
+                <a:r>
+                  <a:rPr lang="sv-SE" dirty="0" err="1" smtClean="0"/>
+                  <a:t>axle</a:t>
+                </a:r>
+                <a:endParaRPr lang="sv-SE" dirty="0"/>
+              </a:p>
+              <a:p>
+                <a:pPr marL="285750" indent="-285750">
+                  <a:buFont typeface="Arial" panose="020B0604020202020204" pitchFamily="34" charset="0"/>
+                  <a:buChar char="•"/>
+                </a:pPr>
+                <a:r>
+                  <a:rPr lang="sv-SE" dirty="0" err="1" smtClean="0"/>
+                  <a:t>Amplitude</a:t>
+                </a:r>
+                <a:r>
+                  <a:rPr lang="sv-SE" dirty="0" smtClean="0"/>
+                  <a:t> </a:t>
+                </a:r>
+                <a:r>
+                  <a:rPr lang="sv-SE" dirty="0" err="1" smtClean="0"/>
+                  <a:t>implictely</a:t>
+                </a:r>
+                <a:r>
+                  <a:rPr lang="sv-SE" dirty="0" smtClean="0"/>
+                  <a:t> </a:t>
+                </a:r>
+                <a:r>
+                  <a:rPr lang="sv-SE" dirty="0" err="1" smtClean="0"/>
+                  <a:t>defined</a:t>
+                </a:r>
+                <a:r>
+                  <a:rPr lang="sv-SE" dirty="0" smtClean="0"/>
+                  <a:t> as </a:t>
+                </a:r>
+                <a:r>
+                  <a:rPr lang="sv-SE" dirty="0" err="1" smtClean="0"/>
+                  <a:t>amplitude</a:t>
+                </a:r>
+                <a:r>
+                  <a:rPr lang="sv-SE" dirty="0" smtClean="0"/>
+                  <a:t> </a:t>
+                </a:r>
+                <a:r>
+                  <a:rPr lang="sv-SE" dirty="0" err="1" smtClean="0"/>
+                  <a:t>when</a:t>
+                </a:r>
+                <a:r>
+                  <a:rPr lang="sv-SE" dirty="0" smtClean="0"/>
+                  <a:t> LTR=100%</a:t>
+                </a:r>
+              </a:p>
+              <a:p>
+                <a:pPr marL="742950" lvl="1" indent="-285750">
+                  <a:buFont typeface="Arial" panose="020B0604020202020204" pitchFamily="34" charset="0"/>
+                  <a:buChar char="•"/>
+                </a:pPr>
+                <a:r>
+                  <a:rPr lang="sv-SE" dirty="0" smtClean="0"/>
+                  <a:t>on </a:t>
+                </a:r>
+                <a:r>
+                  <a:rPr lang="en-US" b="1" dirty="0" err="1" smtClean="0"/>
+                  <a:t>alla</a:t>
+                </a:r>
+                <a:r>
+                  <a:rPr lang="en-US" b="1" dirty="0" smtClean="0"/>
+                  <a:t> </a:t>
+                </a:r>
+                <a:r>
+                  <a:rPr lang="en-US" b="1" dirty="0" err="1"/>
+                  <a:t>axlar</a:t>
+                </a:r>
+                <a:r>
+                  <a:rPr lang="en-US" b="1" dirty="0"/>
+                  <a:t> i </a:t>
+                </a:r>
+                <a:r>
+                  <a:rPr lang="en-US" b="1" dirty="0" err="1"/>
+                  <a:t>alla</a:t>
+                </a:r>
+                <a:r>
+                  <a:rPr lang="en-US" b="1" dirty="0"/>
+                  <a:t> </a:t>
+                </a:r>
+                <a:r>
+                  <a:rPr lang="en-US" b="1" dirty="0" err="1"/>
+                  <a:t>enheter</a:t>
+                </a:r>
+                <a:r>
+                  <a:rPr lang="en-US" dirty="0"/>
+                  <a:t> </a:t>
+                </a:r>
+                <a:r>
+                  <a:rPr lang="en-US" dirty="0" err="1"/>
+                  <a:t>kombinationsfordonet</a:t>
+                </a:r>
+                <a:r>
+                  <a:rPr lang="en-US" dirty="0"/>
+                  <a:t>?</a:t>
+                </a:r>
+                <a:endParaRPr lang="sv-SE" dirty="0"/>
+              </a:p>
+              <a:p>
+                <a:pPr marL="742950" lvl="1" indent="-285750">
+                  <a:buFont typeface="Arial" panose="020B0604020202020204" pitchFamily="34" charset="0"/>
+                  <a:buChar char="•"/>
+                </a:pPr>
+                <a:r>
+                  <a:rPr lang="en-US" u="sng" dirty="0" err="1" smtClean="0"/>
+                  <a:t>på</a:t>
+                </a:r>
+                <a:r>
+                  <a:rPr lang="en-US" u="sng" dirty="0" smtClean="0"/>
+                  <a:t> </a:t>
+                </a:r>
+                <a:r>
+                  <a:rPr lang="en-US" b="1" u="sng" dirty="0" err="1"/>
+                  <a:t>alla</a:t>
+                </a:r>
+                <a:r>
+                  <a:rPr lang="en-US" b="1" u="sng" dirty="0"/>
+                  <a:t> </a:t>
+                </a:r>
+                <a:r>
+                  <a:rPr lang="en-US" b="1" u="sng" dirty="0" err="1"/>
+                  <a:t>axlar</a:t>
+                </a:r>
+                <a:r>
+                  <a:rPr lang="en-US" b="1" u="sng" dirty="0"/>
+                  <a:t> i </a:t>
+                </a:r>
+                <a:r>
+                  <a:rPr lang="en-US" b="1" u="sng" dirty="0" err="1"/>
+                  <a:t>någon</a:t>
+                </a:r>
+                <a:r>
+                  <a:rPr lang="en-US" b="1" u="sng" dirty="0"/>
+                  <a:t> (roll-coupled) </a:t>
+                </a:r>
+                <a:r>
+                  <a:rPr lang="en-US" b="1" u="sng" dirty="0" err="1"/>
+                  <a:t>enhet</a:t>
+                </a:r>
+                <a:r>
+                  <a:rPr lang="en-US" u="sng" dirty="0"/>
+                  <a:t> i </a:t>
+                </a:r>
+                <a:r>
+                  <a:rPr lang="en-US" u="sng" dirty="0" err="1"/>
+                  <a:t>kombinationsfordonet</a:t>
+                </a:r>
+                <a:r>
+                  <a:rPr lang="en-US" u="sng" dirty="0"/>
+                  <a:t>?</a:t>
+                </a:r>
+                <a:endParaRPr lang="sv-SE" u="sng" dirty="0"/>
+              </a:p>
+              <a:p>
+                <a:pPr marL="742950" lvl="1" indent="-285750">
+                  <a:buFont typeface="Arial" panose="020B0604020202020204" pitchFamily="34" charset="0"/>
+                  <a:buChar char="•"/>
+                </a:pPr>
+                <a:r>
+                  <a:rPr lang="en-US" dirty="0" err="1" smtClean="0"/>
+                  <a:t>på</a:t>
+                </a:r>
+                <a:r>
+                  <a:rPr lang="en-US" dirty="0" smtClean="0"/>
+                  <a:t> </a:t>
+                </a:r>
+                <a:r>
+                  <a:rPr lang="en-US" b="1" dirty="0" err="1"/>
+                  <a:t>alla</a:t>
+                </a:r>
+                <a:r>
+                  <a:rPr lang="en-US" b="1" dirty="0"/>
+                  <a:t> </a:t>
+                </a:r>
+                <a:r>
+                  <a:rPr lang="en-US" b="1" dirty="0" err="1"/>
+                  <a:t>axlar</a:t>
+                </a:r>
+                <a:r>
+                  <a:rPr lang="en-US" b="1" dirty="0"/>
+                  <a:t> i </a:t>
+                </a:r>
+                <a:r>
+                  <a:rPr lang="en-US" b="1" dirty="0" err="1"/>
+                  <a:t>någon</a:t>
+                </a:r>
+                <a:r>
+                  <a:rPr lang="en-US" b="1" dirty="0"/>
+                  <a:t> </a:t>
+                </a:r>
+                <a:r>
+                  <a:rPr lang="en-US" b="1" dirty="0" err="1"/>
+                  <a:t>enhet</a:t>
+                </a:r>
+                <a:r>
+                  <a:rPr lang="en-US" dirty="0"/>
+                  <a:t> i </a:t>
+                </a:r>
+                <a:r>
+                  <a:rPr lang="en-US" dirty="0" err="1"/>
+                  <a:t>kombinationsfordonet</a:t>
+                </a:r>
+                <a:r>
+                  <a:rPr lang="en-US" dirty="0"/>
+                  <a:t>?</a:t>
+                </a:r>
+                <a:endParaRPr lang="sv-SE" dirty="0"/>
+              </a:p>
+              <a:p>
+                <a:pPr marL="742950" lvl="1" indent="-285750">
+                  <a:buFont typeface="Arial" panose="020B0604020202020204" pitchFamily="34" charset="0"/>
+                  <a:buChar char="•"/>
+                </a:pPr>
+                <a:r>
+                  <a:rPr lang="en-US" dirty="0" err="1" smtClean="0"/>
+                  <a:t>på</a:t>
+                </a:r>
+                <a:r>
+                  <a:rPr lang="en-US" dirty="0" smtClean="0"/>
+                  <a:t> </a:t>
+                </a:r>
+                <a:r>
+                  <a:rPr lang="en-US" b="1" dirty="0" err="1"/>
+                  <a:t>någon</a:t>
+                </a:r>
+                <a:r>
+                  <a:rPr lang="en-US" b="1" dirty="0"/>
+                  <a:t> axel</a:t>
+                </a:r>
+                <a:r>
+                  <a:rPr lang="en-US" dirty="0"/>
+                  <a:t> i </a:t>
+                </a:r>
+                <a:r>
+                  <a:rPr lang="en-US" dirty="0" err="1"/>
+                  <a:t>kombinationsfordonet</a:t>
+                </a:r>
+                <a:r>
+                  <a:rPr lang="en-US" dirty="0"/>
+                  <a:t>?</a:t>
+                </a:r>
+                <a:endParaRPr lang="sv-SE" dirty="0"/>
+              </a:p>
+              <a:p>
+                <a:pPr marL="742950" lvl="1" indent="-285750">
+                  <a:buFont typeface="Arial" panose="020B0604020202020204" pitchFamily="34" charset="0"/>
+                  <a:buChar char="•"/>
+                </a:pPr>
+                <a:endParaRPr lang="sv-SE" dirty="0"/>
+              </a:p>
+              <a:p>
+                <a:r>
+                  <a:rPr lang="en-GB" b="1" dirty="0"/>
+                  <a:t>PBS measure</a:t>
+                </a:r>
+                <a:r>
+                  <a:rPr lang="en-GB" dirty="0"/>
+                  <a:t>: </a:t>
+                </a:r>
+                <a14:m>
+                  <m:oMath xmlns:m="http://schemas.openxmlformats.org/officeDocument/2006/math">
+                    <m:r>
+                      <a:rPr lang="sv-SE" i="1" dirty="0">
+                        <a:latin typeface="Cambria Math" panose="02040503050406030204" pitchFamily="18" charset="0"/>
+                      </a:rPr>
+                      <m:t>#;</m:t>
+                    </m:r>
+                  </m:oMath>
+                </a14:m>
+                <a:r>
+                  <a:rPr lang="sv-SE" dirty="0"/>
+                  <a:t>. </a:t>
+                </a:r>
+                <a:r>
+                  <a:rPr lang="en-GB" b="1" dirty="0"/>
+                  <a:t>Alternatives:</a:t>
+                </a:r>
+              </a:p>
+              <a:p>
+                <a:pPr marL="285750" indent="-285750">
+                  <a:buFont typeface="Arial" panose="020B0604020202020204" pitchFamily="34" charset="0"/>
+                  <a:buChar char="•"/>
+                </a:pPr>
+                <a:r>
+                  <a:rPr lang="en-GB" dirty="0"/>
+                  <a:t>###</a:t>
+                </a:r>
+              </a:p>
+              <a:p>
+                <a:pPr marL="285750" indent="-285750">
+                  <a:buFont typeface="Arial" panose="020B0604020202020204" pitchFamily="34" charset="0"/>
+                  <a:buChar char="•"/>
+                </a:pPr>
+                <a:r>
+                  <a:rPr lang="en-GB" dirty="0"/>
+                  <a:t>###</a:t>
+                </a:r>
+              </a:p>
+              <a:p>
+                <a:pPr marL="285750" indent="-285750">
+                  <a:buFont typeface="Arial" panose="020B0604020202020204" pitchFamily="34" charset="0"/>
+                  <a:buChar char="•"/>
+                </a:pPr>
+                <a:r>
+                  <a:rPr lang="en-GB" dirty="0" smtClean="0"/>
+                  <a:t>###</a:t>
+                </a:r>
+              </a:p>
+              <a:p>
+                <a:r>
+                  <a:rPr lang="en-GB" b="1" dirty="0"/>
+                  <a:t>PBS requirement:</a:t>
+                </a:r>
+                <a:r>
+                  <a:rPr lang="en-GB" dirty="0"/>
+                  <a:t> Typical </a:t>
+                </a:r>
+                <a:r>
+                  <a:rPr lang="en-GB" dirty="0" smtClean="0"/>
+                  <a:t>#</a:t>
+                </a:r>
+                <a:endParaRPr lang="sv-SE" dirty="0"/>
+              </a:p>
+            </p:txBody>
+          </p:sp>
+        </mc:Choice>
+        <mc:Fallback>
+          <p:sp>
+            <p:nvSpPr>
+              <p:cNvPr id="18" name="TextBox 17"/>
+              <p:cNvSpPr txBox="1">
+                <a:spLocks noRot="1" noChangeAspect="1" noMove="1" noResize="1" noEditPoints="1" noAdjustHandles="1" noChangeArrowheads="1" noChangeShapeType="1" noTextEdit="1"/>
+              </p:cNvSpPr>
+              <p:nvPr/>
+            </p:nvSpPr>
+            <p:spPr>
+              <a:xfrm>
+                <a:off x="476296" y="1414027"/>
+                <a:ext cx="6825342" cy="4524315"/>
+              </a:xfrm>
+              <a:prstGeom prst="rect">
+                <a:avLst/>
+              </a:prstGeom>
+              <a:blipFill rotWithShape="0">
+                <a:blip r:embed="rId2"/>
+                <a:stretch>
+                  <a:fillRect l="-714" t="-809" b="-1213"/>
+                </a:stretch>
+              </a:blipFill>
+            </p:spPr>
+            <p:txBody>
+              <a:bodyPr/>
+              <a:lstStyle/>
+              <a:p>
+                <a:r>
+                  <a:rPr lang="en-GB">
+                    <a:noFill/>
+                  </a:rPr>
+                  <a:t> </a:t>
+                </a:r>
+              </a:p>
+            </p:txBody>
+          </p:sp>
+        </mc:Fallback>
+      </mc:AlternateContent>
+      <p:sp>
+        <p:nvSpPr>
+          <p:cNvPr id="19" name="Right Arrow 18"/>
+          <p:cNvSpPr/>
+          <p:nvPr/>
+        </p:nvSpPr>
+        <p:spPr>
+          <a:xfrm rot="20441268">
+            <a:off x="8837412" y="4927686"/>
+            <a:ext cx="2808709" cy="630912"/>
+          </a:xfrm>
+          <a:prstGeom prst="rightArrow">
+            <a:avLst>
+              <a:gd name="adj1" fmla="val 68030"/>
+              <a:gd name="adj2" fmla="val 115565"/>
+            </a:avLst>
+          </a:prstGeom>
+          <a:solidFill>
+            <a:srgbClr val="FFFF00"/>
+          </a:solidFill>
+        </p:spPr>
+        <p:style>
+          <a:lnRef idx="2">
+            <a:schemeClr val="accent1">
+              <a:shade val="50000"/>
+            </a:schemeClr>
+          </a:lnRef>
+          <a:fillRef idx="1">
+            <a:schemeClr val="accent1"/>
+          </a:fillRef>
+          <a:effectRef idx="0">
+            <a:schemeClr val="accent1"/>
+          </a:effectRef>
+          <a:fontRef idx="minor">
+            <a:schemeClr val="lt1"/>
+          </a:fontRef>
+        </p:style>
+        <p:txBody>
+          <a:bodyPr wrap="square" lIns="36000" tIns="0" rIns="36000" bIns="0" rtlCol="0" anchor="ctr">
+            <a:spAutoFit/>
+          </a:bodyPr>
+          <a:lstStyle/>
+          <a:p>
+            <a:pPr algn="ctr"/>
+            <a:r>
+              <a:rPr lang="en-GB" sz="1400" dirty="0">
+                <a:solidFill>
+                  <a:schemeClr val="tx1"/>
+                </a:solidFill>
+              </a:rPr>
+              <a:t>Present (20</a:t>
+            </a:r>
+            <a:r>
+              <a:rPr lang="en-GB" sz="1400" dirty="0">
+                <a:solidFill>
+                  <a:srgbClr val="FF0000"/>
+                </a:solidFill>
+              </a:rPr>
+              <a:t>##-##-##</a:t>
+            </a:r>
+            <a:r>
+              <a:rPr lang="en-GB" sz="1400" dirty="0">
+                <a:solidFill>
+                  <a:schemeClr val="tx1"/>
+                </a:solidFill>
+              </a:rPr>
+              <a:t>) proposal from “HCT in </a:t>
+            </a:r>
+            <a:r>
+              <a:rPr lang="en-GB" sz="1400" dirty="0" err="1">
+                <a:solidFill>
+                  <a:schemeClr val="tx1"/>
+                </a:solidFill>
+              </a:rPr>
+              <a:t>Swe</a:t>
+            </a:r>
+            <a:r>
+              <a:rPr lang="en-GB" sz="1400" dirty="0">
+                <a:solidFill>
+                  <a:schemeClr val="tx1"/>
+                </a:solidFill>
+              </a:rPr>
+              <a:t>-project”</a:t>
+            </a:r>
+          </a:p>
+        </p:txBody>
+      </p:sp>
+      <p:sp>
+        <p:nvSpPr>
+          <p:cNvPr id="28" name="Right Arrow 27"/>
+          <p:cNvSpPr/>
+          <p:nvPr/>
+        </p:nvSpPr>
+        <p:spPr>
+          <a:xfrm rot="20441268">
+            <a:off x="7732577" y="4715942"/>
+            <a:ext cx="2650604" cy="630912"/>
+          </a:xfrm>
+          <a:prstGeom prst="rightArrow">
+            <a:avLst>
+              <a:gd name="adj1" fmla="val 68030"/>
+              <a:gd name="adj2" fmla="val 106426"/>
+            </a:avLst>
+          </a:prstGeom>
+          <a:solidFill>
+            <a:srgbClr val="FFFF99"/>
+          </a:solidFill>
+        </p:spPr>
+        <p:style>
+          <a:lnRef idx="2">
+            <a:schemeClr val="accent1">
+              <a:shade val="50000"/>
+            </a:schemeClr>
+          </a:lnRef>
+          <a:fillRef idx="1">
+            <a:schemeClr val="accent1"/>
+          </a:fillRef>
+          <a:effectRef idx="0">
+            <a:schemeClr val="accent1"/>
+          </a:effectRef>
+          <a:fontRef idx="minor">
+            <a:schemeClr val="lt1"/>
+          </a:fontRef>
+        </p:style>
+        <p:txBody>
+          <a:bodyPr wrap="square" lIns="36000" tIns="0" rIns="36000" bIns="0" rtlCol="0" anchor="ctr">
+            <a:spAutoFit/>
+          </a:bodyPr>
+          <a:lstStyle/>
+          <a:p>
+            <a:pPr algn="ctr"/>
+            <a:r>
+              <a:rPr lang="en-GB" sz="1400" dirty="0">
+                <a:solidFill>
+                  <a:schemeClr val="tx1"/>
+                </a:solidFill>
+              </a:rPr>
+              <a:t>Implemented in Open PBS tool, version </a:t>
+            </a:r>
+            <a:r>
+              <a:rPr lang="en-GB" sz="1400" dirty="0">
+                <a:solidFill>
+                  <a:srgbClr val="FF0000"/>
+                </a:solidFill>
+              </a:rPr>
+              <a:t>###</a:t>
+            </a:r>
+          </a:p>
+        </p:txBody>
+      </p:sp>
+      <p:sp>
+        <p:nvSpPr>
+          <p:cNvPr id="29" name="TextBox 28"/>
+          <p:cNvSpPr txBox="1"/>
+          <p:nvPr/>
+        </p:nvSpPr>
+        <p:spPr>
+          <a:xfrm>
+            <a:off x="7685314" y="3418117"/>
+            <a:ext cx="4506686" cy="1169551"/>
+          </a:xfrm>
+          <a:prstGeom prst="rect">
+            <a:avLst/>
+          </a:prstGeom>
+          <a:noFill/>
+        </p:spPr>
+        <p:txBody>
+          <a:bodyPr wrap="square" rtlCol="0">
+            <a:spAutoFit/>
+          </a:bodyPr>
+          <a:lstStyle/>
+          <a:p>
+            <a:pPr marL="285750" indent="-285750">
+              <a:buFont typeface="Arial" panose="020B0604020202020204" pitchFamily="34" charset="0"/>
+              <a:buChar char="•"/>
+            </a:pPr>
+            <a:r>
+              <a:rPr lang="en-GB" sz="1400" dirty="0"/>
+              <a:t>Some relevant alternatives to be presented, in order to document and agree also which alternatives are deselected, and possibly why.</a:t>
+            </a:r>
+          </a:p>
+          <a:p>
+            <a:pPr marL="285750" indent="-285750">
+              <a:buFont typeface="Arial" panose="020B0604020202020204" pitchFamily="34" charset="0"/>
+              <a:buChar char="•"/>
+            </a:pPr>
+            <a:r>
+              <a:rPr lang="en-GB" sz="1400" dirty="0"/>
+              <a:t>Mark which manoeuvre and measure in Open PBS Tool and in project:</a:t>
+            </a:r>
+          </a:p>
+        </p:txBody>
+      </p:sp>
+    </p:spTree>
+    <p:extLst>
+      <p:ext uri="{BB962C8B-B14F-4D97-AF65-F5344CB8AC3E}">
+        <p14:creationId xmlns:p14="http://schemas.microsoft.com/office/powerpoint/2010/main" val="3486473465"/>
       </p:ext>
     </p:extLst>
   </p:cSld>

--- a/OpenPBS/Resources/illustrations/DescriptionsPerPBS_ToTool.pptx
+++ b/OpenPBS/Resources/illustrations/DescriptionsPerPBS_ToTool.pptx
@@ -208,7 +208,7 @@
           <a:p>
             <a:fld id="{C4323B45-13B1-45B0-9F8E-94CB6922880E}" type="datetimeFigureOut">
               <a:rPr lang="en-GB" smtClean="0"/>
-              <a:t>06/01/2017</a:t>
+              <a:t>20/03/2017</a:t>
             </a:fld>
             <a:endParaRPr lang="en-GB"/>
           </a:p>
@@ -11310,8 +11310,8 @@
           </a:p>
         </p:txBody>
       </p:sp>
-      <mc:AlternateContent xmlns:mc="http://schemas.openxmlformats.org/markup-compatibility/2006">
-        <mc:Choice xmlns:a14="http://schemas.microsoft.com/office/drawing/2010/main" Requires="a14">
+      <mc:AlternateContent xmlns:mc="http://schemas.openxmlformats.org/markup-compatibility/2006" xmlns:a14="http://schemas.microsoft.com/office/drawing/2010/main">
+        <mc:Choice Requires="a14">
           <p:sp>
             <p:nvSpPr>
               <p:cNvPr id="18" name="TextBox 17"/>
@@ -11795,7 +11795,7 @@
             </p:txBody>
           </p:sp>
         </mc:Choice>
-        <mc:Fallback>
+        <mc:Fallback xmlns="">
           <p:sp>
             <p:nvSpPr>
               <p:cNvPr id="18" name="TextBox 17"/>
@@ -22146,6 +22146,56 @@
           </a:fontRef>
         </p:style>
       </p:cxnSp>
+      <p:sp>
+        <p:nvSpPr>
+          <p:cNvPr id="4" name="TextBox 3"/>
+          <p:cNvSpPr txBox="1"/>
+          <p:nvPr/>
+        </p:nvSpPr>
+        <p:spPr>
+          <a:xfrm>
+            <a:off x="189781" y="5917721"/>
+            <a:ext cx="6044925" cy="923330"/>
+          </a:xfrm>
+          <a:prstGeom prst="rect">
+            <a:avLst/>
+          </a:prstGeom>
+          <a:noFill/>
+        </p:spPr>
+        <p:txBody>
+          <a:bodyPr wrap="none" rtlCol="0">
+            <a:spAutoFit/>
+          </a:bodyPr>
+          <a:lstStyle/>
+          <a:p>
+            <a:r>
+              <a:rPr lang="en-GB" dirty="0" smtClean="0"/>
+              <a:t>Does “converter dolly + semi trailer” or “full trailer” influence?</a:t>
+            </a:r>
+          </a:p>
+          <a:p>
+            <a:r>
+              <a:rPr lang="en-GB" dirty="0" smtClean="0"/>
+              <a:t>Does “converter dolly with or without turn table” influence? </a:t>
+            </a:r>
+          </a:p>
+          <a:p>
+            <a:r>
+              <a:rPr lang="en-GB" dirty="0" smtClean="0"/>
+              <a:t>Can typically influence RWA and low speed </a:t>
+            </a:r>
+            <a:r>
+              <a:rPr lang="en-GB" dirty="0" err="1" smtClean="0"/>
+              <a:t>manouverability</a:t>
+            </a:r>
+            <a:r>
+              <a:rPr lang="en-GB" dirty="0" smtClean="0"/>
+              <a:t>.</a:t>
+            </a:r>
+            <a:endParaRPr lang="en-GB" dirty="0"/>
+          </a:p>
+        </p:txBody>
+      </p:sp>
     </p:spTree>
     <p:extLst>
       <p:ext uri="{BB962C8B-B14F-4D97-AF65-F5344CB8AC3E}">
